--- a/ClearView-Sarcyk-Project-Proposal.pptx
+++ b/ClearView-Sarcyk-Project-Proposal.pptx
@@ -2372,10 +2372,41 @@
   <pc:docChgLst>
     <pc:chgData name="Luiz Break" userId="3ea80d37ed61a017" providerId="LiveId" clId="{FBF164D9-12EF-47A7-BE3F-D60D4AB53842}"/>
     <pc:docChg chg="undo custSel addSld modSld sldOrd">
-      <pc:chgData name="Luiz Break" userId="3ea80d37ed61a017" providerId="LiveId" clId="{FBF164D9-12EF-47A7-BE3F-D60D4AB53842}" dt="2024-10-28T20:54:38.186" v="2859" actId="1076"/>
+      <pc:chgData name="Luiz Break" userId="3ea80d37ed61a017" providerId="LiveId" clId="{FBF164D9-12EF-47A7-BE3F-D60D4AB53842}" dt="2024-11-08T16:11:03.718" v="2865" actId="207"/>
       <pc:docMkLst>
         <pc:docMk/>
       </pc:docMkLst>
+      <pc:sldChg chg="modSp mod">
+        <pc:chgData name="Luiz Break" userId="3ea80d37ed61a017" providerId="LiveId" clId="{FBF164D9-12EF-47A7-BE3F-D60D4AB53842}" dt="2024-11-08T16:11:03.718" v="2865" actId="207"/>
+        <pc:sldMkLst>
+          <pc:docMk/>
+          <pc:sldMk cId="145788081" sldId="256"/>
+        </pc:sldMkLst>
+        <pc:spChg chg="mod">
+          <ac:chgData name="Luiz Break" userId="3ea80d37ed61a017" providerId="LiveId" clId="{FBF164D9-12EF-47A7-BE3F-D60D4AB53842}" dt="2024-11-08T16:10:36.890" v="2862" actId="207"/>
+          <ac:spMkLst>
+            <pc:docMk/>
+            <pc:sldMk cId="145788081" sldId="256"/>
+            <ac:spMk id="4" creationId="{A26BBEAE-146D-D796-E7EC-15C5B454B866}"/>
+          </ac:spMkLst>
+        </pc:spChg>
+        <pc:spChg chg="mod">
+          <ac:chgData name="Luiz Break" userId="3ea80d37ed61a017" providerId="LiveId" clId="{FBF164D9-12EF-47A7-BE3F-D60D4AB53842}" dt="2024-11-08T16:10:43.640" v="2863" actId="207"/>
+          <ac:spMkLst>
+            <pc:docMk/>
+            <pc:sldMk cId="145788081" sldId="256"/>
+            <ac:spMk id="6" creationId="{8A5841FE-85B5-5D78-9833-41A619C7FAA3}"/>
+          </ac:spMkLst>
+        </pc:spChg>
+        <pc:spChg chg="mod">
+          <ac:chgData name="Luiz Break" userId="3ea80d37ed61a017" providerId="LiveId" clId="{FBF164D9-12EF-47A7-BE3F-D60D4AB53842}" dt="2024-11-08T16:11:03.718" v="2865" actId="207"/>
+          <ac:spMkLst>
+            <pc:docMk/>
+            <pc:sldMk cId="145788081" sldId="256"/>
+            <ac:spMk id="9" creationId="{FA976E77-58C6-B999-F3EA-E3EFC61DED6D}"/>
+          </ac:spMkLst>
+        </pc:spChg>
+      </pc:sldChg>
       <pc:sldChg chg="modSp mod">
         <pc:chgData name="Luiz Break" userId="3ea80d37ed61a017" providerId="LiveId" clId="{FBF164D9-12EF-47A7-BE3F-D60D4AB53842}" dt="2024-10-09T14:34:57.505" v="779" actId="113"/>
         <pc:sldMkLst>
@@ -7751,7 +7782,7 @@
           <a:p>
             <a:fld id="{4B97C09A-2347-409D-9A31-A496097CEE40}" type="datetimeFigureOut">
               <a:rPr lang="en-US" smtClean="0"/>
-              <a:t>10/28/2024</a:t>
+              <a:t>11/8/2024</a:t>
             </a:fld>
             <a:endParaRPr lang="en-US"/>
           </a:p>
@@ -8662,7 +8693,7 @@
           <a:p>
             <a:fld id="{30DA992D-B031-451B-91EA-A22FE9180760}" type="datetimeFigureOut">
               <a:rPr lang="en-US" smtClean="0"/>
-              <a:t>10/28/2024</a:t>
+              <a:t>11/8/2024</a:t>
             </a:fld>
             <a:endParaRPr lang="en-US"/>
           </a:p>
@@ -8860,7 +8891,7 @@
           <a:p>
             <a:fld id="{30DA992D-B031-451B-91EA-A22FE9180760}" type="datetimeFigureOut">
               <a:rPr lang="en-US" smtClean="0"/>
-              <a:t>10/28/2024</a:t>
+              <a:t>11/8/2024</a:t>
             </a:fld>
             <a:endParaRPr lang="en-US"/>
           </a:p>
@@ -9068,7 +9099,7 @@
           <a:p>
             <a:fld id="{30DA992D-B031-451B-91EA-A22FE9180760}" type="datetimeFigureOut">
               <a:rPr lang="en-US" smtClean="0"/>
-              <a:t>10/28/2024</a:t>
+              <a:t>11/8/2024</a:t>
             </a:fld>
             <a:endParaRPr lang="en-US"/>
           </a:p>
@@ -9266,7 +9297,7 @@
           <a:p>
             <a:fld id="{30DA992D-B031-451B-91EA-A22FE9180760}" type="datetimeFigureOut">
               <a:rPr lang="en-US" smtClean="0"/>
-              <a:t>10/28/2024</a:t>
+              <a:t>11/8/2024</a:t>
             </a:fld>
             <a:endParaRPr lang="en-US"/>
           </a:p>
@@ -9541,7 +9572,7 @@
           <a:p>
             <a:fld id="{30DA992D-B031-451B-91EA-A22FE9180760}" type="datetimeFigureOut">
               <a:rPr lang="en-US" smtClean="0"/>
-              <a:t>10/28/2024</a:t>
+              <a:t>11/8/2024</a:t>
             </a:fld>
             <a:endParaRPr lang="en-US"/>
           </a:p>
@@ -9806,7 +9837,7 @@
           <a:p>
             <a:fld id="{30DA992D-B031-451B-91EA-A22FE9180760}" type="datetimeFigureOut">
               <a:rPr lang="en-US" smtClean="0"/>
-              <a:t>10/28/2024</a:t>
+              <a:t>11/8/2024</a:t>
             </a:fld>
             <a:endParaRPr lang="en-US"/>
           </a:p>
@@ -10218,7 +10249,7 @@
           <a:p>
             <a:fld id="{30DA992D-B031-451B-91EA-A22FE9180760}" type="datetimeFigureOut">
               <a:rPr lang="en-US" smtClean="0"/>
-              <a:t>10/28/2024</a:t>
+              <a:t>11/8/2024</a:t>
             </a:fld>
             <a:endParaRPr lang="en-US"/>
           </a:p>
@@ -10359,7 +10390,7 @@
           <a:p>
             <a:fld id="{30DA992D-B031-451B-91EA-A22FE9180760}" type="datetimeFigureOut">
               <a:rPr lang="en-US" smtClean="0"/>
-              <a:t>10/28/2024</a:t>
+              <a:t>11/8/2024</a:t>
             </a:fld>
             <a:endParaRPr lang="en-US"/>
           </a:p>
@@ -10472,7 +10503,7 @@
           <a:p>
             <a:fld id="{30DA992D-B031-451B-91EA-A22FE9180760}" type="datetimeFigureOut">
               <a:rPr lang="en-US" smtClean="0"/>
-              <a:t>10/28/2024</a:t>
+              <a:t>11/8/2024</a:t>
             </a:fld>
             <a:endParaRPr lang="en-US"/>
           </a:p>
@@ -10783,7 +10814,7 @@
           <a:p>
             <a:fld id="{30DA992D-B031-451B-91EA-A22FE9180760}" type="datetimeFigureOut">
               <a:rPr lang="en-US" smtClean="0"/>
-              <a:t>10/28/2024</a:t>
+              <a:t>11/8/2024</a:t>
             </a:fld>
             <a:endParaRPr lang="en-US"/>
           </a:p>
@@ -11071,7 +11102,7 @@
           <a:p>
             <a:fld id="{30DA992D-B031-451B-91EA-A22FE9180760}" type="datetimeFigureOut">
               <a:rPr lang="en-US" smtClean="0"/>
-              <a:t>10/28/2024</a:t>
+              <a:t>11/8/2024</a:t>
             </a:fld>
             <a:endParaRPr lang="en-US"/>
           </a:p>
@@ -11312,7 +11343,7 @@
           <a:p>
             <a:fld id="{30DA992D-B031-451B-91EA-A22FE9180760}" type="datetimeFigureOut">
               <a:rPr lang="en-US" smtClean="0"/>
-              <a:t>10/28/2024</a:t>
+              <a:t>11/8/2024</a:t>
             </a:fld>
             <a:endParaRPr lang="en-US"/>
           </a:p>
@@ -26158,6 +26189,9 @@
           <a:prstGeom prst="rect">
             <a:avLst/>
           </a:prstGeom>
+          <a:solidFill>
+            <a:schemeClr val="accent4"/>
+          </a:solidFill>
         </p:spPr>
         <p:style>
           <a:lnRef idx="2">
@@ -26256,6 +26290,12 @@
           <a:prstGeom prst="rect">
             <a:avLst/>
           </a:prstGeom>
+          <a:solidFill>
+            <a:schemeClr val="accent4">
+              <a:lumMod val="40000"/>
+              <a:lumOff val="60000"/>
+            </a:schemeClr>
+          </a:solidFill>
         </p:spPr>
         <p:style>
           <a:lnRef idx="2">
@@ -26404,6 +26444,12 @@
           <a:prstGeom prst="rect">
             <a:avLst/>
           </a:prstGeom>
+          <a:solidFill>
+            <a:schemeClr val="accent4">
+              <a:lumMod val="20000"/>
+              <a:lumOff val="80000"/>
+            </a:schemeClr>
+          </a:solidFill>
         </p:spPr>
         <p:style>
           <a:lnRef idx="2">
@@ -26427,17 +26473,29 @@
           <a:p>
             <a:pPr algn="ctr"/>
             <a:r>
-              <a:rPr lang="en-US" sz="1800" b="0" i="1" u="none" strike="noStrike" baseline="0" dirty="0"/>
+              <a:rPr lang="en-US" sz="1800" b="0" i="1" u="none" strike="noStrike" baseline="0" dirty="0">
+                <a:solidFill>
+                  <a:schemeClr val="tx1"/>
+                </a:solidFill>
+              </a:rPr>
               <a:t>SMAC Distributing</a:t>
             </a:r>
           </a:p>
           <a:p>
             <a:pPr algn="ctr"/>
             <a:r>
-              <a:rPr lang="en-US" i="1" dirty="0"/>
+              <a:rPr lang="en-US" i="1" dirty="0">
+                <a:solidFill>
+                  <a:schemeClr val="tx1"/>
+                </a:solidFill>
+              </a:rPr>
               <a:t>(Bingo)</a:t>
             </a:r>
-            <a:endParaRPr lang="en-US" dirty="0"/>
+            <a:endParaRPr lang="en-US" dirty="0">
+              <a:solidFill>
+                <a:schemeClr val="tx1"/>
+              </a:solidFill>
+            </a:endParaRPr>
           </a:p>
         </p:txBody>
       </p:sp>

--- a/ClearView-Sarcyk-Project-Proposal.pptx
+++ b/ClearView-Sarcyk-Project-Proposal.pptx
@@ -5,7 +5,7 @@
     <p:sldMasterId id="2147483648" r:id="rId1"/>
   </p:sldMasterIdLst>
   <p:notesMasterIdLst>
-    <p:notesMasterId r:id="rId22"/>
+    <p:notesMasterId r:id="rId23"/>
   </p:notesMasterIdLst>
   <p:sldIdLst>
     <p:sldId id="273" r:id="rId2"/>
@@ -20,14 +20,15 @@
     <p:sldId id="321" r:id="rId11"/>
     <p:sldId id="324" r:id="rId12"/>
     <p:sldId id="325" r:id="rId13"/>
-    <p:sldId id="326" r:id="rId14"/>
-    <p:sldId id="313" r:id="rId15"/>
-    <p:sldId id="274" r:id="rId16"/>
-    <p:sldId id="323" r:id="rId17"/>
-    <p:sldId id="312" r:id="rId18"/>
-    <p:sldId id="276" r:id="rId19"/>
-    <p:sldId id="310" r:id="rId20"/>
-    <p:sldId id="322" r:id="rId21"/>
+    <p:sldId id="327" r:id="rId14"/>
+    <p:sldId id="326" r:id="rId15"/>
+    <p:sldId id="313" r:id="rId16"/>
+    <p:sldId id="274" r:id="rId17"/>
+    <p:sldId id="323" r:id="rId18"/>
+    <p:sldId id="312" r:id="rId19"/>
+    <p:sldId id="276" r:id="rId20"/>
+    <p:sldId id="310" r:id="rId21"/>
+    <p:sldId id="322" r:id="rId22"/>
   </p:sldIdLst>
   <p:sldSz cx="12192000" cy="6858000"/>
   <p:notesSz cx="6858000" cy="9144000"/>
@@ -137,7 +138,7 @@
 <file path=ppt/revisionInfo.xml><?xml version="1.0" encoding="utf-8"?>
 <p1510:revInfo xmlns:a="http://schemas.openxmlformats.org/drawingml/2006/main" xmlns:r="http://schemas.openxmlformats.org/officeDocument/2006/relationships" xmlns:p1510="http://schemas.microsoft.com/office/powerpoint/2015/10/main">
   <p1510:revLst>
-    <p1510:client id="{FBF164D9-12EF-47A7-BE3F-D60D4AB53842}" v="50" dt="2024-10-28T03:49:04.361"/>
+    <p1510:client id="{FBF164D9-12EF-47A7-BE3F-D60D4AB53842}" v="84" dt="2024-11-11T19:32:17.364"/>
   </p1510:revLst>
 </p1510:revInfo>
 </file>
@@ -2372,7 +2373,7 @@
   <pc:docChgLst>
     <pc:chgData name="Luiz Break" userId="3ea80d37ed61a017" providerId="LiveId" clId="{FBF164D9-12EF-47A7-BE3F-D60D4AB53842}"/>
     <pc:docChg chg="undo custSel addSld modSld sldOrd">
-      <pc:chgData name="Luiz Break" userId="3ea80d37ed61a017" providerId="LiveId" clId="{FBF164D9-12EF-47A7-BE3F-D60D4AB53842}" dt="2024-11-08T16:11:03.718" v="2865" actId="207"/>
+      <pc:chgData name="Luiz Break" userId="3ea80d37ed61a017" providerId="LiveId" clId="{FBF164D9-12EF-47A7-BE3F-D60D4AB53842}" dt="2024-11-11T19:33:24.594" v="3211"/>
       <pc:docMkLst>
         <pc:docMk/>
       </pc:docMkLst>
@@ -3018,6 +3019,269 @@
             <ac:graphicFrameMk id="4" creationId="{65C2629F-4DEB-A2ED-0E6B-BF22A6F0F7B6}"/>
           </ac:graphicFrameMkLst>
         </pc:graphicFrameChg>
+      </pc:sldChg>
+      <pc:sldChg chg="addSp delSp modSp add mod">
+        <pc:chgData name="Luiz Break" userId="3ea80d37ed61a017" providerId="LiveId" clId="{FBF164D9-12EF-47A7-BE3F-D60D4AB53842}" dt="2024-11-11T19:33:24.594" v="3211"/>
+        <pc:sldMkLst>
+          <pc:docMk/>
+          <pc:sldMk cId="3898914470" sldId="327"/>
+        </pc:sldMkLst>
+        <pc:spChg chg="mod">
+          <ac:chgData name="Luiz Break" userId="3ea80d37ed61a017" providerId="LiveId" clId="{FBF164D9-12EF-47A7-BE3F-D60D4AB53842}" dt="2024-11-11T19:17:31.667" v="2901" actId="20577"/>
+          <ac:spMkLst>
+            <pc:docMk/>
+            <pc:sldMk cId="3898914470" sldId="327"/>
+            <ac:spMk id="3" creationId="{FF9B4DFF-BB9D-C724-148C-66B5937D1BD3}"/>
+          </ac:spMkLst>
+        </pc:spChg>
+        <pc:spChg chg="del">
+          <ac:chgData name="Luiz Break" userId="3ea80d37ed61a017" providerId="LiveId" clId="{FBF164D9-12EF-47A7-BE3F-D60D4AB53842}" dt="2024-11-11T19:18:42.275" v="2908" actId="21"/>
+          <ac:spMkLst>
+            <pc:docMk/>
+            <pc:sldMk cId="3898914470" sldId="327"/>
+            <ac:spMk id="4" creationId="{46B4F3F7-09B3-AFF6-F18C-8411A13B75CC}"/>
+          </ac:spMkLst>
+        </pc:spChg>
+        <pc:spChg chg="mod">
+          <ac:chgData name="Luiz Break" userId="3ea80d37ed61a017" providerId="LiveId" clId="{FBF164D9-12EF-47A7-BE3F-D60D4AB53842}" dt="2024-11-11T19:32:17.364" v="3208" actId="1035"/>
+          <ac:spMkLst>
+            <pc:docMk/>
+            <pc:sldMk cId="3898914470" sldId="327"/>
+            <ac:spMk id="5" creationId="{491C285F-F202-8EB3-4091-A924932AAD43}"/>
+          </ac:spMkLst>
+        </pc:spChg>
+        <pc:spChg chg="mod">
+          <ac:chgData name="Luiz Break" userId="3ea80d37ed61a017" providerId="LiveId" clId="{FBF164D9-12EF-47A7-BE3F-D60D4AB53842}" dt="2024-11-11T19:32:17.364" v="3208" actId="1035"/>
+          <ac:spMkLst>
+            <pc:docMk/>
+            <pc:sldMk cId="3898914470" sldId="327"/>
+            <ac:spMk id="6" creationId="{4C515C81-D335-A4C1-DC7C-EB3AAF058AF4}"/>
+          </ac:spMkLst>
+        </pc:spChg>
+        <pc:spChg chg="del">
+          <ac:chgData name="Luiz Break" userId="3ea80d37ed61a017" providerId="LiveId" clId="{FBF164D9-12EF-47A7-BE3F-D60D4AB53842}" dt="2024-11-11T19:25:02.655" v="2960" actId="21"/>
+          <ac:spMkLst>
+            <pc:docMk/>
+            <pc:sldMk cId="3898914470" sldId="327"/>
+            <ac:spMk id="9" creationId="{5AB497CB-503E-6BDD-E684-5FC7F0266642}"/>
+          </ac:spMkLst>
+        </pc:spChg>
+        <pc:spChg chg="del">
+          <ac:chgData name="Luiz Break" userId="3ea80d37ed61a017" providerId="LiveId" clId="{FBF164D9-12EF-47A7-BE3F-D60D4AB53842}" dt="2024-11-11T19:25:02.655" v="2960" actId="21"/>
+          <ac:spMkLst>
+            <pc:docMk/>
+            <pc:sldMk cId="3898914470" sldId="327"/>
+            <ac:spMk id="10" creationId="{9C79B6DE-C907-3ACC-DFAB-46DCD5ED6D9C}"/>
+          </ac:spMkLst>
+        </pc:spChg>
+        <pc:spChg chg="del">
+          <ac:chgData name="Luiz Break" userId="3ea80d37ed61a017" providerId="LiveId" clId="{FBF164D9-12EF-47A7-BE3F-D60D4AB53842}" dt="2024-11-11T19:25:02.655" v="2960" actId="21"/>
+          <ac:spMkLst>
+            <pc:docMk/>
+            <pc:sldMk cId="3898914470" sldId="327"/>
+            <ac:spMk id="11" creationId="{12156E6C-6D5B-8447-45BE-8C99DCB8003D}"/>
+          </ac:spMkLst>
+        </pc:spChg>
+        <pc:spChg chg="del">
+          <ac:chgData name="Luiz Break" userId="3ea80d37ed61a017" providerId="LiveId" clId="{FBF164D9-12EF-47A7-BE3F-D60D4AB53842}" dt="2024-11-11T19:18:46.494" v="2909" actId="21"/>
+          <ac:spMkLst>
+            <pc:docMk/>
+            <pc:sldMk cId="3898914470" sldId="327"/>
+            <ac:spMk id="12" creationId="{B692859F-B109-79C2-0153-3EBBD18F9BB6}"/>
+          </ac:spMkLst>
+        </pc:spChg>
+        <pc:spChg chg="del">
+          <ac:chgData name="Luiz Break" userId="3ea80d37ed61a017" providerId="LiveId" clId="{FBF164D9-12EF-47A7-BE3F-D60D4AB53842}" dt="2024-11-11T19:25:02.655" v="2960" actId="21"/>
+          <ac:spMkLst>
+            <pc:docMk/>
+            <pc:sldMk cId="3898914470" sldId="327"/>
+            <ac:spMk id="13" creationId="{09F30885-852D-3FDB-BF03-E0C34C878F5E}"/>
+          </ac:spMkLst>
+        </pc:spChg>
+        <pc:spChg chg="del">
+          <ac:chgData name="Luiz Break" userId="3ea80d37ed61a017" providerId="LiveId" clId="{FBF164D9-12EF-47A7-BE3F-D60D4AB53842}" dt="2024-11-11T19:25:02.655" v="2960" actId="21"/>
+          <ac:spMkLst>
+            <pc:docMk/>
+            <pc:sldMk cId="3898914470" sldId="327"/>
+            <ac:spMk id="14" creationId="{93963687-04F2-0301-3AC2-4AC9A4B28FD4}"/>
+          </ac:spMkLst>
+        </pc:spChg>
+        <pc:spChg chg="del mod">
+          <ac:chgData name="Luiz Break" userId="3ea80d37ed61a017" providerId="LiveId" clId="{FBF164D9-12EF-47A7-BE3F-D60D4AB53842}" dt="2024-11-11T19:25:02.655" v="2960" actId="21"/>
+          <ac:spMkLst>
+            <pc:docMk/>
+            <pc:sldMk cId="3898914470" sldId="327"/>
+            <ac:spMk id="15" creationId="{19140DB9-924D-F83B-0799-7230E4EAE4B0}"/>
+          </ac:spMkLst>
+        </pc:spChg>
+        <pc:spChg chg="del">
+          <ac:chgData name="Luiz Break" userId="3ea80d37ed61a017" providerId="LiveId" clId="{FBF164D9-12EF-47A7-BE3F-D60D4AB53842}" dt="2024-11-11T19:24:55.763" v="2959" actId="21"/>
+          <ac:spMkLst>
+            <pc:docMk/>
+            <pc:sldMk cId="3898914470" sldId="327"/>
+            <ac:spMk id="16" creationId="{84451994-0388-62E3-CE9C-CCDB3E714806}"/>
+          </ac:spMkLst>
+        </pc:spChg>
+        <pc:spChg chg="del">
+          <ac:chgData name="Luiz Break" userId="3ea80d37ed61a017" providerId="LiveId" clId="{FBF164D9-12EF-47A7-BE3F-D60D4AB53842}" dt="2024-11-11T19:18:42.275" v="2908" actId="21"/>
+          <ac:spMkLst>
+            <pc:docMk/>
+            <pc:sldMk cId="3898914470" sldId="327"/>
+            <ac:spMk id="17" creationId="{E84E8923-0B3D-A2EF-67ED-423030E7B5B6}"/>
+          </ac:spMkLst>
+        </pc:spChg>
+        <pc:spChg chg="mod">
+          <ac:chgData name="Luiz Break" userId="3ea80d37ed61a017" providerId="LiveId" clId="{FBF164D9-12EF-47A7-BE3F-D60D4AB53842}" dt="2024-11-11T19:32:17.364" v="3208" actId="1035"/>
+          <ac:spMkLst>
+            <pc:docMk/>
+            <pc:sldMk cId="3898914470" sldId="327"/>
+            <ac:spMk id="18" creationId="{DFFBF006-11AA-7A67-AE4D-E7DE3788352B}"/>
+          </ac:spMkLst>
+        </pc:spChg>
+        <pc:spChg chg="del">
+          <ac:chgData name="Luiz Break" userId="3ea80d37ed61a017" providerId="LiveId" clId="{FBF164D9-12EF-47A7-BE3F-D60D4AB53842}" dt="2024-11-11T19:27:00.998" v="2975" actId="21"/>
+          <ac:spMkLst>
+            <pc:docMk/>
+            <pc:sldMk cId="3898914470" sldId="327"/>
+            <ac:spMk id="19" creationId="{894C0432-E382-ACEC-DD72-715239F2F7F9}"/>
+          </ac:spMkLst>
+        </pc:spChg>
+        <pc:spChg chg="del">
+          <ac:chgData name="Luiz Break" userId="3ea80d37ed61a017" providerId="LiveId" clId="{FBF164D9-12EF-47A7-BE3F-D60D4AB53842}" dt="2024-11-11T19:18:42.275" v="2908" actId="21"/>
+          <ac:spMkLst>
+            <pc:docMk/>
+            <pc:sldMk cId="3898914470" sldId="327"/>
+            <ac:spMk id="29" creationId="{600F103A-FA61-6F19-6EA0-08FC182644F5}"/>
+          </ac:spMkLst>
+        </pc:spChg>
+        <pc:spChg chg="add mod">
+          <ac:chgData name="Luiz Break" userId="3ea80d37ed61a017" providerId="LiveId" clId="{FBF164D9-12EF-47A7-BE3F-D60D4AB53842}" dt="2024-11-11T19:32:17.364" v="3208" actId="1035"/>
+          <ac:spMkLst>
+            <pc:docMk/>
+            <pc:sldMk cId="3898914470" sldId="327"/>
+            <ac:spMk id="34" creationId="{854D0BC9-5155-91F2-A500-149474300A12}"/>
+          </ac:spMkLst>
+        </pc:spChg>
+        <pc:spChg chg="add mod">
+          <ac:chgData name="Luiz Break" userId="3ea80d37ed61a017" providerId="LiveId" clId="{FBF164D9-12EF-47A7-BE3F-D60D4AB53842}" dt="2024-11-11T19:32:17.364" v="3208" actId="1035"/>
+          <ac:spMkLst>
+            <pc:docMk/>
+            <pc:sldMk cId="3898914470" sldId="327"/>
+            <ac:spMk id="41" creationId="{8F238929-6595-CF91-CA50-E6983BBABC5B}"/>
+          </ac:spMkLst>
+        </pc:spChg>
+        <pc:spChg chg="add del mod">
+          <ac:chgData name="Luiz Break" userId="3ea80d37ed61a017" providerId="LiveId" clId="{FBF164D9-12EF-47A7-BE3F-D60D4AB53842}" dt="2024-11-11T19:27:55.933" v="2979" actId="21"/>
+          <ac:spMkLst>
+            <pc:docMk/>
+            <pc:sldMk cId="3898914470" sldId="327"/>
+            <ac:spMk id="56" creationId="{894C0432-E382-ACEC-DD72-715239F2F7F9}"/>
+          </ac:spMkLst>
+        </pc:spChg>
+        <pc:spChg chg="add mod">
+          <ac:chgData name="Luiz Break" userId="3ea80d37ed61a017" providerId="LiveId" clId="{FBF164D9-12EF-47A7-BE3F-D60D4AB53842}" dt="2024-11-11T19:32:17.364" v="3208" actId="1035"/>
+          <ac:spMkLst>
+            <pc:docMk/>
+            <pc:sldMk cId="3898914470" sldId="327"/>
+            <ac:spMk id="57" creationId="{144B4380-CD51-8A5D-7C98-EDBB5F99344A}"/>
+          </ac:spMkLst>
+        </pc:spChg>
+        <pc:spChg chg="add mod">
+          <ac:chgData name="Luiz Break" userId="3ea80d37ed61a017" providerId="LiveId" clId="{FBF164D9-12EF-47A7-BE3F-D60D4AB53842}" dt="2024-11-11T19:32:17.364" v="3208" actId="1035"/>
+          <ac:spMkLst>
+            <pc:docMk/>
+            <pc:sldMk cId="3898914470" sldId="327"/>
+            <ac:spMk id="59" creationId="{A59D331D-7C43-121B-DFF1-5335379BB868}"/>
+          </ac:spMkLst>
+        </pc:spChg>
+        <pc:spChg chg="add mod">
+          <ac:chgData name="Luiz Break" userId="3ea80d37ed61a017" providerId="LiveId" clId="{FBF164D9-12EF-47A7-BE3F-D60D4AB53842}" dt="2024-11-11T19:33:24.594" v="3211"/>
+          <ac:spMkLst>
+            <pc:docMk/>
+            <pc:sldMk cId="3898914470" sldId="327"/>
+            <ac:spMk id="60" creationId="{9ADC4EE9-0EBD-F8F0-22E2-AA2572D9D481}"/>
+          </ac:spMkLst>
+        </pc:spChg>
+        <pc:grpChg chg="del">
+          <ac:chgData name="Luiz Break" userId="3ea80d37ed61a017" providerId="LiveId" clId="{FBF164D9-12EF-47A7-BE3F-D60D4AB53842}" dt="2024-11-11T19:26:57.326" v="2974" actId="21"/>
+          <ac:grpSpMkLst>
+            <pc:docMk/>
+            <pc:sldMk cId="3898914470" sldId="327"/>
+            <ac:grpSpMk id="20" creationId="{ED4D8F94-CDD6-3698-2BDD-9C4C19E08C9E}"/>
+          </ac:grpSpMkLst>
+        </pc:grpChg>
+        <pc:picChg chg="mod">
+          <ac:chgData name="Luiz Break" userId="3ea80d37ed61a017" providerId="LiveId" clId="{FBF164D9-12EF-47A7-BE3F-D60D4AB53842}" dt="2024-11-11T19:32:17.364" v="3208" actId="1035"/>
+          <ac:picMkLst>
+            <pc:docMk/>
+            <pc:sldMk cId="3898914470" sldId="327"/>
+            <ac:picMk id="2" creationId="{495225E4-C63F-7951-B0D2-8505527F5525}"/>
+          </ac:picMkLst>
+        </pc:picChg>
+        <pc:picChg chg="del">
+          <ac:chgData name="Luiz Break" userId="3ea80d37ed61a017" providerId="LiveId" clId="{FBF164D9-12EF-47A7-BE3F-D60D4AB53842}" dt="2024-11-11T19:17:59.267" v="2904" actId="21"/>
+          <ac:picMkLst>
+            <pc:docMk/>
+            <pc:sldMk cId="3898914470" sldId="327"/>
+            <ac:picMk id="7" creationId="{7A2558E4-3D5A-9F39-79FA-4A5BE4AA5361}"/>
+          </ac:picMkLst>
+        </pc:picChg>
+        <pc:picChg chg="del">
+          <ac:chgData name="Luiz Break" userId="3ea80d37ed61a017" providerId="LiveId" clId="{FBF164D9-12EF-47A7-BE3F-D60D4AB53842}" dt="2024-11-11T19:18:04.011" v="2905" actId="21"/>
+          <ac:picMkLst>
+            <pc:docMk/>
+            <pc:sldMk cId="3898914470" sldId="327"/>
+            <ac:picMk id="23" creationId="{144DEC28-437F-6F79-492A-5D88CBFC41E6}"/>
+          </ac:picMkLst>
+        </pc:picChg>
+        <pc:picChg chg="add mod">
+          <ac:chgData name="Luiz Break" userId="3ea80d37ed61a017" providerId="LiveId" clId="{FBF164D9-12EF-47A7-BE3F-D60D4AB53842}" dt="2024-11-11T19:32:17.364" v="3208" actId="1035"/>
+          <ac:picMkLst>
+            <pc:docMk/>
+            <pc:sldMk cId="3898914470" sldId="327"/>
+            <ac:picMk id="24" creationId="{4868DF4B-9CA1-6EC9-6484-B2FBE365F900}"/>
+          </ac:picMkLst>
+        </pc:picChg>
+        <pc:picChg chg="del">
+          <ac:chgData name="Luiz Break" userId="3ea80d37ed61a017" providerId="LiveId" clId="{FBF164D9-12EF-47A7-BE3F-D60D4AB53842}" dt="2024-11-11T19:18:42.275" v="2908" actId="21"/>
+          <ac:picMkLst>
+            <pc:docMk/>
+            <pc:sldMk cId="3898914470" sldId="327"/>
+            <ac:picMk id="33" creationId="{3AF91662-9F6A-E344-3E2A-809DEC731841}"/>
+          </ac:picMkLst>
+        </pc:picChg>
+        <pc:picChg chg="add mod">
+          <ac:chgData name="Luiz Break" userId="3ea80d37ed61a017" providerId="LiveId" clId="{FBF164D9-12EF-47A7-BE3F-D60D4AB53842}" dt="2024-11-11T19:32:17.364" v="3208" actId="1035"/>
+          <ac:picMkLst>
+            <pc:docMk/>
+            <pc:sldMk cId="3898914470" sldId="327"/>
+            <ac:picMk id="46" creationId="{53A239BC-DC28-FA81-1C7C-884C10B40372}"/>
+          </ac:picMkLst>
+        </pc:picChg>
+        <pc:picChg chg="add mod">
+          <ac:chgData name="Luiz Break" userId="3ea80d37ed61a017" providerId="LiveId" clId="{FBF164D9-12EF-47A7-BE3F-D60D4AB53842}" dt="2024-11-11T19:32:17.364" v="3208" actId="1035"/>
+          <ac:picMkLst>
+            <pc:docMk/>
+            <pc:sldMk cId="3898914470" sldId="327"/>
+            <ac:picMk id="48" creationId="{482F77DA-4960-1781-3FDE-A6167A145058}"/>
+          </ac:picMkLst>
+        </pc:picChg>
+        <pc:picChg chg="mod">
+          <ac:chgData name="Luiz Break" userId="3ea80d37ed61a017" providerId="LiveId" clId="{FBF164D9-12EF-47A7-BE3F-D60D4AB53842}" dt="2024-11-11T19:32:17.364" v="3208" actId="1035"/>
+          <ac:picMkLst>
+            <pc:docMk/>
+            <pc:sldMk cId="3898914470" sldId="327"/>
+            <ac:picMk id="1028" creationId="{424C2154-45D9-45DA-869F-8AD1A42D0A22}"/>
+          </ac:picMkLst>
+        </pc:picChg>
+        <pc:cxnChg chg="mod">
+          <ac:chgData name="Luiz Break" userId="3ea80d37ed61a017" providerId="LiveId" clId="{FBF164D9-12EF-47A7-BE3F-D60D4AB53842}" dt="2024-11-11T19:32:17.364" v="3208" actId="1035"/>
+          <ac:cxnSpMkLst>
+            <pc:docMk/>
+            <pc:sldMk cId="3898914470" sldId="327"/>
+            <ac:cxnSpMk id="8" creationId="{977A1BC9-A784-48A5-D938-8B44FC9B032A}"/>
+          </ac:cxnSpMkLst>
+        </pc:cxnChg>
       </pc:sldChg>
     </pc:docChg>
   </pc:docChgLst>
@@ -7782,7 +8046,7 @@
           <a:p>
             <a:fld id="{4B97C09A-2347-409D-9A31-A496097CEE40}" type="datetimeFigureOut">
               <a:rPr lang="en-US" smtClean="0"/>
-              <a:t>11/8/2024</a:t>
+              <a:t>11/11/2024</a:t>
             </a:fld>
             <a:endParaRPr lang="en-US"/>
           </a:p>
@@ -8448,7 +8712,7 @@
             <a:fld id="{91C2869C-6C75-4031-B05B-B2FD91800F35}" type="slidenum">
               <a:rPr lang="en-CA" altLang="en-US"/>
               <a:pPr/>
-              <a:t>19</a:t>
+              <a:t>20</a:t>
             </a:fld>
             <a:endParaRPr lang="en-CA" altLang="en-US"/>
           </a:p>
@@ -8527,7 +8791,7 @@
           <a:p>
             <a:fld id="{F1B3C07A-DEED-42DE-A17E-8EE949F1C807}" type="slidenum">
               <a:rPr lang="en-US" smtClean="0"/>
-              <a:t>20</a:t>
+              <a:t>21</a:t>
             </a:fld>
             <a:endParaRPr lang="en-US"/>
           </a:p>
@@ -8693,7 +8957,7 @@
           <a:p>
             <a:fld id="{30DA992D-B031-451B-91EA-A22FE9180760}" type="datetimeFigureOut">
               <a:rPr lang="en-US" smtClean="0"/>
-              <a:t>11/8/2024</a:t>
+              <a:t>11/11/2024</a:t>
             </a:fld>
             <a:endParaRPr lang="en-US"/>
           </a:p>
@@ -8891,7 +9155,7 @@
           <a:p>
             <a:fld id="{30DA992D-B031-451B-91EA-A22FE9180760}" type="datetimeFigureOut">
               <a:rPr lang="en-US" smtClean="0"/>
-              <a:t>11/8/2024</a:t>
+              <a:t>11/11/2024</a:t>
             </a:fld>
             <a:endParaRPr lang="en-US"/>
           </a:p>
@@ -9099,7 +9363,7 @@
           <a:p>
             <a:fld id="{30DA992D-B031-451B-91EA-A22FE9180760}" type="datetimeFigureOut">
               <a:rPr lang="en-US" smtClean="0"/>
-              <a:t>11/8/2024</a:t>
+              <a:t>11/11/2024</a:t>
             </a:fld>
             <a:endParaRPr lang="en-US"/>
           </a:p>
@@ -9297,7 +9561,7 @@
           <a:p>
             <a:fld id="{30DA992D-B031-451B-91EA-A22FE9180760}" type="datetimeFigureOut">
               <a:rPr lang="en-US" smtClean="0"/>
-              <a:t>11/8/2024</a:t>
+              <a:t>11/11/2024</a:t>
             </a:fld>
             <a:endParaRPr lang="en-US"/>
           </a:p>
@@ -9572,7 +9836,7 @@
           <a:p>
             <a:fld id="{30DA992D-B031-451B-91EA-A22FE9180760}" type="datetimeFigureOut">
               <a:rPr lang="en-US" smtClean="0"/>
-              <a:t>11/8/2024</a:t>
+              <a:t>11/11/2024</a:t>
             </a:fld>
             <a:endParaRPr lang="en-US"/>
           </a:p>
@@ -9837,7 +10101,7 @@
           <a:p>
             <a:fld id="{30DA992D-B031-451B-91EA-A22FE9180760}" type="datetimeFigureOut">
               <a:rPr lang="en-US" smtClean="0"/>
-              <a:t>11/8/2024</a:t>
+              <a:t>11/11/2024</a:t>
             </a:fld>
             <a:endParaRPr lang="en-US"/>
           </a:p>
@@ -10249,7 +10513,7 @@
           <a:p>
             <a:fld id="{30DA992D-B031-451B-91EA-A22FE9180760}" type="datetimeFigureOut">
               <a:rPr lang="en-US" smtClean="0"/>
-              <a:t>11/8/2024</a:t>
+              <a:t>11/11/2024</a:t>
             </a:fld>
             <a:endParaRPr lang="en-US"/>
           </a:p>
@@ -10390,7 +10654,7 @@
           <a:p>
             <a:fld id="{30DA992D-B031-451B-91EA-A22FE9180760}" type="datetimeFigureOut">
               <a:rPr lang="en-US" smtClean="0"/>
-              <a:t>11/8/2024</a:t>
+              <a:t>11/11/2024</a:t>
             </a:fld>
             <a:endParaRPr lang="en-US"/>
           </a:p>
@@ -10503,7 +10767,7 @@
           <a:p>
             <a:fld id="{30DA992D-B031-451B-91EA-A22FE9180760}" type="datetimeFigureOut">
               <a:rPr lang="en-US" smtClean="0"/>
-              <a:t>11/8/2024</a:t>
+              <a:t>11/11/2024</a:t>
             </a:fld>
             <a:endParaRPr lang="en-US"/>
           </a:p>
@@ -10814,7 +11078,7 @@
           <a:p>
             <a:fld id="{30DA992D-B031-451B-91EA-A22FE9180760}" type="datetimeFigureOut">
               <a:rPr lang="en-US" smtClean="0"/>
-              <a:t>11/8/2024</a:t>
+              <a:t>11/11/2024</a:t>
             </a:fld>
             <a:endParaRPr lang="en-US"/>
           </a:p>
@@ -11102,7 +11366,7 @@
           <a:p>
             <a:fld id="{30DA992D-B031-451B-91EA-A22FE9180760}" type="datetimeFigureOut">
               <a:rPr lang="en-US" smtClean="0"/>
-              <a:t>11/8/2024</a:t>
+              <a:t>11/11/2024</a:t>
             </a:fld>
             <a:endParaRPr lang="en-US"/>
           </a:p>
@@ -11343,7 +11607,7 @@
           <a:p>
             <a:fld id="{30DA992D-B031-451B-91EA-A22FE9180760}" type="datetimeFigureOut">
               <a:rPr lang="en-US" smtClean="0"/>
-              <a:t>11/8/2024</a:t>
+              <a:t>11/11/2024</a:t>
             </a:fld>
             <a:endParaRPr lang="en-US"/>
           </a:p>
@@ -16729,6 +16993,776 @@
 </file>
 
 <file path=ppt/slides/slide13.xml><?xml version="1.0" encoding="utf-8"?>
+<p:sld xmlns:a="http://schemas.openxmlformats.org/drawingml/2006/main" xmlns:r="http://schemas.openxmlformats.org/officeDocument/2006/relationships" xmlns:p="http://schemas.openxmlformats.org/presentationml/2006/main">
+  <p:cSld>
+    <p:spTree>
+      <p:nvGrpSpPr>
+        <p:cNvPr id="1" name="">
+          <a:extLst>
+            <a:ext uri="{FF2B5EF4-FFF2-40B4-BE49-F238E27FC236}">
+              <a16:creationId xmlns:a16="http://schemas.microsoft.com/office/drawing/2014/main" id="{FF60C57D-F56A-BBF8-8C1E-64D822717EDF}"/>
+            </a:ext>
+          </a:extLst>
+        </p:cNvPr>
+        <p:cNvGrpSpPr/>
+        <p:nvPr/>
+      </p:nvGrpSpPr>
+      <p:grpSpPr>
+        <a:xfrm>
+          <a:off x="0" y="0"/>
+          <a:ext cx="0" cy="0"/>
+          <a:chOff x="0" y="0"/>
+          <a:chExt cx="0" cy="0"/>
+        </a:xfrm>
+      </p:grpSpPr>
+      <p:sp>
+        <p:nvSpPr>
+          <p:cNvPr id="5" name="Rectangle: Rounded Corners 4">
+            <a:extLst>
+              <a:ext uri="{FF2B5EF4-FFF2-40B4-BE49-F238E27FC236}">
+                <a16:creationId xmlns:a16="http://schemas.microsoft.com/office/drawing/2014/main" id="{491C285F-F202-8EB3-4091-A924932AAD43}"/>
+              </a:ext>
+            </a:extLst>
+          </p:cNvPr>
+          <p:cNvSpPr/>
+          <p:nvPr/>
+        </p:nvSpPr>
+        <p:spPr>
+          <a:xfrm>
+            <a:off x="4842018" y="3703746"/>
+            <a:ext cx="2507964" cy="407509"/>
+          </a:xfrm>
+          <a:prstGeom prst="roundRect">
+            <a:avLst/>
+          </a:prstGeom>
+        </p:spPr>
+        <p:style>
+          <a:lnRef idx="2">
+            <a:schemeClr val="accent6"/>
+          </a:lnRef>
+          <a:fillRef idx="1">
+            <a:schemeClr val="lt1"/>
+          </a:fillRef>
+          <a:effectRef idx="0">
+            <a:schemeClr val="accent6"/>
+          </a:effectRef>
+          <a:fontRef idx="minor">
+            <a:schemeClr val="dk1"/>
+          </a:fontRef>
+        </p:style>
+        <p:txBody>
+          <a:bodyPr rtlCol="0" anchor="ctr"/>
+          <a:lstStyle/>
+          <a:p>
+            <a:pPr algn="ctr"/>
+            <a:r>
+              <a:rPr lang="en-US" dirty="0" err="1"/>
+              <a:t>db</a:t>
+            </a:r>
+            <a:r>
+              <a:rPr lang="en-US" dirty="0"/>
+              <a:t>-dataset (Sheet)</a:t>
+            </a:r>
+          </a:p>
+        </p:txBody>
+      </p:sp>
+      <p:sp>
+        <p:nvSpPr>
+          <p:cNvPr id="6" name="Rectangle: Rounded Corners 5">
+            <a:extLst>
+              <a:ext uri="{FF2B5EF4-FFF2-40B4-BE49-F238E27FC236}">
+                <a16:creationId xmlns:a16="http://schemas.microsoft.com/office/drawing/2014/main" id="{4C515C81-D335-A4C1-DC7C-EB3AAF058AF4}"/>
+              </a:ext>
+            </a:extLst>
+          </p:cNvPr>
+          <p:cNvSpPr/>
+          <p:nvPr/>
+        </p:nvSpPr>
+        <p:spPr>
+          <a:xfrm>
+            <a:off x="4218034" y="1698808"/>
+            <a:ext cx="3934869" cy="436155"/>
+          </a:xfrm>
+          <a:prstGeom prst="roundRect">
+            <a:avLst/>
+          </a:prstGeom>
+        </p:spPr>
+        <p:style>
+          <a:lnRef idx="2">
+            <a:schemeClr val="accent6"/>
+          </a:lnRef>
+          <a:fillRef idx="1">
+            <a:schemeClr val="lt1"/>
+          </a:fillRef>
+          <a:effectRef idx="0">
+            <a:schemeClr val="accent6"/>
+          </a:effectRef>
+          <a:fontRef idx="minor">
+            <a:schemeClr val="dk1"/>
+          </a:fontRef>
+        </p:style>
+        <p:txBody>
+          <a:bodyPr rtlCol="0" anchor="ctr"/>
+          <a:lstStyle/>
+          <a:p>
+            <a:pPr algn="ctr"/>
+            <a:r>
+              <a:rPr lang="en-CA" dirty="0"/>
+              <a:t>307-Detailed-Receipt-To-Excel (Query)</a:t>
+            </a:r>
+          </a:p>
+        </p:txBody>
+      </p:sp>
+      <p:cxnSp>
+        <p:nvCxnSpPr>
+          <p:cNvPr id="8" name="Connector: Elbow 7">
+            <a:extLst>
+              <a:ext uri="{FF2B5EF4-FFF2-40B4-BE49-F238E27FC236}">
+                <a16:creationId xmlns:a16="http://schemas.microsoft.com/office/drawing/2014/main" id="{977A1BC9-A784-48A5-D938-8B44FC9B032A}"/>
+              </a:ext>
+            </a:extLst>
+          </p:cNvPr>
+          <p:cNvCxnSpPr>
+            <a:cxnSpLocks/>
+            <a:stCxn id="6" idx="2"/>
+            <a:endCxn id="41" idx="0"/>
+          </p:cNvCxnSpPr>
+          <p:nvPr/>
+        </p:nvCxnSpPr>
+        <p:spPr>
+          <a:xfrm rot="16200000" flipH="1">
+            <a:off x="5993350" y="2327082"/>
+            <a:ext cx="384636" cy="398"/>
+          </a:xfrm>
+          <a:prstGeom prst="bentConnector3">
+            <a:avLst>
+              <a:gd name="adj1" fmla="val 50000"/>
+            </a:avLst>
+          </a:prstGeom>
+          <a:ln>
+            <a:tailEnd type="triangle"/>
+          </a:ln>
+        </p:spPr>
+        <p:style>
+          <a:lnRef idx="2">
+            <a:schemeClr val="accent1"/>
+          </a:lnRef>
+          <a:fillRef idx="0">
+            <a:schemeClr val="accent1"/>
+          </a:fillRef>
+          <a:effectRef idx="1">
+            <a:schemeClr val="accent1"/>
+          </a:effectRef>
+          <a:fontRef idx="minor">
+            <a:schemeClr val="tx1"/>
+          </a:fontRef>
+        </p:style>
+      </p:cxnSp>
+      <p:pic>
+        <p:nvPicPr>
+          <p:cNvPr id="2" name="Picture 4" descr="Data Entry Icons - Free SVG &amp; PNG Data Entry Images - Noun Project">
+            <a:extLst>
+              <a:ext uri="{FF2B5EF4-FFF2-40B4-BE49-F238E27FC236}">
+                <a16:creationId xmlns:a16="http://schemas.microsoft.com/office/drawing/2014/main" id="{495225E4-C63F-7951-B0D2-8505527F5525}"/>
+              </a:ext>
+            </a:extLst>
+          </p:cNvPr>
+          <p:cNvPicPr>
+            <a:picLocks noChangeAspect="1" noChangeArrowheads="1"/>
+          </p:cNvPicPr>
+          <p:nvPr/>
+        </p:nvPicPr>
+        <p:blipFill>
+          <a:blip r:embed="rId2">
+            <a:extLst>
+              <a:ext uri="{28A0092B-C50C-407E-A947-70E740481C1C}">
+                <a14:useLocalDpi xmlns:a14="http://schemas.microsoft.com/office/drawing/2010/main" val="0"/>
+              </a:ext>
+            </a:extLst>
+          </a:blip>
+          <a:srcRect/>
+          <a:stretch>
+            <a:fillRect/>
+          </a:stretch>
+        </p:blipFill>
+        <p:spPr bwMode="auto">
+          <a:xfrm>
+            <a:off x="5686580" y="5662762"/>
+            <a:ext cx="818839" cy="818839"/>
+          </a:xfrm>
+          <a:prstGeom prst="rect">
+            <a:avLst/>
+          </a:prstGeom>
+          <a:noFill/>
+          <a:extLst>
+            <a:ext uri="{909E8E84-426E-40DD-AFC4-6F175D3DCCD1}">
+              <a14:hiddenFill xmlns:a14="http://schemas.microsoft.com/office/drawing/2010/main">
+                <a:solidFill>
+                  <a:srgbClr val="FFFFFF"/>
+                </a:solidFill>
+              </a14:hiddenFill>
+            </a:ext>
+          </a:extLst>
+        </p:spPr>
+      </p:pic>
+      <p:pic>
+        <p:nvPicPr>
+          <p:cNvPr id="1028" name="Picture 4">
+            <a:extLst>
+              <a:ext uri="{FF2B5EF4-FFF2-40B4-BE49-F238E27FC236}">
+                <a16:creationId xmlns:a16="http://schemas.microsoft.com/office/drawing/2014/main" id="{424C2154-45D9-45DA-869F-8AD1A42D0A22}"/>
+              </a:ext>
+            </a:extLst>
+          </p:cNvPr>
+          <p:cNvPicPr>
+            <a:picLocks noChangeAspect="1" noChangeArrowheads="1"/>
+          </p:cNvPicPr>
+          <p:nvPr/>
+        </p:nvPicPr>
+        <p:blipFill>
+          <a:blip r:embed="rId3">
+            <a:extLst>
+              <a:ext uri="{28A0092B-C50C-407E-A947-70E740481C1C}">
+                <a14:useLocalDpi xmlns:a14="http://schemas.microsoft.com/office/drawing/2010/main" val="0"/>
+              </a:ext>
+            </a:extLst>
+          </a:blip>
+          <a:srcRect/>
+          <a:stretch>
+            <a:fillRect/>
+          </a:stretch>
+        </p:blipFill>
+        <p:spPr bwMode="auto">
+          <a:xfrm>
+            <a:off x="5822131" y="2981275"/>
+            <a:ext cx="602254" cy="568361"/>
+          </a:xfrm>
+          <a:prstGeom prst="round2DiagRect">
+            <a:avLst>
+              <a:gd name="adj1" fmla="val 16667"/>
+              <a:gd name="adj2" fmla="val 0"/>
+            </a:avLst>
+          </a:prstGeom>
+          <a:ln w="88900" cap="sq">
+            <a:solidFill>
+              <a:srgbClr val="FFFFFF"/>
+            </a:solidFill>
+            <a:miter lim="800000"/>
+          </a:ln>
+          <a:effectLst>
+            <a:outerShdw blurRad="254000" algn="tl" rotWithShape="0">
+              <a:srgbClr val="000000">
+                <a:alpha val="43000"/>
+              </a:srgbClr>
+            </a:outerShdw>
+          </a:effectLst>
+          <a:extLst>
+            <a:ext uri="{909E8E84-426E-40DD-AFC4-6F175D3DCCD1}">
+              <a14:hiddenFill xmlns:a14="http://schemas.microsoft.com/office/drawing/2010/main">
+                <a:solidFill>
+                  <a:srgbClr val="FFFFFF"/>
+                </a:solidFill>
+              </a14:hiddenFill>
+            </a:ext>
+          </a:extLst>
+        </p:spPr>
+      </p:pic>
+      <p:sp>
+        <p:nvSpPr>
+          <p:cNvPr id="3" name="TextBox 2">
+            <a:extLst>
+              <a:ext uri="{FF2B5EF4-FFF2-40B4-BE49-F238E27FC236}">
+                <a16:creationId xmlns:a16="http://schemas.microsoft.com/office/drawing/2014/main" id="{FF9B4DFF-BB9D-C724-148C-66B5937D1BD3}"/>
+              </a:ext>
+            </a:extLst>
+          </p:cNvPr>
+          <p:cNvSpPr txBox="1"/>
+          <p:nvPr/>
+        </p:nvSpPr>
+        <p:spPr>
+          <a:xfrm>
+            <a:off x="104512" y="196169"/>
+            <a:ext cx="3156185" cy="892552"/>
+          </a:xfrm>
+          <a:prstGeom prst="rect">
+            <a:avLst/>
+          </a:prstGeom>
+          <a:solidFill>
+            <a:schemeClr val="accent1">
+              <a:lumMod val="20000"/>
+              <a:lumOff val="80000"/>
+            </a:schemeClr>
+          </a:solidFill>
+          <a:ln>
+            <a:solidFill>
+              <a:schemeClr val="accent1"/>
+            </a:solidFill>
+          </a:ln>
+        </p:spPr>
+        <p:txBody>
+          <a:bodyPr wrap="square" rtlCol="0">
+            <a:spAutoFit/>
+          </a:bodyPr>
+          <a:lstStyle/>
+          <a:p>
+            <a:pPr algn="ctr"/>
+            <a:r>
+              <a:rPr lang="es-ES_tradnl" sz="2000" b="1" i="1" dirty="0" err="1">
+                <a:solidFill>
+                  <a:schemeClr val="accent1">
+                    <a:lumMod val="75000"/>
+                  </a:schemeClr>
+                </a:solidFill>
+              </a:rPr>
+              <a:t>ClearView</a:t>
+            </a:r>
+            <a:r>
+              <a:rPr lang="es-ES_tradnl" sz="2000" b="1" i="1" dirty="0">
+                <a:solidFill>
+                  <a:schemeClr val="accent1">
+                    <a:lumMod val="75000"/>
+                  </a:schemeClr>
+                </a:solidFill>
+              </a:rPr>
+              <a:t>!</a:t>
+            </a:r>
+          </a:p>
+          <a:p>
+            <a:pPr algn="ctr"/>
+            <a:r>
+              <a:rPr lang="en-US" sz="1600" i="1" dirty="0"/>
+              <a:t>Business Management System</a:t>
+            </a:r>
+            <a:endParaRPr lang="es-ES_tradnl" sz="1600" dirty="0">
+              <a:solidFill>
+                <a:schemeClr val="accent1">
+                  <a:lumMod val="75000"/>
+                </a:schemeClr>
+              </a:solidFill>
+            </a:endParaRPr>
+          </a:p>
+          <a:p>
+            <a:pPr algn="ctr"/>
+            <a:r>
+              <a:rPr lang="en-US" sz="1600" i="1" dirty="0">
+                <a:solidFill>
+                  <a:schemeClr val="accent1">
+                    <a:lumMod val="75000"/>
+                  </a:schemeClr>
+                </a:solidFill>
+              </a:rPr>
+              <a:t>Excel Dashboard</a:t>
+            </a:r>
+            <a:endParaRPr lang="es-ES_tradnl" sz="1600" dirty="0">
+              <a:solidFill>
+                <a:schemeClr val="accent1">
+                  <a:lumMod val="75000"/>
+                </a:schemeClr>
+              </a:solidFill>
+            </a:endParaRPr>
+          </a:p>
+        </p:txBody>
+      </p:sp>
+      <p:sp>
+        <p:nvSpPr>
+          <p:cNvPr id="18" name="Arrow: Left 17">
+            <a:extLst>
+              <a:ext uri="{FF2B5EF4-FFF2-40B4-BE49-F238E27FC236}">
+                <a16:creationId xmlns:a16="http://schemas.microsoft.com/office/drawing/2014/main" id="{DFFBF006-11AA-7A67-AE4D-E7DE3788352B}"/>
+              </a:ext>
+            </a:extLst>
+          </p:cNvPr>
+          <p:cNvSpPr/>
+          <p:nvPr/>
+        </p:nvSpPr>
+        <p:spPr>
+          <a:xfrm rot="16200000">
+            <a:off x="5891486" y="5121257"/>
+            <a:ext cx="427037" cy="598472"/>
+          </a:xfrm>
+          <a:prstGeom prst="leftArrow">
+            <a:avLst/>
+          </a:prstGeom>
+        </p:spPr>
+        <p:style>
+          <a:lnRef idx="1">
+            <a:schemeClr val="accent6"/>
+          </a:lnRef>
+          <a:fillRef idx="3">
+            <a:schemeClr val="accent6"/>
+          </a:fillRef>
+          <a:effectRef idx="2">
+            <a:schemeClr val="accent6"/>
+          </a:effectRef>
+          <a:fontRef idx="minor">
+            <a:schemeClr val="lt1"/>
+          </a:fontRef>
+        </p:style>
+        <p:txBody>
+          <a:bodyPr rtlCol="0" anchor="ctr"/>
+          <a:lstStyle/>
+          <a:p>
+            <a:pPr algn="ctr"/>
+            <a:endParaRPr lang="en-US"/>
+          </a:p>
+        </p:txBody>
+      </p:sp>
+      <p:pic>
+        <p:nvPicPr>
+          <p:cNvPr id="24" name="Picture 23" descr="A picture containing text, clipart&#10;&#10;Description automatically generated">
+            <a:extLst>
+              <a:ext uri="{FF2B5EF4-FFF2-40B4-BE49-F238E27FC236}">
+                <a16:creationId xmlns:a16="http://schemas.microsoft.com/office/drawing/2014/main" id="{4868DF4B-9CA1-6EC9-6484-B2FBE365F900}"/>
+              </a:ext>
+            </a:extLst>
+          </p:cNvPr>
+          <p:cNvPicPr>
+            <a:picLocks noChangeAspect="1"/>
+          </p:cNvPicPr>
+          <p:nvPr/>
+        </p:nvPicPr>
+        <p:blipFill>
+          <a:blip r:embed="rId4" cstate="hqprint">
+            <a:extLst>
+              <a:ext uri="{28A0092B-C50C-407E-A947-70E740481C1C}">
+                <a14:useLocalDpi xmlns:a14="http://schemas.microsoft.com/office/drawing/2010/main" val="0"/>
+              </a:ext>
+            </a:extLst>
+          </a:blip>
+          <a:stretch>
+            <a:fillRect/>
+          </a:stretch>
+        </p:blipFill>
+        <p:spPr>
+          <a:xfrm>
+            <a:off x="5902800" y="896183"/>
+            <a:ext cx="571248" cy="539100"/>
+          </a:xfrm>
+          <a:prstGeom prst="round2DiagRect">
+            <a:avLst>
+              <a:gd name="adj1" fmla="val 16667"/>
+              <a:gd name="adj2" fmla="val 0"/>
+            </a:avLst>
+          </a:prstGeom>
+          <a:ln w="88900" cap="sq">
+            <a:solidFill>
+              <a:srgbClr val="FFFFFF"/>
+            </a:solidFill>
+            <a:miter lim="800000"/>
+          </a:ln>
+          <a:effectLst>
+            <a:outerShdw blurRad="254000" algn="tl" rotWithShape="0">
+              <a:srgbClr val="000000">
+                <a:alpha val="43000"/>
+              </a:srgbClr>
+            </a:outerShdw>
+          </a:effectLst>
+        </p:spPr>
+      </p:pic>
+      <p:sp>
+        <p:nvSpPr>
+          <p:cNvPr id="34" name="TextBox 33">
+            <a:extLst>
+              <a:ext uri="{FF2B5EF4-FFF2-40B4-BE49-F238E27FC236}">
+                <a16:creationId xmlns:a16="http://schemas.microsoft.com/office/drawing/2014/main" id="{854D0BC9-5155-91F2-A500-149474300A12}"/>
+              </a:ext>
+            </a:extLst>
+          </p:cNvPr>
+          <p:cNvSpPr txBox="1"/>
+          <p:nvPr/>
+        </p:nvSpPr>
+        <p:spPr>
+          <a:xfrm>
+            <a:off x="5332281" y="381092"/>
+            <a:ext cx="1712287" cy="369332"/>
+          </a:xfrm>
+          <a:prstGeom prst="rect">
+            <a:avLst/>
+          </a:prstGeom>
+          <a:noFill/>
+        </p:spPr>
+        <p:txBody>
+          <a:bodyPr wrap="square">
+            <a:spAutoFit/>
+          </a:bodyPr>
+          <a:lstStyle/>
+          <a:p>
+            <a:pPr algn="ctr"/>
+            <a:r>
+              <a:rPr lang="es-ES_tradnl" sz="1800" b="1" i="1" dirty="0" err="1">
+                <a:solidFill>
+                  <a:schemeClr val="accent1">
+                    <a:lumMod val="75000"/>
+                  </a:schemeClr>
+                </a:solidFill>
+              </a:rPr>
+              <a:t>ClearView</a:t>
+            </a:r>
+            <a:r>
+              <a:rPr lang="es-ES_tradnl" sz="1800" b="1" i="1" dirty="0">
+                <a:solidFill>
+                  <a:schemeClr val="accent1">
+                    <a:lumMod val="75000"/>
+                  </a:schemeClr>
+                </a:solidFill>
+              </a:rPr>
+              <a:t>!</a:t>
+            </a:r>
+          </a:p>
+        </p:txBody>
+      </p:sp>
+      <p:sp>
+        <p:nvSpPr>
+          <p:cNvPr id="41" name="TextBox 40">
+            <a:extLst>
+              <a:ext uri="{FF2B5EF4-FFF2-40B4-BE49-F238E27FC236}">
+                <a16:creationId xmlns:a16="http://schemas.microsoft.com/office/drawing/2014/main" id="{8F238929-6595-CF91-CA50-E6983BBABC5B}"/>
+              </a:ext>
+            </a:extLst>
+          </p:cNvPr>
+          <p:cNvSpPr txBox="1"/>
+          <p:nvPr/>
+        </p:nvSpPr>
+        <p:spPr>
+          <a:xfrm>
+            <a:off x="4813874" y="2519599"/>
+            <a:ext cx="2743985" cy="369332"/>
+          </a:xfrm>
+          <a:prstGeom prst="rect">
+            <a:avLst/>
+          </a:prstGeom>
+          <a:noFill/>
+        </p:spPr>
+        <p:txBody>
+          <a:bodyPr wrap="square">
+            <a:spAutoFit/>
+          </a:bodyPr>
+          <a:lstStyle/>
+          <a:p>
+            <a:r>
+              <a:rPr lang="en-US" dirty="0"/>
+              <a:t>ClearView-Dashboard.xlsx</a:t>
+            </a:r>
+          </a:p>
+        </p:txBody>
+      </p:sp>
+      <p:pic>
+        <p:nvPicPr>
+          <p:cNvPr id="46" name="Graphic 45" descr="Bar graph with upward trend with solid fill">
+            <a:extLst>
+              <a:ext uri="{FF2B5EF4-FFF2-40B4-BE49-F238E27FC236}">
+                <a16:creationId xmlns:a16="http://schemas.microsoft.com/office/drawing/2014/main" id="{53A239BC-DC28-FA81-1C7C-884C10B40372}"/>
+              </a:ext>
+            </a:extLst>
+          </p:cNvPr>
+          <p:cNvPicPr>
+            <a:picLocks noChangeAspect="1"/>
+          </p:cNvPicPr>
+          <p:nvPr/>
+        </p:nvPicPr>
+        <p:blipFill>
+          <a:blip r:embed="rId5">
+            <a:extLst>
+              <a:ext uri="{96DAC541-7B7A-43D3-8B79-37D633B846F1}">
+                <asvg:svgBlip xmlns:asvg="http://schemas.microsoft.com/office/drawing/2016/SVG/main" r:embed="rId6"/>
+              </a:ext>
+            </a:extLst>
+          </a:blip>
+          <a:stretch>
+            <a:fillRect/>
+          </a:stretch>
+        </p:blipFill>
+        <p:spPr>
+          <a:xfrm>
+            <a:off x="6254628" y="4679131"/>
+            <a:ext cx="598472" cy="598472"/>
+          </a:xfrm>
+          <a:prstGeom prst="rect">
+            <a:avLst/>
+          </a:prstGeom>
+        </p:spPr>
+      </p:pic>
+      <p:pic>
+        <p:nvPicPr>
+          <p:cNvPr id="48" name="Graphic 47" descr="Pie chart outline">
+            <a:extLst>
+              <a:ext uri="{FF2B5EF4-FFF2-40B4-BE49-F238E27FC236}">
+                <a16:creationId xmlns:a16="http://schemas.microsoft.com/office/drawing/2014/main" id="{482F77DA-4960-1781-3FDE-A6167A145058}"/>
+              </a:ext>
+            </a:extLst>
+          </p:cNvPr>
+          <p:cNvPicPr>
+            <a:picLocks noChangeAspect="1"/>
+          </p:cNvPicPr>
+          <p:nvPr/>
+        </p:nvPicPr>
+        <p:blipFill>
+          <a:blip r:embed="rId7">
+            <a:extLst>
+              <a:ext uri="{96DAC541-7B7A-43D3-8B79-37D633B846F1}">
+                <asvg:svgBlip xmlns:asvg="http://schemas.microsoft.com/office/drawing/2016/SVG/main" r:embed="rId8"/>
+              </a:ext>
+            </a:extLst>
+          </a:blip>
+          <a:stretch>
+            <a:fillRect/>
+          </a:stretch>
+        </p:blipFill>
+        <p:spPr>
+          <a:xfrm>
+            <a:off x="5371972" y="4659846"/>
+            <a:ext cx="603995" cy="603995"/>
+          </a:xfrm>
+          <a:prstGeom prst="rect">
+            <a:avLst/>
+          </a:prstGeom>
+        </p:spPr>
+      </p:pic>
+      <p:sp>
+        <p:nvSpPr>
+          <p:cNvPr id="57" name="TextBox 56">
+            <a:extLst>
+              <a:ext uri="{FF2B5EF4-FFF2-40B4-BE49-F238E27FC236}">
+                <a16:creationId xmlns:a16="http://schemas.microsoft.com/office/drawing/2014/main" id="{144B4380-CD51-8A5D-7C98-EDBB5F99344A}"/>
+              </a:ext>
+            </a:extLst>
+          </p:cNvPr>
+          <p:cNvSpPr txBox="1"/>
+          <p:nvPr/>
+        </p:nvSpPr>
+        <p:spPr>
+          <a:xfrm>
+            <a:off x="6599486" y="6032309"/>
+            <a:ext cx="1225014" cy="369332"/>
+          </a:xfrm>
+          <a:prstGeom prst="rect">
+            <a:avLst/>
+          </a:prstGeom>
+          <a:noFill/>
+        </p:spPr>
+        <p:txBody>
+          <a:bodyPr wrap="none" rtlCol="0">
+            <a:spAutoFit/>
+          </a:bodyPr>
+          <a:lstStyle/>
+          <a:p>
+            <a:pPr algn="ctr"/>
+            <a:r>
+              <a:rPr lang="en-US" dirty="0"/>
+              <a:t>Josh &amp; Neil</a:t>
+            </a:r>
+          </a:p>
+        </p:txBody>
+      </p:sp>
+      <p:sp>
+        <p:nvSpPr>
+          <p:cNvPr id="59" name="Rectangle: Rounded Corners 58">
+            <a:extLst>
+              <a:ext uri="{FF2B5EF4-FFF2-40B4-BE49-F238E27FC236}">
+                <a16:creationId xmlns:a16="http://schemas.microsoft.com/office/drawing/2014/main" id="{A59D331D-7C43-121B-DFF1-5335379BB868}"/>
+              </a:ext>
+            </a:extLst>
+          </p:cNvPr>
+          <p:cNvSpPr/>
+          <p:nvPr/>
+        </p:nvSpPr>
+        <p:spPr>
+          <a:xfrm>
+            <a:off x="4890462" y="4178393"/>
+            <a:ext cx="2459520" cy="1274600"/>
+          </a:xfrm>
+          <a:prstGeom prst="roundRect">
+            <a:avLst/>
+          </a:prstGeom>
+          <a:noFill/>
+        </p:spPr>
+        <p:style>
+          <a:lnRef idx="2">
+            <a:schemeClr val="accent6"/>
+          </a:lnRef>
+          <a:fillRef idx="1">
+            <a:schemeClr val="lt1"/>
+          </a:fillRef>
+          <a:effectRef idx="0">
+            <a:schemeClr val="accent6"/>
+          </a:effectRef>
+          <a:fontRef idx="minor">
+            <a:schemeClr val="dk1"/>
+          </a:fontRef>
+        </p:style>
+        <p:txBody>
+          <a:bodyPr rtlCol="0" anchor="ctr"/>
+          <a:lstStyle/>
+          <a:p>
+            <a:pPr algn="ctr"/>
+            <a:endParaRPr lang="en-US" dirty="0"/>
+          </a:p>
+        </p:txBody>
+      </p:sp>
+      <p:sp>
+        <p:nvSpPr>
+          <p:cNvPr id="60" name="Rectangle: Rounded Corners 59">
+            <a:extLst>
+              <a:ext uri="{FF2B5EF4-FFF2-40B4-BE49-F238E27FC236}">
+                <a16:creationId xmlns:a16="http://schemas.microsoft.com/office/drawing/2014/main" id="{9ADC4EE9-0EBD-F8F0-22E2-AA2572D9D481}"/>
+              </a:ext>
+            </a:extLst>
+          </p:cNvPr>
+          <p:cNvSpPr/>
+          <p:nvPr/>
+        </p:nvSpPr>
+        <p:spPr>
+          <a:xfrm>
+            <a:off x="5057713" y="4330720"/>
+            <a:ext cx="2076572" cy="202426"/>
+          </a:xfrm>
+          <a:prstGeom prst="roundRect">
+            <a:avLst/>
+          </a:prstGeom>
+          <a:ln>
+            <a:noFill/>
+          </a:ln>
+        </p:spPr>
+        <p:style>
+          <a:lnRef idx="2">
+            <a:schemeClr val="accent6"/>
+          </a:lnRef>
+          <a:fillRef idx="1">
+            <a:schemeClr val="lt1"/>
+          </a:fillRef>
+          <a:effectRef idx="0">
+            <a:schemeClr val="accent6"/>
+          </a:effectRef>
+          <a:fontRef idx="minor">
+            <a:schemeClr val="dk1"/>
+          </a:fontRef>
+        </p:style>
+        <p:txBody>
+          <a:bodyPr rtlCol="0" anchor="ctr"/>
+          <a:lstStyle/>
+          <a:p>
+            <a:pPr algn="ctr"/>
+            <a:r>
+              <a:rPr lang="en-US" dirty="0"/>
+              <a:t>main-pivot (Sheet)</a:t>
+            </a:r>
+          </a:p>
+        </p:txBody>
+      </p:sp>
+    </p:spTree>
+    <p:extLst>
+      <p:ext uri="{BB962C8B-B14F-4D97-AF65-F5344CB8AC3E}">
+        <p14:creationId xmlns:p14="http://schemas.microsoft.com/office/powerpoint/2010/main" val="3898914470"/>
+      </p:ext>
+    </p:extLst>
+  </p:cSld>
+  <p:clrMapOvr>
+    <a:masterClrMapping/>
+  </p:clrMapOvr>
+</p:sld>
+</file>
+
+<file path=ppt/slides/slide14.xml><?xml version="1.0" encoding="utf-8"?>
 <p:sld xmlns:a="http://schemas.openxmlformats.org/drawingml/2006/main" xmlns:r="http://schemas.openxmlformats.org/officeDocument/2006/relationships" xmlns:p="http://schemas.openxmlformats.org/presentationml/2006/main">
   <p:cSld>
     <p:spTree>
@@ -18337,7 +19371,7 @@
 </p:sld>
 </file>
 
-<file path=ppt/slides/slide14.xml><?xml version="1.0" encoding="utf-8"?>
+<file path=ppt/slides/slide15.xml><?xml version="1.0" encoding="utf-8"?>
 <p:sld xmlns:a="http://schemas.openxmlformats.org/drawingml/2006/main" xmlns:r="http://schemas.openxmlformats.org/officeDocument/2006/relationships" xmlns:p="http://schemas.openxmlformats.org/presentationml/2006/main">
   <p:cSld>
     <p:spTree>
@@ -19331,7 +20365,7 @@
 </p:sld>
 </file>
 
-<file path=ppt/slides/slide15.xml><?xml version="1.0" encoding="utf-8"?>
+<file path=ppt/slides/slide16.xml><?xml version="1.0" encoding="utf-8"?>
 <p:sld xmlns:a="http://schemas.openxmlformats.org/drawingml/2006/main" xmlns:r="http://schemas.openxmlformats.org/officeDocument/2006/relationships" xmlns:p="http://schemas.openxmlformats.org/presentationml/2006/main">
   <p:cSld>
     <p:spTree>
@@ -20457,7 +21491,7 @@
 </p:sld>
 </file>
 
-<file path=ppt/slides/slide16.xml><?xml version="1.0" encoding="utf-8"?>
+<file path=ppt/slides/slide17.xml><?xml version="1.0" encoding="utf-8"?>
 <p:sld xmlns:a="http://schemas.openxmlformats.org/drawingml/2006/main" xmlns:r="http://schemas.openxmlformats.org/officeDocument/2006/relationships" xmlns:p="http://schemas.openxmlformats.org/presentationml/2006/main">
   <p:cSld>
     <p:spTree>
@@ -22027,7 +23061,7 @@
 </p:sld>
 </file>
 
-<file path=ppt/slides/slide17.xml><?xml version="1.0" encoding="utf-8"?>
+<file path=ppt/slides/slide18.xml><?xml version="1.0" encoding="utf-8"?>
 <p:sld xmlns:a="http://schemas.openxmlformats.org/drawingml/2006/main" xmlns:r="http://schemas.openxmlformats.org/officeDocument/2006/relationships" xmlns:p="http://schemas.openxmlformats.org/presentationml/2006/main">
   <p:cSld>
     <p:spTree>
@@ -23011,7 +24045,7 @@
 </p:sld>
 </file>
 
-<file path=ppt/slides/slide18.xml><?xml version="1.0" encoding="utf-8"?>
+<file path=ppt/slides/slide19.xml><?xml version="1.0" encoding="utf-8"?>
 <p:sld xmlns:a="http://schemas.openxmlformats.org/drawingml/2006/main" xmlns:r="http://schemas.openxmlformats.org/officeDocument/2006/relationships" xmlns:p="http://schemas.openxmlformats.org/presentationml/2006/main">
   <p:cSld>
     <p:spTree>
@@ -24073,230 +25107,6 @@
 </p:sld>
 </file>
 
-<file path=ppt/slides/slide19.xml><?xml version="1.0" encoding="utf-8"?>
-<p:sld xmlns:a="http://schemas.openxmlformats.org/drawingml/2006/main" xmlns:r="http://schemas.openxmlformats.org/officeDocument/2006/relationships" xmlns:p="http://schemas.openxmlformats.org/presentationml/2006/main">
-  <p:cSld>
-    <p:spTree>
-      <p:nvGrpSpPr>
-        <p:cNvPr id="1" name=""/>
-        <p:cNvGrpSpPr/>
-        <p:nvPr/>
-      </p:nvGrpSpPr>
-      <p:grpSpPr>
-        <a:xfrm>
-          <a:off x="0" y="0"/>
-          <a:ext cx="0" cy="0"/>
-          <a:chOff x="0" y="0"/>
-          <a:chExt cx="0" cy="0"/>
-        </a:xfrm>
-      </p:grpSpPr>
-      <p:pic>
-        <p:nvPicPr>
-          <p:cNvPr id="36870" name="Picture 2" descr="Image result for thank you in many languages">
-            <a:extLst>
-              <a:ext uri="{FF2B5EF4-FFF2-40B4-BE49-F238E27FC236}">
-                <a16:creationId xmlns:a16="http://schemas.microsoft.com/office/drawing/2014/main" id="{4C869DF1-05B5-414F-9130-90AF9143BE00}"/>
-              </a:ext>
-            </a:extLst>
-          </p:cNvPr>
-          <p:cNvPicPr>
-            <a:picLocks noChangeAspect="1" noChangeArrowheads="1"/>
-          </p:cNvPicPr>
-          <p:nvPr/>
-        </p:nvPicPr>
-        <p:blipFill>
-          <a:blip r:embed="rId3"/>
-          <a:srcRect/>
-          <a:stretch>
-            <a:fillRect/>
-          </a:stretch>
-        </p:blipFill>
-        <p:spPr bwMode="auto">
-          <a:xfrm>
-            <a:off x="904461" y="1313327"/>
-            <a:ext cx="3344862" cy="4724400"/>
-          </a:xfrm>
-          <a:prstGeom prst="rect">
-            <a:avLst/>
-          </a:prstGeom>
-          <a:noFill/>
-          <a:ln>
-            <a:noFill/>
-          </a:ln>
-          <a:effectLst>
-            <a:softEdge rad="571500"/>
-          </a:effectLst>
-        </p:spPr>
-      </p:pic>
-      <p:sp>
-        <p:nvSpPr>
-          <p:cNvPr id="2" name="TextBox 1">
-            <a:extLst>
-              <a:ext uri="{FF2B5EF4-FFF2-40B4-BE49-F238E27FC236}">
-                <a16:creationId xmlns:a16="http://schemas.microsoft.com/office/drawing/2014/main" id="{1A1945D3-7397-4B4E-AF3F-9B115ABDA228}"/>
-              </a:ext>
-            </a:extLst>
-          </p:cNvPr>
-          <p:cNvSpPr txBox="1"/>
-          <p:nvPr/>
-        </p:nvSpPr>
-        <p:spPr>
-          <a:xfrm>
-            <a:off x="5497850" y="5039713"/>
-            <a:ext cx="4422099" cy="461665"/>
-          </a:xfrm>
-          <a:prstGeom prst="rect">
-            <a:avLst/>
-          </a:prstGeom>
-          <a:noFill/>
-        </p:spPr>
-        <p:txBody>
-          <a:bodyPr wrap="square" rtlCol="0">
-            <a:spAutoFit/>
-          </a:bodyPr>
-          <a:lstStyle/>
-          <a:p>
-            <a:pPr algn="ctr"/>
-            <a:r>
-              <a:rPr lang="en-CA" sz="2400" dirty="0">
-                <a:solidFill>
-                  <a:srgbClr val="002060"/>
-                </a:solidFill>
-              </a:rPr>
-              <a:t>Turning Ideas into Reality.</a:t>
-            </a:r>
-          </a:p>
-        </p:txBody>
-      </p:sp>
-      <p:sp>
-        <p:nvSpPr>
-          <p:cNvPr id="4" name="AutoShape 2">
-            <a:extLst>
-              <a:ext uri="{FF2B5EF4-FFF2-40B4-BE49-F238E27FC236}">
-                <a16:creationId xmlns:a16="http://schemas.microsoft.com/office/drawing/2014/main" id="{25DFAE5B-9859-FB45-AA8D-50FF100A730B}"/>
-              </a:ext>
-            </a:extLst>
-          </p:cNvPr>
-          <p:cNvSpPr>
-            <a:spLocks noChangeAspect="1" noChangeArrowheads="1"/>
-          </p:cNvSpPr>
-          <p:nvPr/>
-        </p:nvSpPr>
-        <p:spPr bwMode="auto">
-          <a:xfrm>
-            <a:off x="7313872" y="1695819"/>
-            <a:ext cx="246785" cy="246785"/>
-          </a:xfrm>
-          <a:prstGeom prst="rect">
-            <a:avLst/>
-          </a:prstGeom>
-          <a:noFill/>
-          <a:extLst>
-            <a:ext uri="{909E8E84-426E-40DD-AFC4-6F175D3DCCD1}">
-              <a14:hiddenFill xmlns:a14="http://schemas.microsoft.com/office/drawing/2010/main">
-                <a:solidFill>
-                  <a:srgbClr val="FFFFFF"/>
-                </a:solidFill>
-              </a14:hiddenFill>
-            </a:ext>
-          </a:extLst>
-        </p:spPr>
-        <p:txBody>
-          <a:bodyPr vert="horz" wrap="square" lIns="91440" tIns="45720" rIns="91440" bIns="45720" numCol="1" anchor="t" anchorCtr="0" compatLnSpc="1">
-            <a:prstTxWarp prst="textNoShape">
-              <a:avLst/>
-            </a:prstTxWarp>
-          </a:bodyPr>
-          <a:lstStyle/>
-          <a:p>
-            <a:endParaRPr lang="es-ES_tradnl"/>
-          </a:p>
-        </p:txBody>
-      </p:sp>
-      <p:pic>
-        <p:nvPicPr>
-          <p:cNvPr id="3" name="Picture 2">
-            <a:extLst>
-              <a:ext uri="{FF2B5EF4-FFF2-40B4-BE49-F238E27FC236}">
-                <a16:creationId xmlns:a16="http://schemas.microsoft.com/office/drawing/2014/main" id="{64C5982D-EBFE-5B48-BF67-C4BD2ACCBCD5}"/>
-              </a:ext>
-            </a:extLst>
-          </p:cNvPr>
-          <p:cNvPicPr>
-            <a:picLocks noChangeAspect="1"/>
-          </p:cNvPicPr>
-          <p:nvPr/>
-        </p:nvPicPr>
-        <p:blipFill>
-          <a:blip r:embed="rId4"/>
-          <a:stretch>
-            <a:fillRect/>
-          </a:stretch>
-        </p:blipFill>
-        <p:spPr>
-          <a:xfrm>
-            <a:off x="6400800" y="2165350"/>
-            <a:ext cx="2616200" cy="2527300"/>
-          </a:xfrm>
-          <a:prstGeom prst="round2DiagRect">
-            <a:avLst>
-              <a:gd name="adj1" fmla="val 16667"/>
-              <a:gd name="adj2" fmla="val 0"/>
-            </a:avLst>
-          </a:prstGeom>
-          <a:ln w="88900" cap="sq">
-            <a:solidFill>
-              <a:srgbClr val="FFFFFF"/>
-            </a:solidFill>
-            <a:miter lim="800000"/>
-          </a:ln>
-          <a:effectLst>
-            <a:outerShdw blurRad="254000" algn="tl" rotWithShape="0">
-              <a:srgbClr val="000000">
-                <a:alpha val="43000"/>
-              </a:srgbClr>
-            </a:outerShdw>
-          </a:effectLst>
-        </p:spPr>
-      </p:pic>
-      <p:pic>
-        <p:nvPicPr>
-          <p:cNvPr id="6" name="Picture 5">
-            <a:extLst>
-              <a:ext uri="{FF2B5EF4-FFF2-40B4-BE49-F238E27FC236}">
-                <a16:creationId xmlns:a16="http://schemas.microsoft.com/office/drawing/2014/main" id="{F63B9621-9D51-E656-7374-BE7FCF683D78}"/>
-              </a:ext>
-            </a:extLst>
-          </p:cNvPr>
-          <p:cNvPicPr>
-            <a:picLocks noChangeAspect="1"/>
-          </p:cNvPicPr>
-          <p:nvPr/>
-        </p:nvPicPr>
-        <p:blipFill>
-          <a:blip r:embed="rId5"/>
-          <a:stretch>
-            <a:fillRect/>
-          </a:stretch>
-        </p:blipFill>
-        <p:spPr>
-          <a:xfrm>
-            <a:off x="0" y="0"/>
-            <a:ext cx="12192000" cy="1005526"/>
-          </a:xfrm>
-          <a:prstGeom prst="rect">
-            <a:avLst/>
-          </a:prstGeom>
-        </p:spPr>
-      </p:pic>
-    </p:spTree>
-  </p:cSld>
-  <p:clrMapOvr>
-    <a:masterClrMapping/>
-  </p:clrMapOvr>
-</p:sld>
-</file>
-
 <file path=ppt/slides/slide2.xml><?xml version="1.0" encoding="utf-8"?>
 <p:sld xmlns:a="http://schemas.openxmlformats.org/drawingml/2006/main" xmlns:r="http://schemas.openxmlformats.org/officeDocument/2006/relationships" xmlns:p="http://schemas.openxmlformats.org/presentationml/2006/main">
   <p:cSld>
@@ -24722,6 +25532,230 @@
 </file>
 
 <file path=ppt/slides/slide20.xml><?xml version="1.0" encoding="utf-8"?>
+<p:sld xmlns:a="http://schemas.openxmlformats.org/drawingml/2006/main" xmlns:r="http://schemas.openxmlformats.org/officeDocument/2006/relationships" xmlns:p="http://schemas.openxmlformats.org/presentationml/2006/main">
+  <p:cSld>
+    <p:spTree>
+      <p:nvGrpSpPr>
+        <p:cNvPr id="1" name=""/>
+        <p:cNvGrpSpPr/>
+        <p:nvPr/>
+      </p:nvGrpSpPr>
+      <p:grpSpPr>
+        <a:xfrm>
+          <a:off x="0" y="0"/>
+          <a:ext cx="0" cy="0"/>
+          <a:chOff x="0" y="0"/>
+          <a:chExt cx="0" cy="0"/>
+        </a:xfrm>
+      </p:grpSpPr>
+      <p:pic>
+        <p:nvPicPr>
+          <p:cNvPr id="36870" name="Picture 2" descr="Image result for thank you in many languages">
+            <a:extLst>
+              <a:ext uri="{FF2B5EF4-FFF2-40B4-BE49-F238E27FC236}">
+                <a16:creationId xmlns:a16="http://schemas.microsoft.com/office/drawing/2014/main" id="{4C869DF1-05B5-414F-9130-90AF9143BE00}"/>
+              </a:ext>
+            </a:extLst>
+          </p:cNvPr>
+          <p:cNvPicPr>
+            <a:picLocks noChangeAspect="1" noChangeArrowheads="1"/>
+          </p:cNvPicPr>
+          <p:nvPr/>
+        </p:nvPicPr>
+        <p:blipFill>
+          <a:blip r:embed="rId3"/>
+          <a:srcRect/>
+          <a:stretch>
+            <a:fillRect/>
+          </a:stretch>
+        </p:blipFill>
+        <p:spPr bwMode="auto">
+          <a:xfrm>
+            <a:off x="904461" y="1313327"/>
+            <a:ext cx="3344862" cy="4724400"/>
+          </a:xfrm>
+          <a:prstGeom prst="rect">
+            <a:avLst/>
+          </a:prstGeom>
+          <a:noFill/>
+          <a:ln>
+            <a:noFill/>
+          </a:ln>
+          <a:effectLst>
+            <a:softEdge rad="571500"/>
+          </a:effectLst>
+        </p:spPr>
+      </p:pic>
+      <p:sp>
+        <p:nvSpPr>
+          <p:cNvPr id="2" name="TextBox 1">
+            <a:extLst>
+              <a:ext uri="{FF2B5EF4-FFF2-40B4-BE49-F238E27FC236}">
+                <a16:creationId xmlns:a16="http://schemas.microsoft.com/office/drawing/2014/main" id="{1A1945D3-7397-4B4E-AF3F-9B115ABDA228}"/>
+              </a:ext>
+            </a:extLst>
+          </p:cNvPr>
+          <p:cNvSpPr txBox="1"/>
+          <p:nvPr/>
+        </p:nvSpPr>
+        <p:spPr>
+          <a:xfrm>
+            <a:off x="5497850" y="5039713"/>
+            <a:ext cx="4422099" cy="461665"/>
+          </a:xfrm>
+          <a:prstGeom prst="rect">
+            <a:avLst/>
+          </a:prstGeom>
+          <a:noFill/>
+        </p:spPr>
+        <p:txBody>
+          <a:bodyPr wrap="square" rtlCol="0">
+            <a:spAutoFit/>
+          </a:bodyPr>
+          <a:lstStyle/>
+          <a:p>
+            <a:pPr algn="ctr"/>
+            <a:r>
+              <a:rPr lang="en-CA" sz="2400" dirty="0">
+                <a:solidFill>
+                  <a:srgbClr val="002060"/>
+                </a:solidFill>
+              </a:rPr>
+              <a:t>Turning Ideas into Reality.</a:t>
+            </a:r>
+          </a:p>
+        </p:txBody>
+      </p:sp>
+      <p:sp>
+        <p:nvSpPr>
+          <p:cNvPr id="4" name="AutoShape 2">
+            <a:extLst>
+              <a:ext uri="{FF2B5EF4-FFF2-40B4-BE49-F238E27FC236}">
+                <a16:creationId xmlns:a16="http://schemas.microsoft.com/office/drawing/2014/main" id="{25DFAE5B-9859-FB45-AA8D-50FF100A730B}"/>
+              </a:ext>
+            </a:extLst>
+          </p:cNvPr>
+          <p:cNvSpPr>
+            <a:spLocks noChangeAspect="1" noChangeArrowheads="1"/>
+          </p:cNvSpPr>
+          <p:nvPr/>
+        </p:nvSpPr>
+        <p:spPr bwMode="auto">
+          <a:xfrm>
+            <a:off x="7313872" y="1695819"/>
+            <a:ext cx="246785" cy="246785"/>
+          </a:xfrm>
+          <a:prstGeom prst="rect">
+            <a:avLst/>
+          </a:prstGeom>
+          <a:noFill/>
+          <a:extLst>
+            <a:ext uri="{909E8E84-426E-40DD-AFC4-6F175D3DCCD1}">
+              <a14:hiddenFill xmlns:a14="http://schemas.microsoft.com/office/drawing/2010/main">
+                <a:solidFill>
+                  <a:srgbClr val="FFFFFF"/>
+                </a:solidFill>
+              </a14:hiddenFill>
+            </a:ext>
+          </a:extLst>
+        </p:spPr>
+        <p:txBody>
+          <a:bodyPr vert="horz" wrap="square" lIns="91440" tIns="45720" rIns="91440" bIns="45720" numCol="1" anchor="t" anchorCtr="0" compatLnSpc="1">
+            <a:prstTxWarp prst="textNoShape">
+              <a:avLst/>
+            </a:prstTxWarp>
+          </a:bodyPr>
+          <a:lstStyle/>
+          <a:p>
+            <a:endParaRPr lang="es-ES_tradnl"/>
+          </a:p>
+        </p:txBody>
+      </p:sp>
+      <p:pic>
+        <p:nvPicPr>
+          <p:cNvPr id="3" name="Picture 2">
+            <a:extLst>
+              <a:ext uri="{FF2B5EF4-FFF2-40B4-BE49-F238E27FC236}">
+                <a16:creationId xmlns:a16="http://schemas.microsoft.com/office/drawing/2014/main" id="{64C5982D-EBFE-5B48-BF67-C4BD2ACCBCD5}"/>
+              </a:ext>
+            </a:extLst>
+          </p:cNvPr>
+          <p:cNvPicPr>
+            <a:picLocks noChangeAspect="1"/>
+          </p:cNvPicPr>
+          <p:nvPr/>
+        </p:nvPicPr>
+        <p:blipFill>
+          <a:blip r:embed="rId4"/>
+          <a:stretch>
+            <a:fillRect/>
+          </a:stretch>
+        </p:blipFill>
+        <p:spPr>
+          <a:xfrm>
+            <a:off x="6400800" y="2165350"/>
+            <a:ext cx="2616200" cy="2527300"/>
+          </a:xfrm>
+          <a:prstGeom prst="round2DiagRect">
+            <a:avLst>
+              <a:gd name="adj1" fmla="val 16667"/>
+              <a:gd name="adj2" fmla="val 0"/>
+            </a:avLst>
+          </a:prstGeom>
+          <a:ln w="88900" cap="sq">
+            <a:solidFill>
+              <a:srgbClr val="FFFFFF"/>
+            </a:solidFill>
+            <a:miter lim="800000"/>
+          </a:ln>
+          <a:effectLst>
+            <a:outerShdw blurRad="254000" algn="tl" rotWithShape="0">
+              <a:srgbClr val="000000">
+                <a:alpha val="43000"/>
+              </a:srgbClr>
+            </a:outerShdw>
+          </a:effectLst>
+        </p:spPr>
+      </p:pic>
+      <p:pic>
+        <p:nvPicPr>
+          <p:cNvPr id="6" name="Picture 5">
+            <a:extLst>
+              <a:ext uri="{FF2B5EF4-FFF2-40B4-BE49-F238E27FC236}">
+                <a16:creationId xmlns:a16="http://schemas.microsoft.com/office/drawing/2014/main" id="{F63B9621-9D51-E656-7374-BE7FCF683D78}"/>
+              </a:ext>
+            </a:extLst>
+          </p:cNvPr>
+          <p:cNvPicPr>
+            <a:picLocks noChangeAspect="1"/>
+          </p:cNvPicPr>
+          <p:nvPr/>
+        </p:nvPicPr>
+        <p:blipFill>
+          <a:blip r:embed="rId5"/>
+          <a:stretch>
+            <a:fillRect/>
+          </a:stretch>
+        </p:blipFill>
+        <p:spPr>
+          <a:xfrm>
+            <a:off x="0" y="0"/>
+            <a:ext cx="12192000" cy="1005526"/>
+          </a:xfrm>
+          <a:prstGeom prst="rect">
+            <a:avLst/>
+          </a:prstGeom>
+        </p:spPr>
+      </p:pic>
+    </p:spTree>
+  </p:cSld>
+  <p:clrMapOvr>
+    <a:masterClrMapping/>
+  </p:clrMapOvr>
+</p:sld>
+</file>
+
+<file path=ppt/slides/slide21.xml><?xml version="1.0" encoding="utf-8"?>
 <p:sld xmlns:a="http://schemas.openxmlformats.org/drawingml/2006/main" xmlns:r="http://schemas.openxmlformats.org/officeDocument/2006/relationships" xmlns:p="http://schemas.openxmlformats.org/presentationml/2006/main">
   <p:cSld>
     <p:spTree>

--- a/ClearView-Sarcyk-Project-Proposal.pptx
+++ b/ClearView-Sarcyk-Project-Proposal.pptx
@@ -135,16 +135,105 @@
 </p:presentation>
 </file>
 
-<file path=ppt/revisionInfo.xml><?xml version="1.0" encoding="utf-8"?>
-<p1510:revInfo xmlns:a="http://schemas.openxmlformats.org/drawingml/2006/main" xmlns:r="http://schemas.openxmlformats.org/officeDocument/2006/relationships" xmlns:p1510="http://schemas.microsoft.com/office/powerpoint/2015/10/main">
-  <p1510:revLst>
-    <p1510:client id="{FBF164D9-12EF-47A7-BE3F-D60D4AB53842}" v="84" dt="2024-11-11T19:32:17.364"/>
-  </p1510:revLst>
-</p1510:revInfo>
-</file>
-
 <file path=ppt/changesInfos/changesInfo1.xml><?xml version="1.0" encoding="utf-8"?>
 <pc:chgInfo xmlns:a="http://schemas.openxmlformats.org/drawingml/2006/main" xmlns:r="http://schemas.openxmlformats.org/officeDocument/2006/relationships" xmlns:ac="http://schemas.microsoft.com/office/drawing/2013/main/command" xmlns:pc="http://schemas.microsoft.com/office/powerpoint/2013/main/command">
+  <pc:docChgLst>
+    <pc:chgData name="Luiz Break" userId="3ea80d37ed61a017" providerId="LiveId" clId="{E8B0902E-1540-4631-BB6B-61A6CDB1D5C3}"/>
+    <pc:docChg chg="modSld">
+      <pc:chgData name="Luiz Break" userId="3ea80d37ed61a017" providerId="LiveId" clId="{E8B0902E-1540-4631-BB6B-61A6CDB1D5C3}" dt="2023-09-26T09:11:07.322" v="36" actId="20577"/>
+      <pc:docMkLst>
+        <pc:docMk/>
+      </pc:docMkLst>
+      <pc:sldChg chg="delSp modSp mod">
+        <pc:chgData name="Luiz Break" userId="3ea80d37ed61a017" providerId="LiveId" clId="{E8B0902E-1540-4631-BB6B-61A6CDB1D5C3}" dt="2023-09-26T09:11:07.322" v="36" actId="20577"/>
+        <pc:sldMkLst>
+          <pc:docMk/>
+          <pc:sldMk cId="2230791370" sldId="273"/>
+        </pc:sldMkLst>
+      </pc:sldChg>
+    </pc:docChg>
+  </pc:docChgLst>
+  <pc:docChgLst>
+    <pc:chgData name="Luiz Break" userId="3ea80d37ed61a017" providerId="LiveId" clId="{09BF2E48-CBCD-4ADD-B79E-94E2D7BCFE2D}"/>
+    <pc:docChg chg="undo custSel modSld">
+      <pc:chgData name="Luiz Break" userId="3ea80d37ed61a017" providerId="LiveId" clId="{09BF2E48-CBCD-4ADD-B79E-94E2D7BCFE2D}" dt="2024-05-13T22:28:17.480" v="1080" actId="1076"/>
+      <pc:docMkLst>
+        <pc:docMk/>
+      </pc:docMkLst>
+      <pc:sldChg chg="modSp mod">
+        <pc:chgData name="Luiz Break" userId="3ea80d37ed61a017" providerId="LiveId" clId="{09BF2E48-CBCD-4ADD-B79E-94E2D7BCFE2D}" dt="2024-05-12T11:52:10.708" v="953" actId="20577"/>
+        <pc:sldMkLst>
+          <pc:docMk/>
+          <pc:sldMk cId="2424688824" sldId="267"/>
+        </pc:sldMkLst>
+      </pc:sldChg>
+      <pc:sldChg chg="modSp mod">
+        <pc:chgData name="Luiz Break" userId="3ea80d37ed61a017" providerId="LiveId" clId="{09BF2E48-CBCD-4ADD-B79E-94E2D7BCFE2D}" dt="2024-05-12T10:58:44.154" v="16" actId="20577"/>
+        <pc:sldMkLst>
+          <pc:docMk/>
+          <pc:sldMk cId="2230791370" sldId="273"/>
+        </pc:sldMkLst>
+      </pc:sldChg>
+      <pc:sldChg chg="addSp delSp modSp mod">
+        <pc:chgData name="Luiz Break" userId="3ea80d37ed61a017" providerId="LiveId" clId="{09BF2E48-CBCD-4ADD-B79E-94E2D7BCFE2D}" dt="2024-05-13T02:30:34.924" v="980" actId="1035"/>
+        <pc:sldMkLst>
+          <pc:docMk/>
+          <pc:sldMk cId="3695609286" sldId="315"/>
+        </pc:sldMkLst>
+      </pc:sldChg>
+      <pc:sldChg chg="addSp delSp modSp mod">
+        <pc:chgData name="Luiz Break" userId="3ea80d37ed61a017" providerId="LiveId" clId="{09BF2E48-CBCD-4ADD-B79E-94E2D7BCFE2D}" dt="2024-05-13T22:28:17.480" v="1080" actId="1076"/>
+        <pc:sldMkLst>
+          <pc:docMk/>
+          <pc:sldMk cId="4240549405" sldId="316"/>
+        </pc:sldMkLst>
+      </pc:sldChg>
+    </pc:docChg>
+  </pc:docChgLst>
+  <pc:docChgLst>
+    <pc:chgData name="Luiz Break" userId="3ea80d37ed61a017" providerId="LiveId" clId="{56B9750D-39E6-4829-AA8F-397063E359AF}"/>
+    <pc:docChg chg="custSel delSld modSld">
+      <pc:chgData name="Luiz Break" userId="3ea80d37ed61a017" providerId="LiveId" clId="{56B9750D-39E6-4829-AA8F-397063E359AF}" dt="2024-04-29T12:32:07.968" v="794" actId="20577"/>
+      <pc:docMkLst>
+        <pc:docMk/>
+      </pc:docMkLst>
+      <pc:sldChg chg="modSp mod">
+        <pc:chgData name="Luiz Break" userId="3ea80d37ed61a017" providerId="LiveId" clId="{56B9750D-39E6-4829-AA8F-397063E359AF}" dt="2024-04-29T12:32:07.968" v="794" actId="20577"/>
+        <pc:sldMkLst>
+          <pc:docMk/>
+          <pc:sldMk cId="2424688824" sldId="267"/>
+        </pc:sldMkLst>
+      </pc:sldChg>
+      <pc:sldChg chg="addSp delSp modSp mod">
+        <pc:chgData name="Luiz Break" userId="3ea80d37ed61a017" providerId="LiveId" clId="{56B9750D-39E6-4829-AA8F-397063E359AF}" dt="2024-04-29T12:30:42.013" v="752" actId="1076"/>
+        <pc:sldMkLst>
+          <pc:docMk/>
+          <pc:sldMk cId="2230791370" sldId="273"/>
+        </pc:sldMkLst>
+      </pc:sldChg>
+      <pc:sldChg chg="delSp modSp mod">
+        <pc:chgData name="Luiz Break" userId="3ea80d37ed61a017" providerId="LiveId" clId="{56B9750D-39E6-4829-AA8F-397063E359AF}" dt="2024-04-29T12:26:10.718" v="611" actId="1038"/>
+        <pc:sldMkLst>
+          <pc:docMk/>
+          <pc:sldMk cId="3695609286" sldId="315"/>
+        </pc:sldMkLst>
+      </pc:sldChg>
+      <pc:sldChg chg="addSp delSp modSp mod">
+        <pc:chgData name="Luiz Break" userId="3ea80d37ed61a017" providerId="LiveId" clId="{56B9750D-39E6-4829-AA8F-397063E359AF}" dt="2024-04-29T12:31:47.747" v="772" actId="20577"/>
+        <pc:sldMkLst>
+          <pc:docMk/>
+          <pc:sldMk cId="4240549405" sldId="316"/>
+        </pc:sldMkLst>
+      </pc:sldChg>
+      <pc:sldChg chg="del">
+        <pc:chgData name="Luiz Break" userId="3ea80d37ed61a017" providerId="LiveId" clId="{56B9750D-39E6-4829-AA8F-397063E359AF}" dt="2024-04-29T12:29:43.539" v="746" actId="2696"/>
+        <pc:sldMkLst>
+          <pc:docMk/>
+          <pc:sldMk cId="1327391553" sldId="317"/>
+        </pc:sldMkLst>
+      </pc:sldChg>
+    </pc:docChg>
+  </pc:docChgLst>
   <pc:docChgLst>
     <pc:chgData name="Luiz Break" userId="3ea80d37ed61a017" providerId="LiveId" clId="{E82D63E6-6E1C-48E6-A5D3-91C65C07EA9F}"/>
     <pc:docChg chg="undo custSel addSld delSld modSld sldOrd">
@@ -158,326 +247,6 @@
           <pc:docMk/>
           <pc:sldMk cId="145788081" sldId="256"/>
         </pc:sldMkLst>
-        <pc:spChg chg="add mod">
-          <ac:chgData name="Luiz Break" userId="3ea80d37ed61a017" providerId="LiveId" clId="{E82D63E6-6E1C-48E6-A5D3-91C65C07EA9F}" dt="2024-05-28T17:35:04.319" v="359" actId="1076"/>
-          <ac:spMkLst>
-            <pc:docMk/>
-            <pc:sldMk cId="145788081" sldId="256"/>
-            <ac:spMk id="2" creationId="{3949E56D-9962-D473-CF42-D6CC01DE0317}"/>
-          </ac:spMkLst>
-        </pc:spChg>
-        <pc:spChg chg="add del mod">
-          <ac:chgData name="Luiz Break" userId="3ea80d37ed61a017" providerId="LiveId" clId="{E82D63E6-6E1C-48E6-A5D3-91C65C07EA9F}" dt="2024-05-28T17:17:37.839" v="112" actId="21"/>
-          <ac:spMkLst>
-            <pc:docMk/>
-            <pc:sldMk cId="145788081" sldId="256"/>
-            <ac:spMk id="2" creationId="{B40AE9FD-DB8A-3151-3A54-3C4F7E64E1D8}"/>
-          </ac:spMkLst>
-        </pc:spChg>
-        <pc:spChg chg="mod">
-          <ac:chgData name="Luiz Break" userId="3ea80d37ed61a017" providerId="LiveId" clId="{E82D63E6-6E1C-48E6-A5D3-91C65C07EA9F}" dt="2024-06-06T14:27:28.694" v="1650" actId="554"/>
-          <ac:spMkLst>
-            <pc:docMk/>
-            <pc:sldMk cId="145788081" sldId="256"/>
-            <ac:spMk id="3" creationId="{3557AE40-1678-0878-54F7-10392A314E5F}"/>
-          </ac:spMkLst>
-        </pc:spChg>
-        <pc:spChg chg="mod">
-          <ac:chgData name="Luiz Break" userId="3ea80d37ed61a017" providerId="LiveId" clId="{E82D63E6-6E1C-48E6-A5D3-91C65C07EA9F}" dt="2024-06-06T14:27:45.630" v="1651" actId="555"/>
-          <ac:spMkLst>
-            <pc:docMk/>
-            <pc:sldMk cId="145788081" sldId="256"/>
-            <ac:spMk id="5" creationId="{7F69C67B-C02C-5023-5841-0314B61C164B}"/>
-          </ac:spMkLst>
-        </pc:spChg>
-        <pc:spChg chg="mod">
-          <ac:chgData name="Luiz Break" userId="3ea80d37ed61a017" providerId="LiveId" clId="{E82D63E6-6E1C-48E6-A5D3-91C65C07EA9F}" dt="2024-05-28T17:55:08.832" v="576"/>
-          <ac:spMkLst>
-            <pc:docMk/>
-            <pc:sldMk cId="145788081" sldId="256"/>
-            <ac:spMk id="6" creationId="{8A5841FE-85B5-5D78-9833-41A619C7FAA3}"/>
-          </ac:spMkLst>
-        </pc:spChg>
-        <pc:spChg chg="mod">
-          <ac:chgData name="Luiz Break" userId="3ea80d37ed61a017" providerId="LiveId" clId="{E82D63E6-6E1C-48E6-A5D3-91C65C07EA9F}" dt="2024-05-28T17:49:22.342" v="499" actId="14100"/>
-          <ac:spMkLst>
-            <pc:docMk/>
-            <pc:sldMk cId="145788081" sldId="256"/>
-            <ac:spMk id="7" creationId="{FB7BF7AD-F7A9-96C2-E38B-CE884D12C338}"/>
-          </ac:spMkLst>
-        </pc:spChg>
-        <pc:spChg chg="mod">
-          <ac:chgData name="Luiz Break" userId="3ea80d37ed61a017" providerId="LiveId" clId="{E82D63E6-6E1C-48E6-A5D3-91C65C07EA9F}" dt="2024-05-28T17:52:03.873" v="542"/>
-          <ac:spMkLst>
-            <pc:docMk/>
-            <pc:sldMk cId="145788081" sldId="256"/>
-            <ac:spMk id="8" creationId="{A00E6208-E2E6-D6F9-74ED-3FC86845E475}"/>
-          </ac:spMkLst>
-        </pc:spChg>
-        <pc:spChg chg="mod">
-          <ac:chgData name="Luiz Break" userId="3ea80d37ed61a017" providerId="LiveId" clId="{E82D63E6-6E1C-48E6-A5D3-91C65C07EA9F}" dt="2024-05-28T17:55:23.374" v="586" actId="20577"/>
-          <ac:spMkLst>
-            <pc:docMk/>
-            <pc:sldMk cId="145788081" sldId="256"/>
-            <ac:spMk id="9" creationId="{FA976E77-58C6-B999-F3EA-E3EFC61DED6D}"/>
-          </ac:spMkLst>
-        </pc:spChg>
-        <pc:spChg chg="mod">
-          <ac:chgData name="Luiz Break" userId="3ea80d37ed61a017" providerId="LiveId" clId="{E82D63E6-6E1C-48E6-A5D3-91C65C07EA9F}" dt="2024-05-28T17:55:30.326" v="587" actId="1076"/>
-          <ac:spMkLst>
-            <pc:docMk/>
-            <pc:sldMk cId="145788081" sldId="256"/>
-            <ac:spMk id="10" creationId="{35FE2033-82B9-6834-FC80-6B8101D0CA6D}"/>
-          </ac:spMkLst>
-        </pc:spChg>
-        <pc:spChg chg="add del mod">
-          <ac:chgData name="Luiz Break" userId="3ea80d37ed61a017" providerId="LiveId" clId="{E82D63E6-6E1C-48E6-A5D3-91C65C07EA9F}" dt="2024-06-06T12:36:05.032" v="1494" actId="1076"/>
-          <ac:spMkLst>
-            <pc:docMk/>
-            <pc:sldMk cId="145788081" sldId="256"/>
-            <ac:spMk id="14" creationId="{2D912DC4-20A1-0D73-3C49-836306F90BC0}"/>
-          </ac:spMkLst>
-        </pc:spChg>
-        <pc:spChg chg="mod">
-          <ac:chgData name="Luiz Break" userId="3ea80d37ed61a017" providerId="LiveId" clId="{E82D63E6-6E1C-48E6-A5D3-91C65C07EA9F}" dt="2024-06-06T14:27:07.580" v="1649" actId="554"/>
-          <ac:spMkLst>
-            <pc:docMk/>
-            <pc:sldMk cId="145788081" sldId="256"/>
-            <ac:spMk id="15" creationId="{0FE5F491-5A23-3F15-DCE6-3B36CE4BB211}"/>
-          </ac:spMkLst>
-        </pc:spChg>
-        <pc:spChg chg="add mod">
-          <ac:chgData name="Luiz Break" userId="3ea80d37ed61a017" providerId="LiveId" clId="{E82D63E6-6E1C-48E6-A5D3-91C65C07EA9F}" dt="2024-06-06T12:36:05.032" v="1494" actId="1076"/>
-          <ac:spMkLst>
-            <pc:docMk/>
-            <pc:sldMk cId="145788081" sldId="256"/>
-            <ac:spMk id="17" creationId="{374A45E2-C17D-BBFE-B8C8-C0266CB9A781}"/>
-          </ac:spMkLst>
-        </pc:spChg>
-        <pc:spChg chg="add mod">
-          <ac:chgData name="Luiz Break" userId="3ea80d37ed61a017" providerId="LiveId" clId="{E82D63E6-6E1C-48E6-A5D3-91C65C07EA9F}" dt="2024-06-12T00:55:26.768" v="1811" actId="20577"/>
-          <ac:spMkLst>
-            <pc:docMk/>
-            <pc:sldMk cId="145788081" sldId="256"/>
-            <ac:spMk id="22" creationId="{A0B7E847-AD75-9D3D-B85C-88DEF0802ACD}"/>
-          </ac:spMkLst>
-        </pc:spChg>
-        <pc:spChg chg="add mod">
-          <ac:chgData name="Luiz Break" userId="3ea80d37ed61a017" providerId="LiveId" clId="{E82D63E6-6E1C-48E6-A5D3-91C65C07EA9F}" dt="2024-06-06T14:27:07.580" v="1649" actId="554"/>
-          <ac:spMkLst>
-            <pc:docMk/>
-            <pc:sldMk cId="145788081" sldId="256"/>
-            <ac:spMk id="24" creationId="{5AAE1A7E-CE6A-0059-5ABB-CA06A6A8762B}"/>
-          </ac:spMkLst>
-        </pc:spChg>
-        <pc:spChg chg="add mod">
-          <ac:chgData name="Luiz Break" userId="3ea80d37ed61a017" providerId="LiveId" clId="{E82D63E6-6E1C-48E6-A5D3-91C65C07EA9F}" dt="2024-06-06T14:26:06.172" v="1607" actId="14100"/>
-          <ac:spMkLst>
-            <pc:docMk/>
-            <pc:sldMk cId="145788081" sldId="256"/>
-            <ac:spMk id="25" creationId="{445F338D-1418-6EA2-87C8-2F87334454D0}"/>
-          </ac:spMkLst>
-        </pc:spChg>
-        <pc:spChg chg="add mod">
-          <ac:chgData name="Luiz Break" userId="3ea80d37ed61a017" providerId="LiveId" clId="{E82D63E6-6E1C-48E6-A5D3-91C65C07EA9F}" dt="2024-06-06T14:27:45.630" v="1651" actId="555"/>
-          <ac:spMkLst>
-            <pc:docMk/>
-            <pc:sldMk cId="145788081" sldId="256"/>
-            <ac:spMk id="26" creationId="{D060A717-D5F3-7E43-D3DB-DF0B8B80E67C}"/>
-          </ac:spMkLst>
-        </pc:spChg>
-        <pc:spChg chg="mod">
-          <ac:chgData name="Luiz Break" userId="3ea80d37ed61a017" providerId="LiveId" clId="{E82D63E6-6E1C-48E6-A5D3-91C65C07EA9F}" dt="2024-05-28T18:49:55.779" v="591" actId="1076"/>
-          <ac:spMkLst>
-            <pc:docMk/>
-            <pc:sldMk cId="145788081" sldId="256"/>
-            <ac:spMk id="28" creationId="{E4338A6C-0F6D-1C76-0D85-4E5671DD76B5}"/>
-          </ac:spMkLst>
-        </pc:spChg>
-        <pc:spChg chg="add mod ord">
-          <ac:chgData name="Luiz Break" userId="3ea80d37ed61a017" providerId="LiveId" clId="{E82D63E6-6E1C-48E6-A5D3-91C65C07EA9F}" dt="2024-05-28T18:55:09.210" v="686" actId="20577"/>
-          <ac:spMkLst>
-            <pc:docMk/>
-            <pc:sldMk cId="145788081" sldId="256"/>
-            <ac:spMk id="29" creationId="{D8407F73-A2DB-ED24-4CD1-7769F3F9AFE9}"/>
-          </ac:spMkLst>
-        </pc:spChg>
-        <pc:spChg chg="add mod">
-          <ac:chgData name="Luiz Break" userId="3ea80d37ed61a017" providerId="LiveId" clId="{E82D63E6-6E1C-48E6-A5D3-91C65C07EA9F}" dt="2024-06-06T14:27:07.580" v="1649" actId="554"/>
-          <ac:spMkLst>
-            <pc:docMk/>
-            <pc:sldMk cId="145788081" sldId="256"/>
-            <ac:spMk id="30" creationId="{35F4DE5D-F66B-C6A1-B400-965C1B898781}"/>
-          </ac:spMkLst>
-        </pc:spChg>
-        <pc:spChg chg="add mod">
-          <ac:chgData name="Luiz Break" userId="3ea80d37ed61a017" providerId="LiveId" clId="{E82D63E6-6E1C-48E6-A5D3-91C65C07EA9F}" dt="2024-06-06T14:27:28.694" v="1650" actId="554"/>
-          <ac:spMkLst>
-            <pc:docMk/>
-            <pc:sldMk cId="145788081" sldId="256"/>
-            <ac:spMk id="33" creationId="{1783E22C-1666-C888-28BE-AF8CFF0E1404}"/>
-          </ac:spMkLst>
-        </pc:spChg>
-        <pc:spChg chg="add mod">
-          <ac:chgData name="Luiz Break" userId="3ea80d37ed61a017" providerId="LiveId" clId="{E82D63E6-6E1C-48E6-A5D3-91C65C07EA9F}" dt="2024-06-06T14:27:45.630" v="1651" actId="555"/>
-          <ac:spMkLst>
-            <pc:docMk/>
-            <pc:sldMk cId="145788081" sldId="256"/>
-            <ac:spMk id="34" creationId="{C1F5288C-622B-58DF-2CD4-C6B30E04E489}"/>
-          </ac:spMkLst>
-        </pc:spChg>
-        <pc:spChg chg="add mod">
-          <ac:chgData name="Luiz Break" userId="3ea80d37ed61a017" providerId="LiveId" clId="{E82D63E6-6E1C-48E6-A5D3-91C65C07EA9F}" dt="2024-06-06T14:27:28.694" v="1650" actId="554"/>
-          <ac:spMkLst>
-            <pc:docMk/>
-            <pc:sldMk cId="145788081" sldId="256"/>
-            <ac:spMk id="35" creationId="{93B62464-86A0-8465-4126-1F18DE03E985}"/>
-          </ac:spMkLst>
-        </pc:spChg>
-        <pc:spChg chg="add mod">
-          <ac:chgData name="Luiz Break" userId="3ea80d37ed61a017" providerId="LiveId" clId="{E82D63E6-6E1C-48E6-A5D3-91C65C07EA9F}" dt="2024-05-28T18:49:57.999" v="592" actId="1076"/>
-          <ac:spMkLst>
-            <pc:docMk/>
-            <pc:sldMk cId="145788081" sldId="256"/>
-            <ac:spMk id="40" creationId="{875B4937-4D32-5867-339A-00267998D675}"/>
-          </ac:spMkLst>
-        </pc:spChg>
-        <pc:spChg chg="mod">
-          <ac:chgData name="Luiz Break" userId="3ea80d37ed61a017" providerId="LiveId" clId="{E82D63E6-6E1C-48E6-A5D3-91C65C07EA9F}" dt="2024-05-28T18:51:02.563" v="600" actId="1076"/>
-          <ac:spMkLst>
-            <pc:docMk/>
-            <pc:sldMk cId="145788081" sldId="256"/>
-            <ac:spMk id="49" creationId="{6D42916A-CA63-3E09-93B1-08296BCFA262}"/>
-          </ac:spMkLst>
-        </pc:spChg>
-        <pc:spChg chg="add mod">
-          <ac:chgData name="Luiz Break" userId="3ea80d37ed61a017" providerId="LiveId" clId="{E82D63E6-6E1C-48E6-A5D3-91C65C07EA9F}" dt="2024-05-28T20:53:56.478" v="713" actId="1076"/>
-          <ac:spMkLst>
-            <pc:docMk/>
-            <pc:sldMk cId="145788081" sldId="256"/>
-            <ac:spMk id="61" creationId="{8E2C9B8E-0913-4DBB-F121-C01BDD2D29BE}"/>
-          </ac:spMkLst>
-        </pc:spChg>
-        <pc:spChg chg="add mod">
-          <ac:chgData name="Luiz Break" userId="3ea80d37ed61a017" providerId="LiveId" clId="{E82D63E6-6E1C-48E6-A5D3-91C65C07EA9F}" dt="2024-05-28T20:54:12.138" v="717" actId="20577"/>
-          <ac:spMkLst>
-            <pc:docMk/>
-            <pc:sldMk cId="145788081" sldId="256"/>
-            <ac:spMk id="63" creationId="{50160AB7-AD39-6145-C751-2E35DEBC1720}"/>
-          </ac:spMkLst>
-        </pc:spChg>
-        <pc:spChg chg="add mod">
-          <ac:chgData name="Luiz Break" userId="3ea80d37ed61a017" providerId="LiveId" clId="{E82D63E6-6E1C-48E6-A5D3-91C65C07EA9F}" dt="2024-05-28T20:54:58.665" v="721" actId="20577"/>
-          <ac:spMkLst>
-            <pc:docMk/>
-            <pc:sldMk cId="145788081" sldId="256"/>
-            <ac:spMk id="64" creationId="{C3B23284-C96B-CAFB-4D72-BA9318468494}"/>
-          </ac:spMkLst>
-        </pc:spChg>
-        <pc:spChg chg="add mod">
-          <ac:chgData name="Luiz Break" userId="3ea80d37ed61a017" providerId="LiveId" clId="{E82D63E6-6E1C-48E6-A5D3-91C65C07EA9F}" dt="2024-05-28T20:55:10.680" v="724" actId="20577"/>
-          <ac:spMkLst>
-            <pc:docMk/>
-            <pc:sldMk cId="145788081" sldId="256"/>
-            <ac:spMk id="65" creationId="{D5D4D407-28E7-CA28-8781-BD1373A8B490}"/>
-          </ac:spMkLst>
-        </pc:spChg>
-        <pc:spChg chg="add mod">
-          <ac:chgData name="Luiz Break" userId="3ea80d37ed61a017" providerId="LiveId" clId="{E82D63E6-6E1C-48E6-A5D3-91C65C07EA9F}" dt="2024-05-28T20:55:24.378" v="729" actId="1076"/>
-          <ac:spMkLst>
-            <pc:docMk/>
-            <pc:sldMk cId="145788081" sldId="256"/>
-            <ac:spMk id="66" creationId="{E1B2A225-29F5-340A-F1C5-BDC382C8057C}"/>
-          </ac:spMkLst>
-        </pc:spChg>
-        <pc:cxnChg chg="mod">
-          <ac:chgData name="Luiz Break" userId="3ea80d37ed61a017" providerId="LiveId" clId="{E82D63E6-6E1C-48E6-A5D3-91C65C07EA9F}" dt="2024-06-06T14:27:28.694" v="1650" actId="554"/>
-          <ac:cxnSpMkLst>
-            <pc:docMk/>
-            <pc:sldMk cId="145788081" sldId="256"/>
-            <ac:cxnSpMk id="11" creationId="{E4D466D8-7EF6-E22B-1B0C-1BF83449F0D5}"/>
-          </ac:cxnSpMkLst>
-        </pc:cxnChg>
-        <pc:cxnChg chg="mod">
-          <ac:chgData name="Luiz Break" userId="3ea80d37ed61a017" providerId="LiveId" clId="{E82D63E6-6E1C-48E6-A5D3-91C65C07EA9F}" dt="2024-05-28T17:55:30.326" v="587" actId="1076"/>
-          <ac:cxnSpMkLst>
-            <pc:docMk/>
-            <pc:sldMk cId="145788081" sldId="256"/>
-            <ac:cxnSpMk id="12" creationId="{DF05D338-3667-238A-8172-264CABB55A16}"/>
-          </ac:cxnSpMkLst>
-        </pc:cxnChg>
-        <pc:cxnChg chg="add mod">
-          <ac:chgData name="Luiz Break" userId="3ea80d37ed61a017" providerId="LiveId" clId="{E82D63E6-6E1C-48E6-A5D3-91C65C07EA9F}" dt="2024-05-28T18:51:02.563" v="600" actId="1076"/>
-          <ac:cxnSpMkLst>
-            <pc:docMk/>
-            <pc:sldMk cId="145788081" sldId="256"/>
-            <ac:cxnSpMk id="13" creationId="{8963BF5E-4265-714D-44E0-0CF8DDDFEC50}"/>
-          </ac:cxnSpMkLst>
-        </pc:cxnChg>
-        <pc:cxnChg chg="mod">
-          <ac:chgData name="Luiz Break" userId="3ea80d37ed61a017" providerId="LiveId" clId="{E82D63E6-6E1C-48E6-A5D3-91C65C07EA9F}" dt="2024-05-28T17:55:30.326" v="587" actId="1076"/>
-          <ac:cxnSpMkLst>
-            <pc:docMk/>
-            <pc:sldMk cId="145788081" sldId="256"/>
-            <ac:cxnSpMk id="16" creationId="{9837E143-2C37-320E-A025-6C2C01D63681}"/>
-          </ac:cxnSpMkLst>
-        </pc:cxnChg>
-        <pc:cxnChg chg="add mod">
-          <ac:chgData name="Luiz Break" userId="3ea80d37ed61a017" providerId="LiveId" clId="{E82D63E6-6E1C-48E6-A5D3-91C65C07EA9F}" dt="2024-05-28T18:51:13.815" v="601" actId="14100"/>
-          <ac:cxnSpMkLst>
-            <pc:docMk/>
-            <pc:sldMk cId="145788081" sldId="256"/>
-            <ac:cxnSpMk id="18" creationId="{C828A5EE-AEE0-994C-9BBD-582823B04484}"/>
-          </ac:cxnSpMkLst>
-        </pc:cxnChg>
-        <pc:cxnChg chg="mod">
-          <ac:chgData name="Luiz Break" userId="3ea80d37ed61a017" providerId="LiveId" clId="{E82D63E6-6E1C-48E6-A5D3-91C65C07EA9F}" dt="2024-06-06T14:27:07.580" v="1649" actId="554"/>
-          <ac:cxnSpMkLst>
-            <pc:docMk/>
-            <pc:sldMk cId="145788081" sldId="256"/>
-            <ac:cxnSpMk id="21" creationId="{76529543-7565-E92A-1D10-03029913DF77}"/>
-          </ac:cxnSpMkLst>
-        </pc:cxnChg>
-        <pc:cxnChg chg="mod">
-          <ac:chgData name="Luiz Break" userId="3ea80d37ed61a017" providerId="LiveId" clId="{E82D63E6-6E1C-48E6-A5D3-91C65C07EA9F}" dt="2024-05-28T17:49:22.342" v="499" actId="14100"/>
-          <ac:cxnSpMkLst>
-            <pc:docMk/>
-            <pc:sldMk cId="145788081" sldId="256"/>
-            <ac:cxnSpMk id="23" creationId="{C61B4BBA-3067-A35C-57BF-70A6BB39C8D9}"/>
-          </ac:cxnSpMkLst>
-        </pc:cxnChg>
-        <pc:cxnChg chg="mod">
-          <ac:chgData name="Luiz Break" userId="3ea80d37ed61a017" providerId="LiveId" clId="{E82D63E6-6E1C-48E6-A5D3-91C65C07EA9F}" dt="2024-05-28T18:49:55.779" v="591" actId="1076"/>
-          <ac:cxnSpMkLst>
-            <pc:docMk/>
-            <pc:sldMk cId="145788081" sldId="256"/>
-            <ac:cxnSpMk id="31" creationId="{FDB6281C-305F-0A3F-7445-07597E20652B}"/>
-          </ac:cxnSpMkLst>
-        </pc:cxnChg>
-        <pc:cxnChg chg="mod">
-          <ac:chgData name="Luiz Break" userId="3ea80d37ed61a017" providerId="LiveId" clId="{E82D63E6-6E1C-48E6-A5D3-91C65C07EA9F}" dt="2024-06-06T14:27:45.630" v="1651" actId="555"/>
-          <ac:cxnSpMkLst>
-            <pc:docMk/>
-            <pc:sldMk cId="145788081" sldId="256"/>
-            <ac:cxnSpMk id="36" creationId="{4D00F5F0-48F6-81F2-454D-84A1ADB2CEA8}"/>
-          </ac:cxnSpMkLst>
-        </pc:cxnChg>
-        <pc:cxnChg chg="add mod">
-          <ac:chgData name="Luiz Break" userId="3ea80d37ed61a017" providerId="LiveId" clId="{E82D63E6-6E1C-48E6-A5D3-91C65C07EA9F}" dt="2024-05-28T19:00:12.981" v="708" actId="14100"/>
-          <ac:cxnSpMkLst>
-            <pc:docMk/>
-            <pc:sldMk cId="145788081" sldId="256"/>
-            <ac:cxnSpMk id="42" creationId="{064C31BA-FD54-ACD4-F471-BE0B444D1028}"/>
-          </ac:cxnSpMkLst>
-        </pc:cxnChg>
-        <pc:cxnChg chg="add mod">
-          <ac:chgData name="Luiz Break" userId="3ea80d37ed61a017" providerId="LiveId" clId="{E82D63E6-6E1C-48E6-A5D3-91C65C07EA9F}" dt="2024-05-28T18:51:02.563" v="600" actId="1076"/>
-          <ac:cxnSpMkLst>
-            <pc:docMk/>
-            <pc:sldMk cId="145788081" sldId="256"/>
-            <ac:cxnSpMk id="50" creationId="{8FE7D624-21FD-6D9D-4E75-E9A39BF6FD35}"/>
-          </ac:cxnSpMkLst>
-        </pc:cxnChg>
       </pc:sldChg>
       <pc:sldChg chg="addSp modSp mod">
         <pc:chgData name="Luiz Break" userId="3ea80d37ed61a017" providerId="LiveId" clId="{E82D63E6-6E1C-48E6-A5D3-91C65C07EA9F}" dt="2024-06-06T14:31:35.864" v="1808" actId="14100"/>
@@ -485,46 +254,6 @@
           <pc:docMk/>
           <pc:sldMk cId="2424688824" sldId="267"/>
         </pc:sldMkLst>
-        <pc:spChg chg="mod">
-          <ac:chgData name="Luiz Break" userId="3ea80d37ed61a017" providerId="LiveId" clId="{E82D63E6-6E1C-48E6-A5D3-91C65C07EA9F}" dt="2024-05-28T17:15:43.819" v="26" actId="20577"/>
-          <ac:spMkLst>
-            <pc:docMk/>
-            <pc:sldMk cId="2424688824" sldId="267"/>
-            <ac:spMk id="2" creationId="{DF7A44F1-68EC-DB8C-7A32-90BAA29E84CA}"/>
-          </ac:spMkLst>
-        </pc:spChg>
-        <pc:spChg chg="mod">
-          <ac:chgData name="Luiz Break" userId="3ea80d37ed61a017" providerId="LiveId" clId="{E82D63E6-6E1C-48E6-A5D3-91C65C07EA9F}" dt="2024-06-06T14:31:35.864" v="1808" actId="14100"/>
-          <ac:spMkLst>
-            <pc:docMk/>
-            <pc:sldMk cId="2424688824" sldId="267"/>
-            <ac:spMk id="5" creationId="{3536710E-3CEF-317F-20B0-DDA533970610}"/>
-          </ac:spMkLst>
-        </pc:spChg>
-        <pc:spChg chg="mod">
-          <ac:chgData name="Luiz Break" userId="3ea80d37ed61a017" providerId="LiveId" clId="{E82D63E6-6E1C-48E6-A5D3-91C65C07EA9F}" dt="2024-06-06T14:23:50.589" v="1554" actId="1076"/>
-          <ac:spMkLst>
-            <pc:docMk/>
-            <pc:sldMk cId="2424688824" sldId="267"/>
-            <ac:spMk id="12" creationId="{FA82DEC8-C490-53DA-F0F1-86BDA736E703}"/>
-          </ac:spMkLst>
-        </pc:spChg>
-        <pc:graphicFrameChg chg="add mod">
-          <ac:chgData name="Luiz Break" userId="3ea80d37ed61a017" providerId="LiveId" clId="{E82D63E6-6E1C-48E6-A5D3-91C65C07EA9F}" dt="2024-06-06T14:24:25.645" v="1575" actId="1076"/>
-          <ac:graphicFrameMkLst>
-            <pc:docMk/>
-            <pc:sldMk cId="2424688824" sldId="267"/>
-            <ac:graphicFrameMk id="3" creationId="{AAB3393E-D440-0398-5580-31384CEBD95E}"/>
-          </ac:graphicFrameMkLst>
-        </pc:graphicFrameChg>
-        <pc:picChg chg="mod">
-          <ac:chgData name="Luiz Break" userId="3ea80d37ed61a017" providerId="LiveId" clId="{E82D63E6-6E1C-48E6-A5D3-91C65C07EA9F}" dt="2024-06-06T14:23:50.589" v="1554" actId="1076"/>
-          <ac:picMkLst>
-            <pc:docMk/>
-            <pc:sldMk cId="2424688824" sldId="267"/>
-            <ac:picMk id="8" creationId="{D5E72A6D-6696-02C2-BB9E-AE8936C599F3}"/>
-          </ac:picMkLst>
-        </pc:picChg>
       </pc:sldChg>
       <pc:sldChg chg="addSp delSp modSp mod">
         <pc:chgData name="Luiz Break" userId="3ea80d37ed61a017" providerId="LiveId" clId="{E82D63E6-6E1C-48E6-A5D3-91C65C07EA9F}" dt="2024-05-28T17:33:15.489" v="310" actId="1076"/>
@@ -532,54 +261,6 @@
           <pc:docMk/>
           <pc:sldMk cId="2230791370" sldId="273"/>
         </pc:sldMkLst>
-        <pc:spChg chg="mod">
-          <ac:chgData name="Luiz Break" userId="3ea80d37ed61a017" providerId="LiveId" clId="{E82D63E6-6E1C-48E6-A5D3-91C65C07EA9F}" dt="2024-05-28T17:15:21.418" v="10" actId="1076"/>
-          <ac:spMkLst>
-            <pc:docMk/>
-            <pc:sldMk cId="2230791370" sldId="273"/>
-            <ac:spMk id="6" creationId="{3E91C9C3-0C7B-9D37-119D-B121AA87F174}"/>
-          </ac:spMkLst>
-        </pc:spChg>
-        <pc:spChg chg="mod">
-          <ac:chgData name="Luiz Break" userId="3ea80d37ed61a017" providerId="LiveId" clId="{E82D63E6-6E1C-48E6-A5D3-91C65C07EA9F}" dt="2024-05-28T17:33:12.808" v="309" actId="1076"/>
-          <ac:spMkLst>
-            <pc:docMk/>
-            <pc:sldMk cId="2230791370" sldId="273"/>
-            <ac:spMk id="9" creationId="{312A354B-B243-EFC7-21BD-E9D586EAC556}"/>
-          </ac:spMkLst>
-        </pc:spChg>
-        <pc:picChg chg="add del mod">
-          <ac:chgData name="Luiz Break" userId="3ea80d37ed61a017" providerId="LiveId" clId="{E82D63E6-6E1C-48E6-A5D3-91C65C07EA9F}" dt="2024-05-28T17:32:38.409" v="302" actId="21"/>
-          <ac:picMkLst>
-            <pc:docMk/>
-            <pc:sldMk cId="2230791370" sldId="273"/>
-            <ac:picMk id="4" creationId="{0711C4DF-9BF0-DEA5-B753-468CB1EFE8B6}"/>
-          </ac:picMkLst>
-        </pc:picChg>
-        <pc:picChg chg="add del mod">
-          <ac:chgData name="Luiz Break" userId="3ea80d37ed61a017" providerId="LiveId" clId="{E82D63E6-6E1C-48E6-A5D3-91C65C07EA9F}" dt="2024-05-28T17:28:27.987" v="301" actId="21"/>
-          <ac:picMkLst>
-            <pc:docMk/>
-            <pc:sldMk cId="2230791370" sldId="273"/>
-            <ac:picMk id="7" creationId="{B145ACF3-CB5C-CF34-65BE-C7CE7175DBC0}"/>
-          </ac:picMkLst>
-        </pc:picChg>
-        <pc:picChg chg="del mod">
-          <ac:chgData name="Luiz Break" userId="3ea80d37ed61a017" providerId="LiveId" clId="{E82D63E6-6E1C-48E6-A5D3-91C65C07EA9F}" dt="2024-05-28T17:27:54.534" v="294" actId="21"/>
-          <ac:picMkLst>
-            <pc:docMk/>
-            <pc:sldMk cId="2230791370" sldId="273"/>
-            <ac:picMk id="8" creationId="{2FFCAAEA-9D4D-781A-F5FC-2874B8AAB8B1}"/>
-          </ac:picMkLst>
-        </pc:picChg>
-        <pc:picChg chg="add mod">
-          <ac:chgData name="Luiz Break" userId="3ea80d37ed61a017" providerId="LiveId" clId="{E82D63E6-6E1C-48E6-A5D3-91C65C07EA9F}" dt="2024-05-28T17:33:15.489" v="310" actId="1076"/>
-          <ac:picMkLst>
-            <pc:docMk/>
-            <pc:sldMk cId="2230791370" sldId="273"/>
-            <ac:picMk id="11" creationId="{E963E861-2D73-C459-660F-CD9D57916209}"/>
-          </ac:picMkLst>
-        </pc:picChg>
       </pc:sldChg>
       <pc:sldChg chg="modSp mod">
         <pc:chgData name="Luiz Break" userId="3ea80d37ed61a017" providerId="LiveId" clId="{E82D63E6-6E1C-48E6-A5D3-91C65C07EA9F}" dt="2024-07-13T02:43:07.319" v="2322" actId="20577"/>
@@ -587,22 +268,6 @@
           <pc:docMk/>
           <pc:sldMk cId="1307118117" sldId="274"/>
         </pc:sldMkLst>
-        <pc:spChg chg="mod">
-          <ac:chgData name="Luiz Break" userId="3ea80d37ed61a017" providerId="LiveId" clId="{E82D63E6-6E1C-48E6-A5D3-91C65C07EA9F}" dt="2024-06-06T14:45:48.141" v="1809" actId="20577"/>
-          <ac:spMkLst>
-            <pc:docMk/>
-            <pc:sldMk cId="1307118117" sldId="274"/>
-            <ac:spMk id="2" creationId="{6D53ED51-CEC4-0E96-064D-91665879BF11}"/>
-          </ac:spMkLst>
-        </pc:spChg>
-        <pc:graphicFrameChg chg="mod modGraphic">
-          <ac:chgData name="Luiz Break" userId="3ea80d37ed61a017" providerId="LiveId" clId="{E82D63E6-6E1C-48E6-A5D3-91C65C07EA9F}" dt="2024-07-13T02:43:07.319" v="2322" actId="20577"/>
-          <ac:graphicFrameMkLst>
-            <pc:docMk/>
-            <pc:sldMk cId="1307118117" sldId="274"/>
-            <ac:graphicFrameMk id="4" creationId="{65C2629F-4DEB-A2ED-0E6B-BF22A6F0F7B6}"/>
-          </ac:graphicFrameMkLst>
-        </pc:graphicFrameChg>
       </pc:sldChg>
       <pc:sldChg chg="modSp mod">
         <pc:chgData name="Luiz Break" userId="3ea80d37ed61a017" providerId="LiveId" clId="{E82D63E6-6E1C-48E6-A5D3-91C65C07EA9F}" dt="2024-07-26T17:50:25.258" v="2563"/>
@@ -610,14 +275,6 @@
           <pc:docMk/>
           <pc:sldMk cId="87326837" sldId="276"/>
         </pc:sldMkLst>
-        <pc:graphicFrameChg chg="mod modGraphic">
-          <ac:chgData name="Luiz Break" userId="3ea80d37ed61a017" providerId="LiveId" clId="{E82D63E6-6E1C-48E6-A5D3-91C65C07EA9F}" dt="2024-07-26T17:50:25.258" v="2563"/>
-          <ac:graphicFrameMkLst>
-            <pc:docMk/>
-            <pc:sldMk cId="87326837" sldId="276"/>
-            <ac:graphicFrameMk id="4" creationId="{65C2629F-4DEB-A2ED-0E6B-BF22A6F0F7B6}"/>
-          </ac:graphicFrameMkLst>
-        </pc:graphicFrameChg>
       </pc:sldChg>
       <pc:sldChg chg="modSp mod">
         <pc:chgData name="Luiz Break" userId="3ea80d37ed61a017" providerId="LiveId" clId="{E82D63E6-6E1C-48E6-A5D3-91C65C07EA9F}" dt="2024-06-06T14:45:53.223" v="1810" actId="20577"/>
@@ -625,14 +282,6 @@
           <pc:docMk/>
           <pc:sldMk cId="4130972659" sldId="312"/>
         </pc:sldMkLst>
-        <pc:spChg chg="mod">
-          <ac:chgData name="Luiz Break" userId="3ea80d37ed61a017" providerId="LiveId" clId="{E82D63E6-6E1C-48E6-A5D3-91C65C07EA9F}" dt="2024-06-06T14:45:53.223" v="1810" actId="20577"/>
-          <ac:spMkLst>
-            <pc:docMk/>
-            <pc:sldMk cId="4130972659" sldId="312"/>
-            <ac:spMk id="2" creationId="{6D53ED51-CEC4-0E96-064D-91665879BF11}"/>
-          </ac:spMkLst>
-        </pc:spChg>
       </pc:sldChg>
       <pc:sldChg chg="modSp mod">
         <pc:chgData name="Luiz Break" userId="3ea80d37ed61a017" providerId="LiveId" clId="{E82D63E6-6E1C-48E6-A5D3-91C65C07EA9F}" dt="2024-09-11T20:36:56.316" v="4478" actId="2161"/>
@@ -640,14 +289,6 @@
           <pc:docMk/>
           <pc:sldMk cId="3558443253" sldId="313"/>
         </pc:sldMkLst>
-        <pc:graphicFrameChg chg="mod modGraphic">
-          <ac:chgData name="Luiz Break" userId="3ea80d37ed61a017" providerId="LiveId" clId="{E82D63E6-6E1C-48E6-A5D3-91C65C07EA9F}" dt="2024-09-11T20:36:56.316" v="4478" actId="2161"/>
-          <ac:graphicFrameMkLst>
-            <pc:docMk/>
-            <pc:sldMk cId="3558443253" sldId="313"/>
-            <ac:graphicFrameMk id="4" creationId="{65C2629F-4DEB-A2ED-0E6B-BF22A6F0F7B6}"/>
-          </ac:graphicFrameMkLst>
-        </pc:graphicFrameChg>
       </pc:sldChg>
       <pc:sldChg chg="addSp delSp modSp mod">
         <pc:chgData name="Luiz Break" userId="3ea80d37ed61a017" providerId="LiveId" clId="{E82D63E6-6E1C-48E6-A5D3-91C65C07EA9F}" dt="2024-06-06T14:29:53.394" v="1787" actId="552"/>
@@ -655,638 +296,6 @@
           <pc:docMk/>
           <pc:sldMk cId="3695609286" sldId="315"/>
         </pc:sldMkLst>
-        <pc:spChg chg="del mod">
-          <ac:chgData name="Luiz Break" userId="3ea80d37ed61a017" providerId="LiveId" clId="{E82D63E6-6E1C-48E6-A5D3-91C65C07EA9F}" dt="2024-06-06T11:42:16.497" v="1109" actId="478"/>
-          <ac:spMkLst>
-            <pc:docMk/>
-            <pc:sldMk cId="3695609286" sldId="315"/>
-            <ac:spMk id="3" creationId="{526E9391-EF3A-C788-301D-F08CB2E85BF5}"/>
-          </ac:spMkLst>
-        </pc:spChg>
-        <pc:spChg chg="del mod">
-          <ac:chgData name="Luiz Break" userId="3ea80d37ed61a017" providerId="LiveId" clId="{E82D63E6-6E1C-48E6-A5D3-91C65C07EA9F}" dt="2024-06-06T11:42:14.764" v="1108" actId="478"/>
-          <ac:spMkLst>
-            <pc:docMk/>
-            <pc:sldMk cId="3695609286" sldId="315"/>
-            <ac:spMk id="4" creationId="{C3841673-753D-F25F-3208-E1E8016CCA28}"/>
-          </ac:spMkLst>
-        </pc:spChg>
-        <pc:spChg chg="del mod">
-          <ac:chgData name="Luiz Break" userId="3ea80d37ed61a017" providerId="LiveId" clId="{E82D63E6-6E1C-48E6-A5D3-91C65C07EA9F}" dt="2024-06-06T11:42:18.772" v="1110" actId="478"/>
-          <ac:spMkLst>
-            <pc:docMk/>
-            <pc:sldMk cId="3695609286" sldId="315"/>
-            <ac:spMk id="5" creationId="{3343852C-8661-A589-478B-41D50521A0C4}"/>
-          </ac:spMkLst>
-        </pc:spChg>
-        <pc:spChg chg="mod">
-          <ac:chgData name="Luiz Break" userId="3ea80d37ed61a017" providerId="LiveId" clId="{E82D63E6-6E1C-48E6-A5D3-91C65C07EA9F}" dt="2024-06-06T11:57:57.703" v="1386" actId="1076"/>
-          <ac:spMkLst>
-            <pc:docMk/>
-            <pc:sldMk cId="3695609286" sldId="315"/>
-            <ac:spMk id="6" creationId="{02FB42F3-7E4E-8852-C34C-C4153E0FCD84}"/>
-          </ac:spMkLst>
-        </pc:spChg>
-        <pc:spChg chg="mod">
-          <ac:chgData name="Luiz Break" userId="3ea80d37ed61a017" providerId="LiveId" clId="{E82D63E6-6E1C-48E6-A5D3-91C65C07EA9F}" dt="2024-06-06T14:29:53.394" v="1787" actId="552"/>
-          <ac:spMkLst>
-            <pc:docMk/>
-            <pc:sldMk cId="3695609286" sldId="315"/>
-            <ac:spMk id="7" creationId="{AA4EC3C5-1DBD-C67B-0983-734EDB08E057}"/>
-          </ac:spMkLst>
-        </pc:spChg>
-        <pc:spChg chg="mod ord">
-          <ac:chgData name="Luiz Break" userId="3ea80d37ed61a017" providerId="LiveId" clId="{E82D63E6-6E1C-48E6-A5D3-91C65C07EA9F}" dt="2024-06-06T11:58:01.987" v="1387" actId="14100"/>
-          <ac:spMkLst>
-            <pc:docMk/>
-            <pc:sldMk cId="3695609286" sldId="315"/>
-            <ac:spMk id="10" creationId="{7420471B-12F8-0F32-7F9F-26072DABCC37}"/>
-          </ac:spMkLst>
-        </pc:spChg>
-        <pc:spChg chg="mod">
-          <ac:chgData name="Luiz Break" userId="3ea80d37ed61a017" providerId="LiveId" clId="{E82D63E6-6E1C-48E6-A5D3-91C65C07EA9F}" dt="2024-06-06T11:54:05.950" v="1302" actId="554"/>
-          <ac:spMkLst>
-            <pc:docMk/>
-            <pc:sldMk cId="3695609286" sldId="315"/>
-            <ac:spMk id="11" creationId="{A4AF81E1-0420-3711-EC96-7906C133B252}"/>
-          </ac:spMkLst>
-        </pc:spChg>
-        <pc:spChg chg="add mod">
-          <ac:chgData name="Luiz Break" userId="3ea80d37ed61a017" providerId="LiveId" clId="{E82D63E6-6E1C-48E6-A5D3-91C65C07EA9F}" dt="2024-06-06T12:02:30.902" v="1482" actId="255"/>
-          <ac:spMkLst>
-            <pc:docMk/>
-            <pc:sldMk cId="3695609286" sldId="315"/>
-            <ac:spMk id="12" creationId="{598CF887-070C-E4B0-5FA8-0F765C3B0EB5}"/>
-          </ac:spMkLst>
-        </pc:spChg>
-        <pc:spChg chg="mod">
-          <ac:chgData name="Luiz Break" userId="3ea80d37ed61a017" providerId="LiveId" clId="{E82D63E6-6E1C-48E6-A5D3-91C65C07EA9F}" dt="2024-06-06T11:46:06.100" v="1178" actId="1037"/>
-          <ac:spMkLst>
-            <pc:docMk/>
-            <pc:sldMk cId="3695609286" sldId="315"/>
-            <ac:spMk id="13" creationId="{C4F39757-AC9E-F5E1-7B1E-9CF902B95434}"/>
-          </ac:spMkLst>
-        </pc:spChg>
-        <pc:spChg chg="del mod">
-          <ac:chgData name="Luiz Break" userId="3ea80d37ed61a017" providerId="LiveId" clId="{E82D63E6-6E1C-48E6-A5D3-91C65C07EA9F}" dt="2024-06-06T11:42:11.290" v="1107" actId="21"/>
-          <ac:spMkLst>
-            <pc:docMk/>
-            <pc:sldMk cId="3695609286" sldId="315"/>
-            <ac:spMk id="14" creationId="{7FA0251F-669B-BF8A-C391-23EDA397AFC8}"/>
-          </ac:spMkLst>
-        </pc:spChg>
-        <pc:spChg chg="del mod">
-          <ac:chgData name="Luiz Break" userId="3ea80d37ed61a017" providerId="LiveId" clId="{E82D63E6-6E1C-48E6-A5D3-91C65C07EA9F}" dt="2024-06-06T11:40:56.748" v="1082" actId="21"/>
-          <ac:spMkLst>
-            <pc:docMk/>
-            <pc:sldMk cId="3695609286" sldId="315"/>
-            <ac:spMk id="15" creationId="{766416B4-0973-3A8F-0088-5840B887BC77}"/>
-          </ac:spMkLst>
-        </pc:spChg>
-        <pc:spChg chg="mod">
-          <ac:chgData name="Luiz Break" userId="3ea80d37ed61a017" providerId="LiveId" clId="{E82D63E6-6E1C-48E6-A5D3-91C65C07EA9F}" dt="2024-06-06T11:46:06.100" v="1178" actId="1037"/>
-          <ac:spMkLst>
-            <pc:docMk/>
-            <pc:sldMk cId="3695609286" sldId="315"/>
-            <ac:spMk id="16" creationId="{533B0ED6-1292-9178-53A8-8062A267549F}"/>
-          </ac:spMkLst>
-        </pc:spChg>
-        <pc:spChg chg="mod">
-          <ac:chgData name="Luiz Break" userId="3ea80d37ed61a017" providerId="LiveId" clId="{E82D63E6-6E1C-48E6-A5D3-91C65C07EA9F}" dt="2024-06-06T12:01:57.273" v="1454" actId="20577"/>
-          <ac:spMkLst>
-            <pc:docMk/>
-            <pc:sldMk cId="3695609286" sldId="315"/>
-            <ac:spMk id="17" creationId="{E3560A87-2812-23F2-16C3-BADB3A5DE355}"/>
-          </ac:spMkLst>
-        </pc:spChg>
-        <pc:spChg chg="add mod">
-          <ac:chgData name="Luiz Break" userId="3ea80d37ed61a017" providerId="LiveId" clId="{E82D63E6-6E1C-48E6-A5D3-91C65C07EA9F}" dt="2024-06-06T11:57:57.703" v="1386" actId="1076"/>
-          <ac:spMkLst>
-            <pc:docMk/>
-            <pc:sldMk cId="3695609286" sldId="315"/>
-            <ac:spMk id="19" creationId="{4A25DAD7-0895-1077-59BB-C7CF08C5113F}"/>
-          </ac:spMkLst>
-        </pc:spChg>
-        <pc:spChg chg="add mod">
-          <ac:chgData name="Luiz Break" userId="3ea80d37ed61a017" providerId="LiveId" clId="{E82D63E6-6E1C-48E6-A5D3-91C65C07EA9F}" dt="2024-06-06T11:57:57.703" v="1386" actId="1076"/>
-          <ac:spMkLst>
-            <pc:docMk/>
-            <pc:sldMk cId="3695609286" sldId="315"/>
-            <ac:spMk id="20" creationId="{DC38CB09-79ED-E6D5-1E86-2D0190BB2ACB}"/>
-          </ac:spMkLst>
-        </pc:spChg>
-        <pc:spChg chg="add del mod">
-          <ac:chgData name="Luiz Break" userId="3ea80d37ed61a017" providerId="LiveId" clId="{E82D63E6-6E1C-48E6-A5D3-91C65C07EA9F}" dt="2024-06-06T11:48:38.368" v="1194" actId="1076"/>
-          <ac:spMkLst>
-            <pc:docMk/>
-            <pc:sldMk cId="3695609286" sldId="315"/>
-            <ac:spMk id="24" creationId="{5E400C7E-5A7F-89A7-7D6E-F7E068FFCB81}"/>
-          </ac:spMkLst>
-        </pc:spChg>
-        <pc:spChg chg="add del mod">
-          <ac:chgData name="Luiz Break" userId="3ea80d37ed61a017" providerId="LiveId" clId="{E82D63E6-6E1C-48E6-A5D3-91C65C07EA9F}" dt="2024-06-06T11:48:38.368" v="1194" actId="1076"/>
-          <ac:spMkLst>
-            <pc:docMk/>
-            <pc:sldMk cId="3695609286" sldId="315"/>
-            <ac:spMk id="25" creationId="{EDD159AD-AC21-DBE5-8F90-A320826341CE}"/>
-          </ac:spMkLst>
-        </pc:spChg>
-        <pc:spChg chg="add mod">
-          <ac:chgData name="Luiz Break" userId="3ea80d37ed61a017" providerId="LiveId" clId="{E82D63E6-6E1C-48E6-A5D3-91C65C07EA9F}" dt="2024-06-06T11:58:05.331" v="1388" actId="1076"/>
-          <ac:spMkLst>
-            <pc:docMk/>
-            <pc:sldMk cId="3695609286" sldId="315"/>
-            <ac:spMk id="26" creationId="{20FAC9AB-8876-3315-400E-A6E4C43F2061}"/>
-          </ac:spMkLst>
-        </pc:spChg>
-        <pc:spChg chg="mod">
-          <ac:chgData name="Luiz Break" userId="3ea80d37ed61a017" providerId="LiveId" clId="{E82D63E6-6E1C-48E6-A5D3-91C65C07EA9F}" dt="2024-06-06T14:29:53.394" v="1787" actId="552"/>
-          <ac:spMkLst>
-            <pc:docMk/>
-            <pc:sldMk cId="3695609286" sldId="315"/>
-            <ac:spMk id="27" creationId="{EE6E488D-852A-5535-4BAA-092F79C4B9F3}"/>
-          </ac:spMkLst>
-        </pc:spChg>
-        <pc:spChg chg="add mod ord">
-          <ac:chgData name="Luiz Break" userId="3ea80d37ed61a017" providerId="LiveId" clId="{E82D63E6-6E1C-48E6-A5D3-91C65C07EA9F}" dt="2024-06-06T11:48:38.368" v="1194" actId="1076"/>
-          <ac:spMkLst>
-            <pc:docMk/>
-            <pc:sldMk cId="3695609286" sldId="315"/>
-            <ac:spMk id="28" creationId="{F8A8D705-1FBA-A4DC-2443-5EE707131398}"/>
-          </ac:spMkLst>
-        </pc:spChg>
-        <pc:spChg chg="add mod">
-          <ac:chgData name="Luiz Break" userId="3ea80d37ed61a017" providerId="LiveId" clId="{E82D63E6-6E1C-48E6-A5D3-91C65C07EA9F}" dt="2024-06-06T11:59:17.916" v="1409" actId="554"/>
-          <ac:spMkLst>
-            <pc:docMk/>
-            <pc:sldMk cId="3695609286" sldId="315"/>
-            <ac:spMk id="29" creationId="{D4E468E3-8AAD-12BE-E0E4-6B2AB4D53DC3}"/>
-          </ac:spMkLst>
-        </pc:spChg>
-        <pc:spChg chg="mod">
-          <ac:chgData name="Luiz Break" userId="3ea80d37ed61a017" providerId="LiveId" clId="{E82D63E6-6E1C-48E6-A5D3-91C65C07EA9F}" dt="2024-06-06T12:01:53.786" v="1453" actId="20577"/>
-          <ac:spMkLst>
-            <pc:docMk/>
-            <pc:sldMk cId="3695609286" sldId="315"/>
-            <ac:spMk id="30" creationId="{D00EC6C9-A1C7-1FFB-35A3-8ADFDBB14600}"/>
-          </ac:spMkLst>
-        </pc:spChg>
-        <pc:spChg chg="mod">
-          <ac:chgData name="Luiz Break" userId="3ea80d37ed61a017" providerId="LiveId" clId="{E82D63E6-6E1C-48E6-A5D3-91C65C07EA9F}" dt="2024-05-28T17:16:45.661" v="101" actId="20577"/>
-          <ac:spMkLst>
-            <pc:docMk/>
-            <pc:sldMk cId="3695609286" sldId="315"/>
-            <ac:spMk id="31" creationId="{5207A10A-DC4D-C770-AADA-0CEF38A783A8}"/>
-          </ac:spMkLst>
-        </pc:spChg>
-        <pc:spChg chg="add mod">
-          <ac:chgData name="Luiz Break" userId="3ea80d37ed61a017" providerId="LiveId" clId="{E82D63E6-6E1C-48E6-A5D3-91C65C07EA9F}" dt="2024-06-06T11:59:22.329" v="1410" actId="554"/>
-          <ac:spMkLst>
-            <pc:docMk/>
-            <pc:sldMk cId="3695609286" sldId="315"/>
-            <ac:spMk id="33" creationId="{C0C64C47-4AC2-6248-9FC6-7FAC503F39BD}"/>
-          </ac:spMkLst>
-        </pc:spChg>
-        <pc:spChg chg="add mod">
-          <ac:chgData name="Luiz Break" userId="3ea80d37ed61a017" providerId="LiveId" clId="{E82D63E6-6E1C-48E6-A5D3-91C65C07EA9F}" dt="2024-06-06T11:54:11.227" v="1303" actId="554"/>
-          <ac:spMkLst>
-            <pc:docMk/>
-            <pc:sldMk cId="3695609286" sldId="315"/>
-            <ac:spMk id="34" creationId="{C38C1BB0-ED19-6551-C7F5-3A6834797317}"/>
-          </ac:spMkLst>
-        </pc:spChg>
-        <pc:spChg chg="add mod">
-          <ac:chgData name="Luiz Break" userId="3ea80d37ed61a017" providerId="LiveId" clId="{E82D63E6-6E1C-48E6-A5D3-91C65C07EA9F}" dt="2024-06-06T11:54:41.115" v="1309" actId="554"/>
-          <ac:spMkLst>
-            <pc:docMk/>
-            <pc:sldMk cId="3695609286" sldId="315"/>
-            <ac:spMk id="35" creationId="{F98F378A-A878-3CE2-1D32-812A470F52F2}"/>
-          </ac:spMkLst>
-        </pc:spChg>
-        <pc:spChg chg="add mod">
-          <ac:chgData name="Luiz Break" userId="3ea80d37ed61a017" providerId="LiveId" clId="{E82D63E6-6E1C-48E6-A5D3-91C65C07EA9F}" dt="2024-06-06T11:54:16.145" v="1304" actId="554"/>
-          <ac:spMkLst>
-            <pc:docMk/>
-            <pc:sldMk cId="3695609286" sldId="315"/>
-            <ac:spMk id="36" creationId="{A7DADEDF-E149-21DC-2C17-F700D7B40618}"/>
-          </ac:spMkLst>
-        </pc:spChg>
-        <pc:spChg chg="add del mod">
-          <ac:chgData name="Luiz Break" userId="3ea80d37ed61a017" providerId="LiveId" clId="{E82D63E6-6E1C-48E6-A5D3-91C65C07EA9F}" dt="2024-06-06T11:48:38.368" v="1194" actId="1076"/>
-          <ac:spMkLst>
-            <pc:docMk/>
-            <pc:sldMk cId="3695609286" sldId="315"/>
-            <ac:spMk id="37" creationId="{FDF33519-1556-C356-EE93-27651818F8B5}"/>
-          </ac:spMkLst>
-        </pc:spChg>
-        <pc:spChg chg="add del mod">
-          <ac:chgData name="Luiz Break" userId="3ea80d37ed61a017" providerId="LiveId" clId="{E82D63E6-6E1C-48E6-A5D3-91C65C07EA9F}" dt="2024-06-06T11:55:49.743" v="1340" actId="20577"/>
-          <ac:spMkLst>
-            <pc:docMk/>
-            <pc:sldMk cId="3695609286" sldId="315"/>
-            <ac:spMk id="38" creationId="{8C69DC38-9AEF-41E1-1BC1-DEEDFAF9BAE6}"/>
-          </ac:spMkLst>
-        </pc:spChg>
-        <pc:spChg chg="add del mod">
-          <ac:chgData name="Luiz Break" userId="3ea80d37ed61a017" providerId="LiveId" clId="{E82D63E6-6E1C-48E6-A5D3-91C65C07EA9F}" dt="2024-06-06T11:55:32.094" v="1321" actId="14100"/>
-          <ac:spMkLst>
-            <pc:docMk/>
-            <pc:sldMk cId="3695609286" sldId="315"/>
-            <ac:spMk id="39" creationId="{8C433C50-14E9-CD46-27C1-01C6EAA53A84}"/>
-          </ac:spMkLst>
-        </pc:spChg>
-        <pc:spChg chg="add mod">
-          <ac:chgData name="Luiz Break" userId="3ea80d37ed61a017" providerId="LiveId" clId="{E82D63E6-6E1C-48E6-A5D3-91C65C07EA9F}" dt="2024-06-06T11:54:52.815" v="1311" actId="554"/>
-          <ac:spMkLst>
-            <pc:docMk/>
-            <pc:sldMk cId="3695609286" sldId="315"/>
-            <ac:spMk id="40" creationId="{0B53134E-C777-A5DC-EE3D-C9CF94AE24C3}"/>
-          </ac:spMkLst>
-        </pc:spChg>
-        <pc:spChg chg="add mod">
-          <ac:chgData name="Luiz Break" userId="3ea80d37ed61a017" providerId="LiveId" clId="{E82D63E6-6E1C-48E6-A5D3-91C65C07EA9F}" dt="2024-06-06T11:54:16.145" v="1304" actId="554"/>
-          <ac:spMkLst>
-            <pc:docMk/>
-            <pc:sldMk cId="3695609286" sldId="315"/>
-            <ac:spMk id="42" creationId="{CF3C6A0E-8C2D-79CE-2C93-5F4A7A955753}"/>
-          </ac:spMkLst>
-        </pc:spChg>
-        <pc:spChg chg="add mod">
-          <ac:chgData name="Luiz Break" userId="3ea80d37ed61a017" providerId="LiveId" clId="{E82D63E6-6E1C-48E6-A5D3-91C65C07EA9F}" dt="2024-06-06T11:54:52.815" v="1311" actId="554"/>
-          <ac:spMkLst>
-            <pc:docMk/>
-            <pc:sldMk cId="3695609286" sldId="315"/>
-            <ac:spMk id="43" creationId="{507ECC65-384B-1DB6-6981-23B8E69DA3EC}"/>
-          </ac:spMkLst>
-        </pc:spChg>
-        <pc:spChg chg="mod">
-          <ac:chgData name="Luiz Break" userId="3ea80d37ed61a017" providerId="LiveId" clId="{E82D63E6-6E1C-48E6-A5D3-91C65C07EA9F}" dt="2024-06-06T11:46:06.100" v="1178" actId="1037"/>
-          <ac:spMkLst>
-            <pc:docMk/>
-            <pc:sldMk cId="3695609286" sldId="315"/>
-            <ac:spMk id="44" creationId="{185C17B2-BE65-8887-C45B-0E48C6D38ECF}"/>
-          </ac:spMkLst>
-        </pc:spChg>
-        <pc:spChg chg="add mod">
-          <ac:chgData name="Luiz Break" userId="3ea80d37ed61a017" providerId="LiveId" clId="{E82D63E6-6E1C-48E6-A5D3-91C65C07EA9F}" dt="2024-06-06T11:54:16.145" v="1304" actId="554"/>
-          <ac:spMkLst>
-            <pc:docMk/>
-            <pc:sldMk cId="3695609286" sldId="315"/>
-            <ac:spMk id="45" creationId="{89BE1EA9-2FAC-6399-C1A2-7F8D99D188B4}"/>
-          </ac:spMkLst>
-        </pc:spChg>
-        <pc:spChg chg="add mod">
-          <ac:chgData name="Luiz Break" userId="3ea80d37ed61a017" providerId="LiveId" clId="{E82D63E6-6E1C-48E6-A5D3-91C65C07EA9F}" dt="2024-06-06T11:54:52.815" v="1311" actId="554"/>
-          <ac:spMkLst>
-            <pc:docMk/>
-            <pc:sldMk cId="3695609286" sldId="315"/>
-            <ac:spMk id="46" creationId="{0415F39C-B641-86DB-FE1B-B4B9B325E120}"/>
-          </ac:spMkLst>
-        </pc:spChg>
-        <pc:spChg chg="add mod">
-          <ac:chgData name="Luiz Break" userId="3ea80d37ed61a017" providerId="LiveId" clId="{E82D63E6-6E1C-48E6-A5D3-91C65C07EA9F}" dt="2024-06-06T11:54:20.892" v="1305" actId="554"/>
-          <ac:spMkLst>
-            <pc:docMk/>
-            <pc:sldMk cId="3695609286" sldId="315"/>
-            <ac:spMk id="47" creationId="{BA8F4C28-9C9C-B785-C617-1E3B1ADA4485}"/>
-          </ac:spMkLst>
-        </pc:spChg>
-        <pc:spChg chg="mod">
-          <ac:chgData name="Luiz Break" userId="3ea80d37ed61a017" providerId="LiveId" clId="{E82D63E6-6E1C-48E6-A5D3-91C65C07EA9F}" dt="2024-06-06T11:46:06.100" v="1178" actId="1037"/>
-          <ac:spMkLst>
-            <pc:docMk/>
-            <pc:sldMk cId="3695609286" sldId="315"/>
-            <ac:spMk id="48" creationId="{46DB88C4-6768-039C-F2E1-2D7F773BFD56}"/>
-          </ac:spMkLst>
-        </pc:spChg>
-        <pc:spChg chg="add del mod">
-          <ac:chgData name="Luiz Break" userId="3ea80d37ed61a017" providerId="LiveId" clId="{E82D63E6-6E1C-48E6-A5D3-91C65C07EA9F}" dt="2024-06-06T11:48:54.347" v="1198" actId="14100"/>
-          <ac:spMkLst>
-            <pc:docMk/>
-            <pc:sldMk cId="3695609286" sldId="315"/>
-            <ac:spMk id="50" creationId="{2406141C-4696-E095-8926-BB06216CF0EB}"/>
-          </ac:spMkLst>
-        </pc:spChg>
-        <pc:spChg chg="add mod">
-          <ac:chgData name="Luiz Break" userId="3ea80d37ed61a017" providerId="LiveId" clId="{E82D63E6-6E1C-48E6-A5D3-91C65C07EA9F}" dt="2024-06-06T11:54:57.922" v="1312" actId="554"/>
-          <ac:spMkLst>
-            <pc:docMk/>
-            <pc:sldMk cId="3695609286" sldId="315"/>
-            <ac:spMk id="51" creationId="{DFEA9013-466A-F3D9-8616-F837DF3D6227}"/>
-          </ac:spMkLst>
-        </pc:spChg>
-        <pc:spChg chg="add mod">
-          <ac:chgData name="Luiz Break" userId="3ea80d37ed61a017" providerId="LiveId" clId="{E82D63E6-6E1C-48E6-A5D3-91C65C07EA9F}" dt="2024-06-06T11:54:20.892" v="1305" actId="554"/>
-          <ac:spMkLst>
-            <pc:docMk/>
-            <pc:sldMk cId="3695609286" sldId="315"/>
-            <ac:spMk id="52" creationId="{D3156294-E5B1-FF03-4B9C-ED9BD8F13ABD}"/>
-          </ac:spMkLst>
-        </pc:spChg>
-        <pc:spChg chg="add mod">
-          <ac:chgData name="Luiz Break" userId="3ea80d37ed61a017" providerId="LiveId" clId="{E82D63E6-6E1C-48E6-A5D3-91C65C07EA9F}" dt="2024-06-06T11:54:57.922" v="1312" actId="554"/>
-          <ac:spMkLst>
-            <pc:docMk/>
-            <pc:sldMk cId="3695609286" sldId="315"/>
-            <ac:spMk id="53" creationId="{DD0985CC-5DD3-73FF-D924-62F628FDCA08}"/>
-          </ac:spMkLst>
-        </pc:spChg>
-        <pc:spChg chg="add mod">
-          <ac:chgData name="Luiz Break" userId="3ea80d37ed61a017" providerId="LiveId" clId="{E82D63E6-6E1C-48E6-A5D3-91C65C07EA9F}" dt="2024-06-06T11:54:20.892" v="1305" actId="554"/>
-          <ac:spMkLst>
-            <pc:docMk/>
-            <pc:sldMk cId="3695609286" sldId="315"/>
-            <ac:spMk id="54" creationId="{861432F2-B42D-DEBA-9D71-7A84629B4E97}"/>
-          </ac:spMkLst>
-        </pc:spChg>
-        <pc:spChg chg="add mod">
-          <ac:chgData name="Luiz Break" userId="3ea80d37ed61a017" providerId="LiveId" clId="{E82D63E6-6E1C-48E6-A5D3-91C65C07EA9F}" dt="2024-06-06T11:54:57.922" v="1312" actId="554"/>
-          <ac:spMkLst>
-            <pc:docMk/>
-            <pc:sldMk cId="3695609286" sldId="315"/>
-            <ac:spMk id="55" creationId="{5AF38F8A-4E32-01F6-DF99-670449B8677E}"/>
-          </ac:spMkLst>
-        </pc:spChg>
-        <pc:spChg chg="add mod">
-          <ac:chgData name="Luiz Break" userId="3ea80d37ed61a017" providerId="LiveId" clId="{E82D63E6-6E1C-48E6-A5D3-91C65C07EA9F}" dt="2024-06-06T11:54:25.928" v="1306" actId="554"/>
-          <ac:spMkLst>
-            <pc:docMk/>
-            <pc:sldMk cId="3695609286" sldId="315"/>
-            <ac:spMk id="56" creationId="{EAF5A0F8-96B3-0A98-6FB2-2D902C9CA71C}"/>
-          </ac:spMkLst>
-        </pc:spChg>
-        <pc:spChg chg="add mod">
-          <ac:chgData name="Luiz Break" userId="3ea80d37ed61a017" providerId="LiveId" clId="{E82D63E6-6E1C-48E6-A5D3-91C65C07EA9F}" dt="2024-06-06T11:55:02.909" v="1313" actId="554"/>
-          <ac:spMkLst>
-            <pc:docMk/>
-            <pc:sldMk cId="3695609286" sldId="315"/>
-            <ac:spMk id="58" creationId="{6C9A27ED-BFF0-367D-F72A-F37BE5879F2B}"/>
-          </ac:spMkLst>
-        </pc:spChg>
-        <pc:spChg chg="add mod">
-          <ac:chgData name="Luiz Break" userId="3ea80d37ed61a017" providerId="LiveId" clId="{E82D63E6-6E1C-48E6-A5D3-91C65C07EA9F}" dt="2024-06-06T11:54:25.928" v="1306" actId="554"/>
-          <ac:spMkLst>
-            <pc:docMk/>
-            <pc:sldMk cId="3695609286" sldId="315"/>
-            <ac:spMk id="59" creationId="{D59D5810-EA5B-1843-D151-DB3521497BC0}"/>
-          </ac:spMkLst>
-        </pc:spChg>
-        <pc:spChg chg="add mod">
-          <ac:chgData name="Luiz Break" userId="3ea80d37ed61a017" providerId="LiveId" clId="{E82D63E6-6E1C-48E6-A5D3-91C65C07EA9F}" dt="2024-06-06T11:55:02.909" v="1313" actId="554"/>
-          <ac:spMkLst>
-            <pc:docMk/>
-            <pc:sldMk cId="3695609286" sldId="315"/>
-            <ac:spMk id="60" creationId="{B45CD06E-5B00-5949-A5EA-76B9ECBC0B90}"/>
-          </ac:spMkLst>
-        </pc:spChg>
-        <pc:spChg chg="add mod">
-          <ac:chgData name="Luiz Break" userId="3ea80d37ed61a017" providerId="LiveId" clId="{E82D63E6-6E1C-48E6-A5D3-91C65C07EA9F}" dt="2024-06-06T11:54:25.928" v="1306" actId="554"/>
-          <ac:spMkLst>
-            <pc:docMk/>
-            <pc:sldMk cId="3695609286" sldId="315"/>
-            <ac:spMk id="61" creationId="{3401601B-D997-7D79-B898-75D86CBB522D}"/>
-          </ac:spMkLst>
-        </pc:spChg>
-        <pc:spChg chg="add mod">
-          <ac:chgData name="Luiz Break" userId="3ea80d37ed61a017" providerId="LiveId" clId="{E82D63E6-6E1C-48E6-A5D3-91C65C07EA9F}" dt="2024-06-06T11:55:02.909" v="1313" actId="554"/>
-          <ac:spMkLst>
-            <pc:docMk/>
-            <pc:sldMk cId="3695609286" sldId="315"/>
-            <ac:spMk id="62" creationId="{B66CB3BD-1432-1FFF-626A-3355E4025881}"/>
-          </ac:spMkLst>
-        </pc:spChg>
-        <pc:spChg chg="mod">
-          <ac:chgData name="Luiz Break" userId="3ea80d37ed61a017" providerId="LiveId" clId="{E82D63E6-6E1C-48E6-A5D3-91C65C07EA9F}" dt="2024-06-06T14:28:26.664" v="1652" actId="207"/>
-          <ac:spMkLst>
-            <pc:docMk/>
-            <pc:sldMk cId="3695609286" sldId="315"/>
-            <ac:spMk id="63" creationId="{BDD952F3-9779-FBDF-E9E1-462CADB04A49}"/>
-          </ac:spMkLst>
-        </pc:spChg>
-        <pc:spChg chg="add mod">
-          <ac:chgData name="Luiz Break" userId="3ea80d37ed61a017" providerId="LiveId" clId="{E82D63E6-6E1C-48E6-A5D3-91C65C07EA9F}" dt="2024-06-06T11:54:30.823" v="1307" actId="554"/>
-          <ac:spMkLst>
-            <pc:docMk/>
-            <pc:sldMk cId="3695609286" sldId="315"/>
-            <ac:spMk id="2048" creationId="{4B8AE7CB-64E8-33FA-2A5D-3CAF9F58BD6E}"/>
-          </ac:spMkLst>
-        </pc:spChg>
-        <pc:spChg chg="add mod">
-          <ac:chgData name="Luiz Break" userId="3ea80d37ed61a017" providerId="LiveId" clId="{E82D63E6-6E1C-48E6-A5D3-91C65C07EA9F}" dt="2024-06-06T11:55:08.397" v="1314" actId="554"/>
-          <ac:spMkLst>
-            <pc:docMk/>
-            <pc:sldMk cId="3695609286" sldId="315"/>
-            <ac:spMk id="2049" creationId="{699D35E0-DD58-A603-D557-1FB56602545C}"/>
-          </ac:spMkLst>
-        </pc:spChg>
-        <pc:spChg chg="add mod">
-          <ac:chgData name="Luiz Break" userId="3ea80d37ed61a017" providerId="LiveId" clId="{E82D63E6-6E1C-48E6-A5D3-91C65C07EA9F}" dt="2024-06-06T11:54:30.823" v="1307" actId="554"/>
-          <ac:spMkLst>
-            <pc:docMk/>
-            <pc:sldMk cId="3695609286" sldId="315"/>
-            <ac:spMk id="2050" creationId="{D80DAC19-5974-0F45-1259-363A8824EAE1}"/>
-          </ac:spMkLst>
-        </pc:spChg>
-        <pc:spChg chg="add mod">
-          <ac:chgData name="Luiz Break" userId="3ea80d37ed61a017" providerId="LiveId" clId="{E82D63E6-6E1C-48E6-A5D3-91C65C07EA9F}" dt="2024-06-06T11:55:08.397" v="1314" actId="554"/>
-          <ac:spMkLst>
-            <pc:docMk/>
-            <pc:sldMk cId="3695609286" sldId="315"/>
-            <ac:spMk id="2051" creationId="{6AF086C4-D823-D2AC-C6B9-18200D40F4AA}"/>
-          </ac:spMkLst>
-        </pc:spChg>
-        <pc:spChg chg="add mod">
-          <ac:chgData name="Luiz Break" userId="3ea80d37ed61a017" providerId="LiveId" clId="{E82D63E6-6E1C-48E6-A5D3-91C65C07EA9F}" dt="2024-06-06T11:54:30.823" v="1307" actId="554"/>
-          <ac:spMkLst>
-            <pc:docMk/>
-            <pc:sldMk cId="3695609286" sldId="315"/>
-            <ac:spMk id="2052" creationId="{C150BC36-9765-A31C-AF8C-7EF371675043}"/>
-          </ac:spMkLst>
-        </pc:spChg>
-        <pc:spChg chg="add mod">
-          <ac:chgData name="Luiz Break" userId="3ea80d37ed61a017" providerId="LiveId" clId="{E82D63E6-6E1C-48E6-A5D3-91C65C07EA9F}" dt="2024-06-06T11:58:20.929" v="1406" actId="20577"/>
-          <ac:spMkLst>
-            <pc:docMk/>
-            <pc:sldMk cId="3695609286" sldId="315"/>
-            <ac:spMk id="2053" creationId="{54B2996C-EF24-58D4-BD5B-ED0931693A98}"/>
-          </ac:spMkLst>
-        </pc:spChg>
-        <pc:spChg chg="add mod">
-          <ac:chgData name="Luiz Break" userId="3ea80d37ed61a017" providerId="LiveId" clId="{E82D63E6-6E1C-48E6-A5D3-91C65C07EA9F}" dt="2024-06-06T11:59:17.916" v="1409" actId="554"/>
-          <ac:spMkLst>
-            <pc:docMk/>
-            <pc:sldMk cId="3695609286" sldId="315"/>
-            <ac:spMk id="2054" creationId="{D1E07E18-2926-4696-3497-9FD19AD62322}"/>
-          </ac:spMkLst>
-        </pc:spChg>
-        <pc:spChg chg="add mod">
-          <ac:chgData name="Luiz Break" userId="3ea80d37ed61a017" providerId="LiveId" clId="{E82D63E6-6E1C-48E6-A5D3-91C65C07EA9F}" dt="2024-06-06T11:59:26.856" v="1418" actId="20577"/>
-          <ac:spMkLst>
-            <pc:docMk/>
-            <pc:sldMk cId="3695609286" sldId="315"/>
-            <ac:spMk id="2055" creationId="{904171E5-DC53-D9C3-2655-67C4D23C9A6D}"/>
-          </ac:spMkLst>
-        </pc:spChg>
-        <pc:spChg chg="add mod">
-          <ac:chgData name="Luiz Break" userId="3ea80d37ed61a017" providerId="LiveId" clId="{E82D63E6-6E1C-48E6-A5D3-91C65C07EA9F}" dt="2024-06-06T12:04:26.221" v="1485" actId="1076"/>
-          <ac:spMkLst>
-            <pc:docMk/>
-            <pc:sldMk cId="3695609286" sldId="315"/>
-            <ac:spMk id="2056" creationId="{FD22E440-FB40-B7AE-170E-A5A8A1D728AD}"/>
-          </ac:spMkLst>
-        </pc:spChg>
-        <pc:spChg chg="add mod">
-          <ac:chgData name="Luiz Break" userId="3ea80d37ed61a017" providerId="LiveId" clId="{E82D63E6-6E1C-48E6-A5D3-91C65C07EA9F}" dt="2024-06-06T12:04:29.415" v="1493" actId="20577"/>
-          <ac:spMkLst>
-            <pc:docMk/>
-            <pc:sldMk cId="3695609286" sldId="315"/>
-            <ac:spMk id="2057" creationId="{50F54C8F-9A36-7F1F-8F97-BDBAC53D5968}"/>
-          </ac:spMkLst>
-        </pc:spChg>
-        <pc:spChg chg="mod">
-          <ac:chgData name="Luiz Break" userId="3ea80d37ed61a017" providerId="LiveId" clId="{E82D63E6-6E1C-48E6-A5D3-91C65C07EA9F}" dt="2024-06-06T11:54:36.401" v="1308" actId="554"/>
-          <ac:spMkLst>
-            <pc:docMk/>
-            <pc:sldMk cId="3695609286" sldId="315"/>
-            <ac:spMk id="2062" creationId="{B915BC42-F3C7-4EFF-E87E-86F77BC4B447}"/>
-          </ac:spMkLst>
-        </pc:spChg>
-        <pc:spChg chg="mod">
-          <ac:chgData name="Luiz Break" userId="3ea80d37ed61a017" providerId="LiveId" clId="{E82D63E6-6E1C-48E6-A5D3-91C65C07EA9F}" dt="2024-06-06T11:54:05.950" v="1302" actId="554"/>
-          <ac:spMkLst>
-            <pc:docMk/>
-            <pc:sldMk cId="3695609286" sldId="315"/>
-            <ac:spMk id="2063" creationId="{77E084E4-6697-BED5-CB63-AEE0D4F82F32}"/>
-          </ac:spMkLst>
-        </pc:spChg>
-        <pc:spChg chg="mod">
-          <ac:chgData name="Luiz Break" userId="3ea80d37ed61a017" providerId="LiveId" clId="{E82D63E6-6E1C-48E6-A5D3-91C65C07EA9F}" dt="2024-06-06T11:54:36.401" v="1308" actId="554"/>
-          <ac:spMkLst>
-            <pc:docMk/>
-            <pc:sldMk cId="3695609286" sldId="315"/>
-            <ac:spMk id="2064" creationId="{39C0AE46-43C7-14FE-E25B-15BEA2E32F90}"/>
-          </ac:spMkLst>
-        </pc:spChg>
-        <pc:spChg chg="mod">
-          <ac:chgData name="Luiz Break" userId="3ea80d37ed61a017" providerId="LiveId" clId="{E82D63E6-6E1C-48E6-A5D3-91C65C07EA9F}" dt="2024-06-06T11:54:11.227" v="1303" actId="554"/>
-          <ac:spMkLst>
-            <pc:docMk/>
-            <pc:sldMk cId="3695609286" sldId="315"/>
-            <ac:spMk id="2065" creationId="{32DA9EA1-78C5-827D-2BE7-7C8E7D166C4E}"/>
-          </ac:spMkLst>
-        </pc:spChg>
-        <pc:spChg chg="mod">
-          <ac:chgData name="Luiz Break" userId="3ea80d37ed61a017" providerId="LiveId" clId="{E82D63E6-6E1C-48E6-A5D3-91C65C07EA9F}" dt="2024-06-06T11:54:41.115" v="1309" actId="554"/>
-          <ac:spMkLst>
-            <pc:docMk/>
-            <pc:sldMk cId="3695609286" sldId="315"/>
-            <ac:spMk id="2066" creationId="{851877DB-3BCB-8D29-281E-B6D4FBA8B105}"/>
-          </ac:spMkLst>
-        </pc:spChg>
-        <pc:spChg chg="mod">
-          <ac:chgData name="Luiz Break" userId="3ea80d37ed61a017" providerId="LiveId" clId="{E82D63E6-6E1C-48E6-A5D3-91C65C07EA9F}" dt="2024-06-06T11:54:11.227" v="1303" actId="554"/>
-          <ac:spMkLst>
-            <pc:docMk/>
-            <pc:sldMk cId="3695609286" sldId="315"/>
-            <ac:spMk id="2067" creationId="{D970551D-DCFA-46B5-9F30-3E63C4E4768A}"/>
-          </ac:spMkLst>
-        </pc:spChg>
-        <pc:spChg chg="mod">
-          <ac:chgData name="Luiz Break" userId="3ea80d37ed61a017" providerId="LiveId" clId="{E82D63E6-6E1C-48E6-A5D3-91C65C07EA9F}" dt="2024-06-06T12:02:50.202" v="1483" actId="20577"/>
-          <ac:spMkLst>
-            <pc:docMk/>
-            <pc:sldMk cId="3695609286" sldId="315"/>
-            <ac:spMk id="2068" creationId="{955F2C58-F6CD-5D67-C106-F76CBE4CF01A}"/>
-          </ac:spMkLst>
-        </pc:spChg>
-        <pc:grpChg chg="add mod">
-          <ac:chgData name="Luiz Break" userId="3ea80d37ed61a017" providerId="LiveId" clId="{E82D63E6-6E1C-48E6-A5D3-91C65C07EA9F}" dt="2024-06-06T11:57:57.703" v="1386" actId="1076"/>
-          <ac:grpSpMkLst>
-            <pc:docMk/>
-            <pc:sldMk cId="3695609286" sldId="315"/>
-            <ac:grpSpMk id="2" creationId="{3EA2FE00-0721-FDF9-EBFD-24530237DC94}"/>
-          </ac:grpSpMkLst>
-        </pc:grpChg>
-        <pc:picChg chg="mod">
-          <ac:chgData name="Luiz Break" userId="3ea80d37ed61a017" providerId="LiveId" clId="{E82D63E6-6E1C-48E6-A5D3-91C65C07EA9F}" dt="2024-06-06T11:57:57.703" v="1386" actId="1076"/>
-          <ac:picMkLst>
-            <pc:docMk/>
-            <pc:sldMk cId="3695609286" sldId="315"/>
-            <ac:picMk id="8" creationId="{6A02B9F8-7035-A38A-05B1-D4158810F542}"/>
-          </ac:picMkLst>
-        </pc:picChg>
-        <pc:picChg chg="add mod">
-          <ac:chgData name="Luiz Break" userId="3ea80d37ed61a017" providerId="LiveId" clId="{E82D63E6-6E1C-48E6-A5D3-91C65C07EA9F}" dt="2024-06-06T11:57:57.703" v="1386" actId="1076"/>
-          <ac:picMkLst>
-            <pc:docMk/>
-            <pc:sldMk cId="3695609286" sldId="315"/>
-            <ac:picMk id="18" creationId="{A6ECAA68-CA94-431B-A210-71A15678A774}"/>
-          </ac:picMkLst>
-        </pc:picChg>
-        <pc:picChg chg="add mod">
-          <ac:chgData name="Luiz Break" userId="3ea80d37ed61a017" providerId="LiveId" clId="{E82D63E6-6E1C-48E6-A5D3-91C65C07EA9F}" dt="2024-06-06T11:57:57.703" v="1386" actId="1076"/>
-          <ac:picMkLst>
-            <pc:docMk/>
-            <pc:sldMk cId="3695609286" sldId="315"/>
-            <ac:picMk id="21" creationId="{06F9C9B4-A282-8555-4752-D5AA241AEC6C}"/>
-          </ac:picMkLst>
-        </pc:picChg>
-        <pc:picChg chg="add mod">
-          <ac:chgData name="Luiz Break" userId="3ea80d37ed61a017" providerId="LiveId" clId="{E82D63E6-6E1C-48E6-A5D3-91C65C07EA9F}" dt="2024-06-06T11:57:57.703" v="1386" actId="1076"/>
-          <ac:picMkLst>
-            <pc:docMk/>
-            <pc:sldMk cId="3695609286" sldId="315"/>
-            <ac:picMk id="23" creationId="{A3FC7A87-5E3E-8B60-9736-4F2D9B1C6345}"/>
-          </ac:picMkLst>
-        </pc:picChg>
-        <pc:picChg chg="mod">
-          <ac:chgData name="Luiz Break" userId="3ea80d37ed61a017" providerId="LiveId" clId="{E82D63E6-6E1C-48E6-A5D3-91C65C07EA9F}" dt="2024-06-06T11:46:06.100" v="1178" actId="1037"/>
-          <ac:picMkLst>
-            <pc:docMk/>
-            <pc:sldMk cId="3695609286" sldId="315"/>
-            <ac:picMk id="32" creationId="{EEA13134-A718-7DCB-AFC1-4EAEEBFCB57F}"/>
-          </ac:picMkLst>
-        </pc:picChg>
-        <pc:picChg chg="mod">
-          <ac:chgData name="Luiz Break" userId="3ea80d37ed61a017" providerId="LiveId" clId="{E82D63E6-6E1C-48E6-A5D3-91C65C07EA9F}" dt="2024-06-06T11:48:22.968" v="1191" actId="1076"/>
-          <ac:picMkLst>
-            <pc:docMk/>
-            <pc:sldMk cId="3695609286" sldId="315"/>
-            <ac:picMk id="41" creationId="{0AF23CE0-CCFC-327A-AE69-0A5D9E8861D9}"/>
-          </ac:picMkLst>
-        </pc:picChg>
-        <pc:picChg chg="mod">
-          <ac:chgData name="Luiz Break" userId="3ea80d37ed61a017" providerId="LiveId" clId="{E82D63E6-6E1C-48E6-A5D3-91C65C07EA9F}" dt="2024-06-06T11:46:06.100" v="1178" actId="1037"/>
-          <ac:picMkLst>
-            <pc:docMk/>
-            <pc:sldMk cId="3695609286" sldId="315"/>
-            <ac:picMk id="49" creationId="{BA32E0AB-07A2-1FE4-1F22-36F2D6ED9561}"/>
-          </ac:picMkLst>
-        </pc:picChg>
-        <pc:picChg chg="mod">
-          <ac:chgData name="Luiz Break" userId="3ea80d37ed61a017" providerId="LiveId" clId="{E82D63E6-6E1C-48E6-A5D3-91C65C07EA9F}" dt="2024-06-06T11:46:06.100" v="1178" actId="1037"/>
-          <ac:picMkLst>
-            <pc:docMk/>
-            <pc:sldMk cId="3695609286" sldId="315"/>
-            <ac:picMk id="57" creationId="{8D801A91-DDB3-A2E7-7E80-3A2F2F19F660}"/>
-          </ac:picMkLst>
-        </pc:picChg>
-        <pc:inkChg chg="add mod">
-          <ac:chgData name="Luiz Break" userId="3ea80d37ed61a017" providerId="LiveId" clId="{E82D63E6-6E1C-48E6-A5D3-91C65C07EA9F}" dt="2024-06-06T11:57:57.703" v="1386" actId="1076"/>
-          <ac:inkMkLst>
-            <pc:docMk/>
-            <pc:sldMk cId="3695609286" sldId="315"/>
-            <ac:inkMk id="9" creationId="{28202DC7-3638-9481-9497-A3FDE7AAB52B}"/>
-          </ac:inkMkLst>
-        </pc:inkChg>
-        <pc:inkChg chg="add mod">
-          <ac:chgData name="Luiz Break" userId="3ea80d37ed61a017" providerId="LiveId" clId="{E82D63E6-6E1C-48E6-A5D3-91C65C07EA9F}" dt="2024-06-06T11:57:57.703" v="1386" actId="1076"/>
-          <ac:inkMkLst>
-            <pc:docMk/>
-            <pc:sldMk cId="3695609286" sldId="315"/>
-            <ac:inkMk id="22" creationId="{EA4F9900-28E4-C5CF-1975-D49143E91759}"/>
-          </ac:inkMkLst>
-        </pc:inkChg>
       </pc:sldChg>
       <pc:sldChg chg="delSp modSp mod">
         <pc:chgData name="Luiz Break" userId="3ea80d37ed61a017" providerId="LiveId" clId="{E82D63E6-6E1C-48E6-A5D3-91C65C07EA9F}" dt="2024-06-06T14:30:41.436" v="1807" actId="20577"/>
@@ -1294,142 +303,6 @@
           <pc:docMk/>
           <pc:sldMk cId="4240549405" sldId="316"/>
         </pc:sldMkLst>
-        <pc:spChg chg="del">
-          <ac:chgData name="Luiz Break" userId="3ea80d37ed61a017" providerId="LiveId" clId="{E82D63E6-6E1C-48E6-A5D3-91C65C07EA9F}" dt="2024-06-06T14:01:00.760" v="1517" actId="21"/>
-          <ac:spMkLst>
-            <pc:docMk/>
-            <pc:sldMk cId="4240549405" sldId="316"/>
-            <ac:spMk id="10" creationId="{C9FC00D3-2858-3E41-6F11-C5D3D3995508}"/>
-          </ac:spMkLst>
-        </pc:spChg>
-        <pc:spChg chg="del">
-          <ac:chgData name="Luiz Break" userId="3ea80d37ed61a017" providerId="LiveId" clId="{E82D63E6-6E1C-48E6-A5D3-91C65C07EA9F}" dt="2024-06-06T14:01:00.760" v="1517" actId="21"/>
-          <ac:spMkLst>
-            <pc:docMk/>
-            <pc:sldMk cId="4240549405" sldId="316"/>
-            <ac:spMk id="12" creationId="{3280FBFC-51C7-014B-248B-76D0B72FE6D3}"/>
-          </ac:spMkLst>
-        </pc:spChg>
-        <pc:spChg chg="del">
-          <ac:chgData name="Luiz Break" userId="3ea80d37ed61a017" providerId="LiveId" clId="{E82D63E6-6E1C-48E6-A5D3-91C65C07EA9F}" dt="2024-06-06T14:01:00.760" v="1517" actId="21"/>
-          <ac:spMkLst>
-            <pc:docMk/>
-            <pc:sldMk cId="4240549405" sldId="316"/>
-            <ac:spMk id="13" creationId="{97BDCB5E-E617-83D9-177F-D3C49E8F0D56}"/>
-          </ac:spMkLst>
-        </pc:spChg>
-        <pc:spChg chg="del">
-          <ac:chgData name="Luiz Break" userId="3ea80d37ed61a017" providerId="LiveId" clId="{E82D63E6-6E1C-48E6-A5D3-91C65C07EA9F}" dt="2024-06-06T14:01:00.760" v="1517" actId="21"/>
-          <ac:spMkLst>
-            <pc:docMk/>
-            <pc:sldMk cId="4240549405" sldId="316"/>
-            <ac:spMk id="14" creationId="{5D0816BD-6BBD-6724-5FDB-56DA04DD272A}"/>
-          </ac:spMkLst>
-        </pc:spChg>
-        <pc:spChg chg="del">
-          <ac:chgData name="Luiz Break" userId="3ea80d37ed61a017" providerId="LiveId" clId="{E82D63E6-6E1C-48E6-A5D3-91C65C07EA9F}" dt="2024-06-06T14:01:00.760" v="1517" actId="21"/>
-          <ac:spMkLst>
-            <pc:docMk/>
-            <pc:sldMk cId="4240549405" sldId="316"/>
-            <ac:spMk id="21" creationId="{C50D6B8D-9C2B-8DCB-B620-B137C39C6A95}"/>
-          </ac:spMkLst>
-        </pc:spChg>
-        <pc:spChg chg="del">
-          <ac:chgData name="Luiz Break" userId="3ea80d37ed61a017" providerId="LiveId" clId="{E82D63E6-6E1C-48E6-A5D3-91C65C07EA9F}" dt="2024-06-06T14:01:00.760" v="1517" actId="21"/>
-          <ac:spMkLst>
-            <pc:docMk/>
-            <pc:sldMk cId="4240549405" sldId="316"/>
-            <ac:spMk id="23" creationId="{6121597A-C578-B67D-A652-15ABCF5E3FA7}"/>
-          </ac:spMkLst>
-        </pc:spChg>
-        <pc:spChg chg="mod">
-          <ac:chgData name="Luiz Break" userId="3ea80d37ed61a017" providerId="LiveId" clId="{E82D63E6-6E1C-48E6-A5D3-91C65C07EA9F}" dt="2024-06-06T14:30:41.436" v="1807" actId="20577"/>
-          <ac:spMkLst>
-            <pc:docMk/>
-            <pc:sldMk cId="4240549405" sldId="316"/>
-            <ac:spMk id="32" creationId="{3BE662EC-D9F9-6E83-C80A-D9D579EE95F9}"/>
-          </ac:spMkLst>
-        </pc:spChg>
-        <pc:spChg chg="mod">
-          <ac:chgData name="Luiz Break" userId="3ea80d37ed61a017" providerId="LiveId" clId="{E82D63E6-6E1C-48E6-A5D3-91C65C07EA9F}" dt="2024-06-06T14:23:02.206" v="1552" actId="20577"/>
-          <ac:spMkLst>
-            <pc:docMk/>
-            <pc:sldMk cId="4240549405" sldId="316"/>
-            <ac:spMk id="55" creationId="{C696C2AF-6E3E-3D62-88CF-F30184B6BD95}"/>
-          </ac:spMkLst>
-        </pc:spChg>
-        <pc:spChg chg="mod">
-          <ac:chgData name="Luiz Break" userId="3ea80d37ed61a017" providerId="LiveId" clId="{E82D63E6-6E1C-48E6-A5D3-91C65C07EA9F}" dt="2024-06-06T14:01:55.435" v="1532" actId="20577"/>
-          <ac:spMkLst>
-            <pc:docMk/>
-            <pc:sldMk cId="4240549405" sldId="316"/>
-            <ac:spMk id="56" creationId="{7CE52EA9-D9F4-D636-1671-4458A0519A71}"/>
-          </ac:spMkLst>
-        </pc:spChg>
-        <pc:spChg chg="mod">
-          <ac:chgData name="Luiz Break" userId="3ea80d37ed61a017" providerId="LiveId" clId="{E82D63E6-6E1C-48E6-A5D3-91C65C07EA9F}" dt="2024-06-06T14:01:35.743" v="1520" actId="20577"/>
-          <ac:spMkLst>
-            <pc:docMk/>
-            <pc:sldMk cId="4240549405" sldId="316"/>
-            <ac:spMk id="58" creationId="{510E4BB4-2331-00D3-11AC-7F1E0C2EE1AA}"/>
-          </ac:spMkLst>
-        </pc:spChg>
-        <pc:picChg chg="del">
-          <ac:chgData name="Luiz Break" userId="3ea80d37ed61a017" providerId="LiveId" clId="{E82D63E6-6E1C-48E6-A5D3-91C65C07EA9F}" dt="2024-06-06T14:01:00.760" v="1517" actId="21"/>
-          <ac:picMkLst>
-            <pc:docMk/>
-            <pc:sldMk cId="4240549405" sldId="316"/>
-            <ac:picMk id="27" creationId="{30E1A7F8-B4AF-0E1C-7F4D-8D1B8F743B7C}"/>
-          </ac:picMkLst>
-        </pc:picChg>
-        <pc:cxnChg chg="del mod">
-          <ac:chgData name="Luiz Break" userId="3ea80d37ed61a017" providerId="LiveId" clId="{E82D63E6-6E1C-48E6-A5D3-91C65C07EA9F}" dt="2024-06-06T14:01:00.760" v="1517" actId="21"/>
-          <ac:cxnSpMkLst>
-            <pc:docMk/>
-            <pc:sldMk cId="4240549405" sldId="316"/>
-            <ac:cxnSpMk id="15" creationId="{F5A92609-8C46-E7D2-DE83-2B8014D5C2E0}"/>
-          </ac:cxnSpMkLst>
-        </pc:cxnChg>
-        <pc:cxnChg chg="del mod">
-          <ac:chgData name="Luiz Break" userId="3ea80d37ed61a017" providerId="LiveId" clId="{E82D63E6-6E1C-48E6-A5D3-91C65C07EA9F}" dt="2024-06-06T14:01:00.760" v="1517" actId="21"/>
-          <ac:cxnSpMkLst>
-            <pc:docMk/>
-            <pc:sldMk cId="4240549405" sldId="316"/>
-            <ac:cxnSpMk id="16" creationId="{D0D74367-78E7-BADD-A8F8-557CA70D0E4B}"/>
-          </ac:cxnSpMkLst>
-        </pc:cxnChg>
-        <pc:cxnChg chg="del mod">
-          <ac:chgData name="Luiz Break" userId="3ea80d37ed61a017" providerId="LiveId" clId="{E82D63E6-6E1C-48E6-A5D3-91C65C07EA9F}" dt="2024-06-06T14:01:00.760" v="1517" actId="21"/>
-          <ac:cxnSpMkLst>
-            <pc:docMk/>
-            <pc:sldMk cId="4240549405" sldId="316"/>
-            <ac:cxnSpMk id="20" creationId="{9EEAC7ED-ACBE-7AFC-773F-04ECF4E27EDD}"/>
-          </ac:cxnSpMkLst>
-        </pc:cxnChg>
-        <pc:cxnChg chg="del mod">
-          <ac:chgData name="Luiz Break" userId="3ea80d37ed61a017" providerId="LiveId" clId="{E82D63E6-6E1C-48E6-A5D3-91C65C07EA9F}" dt="2024-06-06T14:01:00.760" v="1517" actId="21"/>
-          <ac:cxnSpMkLst>
-            <pc:docMk/>
-            <pc:sldMk cId="4240549405" sldId="316"/>
-            <ac:cxnSpMk id="24" creationId="{03C6ED06-3DE3-0444-B1BB-6DD5B1D03C3A}"/>
-          </ac:cxnSpMkLst>
-        </pc:cxnChg>
-        <pc:cxnChg chg="del mod">
-          <ac:chgData name="Luiz Break" userId="3ea80d37ed61a017" providerId="LiveId" clId="{E82D63E6-6E1C-48E6-A5D3-91C65C07EA9F}" dt="2024-06-06T14:01:00.760" v="1517" actId="21"/>
-          <ac:cxnSpMkLst>
-            <pc:docMk/>
-            <pc:sldMk cId="4240549405" sldId="316"/>
-            <ac:cxnSpMk id="25" creationId="{8D12FD74-5FC4-C6C1-D53B-7CE4D29ADAB7}"/>
-          </ac:cxnSpMkLst>
-        </pc:cxnChg>
-        <pc:cxnChg chg="del mod">
-          <ac:chgData name="Luiz Break" userId="3ea80d37ed61a017" providerId="LiveId" clId="{E82D63E6-6E1C-48E6-A5D3-91C65C07EA9F}" dt="2024-06-06T14:01:00.760" v="1517" actId="21"/>
-          <ac:cxnSpMkLst>
-            <pc:docMk/>
-            <pc:sldMk cId="4240549405" sldId="316"/>
-            <ac:cxnSpMk id="26" creationId="{722A904B-0822-DFC1-AF66-3E58BE5076A5}"/>
-          </ac:cxnSpMkLst>
-        </pc:cxnChg>
       </pc:sldChg>
       <pc:sldChg chg="addSp delSp modSp mod">
         <pc:chgData name="Luiz Break" userId="3ea80d37ed61a017" providerId="LiveId" clId="{E82D63E6-6E1C-48E6-A5D3-91C65C07EA9F}" dt="2024-08-17T12:37:41.252" v="2565" actId="1076"/>
@@ -1437,62 +310,6 @@
           <pc:docMk/>
           <pc:sldMk cId="1030240375" sldId="317"/>
         </pc:sldMkLst>
-        <pc:spChg chg="mod">
-          <ac:chgData name="Luiz Break" userId="3ea80d37ed61a017" providerId="LiveId" clId="{E82D63E6-6E1C-48E6-A5D3-91C65C07EA9F}" dt="2024-08-17T12:37:41.252" v="2565" actId="1076"/>
-          <ac:spMkLst>
-            <pc:docMk/>
-            <pc:sldMk cId="1030240375" sldId="317"/>
-            <ac:spMk id="4" creationId="{CDAE5769-031C-A8BD-3BCC-8F28B6DFC231}"/>
-          </ac:spMkLst>
-        </pc:spChg>
-        <pc:spChg chg="mod">
-          <ac:chgData name="Luiz Break" userId="3ea80d37ed61a017" providerId="LiveId" clId="{E82D63E6-6E1C-48E6-A5D3-91C65C07EA9F}" dt="2024-07-10T11:28:41.143" v="1812" actId="20577"/>
-          <ac:spMkLst>
-            <pc:docMk/>
-            <pc:sldMk cId="1030240375" sldId="317"/>
-            <ac:spMk id="5" creationId="{431080AA-8B22-7E05-48AB-8F5C3E6F8822}"/>
-          </ac:spMkLst>
-        </pc:spChg>
-        <pc:spChg chg="mod">
-          <ac:chgData name="Luiz Break" userId="3ea80d37ed61a017" providerId="LiveId" clId="{E82D63E6-6E1C-48E6-A5D3-91C65C07EA9F}" dt="2024-07-12T17:35:21.746" v="1999" actId="20577"/>
-          <ac:spMkLst>
-            <pc:docMk/>
-            <pc:sldMk cId="1030240375" sldId="317"/>
-            <ac:spMk id="9" creationId="{8AAEF2F3-5DF8-D8AB-D2E8-680246A1094E}"/>
-          </ac:spMkLst>
-        </pc:spChg>
-        <pc:spChg chg="mod">
-          <ac:chgData name="Luiz Break" userId="3ea80d37ed61a017" providerId="LiveId" clId="{E82D63E6-6E1C-48E6-A5D3-91C65C07EA9F}" dt="2024-07-10T11:28:47.581" v="1813" actId="1076"/>
-          <ac:spMkLst>
-            <pc:docMk/>
-            <pc:sldMk cId="1030240375" sldId="317"/>
-            <ac:spMk id="13" creationId="{D46557F7-227C-E7F8-853C-0C723F71F509}"/>
-          </ac:spMkLst>
-        </pc:spChg>
-        <pc:picChg chg="add mod">
-          <ac:chgData name="Luiz Break" userId="3ea80d37ed61a017" providerId="LiveId" clId="{E82D63E6-6E1C-48E6-A5D3-91C65C07EA9F}" dt="2024-07-12T17:34:58.889" v="1997" actId="1076"/>
-          <ac:picMkLst>
-            <pc:docMk/>
-            <pc:sldMk cId="1030240375" sldId="317"/>
-            <ac:picMk id="23" creationId="{41116757-10CF-4AD7-2DEA-E13E9CA07ABA}"/>
-          </ac:picMkLst>
-        </pc:picChg>
-        <pc:picChg chg="add del">
-          <ac:chgData name="Luiz Break" userId="3ea80d37ed61a017" providerId="LiveId" clId="{E82D63E6-6E1C-48E6-A5D3-91C65C07EA9F}" dt="2024-07-11T02:55:02.747" v="1960" actId="21"/>
-          <ac:picMkLst>
-            <pc:docMk/>
-            <pc:sldMk cId="1030240375" sldId="317"/>
-            <ac:picMk id="24" creationId="{F556B60E-5D0C-5789-38B8-E706865B4250}"/>
-          </ac:picMkLst>
-        </pc:picChg>
-        <pc:picChg chg="del mod">
-          <ac:chgData name="Luiz Break" userId="3ea80d37ed61a017" providerId="LiveId" clId="{E82D63E6-6E1C-48E6-A5D3-91C65C07EA9F}" dt="2024-07-12T17:34:51.573" v="1994" actId="21"/>
-          <ac:picMkLst>
-            <pc:docMk/>
-            <pc:sldMk cId="1030240375" sldId="317"/>
-            <ac:picMk id="31" creationId="{CB76F316-1810-8993-BD40-6ED20469CBF7}"/>
-          </ac:picMkLst>
-        </pc:picChg>
       </pc:sldChg>
       <pc:sldChg chg="addSp modSp mod">
         <pc:chgData name="Luiz Break" userId="3ea80d37ed61a017" providerId="LiveId" clId="{E82D63E6-6E1C-48E6-A5D3-91C65C07EA9F}" dt="2024-08-30T12:48:50.425" v="2991" actId="1076"/>
@@ -1500,86 +317,6 @@
           <pc:docMk/>
           <pc:sldMk cId="1916973385" sldId="318"/>
         </pc:sldMkLst>
-        <pc:spChg chg="add mod">
-          <ac:chgData name="Luiz Break" userId="3ea80d37ed61a017" providerId="LiveId" clId="{E82D63E6-6E1C-48E6-A5D3-91C65C07EA9F}" dt="2024-07-10T22:20:02.904" v="1951" actId="1036"/>
-          <ac:spMkLst>
-            <pc:docMk/>
-            <pc:sldMk cId="1916973385" sldId="318"/>
-            <ac:spMk id="2" creationId="{872646D3-7877-2823-01C1-8094008DDC5D}"/>
-          </ac:spMkLst>
-        </pc:spChg>
-        <pc:spChg chg="mod">
-          <ac:chgData name="Luiz Break" userId="3ea80d37ed61a017" providerId="LiveId" clId="{E82D63E6-6E1C-48E6-A5D3-91C65C07EA9F}" dt="2024-07-10T22:20:12.432" v="1952" actId="207"/>
-          <ac:spMkLst>
-            <pc:docMk/>
-            <pc:sldMk cId="1916973385" sldId="318"/>
-            <ac:spMk id="6" creationId="{5750EB33-9903-0D0F-6787-E5216671532B}"/>
-          </ac:spMkLst>
-        </pc:spChg>
-        <pc:spChg chg="mod">
-          <ac:chgData name="Luiz Break" userId="3ea80d37ed61a017" providerId="LiveId" clId="{E82D63E6-6E1C-48E6-A5D3-91C65C07EA9F}" dt="2024-08-30T12:36:03.089" v="2572" actId="20577"/>
-          <ac:spMkLst>
-            <pc:docMk/>
-            <pc:sldMk cId="1916973385" sldId="318"/>
-            <ac:spMk id="7" creationId="{1DE3B154-B6A2-77A2-E5C7-34431DC0B241}"/>
-          </ac:spMkLst>
-        </pc:spChg>
-        <pc:spChg chg="mod">
-          <ac:chgData name="Luiz Break" userId="3ea80d37ed61a017" providerId="LiveId" clId="{E82D63E6-6E1C-48E6-A5D3-91C65C07EA9F}" dt="2024-07-10T22:10:56.337" v="1818" actId="207"/>
-          <ac:spMkLst>
-            <pc:docMk/>
-            <pc:sldMk cId="1916973385" sldId="318"/>
-            <ac:spMk id="13" creationId="{5559779D-7EC6-8AAA-378B-250BF3AC5BBD}"/>
-          </ac:spMkLst>
-        </pc:spChg>
-        <pc:spChg chg="mod">
-          <ac:chgData name="Luiz Break" userId="3ea80d37ed61a017" providerId="LiveId" clId="{E82D63E6-6E1C-48E6-A5D3-91C65C07EA9F}" dt="2024-07-11T02:53:28.564" v="1955" actId="108"/>
-          <ac:spMkLst>
-            <pc:docMk/>
-            <pc:sldMk cId="1916973385" sldId="318"/>
-            <ac:spMk id="14" creationId="{8FD7F83A-6EC6-F0AF-5087-C29FB1650BE3}"/>
-          </ac:spMkLst>
-        </pc:spChg>
-        <pc:spChg chg="mod">
-          <ac:chgData name="Luiz Break" userId="3ea80d37ed61a017" providerId="LiveId" clId="{E82D63E6-6E1C-48E6-A5D3-91C65C07EA9F}" dt="2024-07-10T23:17:04.342" v="1954" actId="207"/>
-          <ac:spMkLst>
-            <pc:docMk/>
-            <pc:sldMk cId="1916973385" sldId="318"/>
-            <ac:spMk id="51" creationId="{07470255-B083-68C9-BB79-40C972C29891}"/>
-          </ac:spMkLst>
-        </pc:spChg>
-        <pc:spChg chg="mod">
-          <ac:chgData name="Luiz Break" userId="3ea80d37ed61a017" providerId="LiveId" clId="{E82D63E6-6E1C-48E6-A5D3-91C65C07EA9F}" dt="2024-07-10T22:10:52.081" v="1817" actId="207"/>
-          <ac:spMkLst>
-            <pc:docMk/>
-            <pc:sldMk cId="1916973385" sldId="318"/>
-            <ac:spMk id="58" creationId="{08DB838E-709B-0A03-891F-C79925AAF9A1}"/>
-          </ac:spMkLst>
-        </pc:spChg>
-        <pc:spChg chg="mod">
-          <ac:chgData name="Luiz Break" userId="3ea80d37ed61a017" providerId="LiveId" clId="{E82D63E6-6E1C-48E6-A5D3-91C65C07EA9F}" dt="2024-08-30T12:48:50.425" v="2991" actId="1076"/>
-          <ac:spMkLst>
-            <pc:docMk/>
-            <pc:sldMk cId="1916973385" sldId="318"/>
-            <ac:spMk id="78" creationId="{1BE68D15-4B08-741A-D911-85EBC8AA641D}"/>
-          </ac:spMkLst>
-        </pc:spChg>
-        <pc:spChg chg="mod">
-          <ac:chgData name="Luiz Break" userId="3ea80d37ed61a017" providerId="LiveId" clId="{E82D63E6-6E1C-48E6-A5D3-91C65C07EA9F}" dt="2024-07-10T22:20:14.664" v="1953" actId="207"/>
-          <ac:spMkLst>
-            <pc:docMk/>
-            <pc:sldMk cId="1916973385" sldId="318"/>
-            <ac:spMk id="80" creationId="{4D3E4F68-977F-3C60-8AA4-8A762253B50D}"/>
-          </ac:spMkLst>
-        </pc:spChg>
-        <pc:spChg chg="mod">
-          <ac:chgData name="Luiz Break" userId="3ea80d37ed61a017" providerId="LiveId" clId="{E82D63E6-6E1C-48E6-A5D3-91C65C07EA9F}" dt="2024-07-11T02:53:42.017" v="1957" actId="108"/>
-          <ac:spMkLst>
-            <pc:docMk/>
-            <pc:sldMk cId="1916973385" sldId="318"/>
-            <ac:spMk id="145" creationId="{60560B75-2C5F-D9E6-8D19-6A5D79F745CD}"/>
-          </ac:spMkLst>
-        </pc:spChg>
       </pc:sldChg>
       <pc:sldChg chg="addSp modSp new mod">
         <pc:chgData name="Luiz Break" userId="3ea80d37ed61a017" providerId="LiveId" clId="{E82D63E6-6E1C-48E6-A5D3-91C65C07EA9F}" dt="2024-07-11T02:55:23.298" v="1985" actId="20577"/>
@@ -1587,22 +324,6 @@
           <pc:docMk/>
           <pc:sldMk cId="655622478" sldId="319"/>
         </pc:sldMkLst>
-        <pc:spChg chg="add mod">
-          <ac:chgData name="Luiz Break" userId="3ea80d37ed61a017" providerId="LiveId" clId="{E82D63E6-6E1C-48E6-A5D3-91C65C07EA9F}" dt="2024-07-11T02:55:23.298" v="1985" actId="20577"/>
-          <ac:spMkLst>
-            <pc:docMk/>
-            <pc:sldMk cId="655622478" sldId="319"/>
-            <ac:spMk id="2" creationId="{6BB76335-75DB-1724-EE3C-CFC749BC22FF}"/>
-          </ac:spMkLst>
-        </pc:spChg>
-        <pc:picChg chg="add mod">
-          <ac:chgData name="Luiz Break" userId="3ea80d37ed61a017" providerId="LiveId" clId="{E82D63E6-6E1C-48E6-A5D3-91C65C07EA9F}" dt="2024-07-11T02:55:08.919" v="1963" actId="1076"/>
-          <ac:picMkLst>
-            <pc:docMk/>
-            <pc:sldMk cId="655622478" sldId="319"/>
-            <ac:picMk id="24" creationId="{F556B60E-5D0C-5789-38B8-E706865B4250}"/>
-          </ac:picMkLst>
-        </pc:picChg>
       </pc:sldChg>
       <pc:sldChg chg="addSp delSp modSp mod">
         <pc:chgData name="Luiz Break" userId="3ea80d37ed61a017" providerId="LiveId" clId="{E82D63E6-6E1C-48E6-A5D3-91C65C07EA9F}" dt="2024-09-18T15:36:52.796" v="5144" actId="1076"/>
@@ -1610,366 +331,6 @@
           <pc:docMk/>
           <pc:sldMk cId="453411335" sldId="320"/>
         </pc:sldMkLst>
-        <pc:spChg chg="add mod">
-          <ac:chgData name="Luiz Break" userId="3ea80d37ed61a017" providerId="LiveId" clId="{E82D63E6-6E1C-48E6-A5D3-91C65C07EA9F}" dt="2024-09-18T15:35:34.585" v="5106" actId="20577"/>
-          <ac:spMkLst>
-            <pc:docMk/>
-            <pc:sldMk cId="453411335" sldId="320"/>
-            <ac:spMk id="2" creationId="{CED389F7-B277-C3F3-BD8F-C7A728B7E243}"/>
-          </ac:spMkLst>
-        </pc:spChg>
-        <pc:spChg chg="add mod">
-          <ac:chgData name="Luiz Break" userId="3ea80d37ed61a017" providerId="LiveId" clId="{E82D63E6-6E1C-48E6-A5D3-91C65C07EA9F}" dt="2024-09-18T15:29:53.338" v="5006" actId="1076"/>
-          <ac:spMkLst>
-            <pc:docMk/>
-            <pc:sldMk cId="453411335" sldId="320"/>
-            <ac:spMk id="3" creationId="{66CD6991-D273-200C-ACE5-E24B47F5E990}"/>
-          </ac:spMkLst>
-        </pc:spChg>
-        <pc:spChg chg="mod">
-          <ac:chgData name="Luiz Break" userId="3ea80d37ed61a017" providerId="LiveId" clId="{E82D63E6-6E1C-48E6-A5D3-91C65C07EA9F}" dt="2024-09-18T15:32:38.349" v="5082" actId="554"/>
-          <ac:spMkLst>
-            <pc:docMk/>
-            <pc:sldMk cId="453411335" sldId="320"/>
-            <ac:spMk id="4" creationId="{51C78834-4FC5-D5CB-E500-64C82E6E5AF7}"/>
-          </ac:spMkLst>
-        </pc:spChg>
-        <pc:spChg chg="mod">
-          <ac:chgData name="Luiz Break" userId="3ea80d37ed61a017" providerId="LiveId" clId="{E82D63E6-6E1C-48E6-A5D3-91C65C07EA9F}" dt="2024-09-18T15:03:59.671" v="4788" actId="14100"/>
-          <ac:spMkLst>
-            <pc:docMk/>
-            <pc:sldMk cId="453411335" sldId="320"/>
-            <ac:spMk id="5" creationId="{3657A51F-54DB-78E3-9EBB-D65A56C4903C}"/>
-          </ac:spMkLst>
-        </pc:spChg>
-        <pc:spChg chg="mod ord">
-          <ac:chgData name="Luiz Break" userId="3ea80d37ed61a017" providerId="LiveId" clId="{E82D63E6-6E1C-48E6-A5D3-91C65C07EA9F}" dt="2024-09-18T15:32:38.349" v="5082" actId="554"/>
-          <ac:spMkLst>
-            <pc:docMk/>
-            <pc:sldMk cId="453411335" sldId="320"/>
-            <ac:spMk id="6" creationId="{5BC3460F-A403-311F-E291-9EF54999DFC2}"/>
-          </ac:spMkLst>
-        </pc:spChg>
-        <pc:spChg chg="del">
-          <ac:chgData name="Luiz Break" userId="3ea80d37ed61a017" providerId="LiveId" clId="{E82D63E6-6E1C-48E6-A5D3-91C65C07EA9F}" dt="2024-09-18T15:03:50.828" v="4786" actId="21"/>
-          <ac:spMkLst>
-            <pc:docMk/>
-            <pc:sldMk cId="453411335" sldId="320"/>
-            <ac:spMk id="7" creationId="{8BAAF4DF-145F-1955-FA46-265396E3E4CC}"/>
-          </ac:spMkLst>
-        </pc:spChg>
-        <pc:spChg chg="mod">
-          <ac:chgData name="Luiz Break" userId="3ea80d37ed61a017" providerId="LiveId" clId="{E82D63E6-6E1C-48E6-A5D3-91C65C07EA9F}" dt="2024-09-18T15:32:38.349" v="5082" actId="554"/>
-          <ac:spMkLst>
-            <pc:docMk/>
-            <pc:sldMk cId="453411335" sldId="320"/>
-            <ac:spMk id="8" creationId="{84821F61-938F-319D-F667-9F2CF9EF9766}"/>
-          </ac:spMkLst>
-        </pc:spChg>
-        <pc:spChg chg="mod">
-          <ac:chgData name="Luiz Break" userId="3ea80d37ed61a017" providerId="LiveId" clId="{E82D63E6-6E1C-48E6-A5D3-91C65C07EA9F}" dt="2024-09-18T15:35:52.867" v="5131" actId="20577"/>
-          <ac:spMkLst>
-            <pc:docMk/>
-            <pc:sldMk cId="453411335" sldId="320"/>
-            <ac:spMk id="9" creationId="{6A8C2E35-EB44-5B4E-2C52-E8B73DF790BD}"/>
-          </ac:spMkLst>
-        </pc:spChg>
-        <pc:spChg chg="del mod">
-          <ac:chgData name="Luiz Break" userId="3ea80d37ed61a017" providerId="LiveId" clId="{E82D63E6-6E1C-48E6-A5D3-91C65C07EA9F}" dt="2024-09-18T15:16:41.596" v="4924" actId="21"/>
-          <ac:spMkLst>
-            <pc:docMk/>
-            <pc:sldMk cId="453411335" sldId="320"/>
-            <ac:spMk id="10" creationId="{62F53C96-2EAF-AFAB-5BA5-B89BB16348E4}"/>
-          </ac:spMkLst>
-        </pc:spChg>
-        <pc:spChg chg="mod ord">
-          <ac:chgData name="Luiz Break" userId="3ea80d37ed61a017" providerId="LiveId" clId="{E82D63E6-6E1C-48E6-A5D3-91C65C07EA9F}" dt="2024-09-18T15:09:39.951" v="4879" actId="1076"/>
-          <ac:spMkLst>
-            <pc:docMk/>
-            <pc:sldMk cId="453411335" sldId="320"/>
-            <ac:spMk id="11" creationId="{5D240C69-8808-2054-DC49-CF4FD07615DE}"/>
-          </ac:spMkLst>
-        </pc:spChg>
-        <pc:spChg chg="del mod">
-          <ac:chgData name="Luiz Break" userId="3ea80d37ed61a017" providerId="LiveId" clId="{E82D63E6-6E1C-48E6-A5D3-91C65C07EA9F}" dt="2024-09-18T15:26:32.645" v="4987" actId="21"/>
-          <ac:spMkLst>
-            <pc:docMk/>
-            <pc:sldMk cId="453411335" sldId="320"/>
-            <ac:spMk id="12" creationId="{35A792F8-8840-6C10-53CC-A2EF7A1F5CD3}"/>
-          </ac:spMkLst>
-        </pc:spChg>
-        <pc:spChg chg="mod">
-          <ac:chgData name="Luiz Break" userId="3ea80d37ed61a017" providerId="LiveId" clId="{E82D63E6-6E1C-48E6-A5D3-91C65C07EA9F}" dt="2024-09-18T15:31:22.836" v="5070" actId="1076"/>
-          <ac:spMkLst>
-            <pc:docMk/>
-            <pc:sldMk cId="453411335" sldId="320"/>
-            <ac:spMk id="13" creationId="{BE35412A-FC14-5CBC-F7E9-C10CB9097DFD}"/>
-          </ac:spMkLst>
-        </pc:spChg>
-        <pc:spChg chg="mod">
-          <ac:chgData name="Luiz Break" userId="3ea80d37ed61a017" providerId="LiveId" clId="{E82D63E6-6E1C-48E6-A5D3-91C65C07EA9F}" dt="2024-09-18T15:31:25.807" v="5071" actId="14100"/>
-          <ac:spMkLst>
-            <pc:docMk/>
-            <pc:sldMk cId="453411335" sldId="320"/>
-            <ac:spMk id="14" creationId="{D6F56979-D489-5E78-5C14-579A035C67F2}"/>
-          </ac:spMkLst>
-        </pc:spChg>
-        <pc:spChg chg="mod">
-          <ac:chgData name="Luiz Break" userId="3ea80d37ed61a017" providerId="LiveId" clId="{E82D63E6-6E1C-48E6-A5D3-91C65C07EA9F}" dt="2024-09-18T15:26:20.390" v="4986" actId="555"/>
-          <ac:spMkLst>
-            <pc:docMk/>
-            <pc:sldMk cId="453411335" sldId="320"/>
-            <ac:spMk id="15" creationId="{7A4565A8-E616-7689-932F-7DB9FC10D6DC}"/>
-          </ac:spMkLst>
-        </pc:spChg>
-        <pc:spChg chg="add del mod ord">
-          <ac:chgData name="Luiz Break" userId="3ea80d37ed61a017" providerId="LiveId" clId="{E82D63E6-6E1C-48E6-A5D3-91C65C07EA9F}" dt="2024-09-18T15:08:03.239" v="4844" actId="21"/>
-          <ac:spMkLst>
-            <pc:docMk/>
-            <pc:sldMk cId="453411335" sldId="320"/>
-            <ac:spMk id="18" creationId="{CF88EC40-DB3C-7C2F-0F0D-6FB96FFC172D}"/>
-          </ac:spMkLst>
-        </pc:spChg>
-        <pc:spChg chg="add mod">
-          <ac:chgData name="Luiz Break" userId="3ea80d37ed61a017" providerId="LiveId" clId="{E82D63E6-6E1C-48E6-A5D3-91C65C07EA9F}" dt="2024-09-18T15:02:50.354" v="4778" actId="554"/>
-          <ac:spMkLst>
-            <pc:docMk/>
-            <pc:sldMk cId="453411335" sldId="320"/>
-            <ac:spMk id="19" creationId="{01085A02-8C01-96AD-5623-2488F3FB5352}"/>
-          </ac:spMkLst>
-        </pc:spChg>
-        <pc:spChg chg="add mod">
-          <ac:chgData name="Luiz Break" userId="3ea80d37ed61a017" providerId="LiveId" clId="{E82D63E6-6E1C-48E6-A5D3-91C65C07EA9F}" dt="2024-09-18T15:02:50.354" v="4778" actId="554"/>
-          <ac:spMkLst>
-            <pc:docMk/>
-            <pc:sldMk cId="453411335" sldId="320"/>
-            <ac:spMk id="21" creationId="{268D0B94-9911-C8B4-F1D2-324D54067CF1}"/>
-          </ac:spMkLst>
-        </pc:spChg>
-        <pc:spChg chg="add mod">
-          <ac:chgData name="Luiz Break" userId="3ea80d37ed61a017" providerId="LiveId" clId="{E82D63E6-6E1C-48E6-A5D3-91C65C07EA9F}" dt="2024-09-18T15:06:02.365" v="4824" actId="14100"/>
-          <ac:spMkLst>
-            <pc:docMk/>
-            <pc:sldMk cId="453411335" sldId="320"/>
-            <ac:spMk id="24" creationId="{96F77D8F-0886-0F5E-09C7-EEC95B2E53BD}"/>
-          </ac:spMkLst>
-        </pc:spChg>
-        <pc:spChg chg="add del mod">
-          <ac:chgData name="Luiz Break" userId="3ea80d37ed61a017" providerId="LiveId" clId="{E82D63E6-6E1C-48E6-A5D3-91C65C07EA9F}" dt="2024-09-18T15:07:27.052" v="4837" actId="21"/>
-          <ac:spMkLst>
-            <pc:docMk/>
-            <pc:sldMk cId="453411335" sldId="320"/>
-            <ac:spMk id="25" creationId="{2AF8189B-9B25-5705-3055-83038E3782BB}"/>
-          </ac:spMkLst>
-        </pc:spChg>
-        <pc:spChg chg="add del mod">
-          <ac:chgData name="Luiz Break" userId="3ea80d37ed61a017" providerId="LiveId" clId="{E82D63E6-6E1C-48E6-A5D3-91C65C07EA9F}" dt="2024-09-18T15:32:00.597" v="5073" actId="478"/>
-          <ac:spMkLst>
-            <pc:docMk/>
-            <pc:sldMk cId="453411335" sldId="320"/>
-            <ac:spMk id="28" creationId="{DD75B2B8-2EA2-5CF8-528A-03CCB4195E25}"/>
-          </ac:spMkLst>
-        </pc:spChg>
-        <pc:spChg chg="add mod">
-          <ac:chgData name="Luiz Break" userId="3ea80d37ed61a017" providerId="LiveId" clId="{E82D63E6-6E1C-48E6-A5D3-91C65C07EA9F}" dt="2024-09-18T15:29:03.762" v="4999" actId="207"/>
-          <ac:spMkLst>
-            <pc:docMk/>
-            <pc:sldMk cId="453411335" sldId="320"/>
-            <ac:spMk id="33" creationId="{631A65DE-4257-894F-93CC-22BB6E26C190}"/>
-          </ac:spMkLst>
-        </pc:spChg>
-        <pc:spChg chg="add mod">
-          <ac:chgData name="Luiz Break" userId="3ea80d37ed61a017" providerId="LiveId" clId="{E82D63E6-6E1C-48E6-A5D3-91C65C07EA9F}" dt="2024-09-18T15:20:58.643" v="4954" actId="207"/>
-          <ac:spMkLst>
-            <pc:docMk/>
-            <pc:sldMk cId="453411335" sldId="320"/>
-            <ac:spMk id="34" creationId="{C833127D-775B-85BD-4219-500CE5BFDBFD}"/>
-          </ac:spMkLst>
-        </pc:spChg>
-        <pc:spChg chg="add mod">
-          <ac:chgData name="Luiz Break" userId="3ea80d37ed61a017" providerId="LiveId" clId="{E82D63E6-6E1C-48E6-A5D3-91C65C07EA9F}" dt="2024-09-18T15:34:12.896" v="5094" actId="1076"/>
-          <ac:spMkLst>
-            <pc:docMk/>
-            <pc:sldMk cId="453411335" sldId="320"/>
-            <ac:spMk id="38" creationId="{E8376FD6-12D3-8D90-2516-62968779F29F}"/>
-          </ac:spMkLst>
-        </pc:spChg>
-        <pc:spChg chg="add mod ord">
-          <ac:chgData name="Luiz Break" userId="3ea80d37ed61a017" providerId="LiveId" clId="{E82D63E6-6E1C-48E6-A5D3-91C65C07EA9F}" dt="2024-09-18T15:32:07.980" v="5074" actId="166"/>
-          <ac:spMkLst>
-            <pc:docMk/>
-            <pc:sldMk cId="453411335" sldId="320"/>
-            <ac:spMk id="39" creationId="{0BFD5C77-C817-F237-94B6-E9A0D0B68264}"/>
-          </ac:spMkLst>
-        </pc:spChg>
-        <pc:spChg chg="add del mod">
-          <ac:chgData name="Luiz Break" userId="3ea80d37ed61a017" providerId="LiveId" clId="{E82D63E6-6E1C-48E6-A5D3-91C65C07EA9F}" dt="2024-09-18T15:17:36.455" v="4936" actId="21"/>
-          <ac:spMkLst>
-            <pc:docMk/>
-            <pc:sldMk cId="453411335" sldId="320"/>
-            <ac:spMk id="40" creationId="{483E8DFB-37F9-42B6-98C0-63A8FB90334C}"/>
-          </ac:spMkLst>
-        </pc:spChg>
-        <pc:spChg chg="add del mod">
-          <ac:chgData name="Luiz Break" userId="3ea80d37ed61a017" providerId="LiveId" clId="{E82D63E6-6E1C-48E6-A5D3-91C65C07EA9F}" dt="2024-09-18T15:33:15.640" v="5085" actId="21"/>
-          <ac:spMkLst>
-            <pc:docMk/>
-            <pc:sldMk cId="453411335" sldId="320"/>
-            <ac:spMk id="41" creationId="{8DACBF26-29DC-6727-CF04-9F23DC4E98C8}"/>
-          </ac:spMkLst>
-        </pc:spChg>
-        <pc:spChg chg="add del mod">
-          <ac:chgData name="Luiz Break" userId="3ea80d37ed61a017" providerId="LiveId" clId="{E82D63E6-6E1C-48E6-A5D3-91C65C07EA9F}" dt="2024-09-18T15:36:14.833" v="5139" actId="21"/>
-          <ac:spMkLst>
-            <pc:docMk/>
-            <pc:sldMk cId="453411335" sldId="320"/>
-            <ac:spMk id="42" creationId="{4F554013-13B6-66D5-4511-219CF42D2823}"/>
-          </ac:spMkLst>
-        </pc:spChg>
-        <pc:spChg chg="add mod">
-          <ac:chgData name="Luiz Break" userId="3ea80d37ed61a017" providerId="LiveId" clId="{E82D63E6-6E1C-48E6-A5D3-91C65C07EA9F}" dt="2024-09-18T15:26:10.408" v="4985" actId="208"/>
-          <ac:spMkLst>
-            <pc:docMk/>
-            <pc:sldMk cId="453411335" sldId="320"/>
-            <ac:spMk id="43" creationId="{12E771BC-4BEB-3555-B451-DDFAFCEF132F}"/>
-          </ac:spMkLst>
-        </pc:spChg>
-        <pc:spChg chg="mod">
-          <ac:chgData name="Luiz Break" userId="3ea80d37ed61a017" providerId="LiveId" clId="{E82D63E6-6E1C-48E6-A5D3-91C65C07EA9F}" dt="2024-09-18T15:30:14.104" v="5036" actId="20577"/>
-          <ac:spMkLst>
-            <pc:docMk/>
-            <pc:sldMk cId="453411335" sldId="320"/>
-            <ac:spMk id="46" creationId="{592219D0-67DC-3D2F-0C18-B7582C1E4A9A}"/>
-          </ac:spMkLst>
-        </pc:spChg>
-        <pc:spChg chg="add mod">
-          <ac:chgData name="Luiz Break" userId="3ea80d37ed61a017" providerId="LiveId" clId="{E82D63E6-6E1C-48E6-A5D3-91C65C07EA9F}" dt="2024-09-18T15:34:46.071" v="5104" actId="20577"/>
-          <ac:spMkLst>
-            <pc:docMk/>
-            <pc:sldMk cId="453411335" sldId="320"/>
-            <ac:spMk id="48" creationId="{CC5CFC9D-A6C0-904E-57D7-3D80A69A5396}"/>
-          </ac:spMkLst>
-        </pc:spChg>
-        <pc:spChg chg="mod">
-          <ac:chgData name="Luiz Break" userId="3ea80d37ed61a017" providerId="LiveId" clId="{E82D63E6-6E1C-48E6-A5D3-91C65C07EA9F}" dt="2024-09-18T15:31:01.341" v="5068" actId="20577"/>
-          <ac:spMkLst>
-            <pc:docMk/>
-            <pc:sldMk cId="453411335" sldId="320"/>
-            <ac:spMk id="50" creationId="{14F96748-5954-28F2-3094-28A1D1EB829B}"/>
-          </ac:spMkLst>
-        </pc:spChg>
-        <pc:spChg chg="add mod">
-          <ac:chgData name="Luiz Break" userId="3ea80d37ed61a017" providerId="LiveId" clId="{E82D63E6-6E1C-48E6-A5D3-91C65C07EA9F}" dt="2024-09-18T15:32:15.330" v="5076" actId="1076"/>
-          <ac:spMkLst>
-            <pc:docMk/>
-            <pc:sldMk cId="453411335" sldId="320"/>
-            <ac:spMk id="57" creationId="{8D2D8C22-6E25-8584-4830-3FC100199DE8}"/>
-          </ac:spMkLst>
-        </pc:spChg>
-        <pc:spChg chg="add mod">
-          <ac:chgData name="Luiz Break" userId="3ea80d37ed61a017" providerId="LiveId" clId="{E82D63E6-6E1C-48E6-A5D3-91C65C07EA9F}" dt="2024-09-18T15:33:02.732" v="5083"/>
-          <ac:spMkLst>
-            <pc:docMk/>
-            <pc:sldMk cId="453411335" sldId="320"/>
-            <ac:spMk id="58" creationId="{2F4561E5-C81D-305B-A884-1F81B8C6482C}"/>
-          </ac:spMkLst>
-        </pc:spChg>
-        <pc:spChg chg="add mod">
-          <ac:chgData name="Luiz Break" userId="3ea80d37ed61a017" providerId="LiveId" clId="{E82D63E6-6E1C-48E6-A5D3-91C65C07EA9F}" dt="2024-09-18T15:33:52.712" v="5093" actId="1076"/>
-          <ac:spMkLst>
-            <pc:docMk/>
-            <pc:sldMk cId="453411335" sldId="320"/>
-            <ac:spMk id="59" creationId="{7D0BBA58-A36C-ACAD-7C2D-080CF3567F37}"/>
-          </ac:spMkLst>
-        </pc:spChg>
-        <pc:spChg chg="add mod">
-          <ac:chgData name="Luiz Break" userId="3ea80d37ed61a017" providerId="LiveId" clId="{E82D63E6-6E1C-48E6-A5D3-91C65C07EA9F}" dt="2024-09-18T15:33:30.360" v="5088"/>
-          <ac:spMkLst>
-            <pc:docMk/>
-            <pc:sldMk cId="453411335" sldId="320"/>
-            <ac:spMk id="60" creationId="{8DACBF26-29DC-6727-CF04-9F23DC4E98C8}"/>
-          </ac:spMkLst>
-        </pc:spChg>
-        <pc:spChg chg="add mod">
-          <ac:chgData name="Luiz Break" userId="3ea80d37ed61a017" providerId="LiveId" clId="{E82D63E6-6E1C-48E6-A5D3-91C65C07EA9F}" dt="2024-09-18T15:34:29.114" v="5097"/>
-          <ac:spMkLst>
-            <pc:docMk/>
-            <pc:sldMk cId="453411335" sldId="320"/>
-            <ac:spMk id="61" creationId="{387520D9-1FC0-CAB6-1A05-C0DFA3437EEB}"/>
-          </ac:spMkLst>
-        </pc:spChg>
-        <pc:spChg chg="add mod">
-          <ac:chgData name="Luiz Break" userId="3ea80d37ed61a017" providerId="LiveId" clId="{E82D63E6-6E1C-48E6-A5D3-91C65C07EA9F}" dt="2024-09-18T15:36:52.796" v="5144" actId="1076"/>
-          <ac:spMkLst>
-            <pc:docMk/>
-            <pc:sldMk cId="453411335" sldId="320"/>
-            <ac:spMk id="62" creationId="{708CEDF5-0919-3319-5543-D8331A21DC18}"/>
-          </ac:spMkLst>
-        </pc:spChg>
-        <pc:grpChg chg="add mod">
-          <ac:chgData name="Luiz Break" userId="3ea80d37ed61a017" providerId="LiveId" clId="{E82D63E6-6E1C-48E6-A5D3-91C65C07EA9F}" dt="2024-09-18T15:30:24.022" v="5038" actId="1076"/>
-          <ac:grpSpMkLst>
-            <pc:docMk/>
-            <pc:sldMk cId="453411335" sldId="320"/>
-            <ac:grpSpMk id="45" creationId="{82B8ADA6-44C4-4212-C08F-704B1EBEC85E}"/>
-          </ac:grpSpMkLst>
-        </pc:grpChg>
-        <pc:grpChg chg="add mod">
-          <ac:chgData name="Luiz Break" userId="3ea80d37ed61a017" providerId="LiveId" clId="{E82D63E6-6E1C-48E6-A5D3-91C65C07EA9F}" dt="2024-09-18T15:30:57.278" v="5059" actId="1076"/>
-          <ac:grpSpMkLst>
-            <pc:docMk/>
-            <pc:sldMk cId="453411335" sldId="320"/>
-            <ac:grpSpMk id="49" creationId="{F567CE94-BA19-FA0F-1788-E3F6AF66B9DE}"/>
-          </ac:grpSpMkLst>
-        </pc:grpChg>
-        <pc:picChg chg="add mod">
-          <ac:chgData name="Luiz Break" userId="3ea80d37ed61a017" providerId="LiveId" clId="{E82D63E6-6E1C-48E6-A5D3-91C65C07EA9F}" dt="2024-09-18T15:30:28.585" v="5039" actId="1076"/>
-          <ac:picMkLst>
-            <pc:docMk/>
-            <pc:sldMk cId="453411335" sldId="320"/>
-            <ac:picMk id="44" creationId="{A5533861-2951-224E-0182-7B4A98B855F9}"/>
-          </ac:picMkLst>
-        </pc:picChg>
-        <pc:picChg chg="mod">
-          <ac:chgData name="Luiz Break" userId="3ea80d37ed61a017" providerId="LiveId" clId="{E82D63E6-6E1C-48E6-A5D3-91C65C07EA9F}" dt="2024-09-18T15:29:41.130" v="5003"/>
-          <ac:picMkLst>
-            <pc:docMk/>
-            <pc:sldMk cId="453411335" sldId="320"/>
-            <ac:picMk id="47" creationId="{CC92A74B-0DDA-D017-5F10-68A47C10149E}"/>
-          </ac:picMkLst>
-        </pc:picChg>
-        <pc:picChg chg="mod">
-          <ac:chgData name="Luiz Break" userId="3ea80d37ed61a017" providerId="LiveId" clId="{E82D63E6-6E1C-48E6-A5D3-91C65C07EA9F}" dt="2024-09-18T15:30:53.447" v="5058"/>
-          <ac:picMkLst>
-            <pc:docMk/>
-            <pc:sldMk cId="453411335" sldId="320"/>
-            <ac:picMk id="51" creationId="{76536A00-33D1-20BE-DC81-21FFCF78C23A}"/>
-          </ac:picMkLst>
-        </pc:picChg>
-        <pc:cxnChg chg="mod">
-          <ac:chgData name="Luiz Break" userId="3ea80d37ed61a017" providerId="LiveId" clId="{E82D63E6-6E1C-48E6-A5D3-91C65C07EA9F}" dt="2024-09-18T15:32:38.349" v="5082" actId="554"/>
-          <ac:cxnSpMkLst>
-            <pc:docMk/>
-            <pc:sldMk cId="453411335" sldId="320"/>
-            <ac:cxnSpMk id="17" creationId="{98ACD3C9-F5A9-C551-C4A5-8B198844E70A}"/>
-          </ac:cxnSpMkLst>
-        </pc:cxnChg>
-        <pc:cxnChg chg="add mod">
-          <ac:chgData name="Luiz Break" userId="3ea80d37ed61a017" providerId="LiveId" clId="{E82D63E6-6E1C-48E6-A5D3-91C65C07EA9F}" dt="2024-09-18T15:31:22.836" v="5070" actId="1076"/>
-          <ac:cxnSpMkLst>
-            <pc:docMk/>
-            <pc:sldMk cId="453411335" sldId="320"/>
-            <ac:cxnSpMk id="30" creationId="{18AE74BF-49BE-AC2D-FFDE-DB93C23EFF0F}"/>
-          </ac:cxnSpMkLst>
-        </pc:cxnChg>
-        <pc:cxnChg chg="add mod">
-          <ac:chgData name="Luiz Break" userId="3ea80d37ed61a017" providerId="LiveId" clId="{E82D63E6-6E1C-48E6-A5D3-91C65C07EA9F}" dt="2024-09-18T15:26:20.390" v="4986" actId="555"/>
-          <ac:cxnSpMkLst>
-            <pc:docMk/>
-            <pc:sldMk cId="453411335" sldId="320"/>
-            <ac:cxnSpMk id="35" creationId="{ABB0B36E-A871-982C-CF55-FABCCB970028}"/>
-          </ac:cxnSpMkLst>
-        </pc:cxnChg>
       </pc:sldChg>
       <pc:sldChg chg="addSp delSp modSp add mod ord">
         <pc:chgData name="Luiz Break" userId="3ea80d37ed61a017" providerId="LiveId" clId="{E82D63E6-6E1C-48E6-A5D3-91C65C07EA9F}" dt="2024-08-30T20:08:10.114" v="3272" actId="1076"/>
@@ -1977,326 +338,6 @@
           <pc:docMk/>
           <pc:sldMk cId="1304323980" sldId="321"/>
         </pc:sldMkLst>
-        <pc:spChg chg="del">
-          <ac:chgData name="Luiz Break" userId="3ea80d37ed61a017" providerId="LiveId" clId="{E82D63E6-6E1C-48E6-A5D3-91C65C07EA9F}" dt="2024-08-30T12:40:56.227" v="2709" actId="21"/>
-          <ac:spMkLst>
-            <pc:docMk/>
-            <pc:sldMk cId="1304323980" sldId="321"/>
-            <ac:spMk id="2" creationId="{872646D3-7877-2823-01C1-8094008DDC5D}"/>
-          </ac:spMkLst>
-        </pc:spChg>
-        <pc:spChg chg="del mod">
-          <ac:chgData name="Luiz Break" userId="3ea80d37ed61a017" providerId="LiveId" clId="{E82D63E6-6E1C-48E6-A5D3-91C65C07EA9F}" dt="2024-08-30T12:47:39.222" v="2980" actId="21"/>
-          <ac:spMkLst>
-            <pc:docMk/>
-            <pc:sldMk cId="1304323980" sldId="321"/>
-            <ac:spMk id="6" creationId="{5750EB33-9903-0D0F-6787-E5216671532B}"/>
-          </ac:spMkLst>
-        </pc:spChg>
-        <pc:spChg chg="mod">
-          <ac:chgData name="Luiz Break" userId="3ea80d37ed61a017" providerId="LiveId" clId="{E82D63E6-6E1C-48E6-A5D3-91C65C07EA9F}" dt="2024-08-30T12:47:50.296" v="2983" actId="20577"/>
-          <ac:spMkLst>
-            <pc:docMk/>
-            <pc:sldMk cId="1304323980" sldId="321"/>
-            <ac:spMk id="7" creationId="{1DE3B154-B6A2-77A2-E5C7-34431DC0B241}"/>
-          </ac:spMkLst>
-        </pc:spChg>
-        <pc:spChg chg="mod">
-          <ac:chgData name="Luiz Break" userId="3ea80d37ed61a017" providerId="LiveId" clId="{E82D63E6-6E1C-48E6-A5D3-91C65C07EA9F}" dt="2024-08-30T12:48:01.007" v="2984" actId="1036"/>
-          <ac:spMkLst>
-            <pc:docMk/>
-            <pc:sldMk cId="1304323980" sldId="321"/>
-            <ac:spMk id="13" creationId="{5559779D-7EC6-8AAA-378B-250BF3AC5BBD}"/>
-          </ac:spMkLst>
-        </pc:spChg>
-        <pc:spChg chg="mod">
-          <ac:chgData name="Luiz Break" userId="3ea80d37ed61a017" providerId="LiveId" clId="{E82D63E6-6E1C-48E6-A5D3-91C65C07EA9F}" dt="2024-08-30T18:12:05.108" v="3268" actId="13822"/>
-          <ac:spMkLst>
-            <pc:docMk/>
-            <pc:sldMk cId="1304323980" sldId="321"/>
-            <ac:spMk id="14" creationId="{8FD7F83A-6EC6-F0AF-5087-C29FB1650BE3}"/>
-          </ac:spMkLst>
-        </pc:spChg>
-        <pc:spChg chg="add mod">
-          <ac:chgData name="Luiz Break" userId="3ea80d37ed61a017" providerId="LiveId" clId="{E82D63E6-6E1C-48E6-A5D3-91C65C07EA9F}" dt="2024-08-30T12:47:47.779" v="2982" actId="1076"/>
-          <ac:spMkLst>
-            <pc:docMk/>
-            <pc:sldMk cId="1304323980" sldId="321"/>
-            <ac:spMk id="26" creationId="{1E8EE542-23F6-D829-E863-CCA5520F5E18}"/>
-          </ac:spMkLst>
-        </pc:spChg>
-        <pc:spChg chg="del">
-          <ac:chgData name="Luiz Break" userId="3ea80d37ed61a017" providerId="LiveId" clId="{E82D63E6-6E1C-48E6-A5D3-91C65C07EA9F}" dt="2024-08-30T12:41:48.433" v="2725" actId="21"/>
-          <ac:spMkLst>
-            <pc:docMk/>
-            <pc:sldMk cId="1304323980" sldId="321"/>
-            <ac:spMk id="40" creationId="{6EDF7AC0-F569-6651-F3A2-2EB7BEF9C08D}"/>
-          </ac:spMkLst>
-        </pc:spChg>
-        <pc:spChg chg="del">
-          <ac:chgData name="Luiz Break" userId="3ea80d37ed61a017" providerId="LiveId" clId="{E82D63E6-6E1C-48E6-A5D3-91C65C07EA9F}" dt="2024-08-30T12:40:41.362" v="2705" actId="21"/>
-          <ac:spMkLst>
-            <pc:docMk/>
-            <pc:sldMk cId="1304323980" sldId="321"/>
-            <ac:spMk id="41" creationId="{BF894949-7D22-E7FC-80A7-A04D26F6A89E}"/>
-          </ac:spMkLst>
-        </pc:spChg>
-        <pc:spChg chg="del">
-          <ac:chgData name="Luiz Break" userId="3ea80d37ed61a017" providerId="LiveId" clId="{E82D63E6-6E1C-48E6-A5D3-91C65C07EA9F}" dt="2024-08-30T12:40:53.964" v="2708" actId="21"/>
-          <ac:spMkLst>
-            <pc:docMk/>
-            <pc:sldMk cId="1304323980" sldId="321"/>
-            <ac:spMk id="45" creationId="{2DDB3178-A174-7C19-610F-1D3120D2C6A3}"/>
-          </ac:spMkLst>
-        </pc:spChg>
-        <pc:spChg chg="del">
-          <ac:chgData name="Luiz Break" userId="3ea80d37ed61a017" providerId="LiveId" clId="{E82D63E6-6E1C-48E6-A5D3-91C65C07EA9F}" dt="2024-08-30T12:40:59.504" v="2710" actId="21"/>
-          <ac:spMkLst>
-            <pc:docMk/>
-            <pc:sldMk cId="1304323980" sldId="321"/>
-            <ac:spMk id="46" creationId="{D3BA45C3-2E8A-8634-E44F-74491FE2AEBF}"/>
-          </ac:spMkLst>
-        </pc:spChg>
-        <pc:spChg chg="del">
-          <ac:chgData name="Luiz Break" userId="3ea80d37ed61a017" providerId="LiveId" clId="{E82D63E6-6E1C-48E6-A5D3-91C65C07EA9F}" dt="2024-08-30T12:37:21.974" v="2642" actId="21"/>
-          <ac:spMkLst>
-            <pc:docMk/>
-            <pc:sldMk cId="1304323980" sldId="321"/>
-            <ac:spMk id="50" creationId="{E869F19E-755E-8FA7-A65C-05660E1E16DC}"/>
-          </ac:spMkLst>
-        </pc:spChg>
-        <pc:spChg chg="mod">
-          <ac:chgData name="Luiz Break" userId="3ea80d37ed61a017" providerId="LiveId" clId="{E82D63E6-6E1C-48E6-A5D3-91C65C07EA9F}" dt="2024-08-30T12:47:47.779" v="2982" actId="1076"/>
-          <ac:spMkLst>
-            <pc:docMk/>
-            <pc:sldMk cId="1304323980" sldId="321"/>
-            <ac:spMk id="51" creationId="{07470255-B083-68C9-BB79-40C972C29891}"/>
-          </ac:spMkLst>
-        </pc:spChg>
-        <pc:spChg chg="mod">
-          <ac:chgData name="Luiz Break" userId="3ea80d37ed61a017" providerId="LiveId" clId="{E82D63E6-6E1C-48E6-A5D3-91C65C07EA9F}" dt="2024-08-30T20:07:37.545" v="3271" actId="1076"/>
-          <ac:spMkLst>
-            <pc:docMk/>
-            <pc:sldMk cId="1304323980" sldId="321"/>
-            <ac:spMk id="58" creationId="{08DB838E-709B-0A03-891F-C79925AAF9A1}"/>
-          </ac:spMkLst>
-        </pc:spChg>
-        <pc:spChg chg="del">
-          <ac:chgData name="Luiz Break" userId="3ea80d37ed61a017" providerId="LiveId" clId="{E82D63E6-6E1C-48E6-A5D3-91C65C07EA9F}" dt="2024-08-30T12:47:41.331" v="2981" actId="21"/>
-          <ac:spMkLst>
-            <pc:docMk/>
-            <pc:sldMk cId="1304323980" sldId="321"/>
-            <ac:spMk id="77" creationId="{4CEB7B2F-B546-C4CD-1E71-F46F109CB7A1}"/>
-          </ac:spMkLst>
-        </pc:spChg>
-        <pc:spChg chg="del mod">
-          <ac:chgData name="Luiz Break" userId="3ea80d37ed61a017" providerId="LiveId" clId="{E82D63E6-6E1C-48E6-A5D3-91C65C07EA9F}" dt="2024-08-30T12:47:33.757" v="2979" actId="21"/>
-          <ac:spMkLst>
-            <pc:docMk/>
-            <pc:sldMk cId="1304323980" sldId="321"/>
-            <ac:spMk id="78" creationId="{1BE68D15-4B08-741A-D911-85EBC8AA641D}"/>
-          </ac:spMkLst>
-        </pc:spChg>
-        <pc:spChg chg="mod">
-          <ac:chgData name="Luiz Break" userId="3ea80d37ed61a017" providerId="LiveId" clId="{E82D63E6-6E1C-48E6-A5D3-91C65C07EA9F}" dt="2024-08-30T12:47:47.779" v="2982" actId="1076"/>
-          <ac:spMkLst>
-            <pc:docMk/>
-            <pc:sldMk cId="1304323980" sldId="321"/>
-            <ac:spMk id="80" creationId="{4D3E4F68-977F-3C60-8AA4-8A762253B50D}"/>
-          </ac:spMkLst>
-        </pc:spChg>
-        <pc:spChg chg="del">
-          <ac:chgData name="Luiz Break" userId="3ea80d37ed61a017" providerId="LiveId" clId="{E82D63E6-6E1C-48E6-A5D3-91C65C07EA9F}" dt="2024-08-30T12:41:07.377" v="2713" actId="21"/>
-          <ac:spMkLst>
-            <pc:docMk/>
-            <pc:sldMk cId="1304323980" sldId="321"/>
-            <ac:spMk id="90" creationId="{8E592513-6D35-43B8-1121-A1D3F51A92DC}"/>
-          </ac:spMkLst>
-        </pc:spChg>
-        <pc:spChg chg="del mod">
-          <ac:chgData name="Luiz Break" userId="3ea80d37ed61a017" providerId="LiveId" clId="{E82D63E6-6E1C-48E6-A5D3-91C65C07EA9F}" dt="2024-08-30T12:47:39.222" v="2980" actId="21"/>
-          <ac:spMkLst>
-            <pc:docMk/>
-            <pc:sldMk cId="1304323980" sldId="321"/>
-            <ac:spMk id="91" creationId="{A7E082FF-FA78-1166-1CD1-01A82AFA1417}"/>
-          </ac:spMkLst>
-        </pc:spChg>
-        <pc:spChg chg="add mod">
-          <ac:chgData name="Luiz Break" userId="3ea80d37ed61a017" providerId="LiveId" clId="{E82D63E6-6E1C-48E6-A5D3-91C65C07EA9F}" dt="2024-08-30T12:51:59.667" v="3152" actId="1076"/>
-          <ac:spMkLst>
-            <pc:docMk/>
-            <pc:sldMk cId="1304323980" sldId="321"/>
-            <ac:spMk id="112" creationId="{3405080A-CDD3-0013-46DE-E3934B503A14}"/>
-          </ac:spMkLst>
-        </pc:spChg>
-        <pc:spChg chg="add mod">
-          <ac:chgData name="Luiz Break" userId="3ea80d37ed61a017" providerId="LiveId" clId="{E82D63E6-6E1C-48E6-A5D3-91C65C07EA9F}" dt="2024-08-30T12:48:38.918" v="2989" actId="1076"/>
-          <ac:spMkLst>
-            <pc:docMk/>
-            <pc:sldMk cId="1304323980" sldId="321"/>
-            <ac:spMk id="113" creationId="{4111A9EF-0E7B-6859-62BD-BFCA4F56E690}"/>
-          </ac:spMkLst>
-        </pc:spChg>
-        <pc:spChg chg="add mod">
-          <ac:chgData name="Luiz Break" userId="3ea80d37ed61a017" providerId="LiveId" clId="{E82D63E6-6E1C-48E6-A5D3-91C65C07EA9F}" dt="2024-08-30T12:51:59.667" v="3152" actId="1076"/>
-          <ac:spMkLst>
-            <pc:docMk/>
-            <pc:sldMk cId="1304323980" sldId="321"/>
-            <ac:spMk id="114" creationId="{D21B5B97-78AE-BEEB-5C66-5257F2596E23}"/>
-          </ac:spMkLst>
-        </pc:spChg>
-        <pc:spChg chg="add mod">
-          <ac:chgData name="Luiz Break" userId="3ea80d37ed61a017" providerId="LiveId" clId="{E82D63E6-6E1C-48E6-A5D3-91C65C07EA9F}" dt="2024-08-30T12:52:19.331" v="3154" actId="1076"/>
-          <ac:spMkLst>
-            <pc:docMk/>
-            <pc:sldMk cId="1304323980" sldId="321"/>
-            <ac:spMk id="115" creationId="{79A363A1-FF78-FF15-0249-62D7C49E5CC8}"/>
-          </ac:spMkLst>
-        </pc:spChg>
-        <pc:spChg chg="add mod">
-          <ac:chgData name="Luiz Break" userId="3ea80d37ed61a017" providerId="LiveId" clId="{E82D63E6-6E1C-48E6-A5D3-91C65C07EA9F}" dt="2024-08-30T20:08:10.114" v="3272" actId="1076"/>
-          <ac:spMkLst>
-            <pc:docMk/>
-            <pc:sldMk cId="1304323980" sldId="321"/>
-            <ac:spMk id="116" creationId="{58CF2961-CA28-4978-CA59-B1E66A9F934B}"/>
-          </ac:spMkLst>
-        </pc:spChg>
-        <pc:spChg chg="add mod">
-          <ac:chgData name="Luiz Break" userId="3ea80d37ed61a017" providerId="LiveId" clId="{E82D63E6-6E1C-48E6-A5D3-91C65C07EA9F}" dt="2024-08-30T13:01:35.974" v="3214" actId="1037"/>
-          <ac:spMkLst>
-            <pc:docMk/>
-            <pc:sldMk cId="1304323980" sldId="321"/>
-            <ac:spMk id="128" creationId="{E6521444-9714-3502-9AA9-4956B8CD809B}"/>
-          </ac:spMkLst>
-        </pc:spChg>
-        <pc:spChg chg="add mod">
-          <ac:chgData name="Luiz Break" userId="3ea80d37ed61a017" providerId="LiveId" clId="{E82D63E6-6E1C-48E6-A5D3-91C65C07EA9F}" dt="2024-08-30T17:03:40.486" v="3267" actId="1036"/>
-          <ac:spMkLst>
-            <pc:docMk/>
-            <pc:sldMk cId="1304323980" sldId="321"/>
-            <ac:spMk id="132" creationId="{4A4BE2D5-4EC9-0868-7B0B-85BBD602057B}"/>
-          </ac:spMkLst>
-        </pc:spChg>
-        <pc:spChg chg="del">
-          <ac:chgData name="Luiz Break" userId="3ea80d37ed61a017" providerId="LiveId" clId="{E82D63E6-6E1C-48E6-A5D3-91C65C07EA9F}" dt="2024-08-30T12:40:45.643" v="2706" actId="21"/>
-          <ac:spMkLst>
-            <pc:docMk/>
-            <pc:sldMk cId="1304323980" sldId="321"/>
-            <ac:spMk id="145" creationId="{60560B75-2C5F-D9E6-8D19-6A5D79F745CD}"/>
-          </ac:spMkLst>
-        </pc:spChg>
-        <pc:inkChg chg="add mod">
-          <ac:chgData name="Luiz Break" userId="3ea80d37ed61a017" providerId="LiveId" clId="{E82D63E6-6E1C-48E6-A5D3-91C65C07EA9F}" dt="2024-08-30T12:47:47.779" v="2982" actId="1076"/>
-          <ac:inkMkLst>
-            <pc:docMk/>
-            <pc:sldMk cId="1304323980" sldId="321"/>
-            <ac:inkMk id="98" creationId="{89941A3B-9FC5-2540-F187-1F99D306109C}"/>
-          </ac:inkMkLst>
-        </pc:inkChg>
-        <pc:cxnChg chg="add mod">
-          <ac:chgData name="Luiz Break" userId="3ea80d37ed61a017" providerId="LiveId" clId="{E82D63E6-6E1C-48E6-A5D3-91C65C07EA9F}" dt="2024-08-30T20:07:37.545" v="3271" actId="1076"/>
-          <ac:cxnSpMkLst>
-            <pc:docMk/>
-            <pc:sldMk cId="1304323980" sldId="321"/>
-            <ac:cxnSpMk id="8" creationId="{807BF455-0FDF-657D-FEA4-DB9928F7941F}"/>
-          </ac:cxnSpMkLst>
-        </pc:cxnChg>
-        <pc:cxnChg chg="mod">
-          <ac:chgData name="Luiz Break" userId="3ea80d37ed61a017" providerId="LiveId" clId="{E82D63E6-6E1C-48E6-A5D3-91C65C07EA9F}" dt="2024-08-30T12:47:47.779" v="2982" actId="1076"/>
-          <ac:cxnSpMkLst>
-            <pc:docMk/>
-            <pc:sldMk cId="1304323980" sldId="321"/>
-            <ac:cxnSpMk id="10" creationId="{9C831E3A-24A4-40AA-AEE0-94C28C1742D8}"/>
-          </ac:cxnSpMkLst>
-        </pc:cxnChg>
-        <pc:cxnChg chg="del mod">
-          <ac:chgData name="Luiz Break" userId="3ea80d37ed61a017" providerId="LiveId" clId="{E82D63E6-6E1C-48E6-A5D3-91C65C07EA9F}" dt="2024-08-30T12:37:08.373" v="2636" actId="21"/>
-          <ac:cxnSpMkLst>
-            <pc:docMk/>
-            <pc:sldMk cId="1304323980" sldId="321"/>
-            <ac:cxnSpMk id="22" creationId="{E2566536-7AF2-82F2-DD8C-AF688382FB0D}"/>
-          </ac:cxnSpMkLst>
-        </pc:cxnChg>
-        <pc:cxnChg chg="add mod">
-          <ac:chgData name="Luiz Break" userId="3ea80d37ed61a017" providerId="LiveId" clId="{E82D63E6-6E1C-48E6-A5D3-91C65C07EA9F}" dt="2024-08-30T12:47:47.779" v="2982" actId="1076"/>
-          <ac:cxnSpMkLst>
-            <pc:docMk/>
-            <pc:sldMk cId="1304323980" sldId="321"/>
-            <ac:cxnSpMk id="29" creationId="{AF8B6B9E-338A-6F29-6A21-5E6FD2AE5458}"/>
-          </ac:cxnSpMkLst>
-        </pc:cxnChg>
-        <pc:cxnChg chg="del mod">
-          <ac:chgData name="Luiz Break" userId="3ea80d37ed61a017" providerId="LiveId" clId="{E82D63E6-6E1C-48E6-A5D3-91C65C07EA9F}" dt="2024-08-30T12:37:05.428" v="2635" actId="21"/>
-          <ac:cxnSpMkLst>
-            <pc:docMk/>
-            <pc:sldMk cId="1304323980" sldId="321"/>
-            <ac:cxnSpMk id="33" creationId="{25EBBF45-730D-4934-B782-FAEE70597F7D}"/>
-          </ac:cxnSpMkLst>
-        </pc:cxnChg>
-        <pc:cxnChg chg="mod">
-          <ac:chgData name="Luiz Break" userId="3ea80d37ed61a017" providerId="LiveId" clId="{E82D63E6-6E1C-48E6-A5D3-91C65C07EA9F}" dt="2024-08-30T12:48:01.007" v="2984" actId="1036"/>
-          <ac:cxnSpMkLst>
-            <pc:docMk/>
-            <pc:sldMk cId="1304323980" sldId="321"/>
-            <ac:cxnSpMk id="52" creationId="{6B0BE4AB-14FA-A2E3-504A-A9EE613E0703}"/>
-          </ac:cxnSpMkLst>
-        </pc:cxnChg>
-        <pc:cxnChg chg="mod">
-          <ac:chgData name="Luiz Break" userId="3ea80d37ed61a017" providerId="LiveId" clId="{E82D63E6-6E1C-48E6-A5D3-91C65C07EA9F}" dt="2024-08-30T20:07:37.545" v="3271" actId="1076"/>
-          <ac:cxnSpMkLst>
-            <pc:docMk/>
-            <pc:sldMk cId="1304323980" sldId="321"/>
-            <ac:cxnSpMk id="59" creationId="{27056E3F-B4C4-1DEA-6FF7-8F5C536225C8}"/>
-          </ac:cxnSpMkLst>
-        </pc:cxnChg>
-        <pc:cxnChg chg="del mod">
-          <ac:chgData name="Luiz Break" userId="3ea80d37ed61a017" providerId="LiveId" clId="{E82D63E6-6E1C-48E6-A5D3-91C65C07EA9F}" dt="2024-08-30T12:40:37.562" v="2704" actId="21"/>
-          <ac:cxnSpMkLst>
-            <pc:docMk/>
-            <pc:sldMk cId="1304323980" sldId="321"/>
-            <ac:cxnSpMk id="83" creationId="{E6515736-FFD8-327D-6187-84474B16453D}"/>
-          </ac:cxnSpMkLst>
-        </pc:cxnChg>
-        <pc:cxnChg chg="del mod">
-          <ac:chgData name="Luiz Break" userId="3ea80d37ed61a017" providerId="LiveId" clId="{E82D63E6-6E1C-48E6-A5D3-91C65C07EA9F}" dt="2024-08-30T12:40:51.369" v="2707" actId="21"/>
-          <ac:cxnSpMkLst>
-            <pc:docMk/>
-            <pc:sldMk cId="1304323980" sldId="321"/>
-            <ac:cxnSpMk id="93" creationId="{6EB8E206-7549-F9EC-E609-B206DD30E773}"/>
-          </ac:cxnSpMkLst>
-        </pc:cxnChg>
-        <pc:cxnChg chg="add mod">
-          <ac:chgData name="Luiz Break" userId="3ea80d37ed61a017" providerId="LiveId" clId="{E82D63E6-6E1C-48E6-A5D3-91C65C07EA9F}" dt="2024-08-30T20:08:10.114" v="3272" actId="1076"/>
-          <ac:cxnSpMkLst>
-            <pc:docMk/>
-            <pc:sldMk cId="1304323980" sldId="321"/>
-            <ac:cxnSpMk id="117" creationId="{74A8B9EF-4186-C994-1B94-9D29A44EC232}"/>
-          </ac:cxnSpMkLst>
-        </pc:cxnChg>
-        <pc:cxnChg chg="add mod">
-          <ac:chgData name="Luiz Break" userId="3ea80d37ed61a017" providerId="LiveId" clId="{E82D63E6-6E1C-48E6-A5D3-91C65C07EA9F}" dt="2024-08-30T17:03:40.486" v="3267" actId="1036"/>
-          <ac:cxnSpMkLst>
-            <pc:docMk/>
-            <pc:sldMk cId="1304323980" sldId="321"/>
-            <ac:cxnSpMk id="124" creationId="{0D376F5D-835D-F99F-D9B4-D7DE3D38E873}"/>
-          </ac:cxnSpMkLst>
-        </pc:cxnChg>
-        <pc:cxnChg chg="add mod">
-          <ac:chgData name="Luiz Break" userId="3ea80d37ed61a017" providerId="LiveId" clId="{E82D63E6-6E1C-48E6-A5D3-91C65C07EA9F}" dt="2024-08-30T20:07:37.545" v="3271" actId="1076"/>
-          <ac:cxnSpMkLst>
-            <pc:docMk/>
-            <pc:sldMk cId="1304323980" sldId="321"/>
-            <ac:cxnSpMk id="129" creationId="{A1693CAD-4E0D-0711-7978-66D7641FF02C}"/>
-          </ac:cxnSpMkLst>
-        </pc:cxnChg>
-        <pc:cxnChg chg="add mod">
-          <ac:chgData name="Luiz Break" userId="3ea80d37ed61a017" providerId="LiveId" clId="{E82D63E6-6E1C-48E6-A5D3-91C65C07EA9F}" dt="2024-08-30T20:08:10.114" v="3272" actId="1076"/>
-          <ac:cxnSpMkLst>
-            <pc:docMk/>
-            <pc:sldMk cId="1304323980" sldId="321"/>
-            <ac:cxnSpMk id="134" creationId="{6A656FB3-F5E6-6ADF-0D8D-479F402E55E8}"/>
-          </ac:cxnSpMkLst>
-        </pc:cxnChg>
       </pc:sldChg>
       <pc:sldChg chg="addSp modSp add mod ord">
         <pc:chgData name="Luiz Break" userId="3ea80d37ed61a017" providerId="LiveId" clId="{E82D63E6-6E1C-48E6-A5D3-91C65C07EA9F}" dt="2024-09-11T20:43:21.392" v="4638"/>
@@ -2304,38 +345,6 @@
           <pc:docMk/>
           <pc:sldMk cId="3886604689" sldId="322"/>
         </pc:sldMkLst>
-        <pc:spChg chg="mod">
-          <ac:chgData name="Luiz Break" userId="3ea80d37ed61a017" providerId="LiveId" clId="{E82D63E6-6E1C-48E6-A5D3-91C65C07EA9F}" dt="2024-09-10T02:46:57.501" v="3309" actId="20577"/>
-          <ac:spMkLst>
-            <pc:docMk/>
-            <pc:sldMk cId="3886604689" sldId="322"/>
-            <ac:spMk id="6" creationId="{8D34942C-C87D-05F6-359F-62BABA1B412C}"/>
-          </ac:spMkLst>
-        </pc:spChg>
-        <pc:graphicFrameChg chg="add mod modGraphic">
-          <ac:chgData name="Luiz Break" userId="3ea80d37ed61a017" providerId="LiveId" clId="{E82D63E6-6E1C-48E6-A5D3-91C65C07EA9F}" dt="2024-09-11T20:41:54.255" v="4604" actId="14734"/>
-          <ac:graphicFrameMkLst>
-            <pc:docMk/>
-            <pc:sldMk cId="3886604689" sldId="322"/>
-            <ac:graphicFrameMk id="3" creationId="{812DAD0D-071E-DDE1-C6C8-577CCB72AF8B}"/>
-          </ac:graphicFrameMkLst>
-        </pc:graphicFrameChg>
-        <pc:graphicFrameChg chg="mod modGraphic">
-          <ac:chgData name="Luiz Break" userId="3ea80d37ed61a017" providerId="LiveId" clId="{E82D63E6-6E1C-48E6-A5D3-91C65C07EA9F}" dt="2024-09-11T20:40:35.607" v="4545" actId="21"/>
-          <ac:graphicFrameMkLst>
-            <pc:docMk/>
-            <pc:sldMk cId="3886604689" sldId="322"/>
-            <ac:graphicFrameMk id="4" creationId="{65C2629F-4DEB-A2ED-0E6B-BF22A6F0F7B6}"/>
-          </ac:graphicFrameMkLst>
-        </pc:graphicFrameChg>
-        <pc:graphicFrameChg chg="add mod modGraphic">
-          <ac:chgData name="Luiz Break" userId="3ea80d37ed61a017" providerId="LiveId" clId="{E82D63E6-6E1C-48E6-A5D3-91C65C07EA9F}" dt="2024-09-10T19:56:42.232" v="4426" actId="20577"/>
-          <ac:graphicFrameMkLst>
-            <pc:docMk/>
-            <pc:sldMk cId="3886604689" sldId="322"/>
-            <ac:graphicFrameMk id="5" creationId="{722BF33E-DAC1-5A5A-E542-7684AF5F969A}"/>
-          </ac:graphicFrameMkLst>
-        </pc:graphicFrameChg>
       </pc:sldChg>
       <pc:sldChg chg="delSp modSp add mod">
         <pc:chgData name="Luiz Break" userId="3ea80d37ed61a017" providerId="LiveId" clId="{E82D63E6-6E1C-48E6-A5D3-91C65C07EA9F}" dt="2024-09-12T01:24:05.957" v="4719" actId="13926"/>
@@ -2343,30 +352,73 @@
           <pc:docMk/>
           <pc:sldMk cId="3870674834" sldId="323"/>
         </pc:sldMkLst>
-        <pc:spChg chg="del">
-          <ac:chgData name="Luiz Break" userId="3ea80d37ed61a017" providerId="LiveId" clId="{E82D63E6-6E1C-48E6-A5D3-91C65C07EA9F}" dt="2024-09-11T20:37:32.679" v="4481" actId="21"/>
-          <ac:spMkLst>
-            <pc:docMk/>
-            <pc:sldMk cId="3870674834" sldId="323"/>
-            <ac:spMk id="2" creationId="{2A50A10B-4533-4969-C51A-3DBC85B9AA68}"/>
-          </ac:spMkLst>
-        </pc:spChg>
-        <pc:spChg chg="mod">
-          <ac:chgData name="Luiz Break" userId="3ea80d37ed61a017" providerId="LiveId" clId="{E82D63E6-6E1C-48E6-A5D3-91C65C07EA9F}" dt="2024-09-11T20:37:23.804" v="4480"/>
-          <ac:spMkLst>
-            <pc:docMk/>
-            <pc:sldMk cId="3870674834" sldId="323"/>
-            <ac:spMk id="3" creationId="{33D50EED-E288-4A43-6CCA-1C99D184FE60}"/>
-          </ac:spMkLst>
-        </pc:spChg>
-        <pc:graphicFrameChg chg="mod modGraphic">
-          <ac:chgData name="Luiz Break" userId="3ea80d37ed61a017" providerId="LiveId" clId="{E82D63E6-6E1C-48E6-A5D3-91C65C07EA9F}" dt="2024-09-12T01:24:05.957" v="4719" actId="13926"/>
-          <ac:graphicFrameMkLst>
-            <pc:docMk/>
-            <pc:sldMk cId="3870674834" sldId="323"/>
-            <ac:graphicFrameMk id="4" creationId="{65C2629F-4DEB-A2ED-0E6B-BF22A6F0F7B6}"/>
-          </ac:graphicFrameMkLst>
-        </pc:graphicFrameChg>
+      </pc:sldChg>
+    </pc:docChg>
+  </pc:docChgLst>
+  <pc:docChgLst>
+    <pc:chgData name="Luiz Break" userId="3ea80d37ed61a017" providerId="LiveId" clId="{578AF5D2-17EE-47FB-929C-12FE1D857E61}"/>
+    <pc:docChg chg="undo custSel addSld modSld">
+      <pc:chgData name="Luiz Break" userId="3ea80d37ed61a017" providerId="LiveId" clId="{578AF5D2-17EE-47FB-929C-12FE1D857E61}" dt="2023-03-15T23:39:33.469" v="1138" actId="1076"/>
+      <pc:docMkLst>
+        <pc:docMk/>
+      </pc:docMkLst>
+      <pc:sldChg chg="addSp delSp modSp new mod">
+        <pc:chgData name="Luiz Break" userId="3ea80d37ed61a017" providerId="LiveId" clId="{578AF5D2-17EE-47FB-929C-12FE1D857E61}" dt="2023-03-15T23:39:33.469" v="1138" actId="1076"/>
+        <pc:sldMkLst>
+          <pc:docMk/>
+          <pc:sldMk cId="3726453899" sldId="256"/>
+        </pc:sldMkLst>
+      </pc:sldChg>
+    </pc:docChg>
+  </pc:docChgLst>
+  <pc:docChgLst>
+    <pc:chgData name="Luiz Break" userId="3ea80d37ed61a017" providerId="LiveId" clId="{D1E54373-7D85-471D-9816-E251D3F6DCC9}"/>
+    <pc:docChg chg="addSld delSld modSld">
+      <pc:chgData name="Luiz Break" userId="3ea80d37ed61a017" providerId="LiveId" clId="{D1E54373-7D85-471D-9816-E251D3F6DCC9}" dt="2023-07-20T20:47:19.436" v="31" actId="2696"/>
+      <pc:docMkLst>
+        <pc:docMk/>
+      </pc:docMkLst>
+      <pc:sldChg chg="modSp mod">
+        <pc:chgData name="Luiz Break" userId="3ea80d37ed61a017" providerId="LiveId" clId="{D1E54373-7D85-471D-9816-E251D3F6DCC9}" dt="2023-07-09T09:49:24.799" v="26" actId="20577"/>
+        <pc:sldMkLst>
+          <pc:docMk/>
+          <pc:sldMk cId="1307118117" sldId="274"/>
+        </pc:sldMkLst>
+      </pc:sldChg>
+      <pc:sldChg chg="del">
+        <pc:chgData name="Luiz Break" userId="3ea80d37ed61a017" providerId="LiveId" clId="{D1E54373-7D85-471D-9816-E251D3F6DCC9}" dt="2023-07-20T20:47:19.436" v="31" actId="2696"/>
+        <pc:sldMkLst>
+          <pc:docMk/>
+          <pc:sldMk cId="1549090167" sldId="275"/>
+        </pc:sldMkLst>
+      </pc:sldChg>
+      <pc:sldChg chg="add">
+        <pc:chgData name="Luiz Break" userId="3ea80d37ed61a017" providerId="LiveId" clId="{D1E54373-7D85-471D-9816-E251D3F6DCC9}" dt="2023-07-09T09:49:58.504" v="27"/>
+        <pc:sldMkLst>
+          <pc:docMk/>
+          <pc:sldMk cId="87326837" sldId="276"/>
+        </pc:sldMkLst>
+      </pc:sldChg>
+      <pc:sldChg chg="add">
+        <pc:chgData name="Luiz Break" userId="3ea80d37ed61a017" providerId="LiveId" clId="{D1E54373-7D85-471D-9816-E251D3F6DCC9}" dt="2023-07-20T20:47:11.202" v="29"/>
+        <pc:sldMkLst>
+          <pc:docMk/>
+          <pc:sldMk cId="0" sldId="310"/>
+        </pc:sldMkLst>
+      </pc:sldChg>
+      <pc:sldChg chg="modSp add mod">
+        <pc:chgData name="Luiz Break" userId="3ea80d37ed61a017" providerId="LiveId" clId="{D1E54373-7D85-471D-9816-E251D3F6DCC9}" dt="2023-07-09T09:31:53.912" v="2" actId="2164"/>
+        <pc:sldMkLst>
+          <pc:docMk/>
+          <pc:sldMk cId="4130972659" sldId="312"/>
+        </pc:sldMkLst>
+      </pc:sldChg>
+      <pc:sldChg chg="add del">
+        <pc:chgData name="Luiz Break" userId="3ea80d37ed61a017" providerId="LiveId" clId="{D1E54373-7D85-471D-9816-E251D3F6DCC9}" dt="2023-07-20T20:47:13.992" v="30" actId="2696"/>
+        <pc:sldMkLst>
+          <pc:docMk/>
+          <pc:sldMk cId="117679202" sldId="313"/>
+        </pc:sldMkLst>
       </pc:sldChg>
     </pc:docChg>
   </pc:docChgLst>
@@ -2445,14 +497,6 @@
             <ac:spMk id="3" creationId="{9F2080B9-7AB1-DD0A-81F3-AF5B6BA03309}"/>
           </ac:spMkLst>
         </pc:spChg>
-        <pc:spChg chg="del">
-          <ac:chgData name="Luiz Break" userId="3ea80d37ed61a017" providerId="LiveId" clId="{FBF164D9-12EF-47A7-BE3F-D60D4AB53842}" dt="2024-10-28T03:44:23.763" v="2767" actId="21"/>
-          <ac:spMkLst>
-            <pc:docMk/>
-            <pc:sldMk cId="262416927" sldId="324"/>
-            <ac:spMk id="4" creationId="{F9486D9B-FA29-B9C7-03A9-D68D64B0E861}"/>
-          </ac:spMkLst>
-        </pc:spChg>
         <pc:spChg chg="add mod">
           <ac:chgData name="Luiz Break" userId="3ea80d37ed61a017" providerId="LiveId" clId="{FBF164D9-12EF-47A7-BE3F-D60D4AB53842}" dt="2024-10-08T12:48:04.006" v="505" actId="108"/>
           <ac:spMkLst>
@@ -2467,14 +511,6 @@
             <pc:docMk/>
             <pc:sldMk cId="262416927" sldId="324"/>
             <ac:spMk id="7" creationId="{1DE3B154-B6A2-77A2-E5C7-34431DC0B241}"/>
-          </ac:spMkLst>
-        </pc:spChg>
-        <pc:spChg chg="add del mod ord">
-          <ac:chgData name="Luiz Break" userId="3ea80d37ed61a017" providerId="LiveId" clId="{FBF164D9-12EF-47A7-BE3F-D60D4AB53842}" dt="2024-10-28T03:42:38.204" v="2700" actId="21"/>
-          <ac:spMkLst>
-            <pc:docMk/>
-            <pc:sldMk cId="262416927" sldId="324"/>
-            <ac:spMk id="8" creationId="{5CAE3D8F-98EC-BA2D-7EFA-F0C133EFFE4E}"/>
           </ac:spMkLst>
         </pc:spChg>
         <pc:spChg chg="add mod">
@@ -2499,14 +535,6 @@
             <pc:docMk/>
             <pc:sldMk cId="262416927" sldId="324"/>
             <ac:spMk id="14" creationId="{8FD7F83A-6EC6-F0AF-5087-C29FB1650BE3}"/>
-          </ac:spMkLst>
-        </pc:spChg>
-        <pc:spChg chg="del">
-          <ac:chgData name="Luiz Break" userId="3ea80d37ed61a017" providerId="LiveId" clId="{FBF164D9-12EF-47A7-BE3F-D60D4AB53842}" dt="2024-10-28T03:44:23.763" v="2767" actId="21"/>
-          <ac:spMkLst>
-            <pc:docMk/>
-            <pc:sldMk cId="262416927" sldId="324"/>
-            <ac:spMk id="18" creationId="{DCE290A5-3E42-912F-92C8-98D1F722712A}"/>
           </ac:spMkLst>
         </pc:spChg>
         <pc:spChg chg="add mod">
@@ -2541,14 +569,6 @@
             <ac:spMk id="28" creationId="{E6DEF869-B2B5-2EE5-7A83-827B573ED6D9}"/>
           </ac:spMkLst>
         </pc:spChg>
-        <pc:spChg chg="add del mod">
-          <ac:chgData name="Luiz Break" userId="3ea80d37ed61a017" providerId="LiveId" clId="{FBF164D9-12EF-47A7-BE3F-D60D4AB53842}" dt="2024-10-28T03:44:49.368" v="2771" actId="21"/>
-          <ac:spMkLst>
-            <pc:docMk/>
-            <pc:sldMk cId="262416927" sldId="324"/>
-            <ac:spMk id="29" creationId="{3D38E824-FA1F-23C8-D647-384065A3608A}"/>
-          </ac:spMkLst>
-        </pc:spChg>
         <pc:spChg chg="add mod">
           <ac:chgData name="Luiz Break" userId="3ea80d37ed61a017" providerId="LiveId" clId="{FBF164D9-12EF-47A7-BE3F-D60D4AB53842}" dt="2024-10-28T03:39:57.344" v="2599" actId="1076"/>
           <ac:spMkLst>
@@ -2581,36 +601,12 @@
             <ac:spMk id="57" creationId="{07359BB6-0F4E-1436-A3B6-8D7A46CCF557}"/>
           </ac:spMkLst>
         </pc:spChg>
-        <pc:spChg chg="del">
-          <ac:chgData name="Luiz Break" userId="3ea80d37ed61a017" providerId="LiveId" clId="{FBF164D9-12EF-47A7-BE3F-D60D4AB53842}" dt="2024-10-08T00:33:32.513" v="180" actId="478"/>
-          <ac:spMkLst>
-            <pc:docMk/>
-            <pc:sldMk cId="262416927" sldId="324"/>
-            <ac:spMk id="58" creationId="{08DB838E-709B-0A03-891F-C79925AAF9A1}"/>
-          </ac:spMkLst>
-        </pc:spChg>
-        <pc:spChg chg="del">
-          <ac:chgData name="Luiz Break" userId="3ea80d37ed61a017" providerId="LiveId" clId="{FBF164D9-12EF-47A7-BE3F-D60D4AB53842}" dt="2024-10-28T03:44:23.763" v="2767" actId="21"/>
-          <ac:spMkLst>
-            <pc:docMk/>
-            <pc:sldMk cId="262416927" sldId="324"/>
-            <ac:spMk id="60" creationId="{6AD9BD60-0AB3-F7A5-C06B-2C4234BEAB53}"/>
-          </ac:spMkLst>
-        </pc:spChg>
         <pc:spChg chg="add mod">
           <ac:chgData name="Luiz Break" userId="3ea80d37ed61a017" providerId="LiveId" clId="{FBF164D9-12EF-47A7-BE3F-D60D4AB53842}" dt="2024-10-28T03:44:35.554" v="2770" actId="108"/>
           <ac:spMkLst>
             <pc:docMk/>
             <pc:sldMk cId="262416927" sldId="324"/>
             <ac:spMk id="76" creationId="{08C607D2-8818-41A7-9290-498FEFB0B5B2}"/>
-          </ac:spMkLst>
-        </pc:spChg>
-        <pc:spChg chg="del">
-          <ac:chgData name="Luiz Break" userId="3ea80d37ed61a017" providerId="LiveId" clId="{FBF164D9-12EF-47A7-BE3F-D60D4AB53842}" dt="2024-10-08T00:32:13.426" v="164" actId="21"/>
-          <ac:spMkLst>
-            <pc:docMk/>
-            <pc:sldMk cId="262416927" sldId="324"/>
-            <ac:spMk id="80" creationId="{4D3E4F68-977F-3C60-8AA4-8A762253B50D}"/>
           </ac:spMkLst>
         </pc:spChg>
         <pc:spChg chg="add mod">
@@ -2621,60 +617,12 @@
             <ac:spMk id="81" creationId="{D051F83C-C73E-9EC4-C82D-08A4DE4ED81D}"/>
           </ac:spMkLst>
         </pc:spChg>
-        <pc:spChg chg="del">
-          <ac:chgData name="Luiz Break" userId="3ea80d37ed61a017" providerId="LiveId" clId="{FBF164D9-12EF-47A7-BE3F-D60D4AB53842}" dt="2024-10-28T03:44:23.763" v="2767" actId="21"/>
-          <ac:spMkLst>
-            <pc:docMk/>
-            <pc:sldMk cId="262416927" sldId="324"/>
-            <ac:spMk id="86" creationId="{BE20F7D4-9926-6AFF-6B95-25C053AB4580}"/>
-          </ac:spMkLst>
-        </pc:spChg>
-        <pc:spChg chg="add del mod">
-          <ac:chgData name="Luiz Break" userId="3ea80d37ed61a017" providerId="LiveId" clId="{FBF164D9-12EF-47A7-BE3F-D60D4AB53842}" dt="2024-10-08T19:24:56.721" v="534" actId="21"/>
-          <ac:spMkLst>
-            <pc:docMk/>
-            <pc:sldMk cId="262416927" sldId="324"/>
-            <ac:spMk id="92" creationId="{29F2B3DC-1059-D433-8E59-DD9BDAA1D1F1}"/>
-          </ac:spMkLst>
-        </pc:spChg>
-        <pc:spChg chg="del mod">
-          <ac:chgData name="Luiz Break" userId="3ea80d37ed61a017" providerId="LiveId" clId="{FBF164D9-12EF-47A7-BE3F-D60D4AB53842}" dt="2024-10-28T03:38:30.621" v="2578" actId="21"/>
-          <ac:spMkLst>
-            <pc:docMk/>
-            <pc:sldMk cId="262416927" sldId="324"/>
-            <ac:spMk id="112" creationId="{3405080A-CDD3-0013-46DE-E3934B503A14}"/>
-          </ac:spMkLst>
-        </pc:spChg>
-        <pc:spChg chg="del mod">
-          <ac:chgData name="Luiz Break" userId="3ea80d37ed61a017" providerId="LiveId" clId="{FBF164D9-12EF-47A7-BE3F-D60D4AB53842}" dt="2024-10-28T03:38:34.056" v="2579" actId="21"/>
-          <ac:spMkLst>
-            <pc:docMk/>
-            <pc:sldMk cId="262416927" sldId="324"/>
-            <ac:spMk id="114" creationId="{D21B5B97-78AE-BEEB-5C66-5257F2596E23}"/>
-          </ac:spMkLst>
-        </pc:spChg>
-        <pc:spChg chg="del mod">
-          <ac:chgData name="Luiz Break" userId="3ea80d37ed61a017" providerId="LiveId" clId="{FBF164D9-12EF-47A7-BE3F-D60D4AB53842}" dt="2024-10-28T03:44:08.725" v="2766" actId="21"/>
-          <ac:spMkLst>
-            <pc:docMk/>
-            <pc:sldMk cId="262416927" sldId="324"/>
-            <ac:spMk id="115" creationId="{79A363A1-FF78-FF15-0249-62D7C49E5CC8}"/>
-          </ac:spMkLst>
-        </pc:spChg>
         <pc:spChg chg="mod">
           <ac:chgData name="Luiz Break" userId="3ea80d37ed61a017" providerId="LiveId" clId="{FBF164D9-12EF-47A7-BE3F-D60D4AB53842}" dt="2024-10-09T15:22:48.346" v="830" actId="20577"/>
           <ac:spMkLst>
             <pc:docMk/>
             <pc:sldMk cId="262416927" sldId="324"/>
             <ac:spMk id="116" creationId="{58CF2961-CA28-4978-CA59-B1E66A9F934B}"/>
-          </ac:spMkLst>
-        </pc:spChg>
-        <pc:spChg chg="del">
-          <ac:chgData name="Luiz Break" userId="3ea80d37ed61a017" providerId="LiveId" clId="{FBF164D9-12EF-47A7-BE3F-D60D4AB53842}" dt="2024-10-08T00:33:32.513" v="180" actId="478"/>
-          <ac:spMkLst>
-            <pc:docMk/>
-            <pc:sldMk cId="262416927" sldId="324"/>
-            <ac:spMk id="128" creationId="{E6521444-9714-3502-9AA9-4956B8CD809B}"/>
           </ac:spMkLst>
         </pc:spChg>
         <pc:spChg chg="mod">
@@ -2699,14 +647,6 @@
             <pc:docMk/>
             <pc:sldMk cId="262416927" sldId="324"/>
             <ac:cxnSpMk id="6" creationId="{4B883BCA-76BF-087F-3019-3CF896FDD35D}"/>
-          </ac:cxnSpMkLst>
-        </pc:cxnChg>
-        <pc:cxnChg chg="del mod">
-          <ac:chgData name="Luiz Break" userId="3ea80d37ed61a017" providerId="LiveId" clId="{FBF164D9-12EF-47A7-BE3F-D60D4AB53842}" dt="2024-10-08T00:33:35.406" v="181" actId="21"/>
-          <ac:cxnSpMkLst>
-            <pc:docMk/>
-            <pc:sldMk cId="262416927" sldId="324"/>
-            <ac:cxnSpMk id="8" creationId="{807BF455-0FDF-657D-FEA4-DB9928F7941F}"/>
           </ac:cxnSpMkLst>
         </pc:cxnChg>
         <pc:cxnChg chg="mod">
@@ -2739,22 +679,6 @@
             <pc:docMk/>
             <pc:sldMk cId="262416927" sldId="324"/>
             <ac:cxnSpMk id="16" creationId="{F2AF1DA6-F33E-F27E-7F75-366342EA34EB}"/>
-          </ac:cxnSpMkLst>
-        </pc:cxnChg>
-        <pc:cxnChg chg="del mod">
-          <ac:chgData name="Luiz Break" userId="3ea80d37ed61a017" providerId="LiveId" clId="{FBF164D9-12EF-47A7-BE3F-D60D4AB53842}" dt="2024-10-28T03:44:23.763" v="2767" actId="21"/>
-          <ac:cxnSpMkLst>
-            <pc:docMk/>
-            <pc:sldMk cId="262416927" sldId="324"/>
-            <ac:cxnSpMk id="19" creationId="{6CD52AB7-8D2A-4E8E-FC35-95BEEEAE046D}"/>
-          </ac:cxnSpMkLst>
-        </pc:cxnChg>
-        <pc:cxnChg chg="del mod">
-          <ac:chgData name="Luiz Break" userId="3ea80d37ed61a017" providerId="LiveId" clId="{FBF164D9-12EF-47A7-BE3F-D60D4AB53842}" dt="2024-10-08T11:57:04.815" v="411" actId="478"/>
-          <ac:cxnSpMkLst>
-            <pc:docMk/>
-            <pc:sldMk cId="262416927" sldId="324"/>
-            <ac:cxnSpMk id="29" creationId="{AF8B6B9E-338A-6F29-6A21-5E6FD2AE5458}"/>
           </ac:cxnSpMkLst>
         </pc:cxnChg>
         <pc:cxnChg chg="add mod">
@@ -2813,28 +737,12 @@
             <ac:cxnSpMk id="59" creationId="{27056E3F-B4C4-1DEA-6FF7-8F5C536225C8}"/>
           </ac:cxnSpMkLst>
         </pc:cxnChg>
-        <pc:cxnChg chg="add del mod">
-          <ac:chgData name="Luiz Break" userId="3ea80d37ed61a017" providerId="LiveId" clId="{FBF164D9-12EF-47A7-BE3F-D60D4AB53842}" dt="2024-10-08T00:38:47.807" v="228" actId="21"/>
-          <ac:cxnSpMkLst>
-            <pc:docMk/>
-            <pc:sldMk cId="262416927" sldId="324"/>
-            <ac:cxnSpMk id="61" creationId="{36560923-09F6-B567-471C-3FD04B8E14CD}"/>
-          </ac:cxnSpMkLst>
-        </pc:cxnChg>
         <pc:cxnChg chg="add mod">
           <ac:chgData name="Luiz Break" userId="3ea80d37ed61a017" providerId="LiveId" clId="{FBF164D9-12EF-47A7-BE3F-D60D4AB53842}" dt="2024-10-08T11:57:15.125" v="448" actId="1037"/>
           <ac:cxnSpMkLst>
             <pc:docMk/>
             <pc:sldMk cId="262416927" sldId="324"/>
             <ac:cxnSpMk id="67" creationId="{1AAAA30A-90EF-D5C9-C670-202A9DC39A74}"/>
-          </ac:cxnSpMkLst>
-        </pc:cxnChg>
-        <pc:cxnChg chg="add del mod">
-          <ac:chgData name="Luiz Break" userId="3ea80d37ed61a017" providerId="LiveId" clId="{FBF164D9-12EF-47A7-BE3F-D60D4AB53842}" dt="2024-10-09T14:37:09.854" v="791" actId="478"/>
-          <ac:cxnSpMkLst>
-            <pc:docMk/>
-            <pc:sldMk cId="262416927" sldId="324"/>
-            <ac:cxnSpMk id="70" creationId="{34F13CC9-9E78-3C7F-5DE6-D0ED61D339CB}"/>
           </ac:cxnSpMkLst>
         </pc:cxnChg>
         <pc:cxnChg chg="add mod">
@@ -2875,22 +783,6 @@
             <pc:docMk/>
             <pc:sldMk cId="262416927" sldId="324"/>
             <ac:cxnSpMk id="124" creationId="{0D376F5D-835D-F99F-D9B4-D7DE3D38E873}"/>
-          </ac:cxnSpMkLst>
-        </pc:cxnChg>
-        <pc:cxnChg chg="del mod">
-          <ac:chgData name="Luiz Break" userId="3ea80d37ed61a017" providerId="LiveId" clId="{FBF164D9-12EF-47A7-BE3F-D60D4AB53842}" dt="2024-10-08T00:33:32.513" v="180" actId="478"/>
-          <ac:cxnSpMkLst>
-            <pc:docMk/>
-            <pc:sldMk cId="262416927" sldId="324"/>
-            <ac:cxnSpMk id="129" creationId="{A1693CAD-4E0D-0711-7978-66D7641FF02C}"/>
-          </ac:cxnSpMkLst>
-        </pc:cxnChg>
-        <pc:cxnChg chg="del mod">
-          <ac:chgData name="Luiz Break" userId="3ea80d37ed61a017" providerId="LiveId" clId="{FBF164D9-12EF-47A7-BE3F-D60D4AB53842}" dt="2024-10-08T00:32:20.018" v="166" actId="21"/>
-          <ac:cxnSpMkLst>
-            <pc:docMk/>
-            <pc:sldMk cId="262416927" sldId="324"/>
-            <ac:cxnSpMk id="134" creationId="{6A656FB3-F5E6-6ADF-0D8D-479F402E55E8}"/>
           </ac:cxnSpMkLst>
         </pc:cxnChg>
       </pc:sldChg>
@@ -2940,28 +832,12 @@
             <ac:spMk id="32" creationId="{3BE662EC-D9F9-6E83-C80A-D9D579EE95F9}"/>
           </ac:spMkLst>
         </pc:spChg>
-        <pc:spChg chg="del">
-          <ac:chgData name="Luiz Break" userId="3ea80d37ed61a017" providerId="LiveId" clId="{FBF164D9-12EF-47A7-BE3F-D60D4AB53842}" dt="2024-10-21T20:24:13.657" v="981" actId="21"/>
-          <ac:spMkLst>
-            <pc:docMk/>
-            <pc:sldMk cId="3760643663" sldId="325"/>
-            <ac:spMk id="55" creationId="{C696C2AF-6E3E-3D62-88CF-F30184B6BD95}"/>
-          </ac:spMkLst>
-        </pc:spChg>
         <pc:spChg chg="mod">
           <ac:chgData name="Luiz Break" userId="3ea80d37ed61a017" providerId="LiveId" clId="{FBF164D9-12EF-47A7-BE3F-D60D4AB53842}" dt="2024-10-28T16:10:09.651" v="2841" actId="20577"/>
           <ac:spMkLst>
             <pc:docMk/>
             <pc:sldMk cId="3760643663" sldId="325"/>
             <ac:spMk id="56" creationId="{7CE52EA9-D9F4-D636-1671-4458A0519A71}"/>
-          </ac:spMkLst>
-        </pc:spChg>
-        <pc:spChg chg="del mod">
-          <ac:chgData name="Luiz Break" userId="3ea80d37ed61a017" providerId="LiveId" clId="{FBF164D9-12EF-47A7-BE3F-D60D4AB53842}" dt="2024-10-28T03:34:55.994" v="2515" actId="21"/>
-          <ac:spMkLst>
-            <pc:docMk/>
-            <pc:sldMk cId="3760643663" sldId="325"/>
-            <ac:spMk id="58" creationId="{510E4BB4-2331-00D3-11AC-7F1E0C2EE1AA}"/>
           </ac:spMkLst>
         </pc:spChg>
         <pc:picChg chg="add mod">
@@ -3034,14 +910,6 @@
             <ac:spMk id="3" creationId="{FF9B4DFF-BB9D-C724-148C-66B5937D1BD3}"/>
           </ac:spMkLst>
         </pc:spChg>
-        <pc:spChg chg="del">
-          <ac:chgData name="Luiz Break" userId="3ea80d37ed61a017" providerId="LiveId" clId="{FBF164D9-12EF-47A7-BE3F-D60D4AB53842}" dt="2024-11-11T19:18:42.275" v="2908" actId="21"/>
-          <ac:spMkLst>
-            <pc:docMk/>
-            <pc:sldMk cId="3898914470" sldId="327"/>
-            <ac:spMk id="4" creationId="{46B4F3F7-09B3-AFF6-F18C-8411A13B75CC}"/>
-          </ac:spMkLst>
-        </pc:spChg>
         <pc:spChg chg="mod">
           <ac:chgData name="Luiz Break" userId="3ea80d37ed61a017" providerId="LiveId" clId="{FBF164D9-12EF-47A7-BE3F-D60D4AB53842}" dt="2024-11-11T19:32:17.364" v="3208" actId="1035"/>
           <ac:spMkLst>
@@ -3058,100 +926,12 @@
             <ac:spMk id="6" creationId="{4C515C81-D335-A4C1-DC7C-EB3AAF058AF4}"/>
           </ac:spMkLst>
         </pc:spChg>
-        <pc:spChg chg="del">
-          <ac:chgData name="Luiz Break" userId="3ea80d37ed61a017" providerId="LiveId" clId="{FBF164D9-12EF-47A7-BE3F-D60D4AB53842}" dt="2024-11-11T19:25:02.655" v="2960" actId="21"/>
-          <ac:spMkLst>
-            <pc:docMk/>
-            <pc:sldMk cId="3898914470" sldId="327"/>
-            <ac:spMk id="9" creationId="{5AB497CB-503E-6BDD-E684-5FC7F0266642}"/>
-          </ac:spMkLst>
-        </pc:spChg>
-        <pc:spChg chg="del">
-          <ac:chgData name="Luiz Break" userId="3ea80d37ed61a017" providerId="LiveId" clId="{FBF164D9-12EF-47A7-BE3F-D60D4AB53842}" dt="2024-11-11T19:25:02.655" v="2960" actId="21"/>
-          <ac:spMkLst>
-            <pc:docMk/>
-            <pc:sldMk cId="3898914470" sldId="327"/>
-            <ac:spMk id="10" creationId="{9C79B6DE-C907-3ACC-DFAB-46DCD5ED6D9C}"/>
-          </ac:spMkLst>
-        </pc:spChg>
-        <pc:spChg chg="del">
-          <ac:chgData name="Luiz Break" userId="3ea80d37ed61a017" providerId="LiveId" clId="{FBF164D9-12EF-47A7-BE3F-D60D4AB53842}" dt="2024-11-11T19:25:02.655" v="2960" actId="21"/>
-          <ac:spMkLst>
-            <pc:docMk/>
-            <pc:sldMk cId="3898914470" sldId="327"/>
-            <ac:spMk id="11" creationId="{12156E6C-6D5B-8447-45BE-8C99DCB8003D}"/>
-          </ac:spMkLst>
-        </pc:spChg>
-        <pc:spChg chg="del">
-          <ac:chgData name="Luiz Break" userId="3ea80d37ed61a017" providerId="LiveId" clId="{FBF164D9-12EF-47A7-BE3F-D60D4AB53842}" dt="2024-11-11T19:18:46.494" v="2909" actId="21"/>
-          <ac:spMkLst>
-            <pc:docMk/>
-            <pc:sldMk cId="3898914470" sldId="327"/>
-            <ac:spMk id="12" creationId="{B692859F-B109-79C2-0153-3EBBD18F9BB6}"/>
-          </ac:spMkLst>
-        </pc:spChg>
-        <pc:spChg chg="del">
-          <ac:chgData name="Luiz Break" userId="3ea80d37ed61a017" providerId="LiveId" clId="{FBF164D9-12EF-47A7-BE3F-D60D4AB53842}" dt="2024-11-11T19:25:02.655" v="2960" actId="21"/>
-          <ac:spMkLst>
-            <pc:docMk/>
-            <pc:sldMk cId="3898914470" sldId="327"/>
-            <ac:spMk id="13" creationId="{09F30885-852D-3FDB-BF03-E0C34C878F5E}"/>
-          </ac:spMkLst>
-        </pc:spChg>
-        <pc:spChg chg="del">
-          <ac:chgData name="Luiz Break" userId="3ea80d37ed61a017" providerId="LiveId" clId="{FBF164D9-12EF-47A7-BE3F-D60D4AB53842}" dt="2024-11-11T19:25:02.655" v="2960" actId="21"/>
-          <ac:spMkLst>
-            <pc:docMk/>
-            <pc:sldMk cId="3898914470" sldId="327"/>
-            <ac:spMk id="14" creationId="{93963687-04F2-0301-3AC2-4AC9A4B28FD4}"/>
-          </ac:spMkLst>
-        </pc:spChg>
-        <pc:spChg chg="del mod">
-          <ac:chgData name="Luiz Break" userId="3ea80d37ed61a017" providerId="LiveId" clId="{FBF164D9-12EF-47A7-BE3F-D60D4AB53842}" dt="2024-11-11T19:25:02.655" v="2960" actId="21"/>
-          <ac:spMkLst>
-            <pc:docMk/>
-            <pc:sldMk cId="3898914470" sldId="327"/>
-            <ac:spMk id="15" creationId="{19140DB9-924D-F83B-0799-7230E4EAE4B0}"/>
-          </ac:spMkLst>
-        </pc:spChg>
-        <pc:spChg chg="del">
-          <ac:chgData name="Luiz Break" userId="3ea80d37ed61a017" providerId="LiveId" clId="{FBF164D9-12EF-47A7-BE3F-D60D4AB53842}" dt="2024-11-11T19:24:55.763" v="2959" actId="21"/>
-          <ac:spMkLst>
-            <pc:docMk/>
-            <pc:sldMk cId="3898914470" sldId="327"/>
-            <ac:spMk id="16" creationId="{84451994-0388-62E3-CE9C-CCDB3E714806}"/>
-          </ac:spMkLst>
-        </pc:spChg>
-        <pc:spChg chg="del">
-          <ac:chgData name="Luiz Break" userId="3ea80d37ed61a017" providerId="LiveId" clId="{FBF164D9-12EF-47A7-BE3F-D60D4AB53842}" dt="2024-11-11T19:18:42.275" v="2908" actId="21"/>
-          <ac:spMkLst>
-            <pc:docMk/>
-            <pc:sldMk cId="3898914470" sldId="327"/>
-            <ac:spMk id="17" creationId="{E84E8923-0B3D-A2EF-67ED-423030E7B5B6}"/>
-          </ac:spMkLst>
-        </pc:spChg>
         <pc:spChg chg="mod">
           <ac:chgData name="Luiz Break" userId="3ea80d37ed61a017" providerId="LiveId" clId="{FBF164D9-12EF-47A7-BE3F-D60D4AB53842}" dt="2024-11-11T19:32:17.364" v="3208" actId="1035"/>
           <ac:spMkLst>
             <pc:docMk/>
             <pc:sldMk cId="3898914470" sldId="327"/>
             <ac:spMk id="18" creationId="{DFFBF006-11AA-7A67-AE4D-E7DE3788352B}"/>
-          </ac:spMkLst>
-        </pc:spChg>
-        <pc:spChg chg="del">
-          <ac:chgData name="Luiz Break" userId="3ea80d37ed61a017" providerId="LiveId" clId="{FBF164D9-12EF-47A7-BE3F-D60D4AB53842}" dt="2024-11-11T19:27:00.998" v="2975" actId="21"/>
-          <ac:spMkLst>
-            <pc:docMk/>
-            <pc:sldMk cId="3898914470" sldId="327"/>
-            <ac:spMk id="19" creationId="{894C0432-E382-ACEC-DD72-715239F2F7F9}"/>
-          </ac:spMkLst>
-        </pc:spChg>
-        <pc:spChg chg="del">
-          <ac:chgData name="Luiz Break" userId="3ea80d37ed61a017" providerId="LiveId" clId="{FBF164D9-12EF-47A7-BE3F-D60D4AB53842}" dt="2024-11-11T19:18:42.275" v="2908" actId="21"/>
-          <ac:spMkLst>
-            <pc:docMk/>
-            <pc:sldMk cId="3898914470" sldId="327"/>
-            <ac:spMk id="29" creationId="{600F103A-FA61-6F19-6EA0-08FC182644F5}"/>
           </ac:spMkLst>
         </pc:spChg>
         <pc:spChg chg="add mod">
@@ -3168,14 +948,6 @@
             <pc:docMk/>
             <pc:sldMk cId="3898914470" sldId="327"/>
             <ac:spMk id="41" creationId="{8F238929-6595-CF91-CA50-E6983BBABC5B}"/>
-          </ac:spMkLst>
-        </pc:spChg>
-        <pc:spChg chg="add del mod">
-          <ac:chgData name="Luiz Break" userId="3ea80d37ed61a017" providerId="LiveId" clId="{FBF164D9-12EF-47A7-BE3F-D60D4AB53842}" dt="2024-11-11T19:27:55.933" v="2979" actId="21"/>
-          <ac:spMkLst>
-            <pc:docMk/>
-            <pc:sldMk cId="3898914470" sldId="327"/>
-            <ac:spMk id="56" creationId="{894C0432-E382-ACEC-DD72-715239F2F7F9}"/>
           </ac:spMkLst>
         </pc:spChg>
         <pc:spChg chg="add mod">
@@ -3202,14 +974,6 @@
             <ac:spMk id="60" creationId="{9ADC4EE9-0EBD-F8F0-22E2-AA2572D9D481}"/>
           </ac:spMkLst>
         </pc:spChg>
-        <pc:grpChg chg="del">
-          <ac:chgData name="Luiz Break" userId="3ea80d37ed61a017" providerId="LiveId" clId="{FBF164D9-12EF-47A7-BE3F-D60D4AB53842}" dt="2024-11-11T19:26:57.326" v="2974" actId="21"/>
-          <ac:grpSpMkLst>
-            <pc:docMk/>
-            <pc:sldMk cId="3898914470" sldId="327"/>
-            <ac:grpSpMk id="20" creationId="{ED4D8F94-CDD6-3698-2BDD-9C4C19E08C9E}"/>
-          </ac:grpSpMkLst>
-        </pc:grpChg>
         <pc:picChg chg="mod">
           <ac:chgData name="Luiz Break" userId="3ea80d37ed61a017" providerId="LiveId" clId="{FBF164D9-12EF-47A7-BE3F-D60D4AB53842}" dt="2024-11-11T19:32:17.364" v="3208" actId="1035"/>
           <ac:picMkLst>
@@ -3218,36 +982,12 @@
             <ac:picMk id="2" creationId="{495225E4-C63F-7951-B0D2-8505527F5525}"/>
           </ac:picMkLst>
         </pc:picChg>
-        <pc:picChg chg="del">
-          <ac:chgData name="Luiz Break" userId="3ea80d37ed61a017" providerId="LiveId" clId="{FBF164D9-12EF-47A7-BE3F-D60D4AB53842}" dt="2024-11-11T19:17:59.267" v="2904" actId="21"/>
-          <ac:picMkLst>
-            <pc:docMk/>
-            <pc:sldMk cId="3898914470" sldId="327"/>
-            <ac:picMk id="7" creationId="{7A2558E4-3D5A-9F39-79FA-4A5BE4AA5361}"/>
-          </ac:picMkLst>
-        </pc:picChg>
-        <pc:picChg chg="del">
-          <ac:chgData name="Luiz Break" userId="3ea80d37ed61a017" providerId="LiveId" clId="{FBF164D9-12EF-47A7-BE3F-D60D4AB53842}" dt="2024-11-11T19:18:04.011" v="2905" actId="21"/>
-          <ac:picMkLst>
-            <pc:docMk/>
-            <pc:sldMk cId="3898914470" sldId="327"/>
-            <ac:picMk id="23" creationId="{144DEC28-437F-6F79-492A-5D88CBFC41E6}"/>
-          </ac:picMkLst>
-        </pc:picChg>
         <pc:picChg chg="add mod">
           <ac:chgData name="Luiz Break" userId="3ea80d37ed61a017" providerId="LiveId" clId="{FBF164D9-12EF-47A7-BE3F-D60D4AB53842}" dt="2024-11-11T19:32:17.364" v="3208" actId="1035"/>
           <ac:picMkLst>
             <pc:docMk/>
             <pc:sldMk cId="3898914470" sldId="327"/>
             <ac:picMk id="24" creationId="{4868DF4B-9CA1-6EC9-6484-B2FBE365F900}"/>
-          </ac:picMkLst>
-        </pc:picChg>
-        <pc:picChg chg="del">
-          <ac:chgData name="Luiz Break" userId="3ea80d37ed61a017" providerId="LiveId" clId="{FBF164D9-12EF-47A7-BE3F-D60D4AB53842}" dt="2024-11-11T19:18:42.275" v="2908" actId="21"/>
-          <ac:picMkLst>
-            <pc:docMk/>
-            <pc:sldMk cId="3898914470" sldId="327"/>
-            <ac:picMk id="33" creationId="{3AF91662-9F6A-E344-3E2A-809DEC731841}"/>
           </ac:picMkLst>
         </pc:picChg>
         <pc:picChg chg="add mod">
@@ -3286,110 +1026,6 @@
     </pc:docChg>
   </pc:docChgLst>
   <pc:docChgLst>
-    <pc:chgData name="Luiz Break" userId="3ea80d37ed61a017" providerId="LiveId" clId="{453B2BD5-5E7F-465E-BBD1-E46973D10CAE}"/>
-    <pc:docChg chg="addSld modSld">
-      <pc:chgData name="Luiz Break" userId="3ea80d37ed61a017" providerId="LiveId" clId="{453B2BD5-5E7F-465E-BBD1-E46973D10CAE}" dt="2024-07-29T21:03:27.725" v="2" actId="14100"/>
-      <pc:docMkLst>
-        <pc:docMk/>
-      </pc:docMkLst>
-      <pc:sldChg chg="modSp add mod">
-        <pc:chgData name="Luiz Break" userId="3ea80d37ed61a017" providerId="LiveId" clId="{453B2BD5-5E7F-465E-BBD1-E46973D10CAE}" dt="2024-07-29T21:03:27.725" v="2" actId="14100"/>
-        <pc:sldMkLst>
-          <pc:docMk/>
-          <pc:sldMk cId="453411335" sldId="320"/>
-        </pc:sldMkLst>
-        <pc:spChg chg="mod">
-          <ac:chgData name="Luiz Break" userId="3ea80d37ed61a017" providerId="LiveId" clId="{453B2BD5-5E7F-465E-BBD1-E46973D10CAE}" dt="2024-07-29T21:03:24.194" v="1" actId="1076"/>
-          <ac:spMkLst>
-            <pc:docMk/>
-            <pc:sldMk cId="453411335" sldId="320"/>
-            <ac:spMk id="4" creationId="{51C78834-4FC5-D5CB-E500-64C82E6E5AF7}"/>
-          </ac:spMkLst>
-        </pc:spChg>
-        <pc:spChg chg="mod">
-          <ac:chgData name="Luiz Break" userId="3ea80d37ed61a017" providerId="LiveId" clId="{453B2BD5-5E7F-465E-BBD1-E46973D10CAE}" dt="2024-07-29T21:03:24.194" v="1" actId="1076"/>
-          <ac:spMkLst>
-            <pc:docMk/>
-            <pc:sldMk cId="453411335" sldId="320"/>
-            <ac:spMk id="5" creationId="{3657A51F-54DB-78E3-9EBB-D65A56C4903C}"/>
-          </ac:spMkLst>
-        </pc:spChg>
-        <pc:spChg chg="mod">
-          <ac:chgData name="Luiz Break" userId="3ea80d37ed61a017" providerId="LiveId" clId="{453B2BD5-5E7F-465E-BBD1-E46973D10CAE}" dt="2024-07-29T21:03:24.194" v="1" actId="1076"/>
-          <ac:spMkLst>
-            <pc:docMk/>
-            <pc:sldMk cId="453411335" sldId="320"/>
-            <ac:spMk id="6" creationId="{5BC3460F-A403-311F-E291-9EF54999DFC2}"/>
-          </ac:spMkLst>
-        </pc:spChg>
-        <pc:spChg chg="mod">
-          <ac:chgData name="Luiz Break" userId="3ea80d37ed61a017" providerId="LiveId" clId="{453B2BD5-5E7F-465E-BBD1-E46973D10CAE}" dt="2024-07-29T21:03:24.194" v="1" actId="1076"/>
-          <ac:spMkLst>
-            <pc:docMk/>
-            <pc:sldMk cId="453411335" sldId="320"/>
-            <ac:spMk id="7" creationId="{8BAAF4DF-145F-1955-FA46-265396E3E4CC}"/>
-          </ac:spMkLst>
-        </pc:spChg>
-        <pc:spChg chg="mod">
-          <ac:chgData name="Luiz Break" userId="3ea80d37ed61a017" providerId="LiveId" clId="{453B2BD5-5E7F-465E-BBD1-E46973D10CAE}" dt="2024-07-29T21:03:24.194" v="1" actId="1076"/>
-          <ac:spMkLst>
-            <pc:docMk/>
-            <pc:sldMk cId="453411335" sldId="320"/>
-            <ac:spMk id="8" creationId="{84821F61-938F-319D-F667-9F2CF9EF9766}"/>
-          </ac:spMkLst>
-        </pc:spChg>
-        <pc:spChg chg="mod">
-          <ac:chgData name="Luiz Break" userId="3ea80d37ed61a017" providerId="LiveId" clId="{453B2BD5-5E7F-465E-BBD1-E46973D10CAE}" dt="2024-07-29T21:03:24.194" v="1" actId="1076"/>
-          <ac:spMkLst>
-            <pc:docMk/>
-            <pc:sldMk cId="453411335" sldId="320"/>
-            <ac:spMk id="9" creationId="{6A8C2E35-EB44-5B4E-2C52-E8B73DF790BD}"/>
-          </ac:spMkLst>
-        </pc:spChg>
-        <pc:spChg chg="mod">
-          <ac:chgData name="Luiz Break" userId="3ea80d37ed61a017" providerId="LiveId" clId="{453B2BD5-5E7F-465E-BBD1-E46973D10CAE}" dt="2024-07-29T21:03:24.194" v="1" actId="1076"/>
-          <ac:spMkLst>
-            <pc:docMk/>
-            <pc:sldMk cId="453411335" sldId="320"/>
-            <ac:spMk id="10" creationId="{62F53C96-2EAF-AFAB-5BA5-B89BB16348E4}"/>
-          </ac:spMkLst>
-        </pc:spChg>
-        <pc:spChg chg="mod">
-          <ac:chgData name="Luiz Break" userId="3ea80d37ed61a017" providerId="LiveId" clId="{453B2BD5-5E7F-465E-BBD1-E46973D10CAE}" dt="2024-07-29T21:03:24.194" v="1" actId="1076"/>
-          <ac:spMkLst>
-            <pc:docMk/>
-            <pc:sldMk cId="453411335" sldId="320"/>
-            <ac:spMk id="11" creationId="{5D240C69-8808-2054-DC49-CF4FD07615DE}"/>
-          </ac:spMkLst>
-        </pc:spChg>
-        <pc:spChg chg="mod">
-          <ac:chgData name="Luiz Break" userId="3ea80d37ed61a017" providerId="LiveId" clId="{453B2BD5-5E7F-465E-BBD1-E46973D10CAE}" dt="2024-07-29T21:03:24.194" v="1" actId="1076"/>
-          <ac:spMkLst>
-            <pc:docMk/>
-            <pc:sldMk cId="453411335" sldId="320"/>
-            <ac:spMk id="12" creationId="{35A792F8-8840-6C10-53CC-A2EF7A1F5CD3}"/>
-          </ac:spMkLst>
-        </pc:spChg>
-        <pc:spChg chg="mod">
-          <ac:chgData name="Luiz Break" userId="3ea80d37ed61a017" providerId="LiveId" clId="{453B2BD5-5E7F-465E-BBD1-E46973D10CAE}" dt="2024-07-29T21:03:24.194" v="1" actId="1076"/>
-          <ac:spMkLst>
-            <pc:docMk/>
-            <pc:sldMk cId="453411335" sldId="320"/>
-            <ac:spMk id="15" creationId="{7A4565A8-E616-7689-932F-7DB9FC10D6DC}"/>
-          </ac:spMkLst>
-        </pc:spChg>
-        <pc:cxnChg chg="mod">
-          <ac:chgData name="Luiz Break" userId="3ea80d37ed61a017" providerId="LiveId" clId="{453B2BD5-5E7F-465E-BBD1-E46973D10CAE}" dt="2024-07-29T21:03:27.725" v="2" actId="14100"/>
-          <ac:cxnSpMkLst>
-            <pc:docMk/>
-            <pc:sldMk cId="453411335" sldId="320"/>
-            <ac:cxnSpMk id="17" creationId="{98ACD3C9-F5A9-C551-C4A5-8B198844E70A}"/>
-          </ac:cxnSpMkLst>
-        </pc:cxnChg>
-      </pc:sldChg>
-    </pc:docChg>
-  </pc:docChgLst>
-  <pc:docChgLst>
     <pc:chgData name="Luiz Break" userId="3ea80d37ed61a017" providerId="LiveId" clId="{1DED6D26-A0FC-4A6D-89EF-A48090D925E2}"/>
     <pc:docChg chg="undo redo custSel addSld modSld sldOrd">
       <pc:chgData name="Luiz Break" userId="3ea80d37ed61a017" providerId="LiveId" clId="{1DED6D26-A0FC-4A6D-89EF-A48090D925E2}" dt="2024-04-17T03:40:50.287" v="5358" actId="20577"/>
@@ -3402,166 +1038,6 @@
           <pc:docMk/>
           <pc:sldMk cId="3726453899" sldId="256"/>
         </pc:sldMkLst>
-        <pc:spChg chg="del">
-          <ac:chgData name="Luiz Break" userId="3ea80d37ed61a017" providerId="LiveId" clId="{1DED6D26-A0FC-4A6D-89EF-A48090D925E2}" dt="2024-04-17T03:38:15.424" v="5262" actId="21"/>
-          <ac:spMkLst>
-            <pc:docMk/>
-            <pc:sldMk cId="3726453899" sldId="256"/>
-            <ac:spMk id="4" creationId="{F9486D9B-FA29-B9C7-03A9-D68D64B0E861}"/>
-          </ac:spMkLst>
-        </pc:spChg>
-        <pc:spChg chg="del">
-          <ac:chgData name="Luiz Break" userId="3ea80d37ed61a017" providerId="LiveId" clId="{1DED6D26-A0FC-4A6D-89EF-A48090D925E2}" dt="2024-04-17T03:38:15.424" v="5262" actId="21"/>
-          <ac:spMkLst>
-            <pc:docMk/>
-            <pc:sldMk cId="3726453899" sldId="256"/>
-            <ac:spMk id="5" creationId="{9E8D00AC-9659-6C72-F814-0C055F1E3881}"/>
-          </ac:spMkLst>
-        </pc:spChg>
-        <pc:spChg chg="del">
-          <ac:chgData name="Luiz Break" userId="3ea80d37ed61a017" providerId="LiveId" clId="{1DED6D26-A0FC-4A6D-89EF-A48090D925E2}" dt="2024-04-17T03:38:15.424" v="5262" actId="21"/>
-          <ac:spMkLst>
-            <pc:docMk/>
-            <pc:sldMk cId="3726453899" sldId="256"/>
-            <ac:spMk id="6" creationId="{F522F992-9AE7-DCFF-71AC-F9791D044391}"/>
-          </ac:spMkLst>
-        </pc:spChg>
-        <pc:spChg chg="del">
-          <ac:chgData name="Luiz Break" userId="3ea80d37ed61a017" providerId="LiveId" clId="{1DED6D26-A0FC-4A6D-89EF-A48090D925E2}" dt="2024-04-17T03:38:15.424" v="5262" actId="21"/>
-          <ac:spMkLst>
-            <pc:docMk/>
-            <pc:sldMk cId="3726453899" sldId="256"/>
-            <ac:spMk id="7" creationId="{F32F4D42-5EA7-565C-4E12-A0106BCD603B}"/>
-          </ac:spMkLst>
-        </pc:spChg>
-        <pc:spChg chg="del">
-          <ac:chgData name="Luiz Break" userId="3ea80d37ed61a017" providerId="LiveId" clId="{1DED6D26-A0FC-4A6D-89EF-A48090D925E2}" dt="2024-04-17T03:38:15.424" v="5262" actId="21"/>
-          <ac:spMkLst>
-            <pc:docMk/>
-            <pc:sldMk cId="3726453899" sldId="256"/>
-            <ac:spMk id="8" creationId="{2F3AC214-B009-B7D4-CF6E-1625C4F9DAF9}"/>
-          </ac:spMkLst>
-        </pc:spChg>
-        <pc:spChg chg="del">
-          <ac:chgData name="Luiz Break" userId="3ea80d37ed61a017" providerId="LiveId" clId="{1DED6D26-A0FC-4A6D-89EF-A48090D925E2}" dt="2024-04-17T03:38:15.424" v="5262" actId="21"/>
-          <ac:spMkLst>
-            <pc:docMk/>
-            <pc:sldMk cId="3726453899" sldId="256"/>
-            <ac:spMk id="9" creationId="{FB7B2863-9E0A-CC84-AD22-449C88E3F677}"/>
-          </ac:spMkLst>
-        </pc:spChg>
-        <pc:spChg chg="del">
-          <ac:chgData name="Luiz Break" userId="3ea80d37ed61a017" providerId="LiveId" clId="{1DED6D26-A0FC-4A6D-89EF-A48090D925E2}" dt="2024-04-17T03:38:15.424" v="5262" actId="21"/>
-          <ac:spMkLst>
-            <pc:docMk/>
-            <pc:sldMk cId="3726453899" sldId="256"/>
-            <ac:spMk id="11" creationId="{D51365FF-E933-8EB3-28D4-0F23E9085BDF}"/>
-          </ac:spMkLst>
-        </pc:spChg>
-        <pc:spChg chg="del">
-          <ac:chgData name="Luiz Break" userId="3ea80d37ed61a017" providerId="LiveId" clId="{1DED6D26-A0FC-4A6D-89EF-A48090D925E2}" dt="2024-04-17T03:38:15.424" v="5262" actId="21"/>
-          <ac:spMkLst>
-            <pc:docMk/>
-            <pc:sldMk cId="3726453899" sldId="256"/>
-            <ac:spMk id="47" creationId="{32AA358C-6F85-39F6-422F-199890C2802A}"/>
-          </ac:spMkLst>
-        </pc:spChg>
-        <pc:spChg chg="mod">
-          <ac:chgData name="Luiz Break" userId="3ea80d37ed61a017" providerId="LiveId" clId="{1DED6D26-A0FC-4A6D-89EF-A48090D925E2}" dt="2024-04-17T03:40:50.287" v="5358" actId="20577"/>
-          <ac:spMkLst>
-            <pc:docMk/>
-            <pc:sldMk cId="3726453899" sldId="256"/>
-            <ac:spMk id="55" creationId="{C696C2AF-6E3E-3D62-88CF-F30184B6BD95}"/>
-          </ac:spMkLst>
-        </pc:spChg>
-        <pc:spChg chg="mod">
-          <ac:chgData name="Luiz Break" userId="3ea80d37ed61a017" providerId="LiveId" clId="{1DED6D26-A0FC-4A6D-89EF-A48090D925E2}" dt="2024-04-17T03:39:03.161" v="5274" actId="20577"/>
-          <ac:spMkLst>
-            <pc:docMk/>
-            <pc:sldMk cId="3726453899" sldId="256"/>
-            <ac:spMk id="56" creationId="{7CE52EA9-D9F4-D636-1671-4458A0519A71}"/>
-          </ac:spMkLst>
-        </pc:spChg>
-        <pc:spChg chg="del">
-          <ac:chgData name="Luiz Break" userId="3ea80d37ed61a017" providerId="LiveId" clId="{1DED6D26-A0FC-4A6D-89EF-A48090D925E2}" dt="2024-04-17T03:38:15.424" v="5262" actId="21"/>
-          <ac:spMkLst>
-            <pc:docMk/>
-            <pc:sldMk cId="3726453899" sldId="256"/>
-            <ac:spMk id="57" creationId="{5DD8C4E7-85B9-F597-8746-40AA9CE19491}"/>
-          </ac:spMkLst>
-        </pc:spChg>
-        <pc:spChg chg="mod">
-          <ac:chgData name="Luiz Break" userId="3ea80d37ed61a017" providerId="LiveId" clId="{1DED6D26-A0FC-4A6D-89EF-A48090D925E2}" dt="2024-04-17T03:39:07.360" v="5277" actId="20577"/>
-          <ac:spMkLst>
-            <pc:docMk/>
-            <pc:sldMk cId="3726453899" sldId="256"/>
-            <ac:spMk id="58" creationId="{510E4BB4-2331-00D3-11AC-7F1E0C2EE1AA}"/>
-          </ac:spMkLst>
-        </pc:spChg>
-        <pc:spChg chg="mod">
-          <ac:chgData name="Luiz Break" userId="3ea80d37ed61a017" providerId="LiveId" clId="{1DED6D26-A0FC-4A6D-89EF-A48090D925E2}" dt="2024-04-17T03:39:46.879" v="5309" actId="20577"/>
-          <ac:spMkLst>
-            <pc:docMk/>
-            <pc:sldMk cId="3726453899" sldId="256"/>
-            <ac:spMk id="66" creationId="{16676129-1309-9A3C-D5A2-EC932EC1BD52}"/>
-          </ac:spMkLst>
-        </pc:spChg>
-        <pc:cxnChg chg="del mod">
-          <ac:chgData name="Luiz Break" userId="3ea80d37ed61a017" providerId="LiveId" clId="{1DED6D26-A0FC-4A6D-89EF-A48090D925E2}" dt="2024-04-17T03:38:15.424" v="5262" actId="21"/>
-          <ac:cxnSpMkLst>
-            <pc:docMk/>
-            <pc:sldMk cId="3726453899" sldId="256"/>
-            <ac:cxnSpMk id="15" creationId="{66C656AC-AF93-79DE-4E45-1044FD45C831}"/>
-          </ac:cxnSpMkLst>
-        </pc:cxnChg>
-        <pc:cxnChg chg="del mod">
-          <ac:chgData name="Luiz Break" userId="3ea80d37ed61a017" providerId="LiveId" clId="{1DED6D26-A0FC-4A6D-89EF-A48090D925E2}" dt="2024-04-17T03:38:15.424" v="5262" actId="21"/>
-          <ac:cxnSpMkLst>
-            <pc:docMk/>
-            <pc:sldMk cId="3726453899" sldId="256"/>
-            <ac:cxnSpMk id="17" creationId="{A4BFCC77-99A0-6EF6-E869-D31B1B08636D}"/>
-          </ac:cxnSpMkLst>
-        </pc:cxnChg>
-        <pc:cxnChg chg="del mod">
-          <ac:chgData name="Luiz Break" userId="3ea80d37ed61a017" providerId="LiveId" clId="{1DED6D26-A0FC-4A6D-89EF-A48090D925E2}" dt="2024-04-17T03:38:15.424" v="5262" actId="21"/>
-          <ac:cxnSpMkLst>
-            <pc:docMk/>
-            <pc:sldMk cId="3726453899" sldId="256"/>
-            <ac:cxnSpMk id="22" creationId="{E2566536-7AF2-82F2-DD8C-AF688382FB0D}"/>
-          </ac:cxnSpMkLst>
-        </pc:cxnChg>
-        <pc:cxnChg chg="del mod">
-          <ac:chgData name="Luiz Break" userId="3ea80d37ed61a017" providerId="LiveId" clId="{1DED6D26-A0FC-4A6D-89EF-A48090D925E2}" dt="2024-04-17T03:38:15.424" v="5262" actId="21"/>
-          <ac:cxnSpMkLst>
-            <pc:docMk/>
-            <pc:sldMk cId="3726453899" sldId="256"/>
-            <ac:cxnSpMk id="24" creationId="{B2ABEB8A-1BEF-CAEA-3632-74E37A2E5855}"/>
-          </ac:cxnSpMkLst>
-        </pc:cxnChg>
-        <pc:cxnChg chg="del mod">
-          <ac:chgData name="Luiz Break" userId="3ea80d37ed61a017" providerId="LiveId" clId="{1DED6D26-A0FC-4A6D-89EF-A48090D925E2}" dt="2024-04-17T03:38:15.424" v="5262" actId="21"/>
-          <ac:cxnSpMkLst>
-            <pc:docMk/>
-            <pc:sldMk cId="3726453899" sldId="256"/>
-            <ac:cxnSpMk id="30" creationId="{AF0DADBD-BF31-F572-1AF2-F1F4711F3BC2}"/>
-          </ac:cxnSpMkLst>
-        </pc:cxnChg>
-        <pc:cxnChg chg="del mod">
-          <ac:chgData name="Luiz Break" userId="3ea80d37ed61a017" providerId="LiveId" clId="{1DED6D26-A0FC-4A6D-89EF-A48090D925E2}" dt="2024-04-17T03:38:15.424" v="5262" actId="21"/>
-          <ac:cxnSpMkLst>
-            <pc:docMk/>
-            <pc:sldMk cId="3726453899" sldId="256"/>
-            <ac:cxnSpMk id="33" creationId="{25EBBF45-730D-4934-B782-FAEE70597F7D}"/>
-          </ac:cxnSpMkLst>
-        </pc:cxnChg>
-        <pc:cxnChg chg="del mod">
-          <ac:chgData name="Luiz Break" userId="3ea80d37ed61a017" providerId="LiveId" clId="{1DED6D26-A0FC-4A6D-89EF-A48090D925E2}" dt="2024-04-17T03:38:15.424" v="5262" actId="21"/>
-          <ac:cxnSpMkLst>
-            <pc:docMk/>
-            <pc:sldMk cId="3726453899" sldId="256"/>
-            <ac:cxnSpMk id="49" creationId="{5C0D49A7-A8B8-D8E0-2E45-10D5616A02DF}"/>
-          </ac:cxnSpMkLst>
-        </pc:cxnChg>
       </pc:sldChg>
       <pc:sldChg chg="addSp delSp modSp mod">
         <pc:chgData name="Luiz Break" userId="3ea80d37ed61a017" providerId="LiveId" clId="{1DED6D26-A0FC-4A6D-89EF-A48090D925E2}" dt="2024-04-17T02:51:45.112" v="5034" actId="20577"/>
@@ -3569,70 +1045,6 @@
           <pc:docMk/>
           <pc:sldMk cId="2424688824" sldId="267"/>
         </pc:sldMkLst>
-        <pc:spChg chg="mod">
-          <ac:chgData name="Luiz Break" userId="3ea80d37ed61a017" providerId="LiveId" clId="{1DED6D26-A0FC-4A6D-89EF-A48090D925E2}" dt="2024-04-16T01:01:31.853" v="89" actId="20577"/>
-          <ac:spMkLst>
-            <pc:docMk/>
-            <pc:sldMk cId="2424688824" sldId="267"/>
-            <ac:spMk id="2" creationId="{DF7A44F1-68EC-DB8C-7A32-90BAA29E84CA}"/>
-          </ac:spMkLst>
-        </pc:spChg>
-        <pc:spChg chg="add del mod">
-          <ac:chgData name="Luiz Break" userId="3ea80d37ed61a017" providerId="LiveId" clId="{1DED6D26-A0FC-4A6D-89EF-A48090D925E2}" dt="2024-04-17T02:09:47.783" v="4671" actId="21"/>
-          <ac:spMkLst>
-            <pc:docMk/>
-            <pc:sldMk cId="2424688824" sldId="267"/>
-            <ac:spMk id="4" creationId="{4CC31690-6C8D-7A64-0A0C-DE0A71A6CB97}"/>
-          </ac:spMkLst>
-        </pc:spChg>
-        <pc:spChg chg="mod">
-          <ac:chgData name="Luiz Break" userId="3ea80d37ed61a017" providerId="LiveId" clId="{1DED6D26-A0FC-4A6D-89EF-A48090D925E2}" dt="2024-04-17T02:51:45.112" v="5034" actId="20577"/>
-          <ac:spMkLst>
-            <pc:docMk/>
-            <pc:sldMk cId="2424688824" sldId="267"/>
-            <ac:spMk id="5" creationId="{3536710E-3CEF-317F-20B0-DDA533970610}"/>
-          </ac:spMkLst>
-        </pc:spChg>
-        <pc:spChg chg="add">
-          <ac:chgData name="Luiz Break" userId="3ea80d37ed61a017" providerId="LiveId" clId="{1DED6D26-A0FC-4A6D-89EF-A48090D925E2}" dt="2024-04-17T01:45:20.364" v="4383"/>
-          <ac:spMkLst>
-            <pc:docMk/>
-            <pc:sldMk cId="2424688824" sldId="267"/>
-            <ac:spMk id="6" creationId="{48A5D1CF-EFF9-45FB-54BD-D0AFD82DD6EA}"/>
-          </ac:spMkLst>
-        </pc:spChg>
-        <pc:spChg chg="add mod">
-          <ac:chgData name="Luiz Break" userId="3ea80d37ed61a017" providerId="LiveId" clId="{1DED6D26-A0FC-4A6D-89EF-A48090D925E2}" dt="2024-04-17T01:45:40.129" v="4387"/>
-          <ac:spMkLst>
-            <pc:docMk/>
-            <pc:sldMk cId="2424688824" sldId="267"/>
-            <ac:spMk id="7" creationId="{C81F63C2-48B7-0413-999B-F884CDD3B81B}"/>
-          </ac:spMkLst>
-        </pc:spChg>
-        <pc:spChg chg="add mod">
-          <ac:chgData name="Luiz Break" userId="3ea80d37ed61a017" providerId="LiveId" clId="{1DED6D26-A0FC-4A6D-89EF-A48090D925E2}" dt="2024-04-17T01:45:39.660" v="4386"/>
-          <ac:spMkLst>
-            <pc:docMk/>
-            <pc:sldMk cId="2424688824" sldId="267"/>
-            <ac:spMk id="9" creationId="{8F2E8A7A-E0AD-350D-3419-9B5656532CD2}"/>
-          </ac:spMkLst>
-        </pc:spChg>
-        <pc:spChg chg="mod">
-          <ac:chgData name="Luiz Break" userId="3ea80d37ed61a017" providerId="LiveId" clId="{1DED6D26-A0FC-4A6D-89EF-A48090D925E2}" dt="2024-04-17T02:16:17.646" v="4708" actId="20577"/>
-          <ac:spMkLst>
-            <pc:docMk/>
-            <pc:sldMk cId="2424688824" sldId="267"/>
-            <ac:spMk id="12" creationId="{FA82DEC8-C490-53DA-F0F1-86BDA736E703}"/>
-          </ac:spMkLst>
-        </pc:spChg>
-        <pc:picChg chg="mod">
-          <ac:chgData name="Luiz Break" userId="3ea80d37ed61a017" providerId="LiveId" clId="{1DED6D26-A0FC-4A6D-89EF-A48090D925E2}" dt="2024-04-17T02:09:51.852" v="4672" actId="1076"/>
-          <ac:picMkLst>
-            <pc:docMk/>
-            <pc:sldMk cId="2424688824" sldId="267"/>
-            <ac:picMk id="8" creationId="{D5E72A6D-6696-02C2-BB9E-AE8936C599F3}"/>
-          </ac:picMkLst>
-        </pc:picChg>
       </pc:sldChg>
       <pc:sldChg chg="addSp delSp modSp mod">
         <pc:chgData name="Luiz Break" userId="3ea80d37ed61a017" providerId="LiveId" clId="{1DED6D26-A0FC-4A6D-89EF-A48090D925E2}" dt="2024-04-17T03:01:03.673" v="5101" actId="20577"/>
@@ -3640,654 +1052,6 @@
           <pc:docMk/>
           <pc:sldMk cId="322100392" sldId="271"/>
         </pc:sldMkLst>
-        <pc:spChg chg="mod">
-          <ac:chgData name="Luiz Break" userId="3ea80d37ed61a017" providerId="LiveId" clId="{1DED6D26-A0FC-4A6D-89EF-A48090D925E2}" dt="2024-04-16T02:57:47.202" v="3397" actId="1076"/>
-          <ac:spMkLst>
-            <pc:docMk/>
-            <pc:sldMk cId="322100392" sldId="271"/>
-            <ac:spMk id="3" creationId="{526E9391-EF3A-C788-301D-F08CB2E85BF5}"/>
-          </ac:spMkLst>
-        </pc:spChg>
-        <pc:spChg chg="mod">
-          <ac:chgData name="Luiz Break" userId="3ea80d37ed61a017" providerId="LiveId" clId="{1DED6D26-A0FC-4A6D-89EF-A48090D925E2}" dt="2024-04-16T02:57:47.202" v="3397" actId="1076"/>
-          <ac:spMkLst>
-            <pc:docMk/>
-            <pc:sldMk cId="322100392" sldId="271"/>
-            <ac:spMk id="4" creationId="{C3841673-753D-F25F-3208-E1E8016CCA28}"/>
-          </ac:spMkLst>
-        </pc:spChg>
-        <pc:spChg chg="mod">
-          <ac:chgData name="Luiz Break" userId="3ea80d37ed61a017" providerId="LiveId" clId="{1DED6D26-A0FC-4A6D-89EF-A48090D925E2}" dt="2024-04-16T02:57:47.202" v="3397" actId="1076"/>
-          <ac:spMkLst>
-            <pc:docMk/>
-            <pc:sldMk cId="322100392" sldId="271"/>
-            <ac:spMk id="5" creationId="{3343852C-8661-A589-478B-41D50521A0C4}"/>
-          </ac:spMkLst>
-        </pc:spChg>
-        <pc:spChg chg="mod">
-          <ac:chgData name="Luiz Break" userId="3ea80d37ed61a017" providerId="LiveId" clId="{1DED6D26-A0FC-4A6D-89EF-A48090D925E2}" dt="2024-04-16T02:57:47.202" v="3397" actId="1076"/>
-          <ac:spMkLst>
-            <pc:docMk/>
-            <pc:sldMk cId="322100392" sldId="271"/>
-            <ac:spMk id="6" creationId="{636C21E3-B714-C3B4-95C9-CBE3815754AE}"/>
-          </ac:spMkLst>
-        </pc:spChg>
-        <pc:spChg chg="del">
-          <ac:chgData name="Luiz Break" userId="3ea80d37ed61a017" providerId="LiveId" clId="{1DED6D26-A0FC-4A6D-89EF-A48090D925E2}" dt="2024-04-16T02:39:49.539" v="3028" actId="478"/>
-          <ac:spMkLst>
-            <pc:docMk/>
-            <pc:sldMk cId="322100392" sldId="271"/>
-            <ac:spMk id="7" creationId="{BDA8036A-D891-41D5-1688-F3ABDA9568AE}"/>
-          </ac:spMkLst>
-        </pc:spChg>
-        <pc:spChg chg="del">
-          <ac:chgData name="Luiz Break" userId="3ea80d37ed61a017" providerId="LiveId" clId="{1DED6D26-A0FC-4A6D-89EF-A48090D925E2}" dt="2024-04-16T02:39:49.539" v="3028" actId="478"/>
-          <ac:spMkLst>
-            <pc:docMk/>
-            <pc:sldMk cId="322100392" sldId="271"/>
-            <ac:spMk id="8" creationId="{46E35DDA-8B8C-D646-1315-2D1424F76689}"/>
-          </ac:spMkLst>
-        </pc:spChg>
-        <pc:spChg chg="mod">
-          <ac:chgData name="Luiz Break" userId="3ea80d37ed61a017" providerId="LiveId" clId="{1DED6D26-A0FC-4A6D-89EF-A48090D925E2}" dt="2024-04-16T02:57:47.202" v="3397" actId="1076"/>
-          <ac:spMkLst>
-            <pc:docMk/>
-            <pc:sldMk cId="322100392" sldId="271"/>
-            <ac:spMk id="9" creationId="{64FAA079-A2A0-E3FC-44A6-7CA0BB4BB022}"/>
-          </ac:spMkLst>
-        </pc:spChg>
-        <pc:spChg chg="mod ord">
-          <ac:chgData name="Luiz Break" userId="3ea80d37ed61a017" providerId="LiveId" clId="{1DED6D26-A0FC-4A6D-89EF-A48090D925E2}" dt="2024-04-16T03:07:25.499" v="3643" actId="1035"/>
-          <ac:spMkLst>
-            <pc:docMk/>
-            <pc:sldMk cId="322100392" sldId="271"/>
-            <ac:spMk id="10" creationId="{7420471B-12F8-0F32-7F9F-26072DABCC37}"/>
-          </ac:spMkLst>
-        </pc:spChg>
-        <pc:spChg chg="mod">
-          <ac:chgData name="Luiz Break" userId="3ea80d37ed61a017" providerId="LiveId" clId="{1DED6D26-A0FC-4A6D-89EF-A48090D925E2}" dt="2024-04-16T02:57:47.202" v="3397" actId="1076"/>
-          <ac:spMkLst>
-            <pc:docMk/>
-            <pc:sldMk cId="322100392" sldId="271"/>
-            <ac:spMk id="11" creationId="{A4AF81E1-0420-3711-EC96-7906C133B252}"/>
-          </ac:spMkLst>
-        </pc:spChg>
-        <pc:spChg chg="mod">
-          <ac:chgData name="Luiz Break" userId="3ea80d37ed61a017" providerId="LiveId" clId="{1DED6D26-A0FC-4A6D-89EF-A48090D925E2}" dt="2024-04-16T02:57:47.202" v="3397" actId="1076"/>
-          <ac:spMkLst>
-            <pc:docMk/>
-            <pc:sldMk cId="322100392" sldId="271"/>
-            <ac:spMk id="12" creationId="{E28321A9-4C1C-889C-0BFF-A03294D90A78}"/>
-          </ac:spMkLst>
-        </pc:spChg>
-        <pc:spChg chg="mod">
-          <ac:chgData name="Luiz Break" userId="3ea80d37ed61a017" providerId="LiveId" clId="{1DED6D26-A0FC-4A6D-89EF-A48090D925E2}" dt="2024-04-16T02:57:47.202" v="3397" actId="1076"/>
-          <ac:spMkLst>
-            <pc:docMk/>
-            <pc:sldMk cId="322100392" sldId="271"/>
-            <ac:spMk id="14" creationId="{7FA0251F-669B-BF8A-C391-23EDA397AFC8}"/>
-          </ac:spMkLst>
-        </pc:spChg>
-        <pc:spChg chg="mod">
-          <ac:chgData name="Luiz Break" userId="3ea80d37ed61a017" providerId="LiveId" clId="{1DED6D26-A0FC-4A6D-89EF-A48090D925E2}" dt="2024-04-16T02:57:47.202" v="3397" actId="1076"/>
-          <ac:spMkLst>
-            <pc:docMk/>
-            <pc:sldMk cId="322100392" sldId="271"/>
-            <ac:spMk id="15" creationId="{766416B4-0973-3A8F-0088-5840B887BC77}"/>
-          </ac:spMkLst>
-        </pc:spChg>
-        <pc:spChg chg="mod">
-          <ac:chgData name="Luiz Break" userId="3ea80d37ed61a017" providerId="LiveId" clId="{1DED6D26-A0FC-4A6D-89EF-A48090D925E2}" dt="2024-04-16T02:57:47.202" v="3397" actId="1076"/>
-          <ac:spMkLst>
-            <pc:docMk/>
-            <pc:sldMk cId="322100392" sldId="271"/>
-            <ac:spMk id="16" creationId="{533B0ED6-1292-9178-53A8-8062A267549F}"/>
-          </ac:spMkLst>
-        </pc:spChg>
-        <pc:spChg chg="add mod">
-          <ac:chgData name="Luiz Break" userId="3ea80d37ed61a017" providerId="LiveId" clId="{1DED6D26-A0FC-4A6D-89EF-A48090D925E2}" dt="2024-04-16T02:57:47.202" v="3397" actId="1076"/>
-          <ac:spMkLst>
-            <pc:docMk/>
-            <pc:sldMk cId="322100392" sldId="271"/>
-            <ac:spMk id="17" creationId="{563E68D1-A604-05E6-DF01-9CB841AA160C}"/>
-          </ac:spMkLst>
-        </pc:spChg>
-        <pc:spChg chg="add mod">
-          <ac:chgData name="Luiz Break" userId="3ea80d37ed61a017" providerId="LiveId" clId="{1DED6D26-A0FC-4A6D-89EF-A48090D925E2}" dt="2024-04-16T02:57:47.202" v="3397" actId="1076"/>
-          <ac:spMkLst>
-            <pc:docMk/>
-            <pc:sldMk cId="322100392" sldId="271"/>
-            <ac:spMk id="18" creationId="{C14C3005-2E0C-46D2-3DDB-BC8AD523C6F4}"/>
-          </ac:spMkLst>
-        </pc:spChg>
-        <pc:spChg chg="del mod">
-          <ac:chgData name="Luiz Break" userId="3ea80d37ed61a017" providerId="LiveId" clId="{1DED6D26-A0FC-4A6D-89EF-A48090D925E2}" dt="2024-04-16T02:16:22.427" v="2632" actId="21"/>
-          <ac:spMkLst>
-            <pc:docMk/>
-            <pc:sldMk cId="322100392" sldId="271"/>
-            <ac:spMk id="23" creationId="{353DB2C1-0166-452F-C2AB-F54420BCC1B5}"/>
-          </ac:spMkLst>
-        </pc:spChg>
-        <pc:spChg chg="mod">
-          <ac:chgData name="Luiz Break" userId="3ea80d37ed61a017" providerId="LiveId" clId="{1DED6D26-A0FC-4A6D-89EF-A48090D925E2}" dt="2024-04-16T02:57:47.202" v="3397" actId="1076"/>
-          <ac:spMkLst>
-            <pc:docMk/>
-            <pc:sldMk cId="322100392" sldId="271"/>
-            <ac:spMk id="24" creationId="{5E400C7E-5A7F-89A7-7D6E-F7E068FFCB81}"/>
-          </ac:spMkLst>
-        </pc:spChg>
-        <pc:spChg chg="mod">
-          <ac:chgData name="Luiz Break" userId="3ea80d37ed61a017" providerId="LiveId" clId="{1DED6D26-A0FC-4A6D-89EF-A48090D925E2}" dt="2024-04-16T02:57:47.202" v="3397" actId="1076"/>
-          <ac:spMkLst>
-            <pc:docMk/>
-            <pc:sldMk cId="322100392" sldId="271"/>
-            <ac:spMk id="25" creationId="{EDD159AD-AC21-DBE5-8F90-A320826341CE}"/>
-          </ac:spMkLst>
-        </pc:spChg>
-        <pc:spChg chg="del mod">
-          <ac:chgData name="Luiz Break" userId="3ea80d37ed61a017" providerId="LiveId" clId="{1DED6D26-A0FC-4A6D-89EF-A48090D925E2}" dt="2024-04-16T02:55:15.973" v="3263" actId="21"/>
-          <ac:spMkLst>
-            <pc:docMk/>
-            <pc:sldMk cId="322100392" sldId="271"/>
-            <ac:spMk id="27" creationId="{EE6E488D-852A-5535-4BAA-092F79C4B9F3}"/>
-          </ac:spMkLst>
-        </pc:spChg>
-        <pc:spChg chg="del">
-          <ac:chgData name="Luiz Break" userId="3ea80d37ed61a017" providerId="LiveId" clId="{1DED6D26-A0FC-4A6D-89EF-A48090D925E2}" dt="2024-04-16T02:10:23.042" v="2462" actId="21"/>
-          <ac:spMkLst>
-            <pc:docMk/>
-            <pc:sldMk cId="322100392" sldId="271"/>
-            <ac:spMk id="28" creationId="{DAE717AA-B399-8113-0509-8CCC291E59FB}"/>
-          </ac:spMkLst>
-        </pc:spChg>
-        <pc:spChg chg="mod">
-          <ac:chgData name="Luiz Break" userId="3ea80d37ed61a017" providerId="LiveId" clId="{1DED6D26-A0FC-4A6D-89EF-A48090D925E2}" dt="2024-04-17T02:56:09.781" v="5079" actId="1037"/>
-          <ac:spMkLst>
-            <pc:docMk/>
-            <pc:sldMk cId="322100392" sldId="271"/>
-            <ac:spMk id="30" creationId="{D00EC6C9-A1C7-1FFB-35A3-8ADFDBB14600}"/>
-          </ac:spMkLst>
-        </pc:spChg>
-        <pc:spChg chg="mod">
-          <ac:chgData name="Luiz Break" userId="3ea80d37ed61a017" providerId="LiveId" clId="{1DED6D26-A0FC-4A6D-89EF-A48090D925E2}" dt="2024-04-16T03:03:56.333" v="3533" actId="20577"/>
-          <ac:spMkLst>
-            <pc:docMk/>
-            <pc:sldMk cId="322100392" sldId="271"/>
-            <ac:spMk id="31" creationId="{5207A10A-DC4D-C770-AADA-0CEF38A783A8}"/>
-          </ac:spMkLst>
-        </pc:spChg>
-        <pc:spChg chg="mod">
-          <ac:chgData name="Luiz Break" userId="3ea80d37ed61a017" providerId="LiveId" clId="{1DED6D26-A0FC-4A6D-89EF-A48090D925E2}" dt="2024-04-16T02:57:47.202" v="3397" actId="1076"/>
-          <ac:spMkLst>
-            <pc:docMk/>
-            <pc:sldMk cId="322100392" sldId="271"/>
-            <ac:spMk id="33" creationId="{31959B2E-6F90-DC5A-422A-CCA78FAC2740}"/>
-          </ac:spMkLst>
-        </pc:spChg>
-        <pc:spChg chg="del">
-          <ac:chgData name="Luiz Break" userId="3ea80d37ed61a017" providerId="LiveId" clId="{1DED6D26-A0FC-4A6D-89EF-A48090D925E2}" dt="2024-04-16T02:20:16.195" v="2743" actId="21"/>
-          <ac:spMkLst>
-            <pc:docMk/>
-            <pc:sldMk cId="322100392" sldId="271"/>
-            <ac:spMk id="35" creationId="{D83E297C-71BE-3C93-083B-1826F854A4D1}"/>
-          </ac:spMkLst>
-        </pc:spChg>
-        <pc:spChg chg="mod">
-          <ac:chgData name="Luiz Break" userId="3ea80d37ed61a017" providerId="LiveId" clId="{1DED6D26-A0FC-4A6D-89EF-A48090D925E2}" dt="2024-04-16T02:57:47.202" v="3397" actId="1076"/>
-          <ac:spMkLst>
-            <pc:docMk/>
-            <pc:sldMk cId="322100392" sldId="271"/>
-            <ac:spMk id="37" creationId="{FDF33519-1556-C356-EE93-27651818F8B5}"/>
-          </ac:spMkLst>
-        </pc:spChg>
-        <pc:spChg chg="mod">
-          <ac:chgData name="Luiz Break" userId="3ea80d37ed61a017" providerId="LiveId" clId="{1DED6D26-A0FC-4A6D-89EF-A48090D925E2}" dt="2024-04-17T03:01:03.673" v="5101" actId="20577"/>
-          <ac:spMkLst>
-            <pc:docMk/>
-            <pc:sldMk cId="322100392" sldId="271"/>
-            <ac:spMk id="38" creationId="{8C69DC38-9AEF-41E1-1BC1-DEEDFAF9BAE6}"/>
-          </ac:spMkLst>
-        </pc:spChg>
-        <pc:spChg chg="mod">
-          <ac:chgData name="Luiz Break" userId="3ea80d37ed61a017" providerId="LiveId" clId="{1DED6D26-A0FC-4A6D-89EF-A48090D925E2}" dt="2024-04-16T02:57:47.202" v="3397" actId="1076"/>
-          <ac:spMkLst>
-            <pc:docMk/>
-            <pc:sldMk cId="322100392" sldId="271"/>
-            <ac:spMk id="39" creationId="{8C433C50-14E9-CD46-27C1-01C6EAA53A84}"/>
-          </ac:spMkLst>
-        </pc:spChg>
-        <pc:spChg chg="del">
-          <ac:chgData name="Luiz Break" userId="3ea80d37ed61a017" providerId="LiveId" clId="{1DED6D26-A0FC-4A6D-89EF-A48090D925E2}" dt="2024-04-16T02:10:59.217" v="2498" actId="21"/>
-          <ac:spMkLst>
-            <pc:docMk/>
-            <pc:sldMk cId="322100392" sldId="271"/>
-            <ac:spMk id="42" creationId="{9B984100-494A-67AF-8D63-D5B6A3449473}"/>
-          </ac:spMkLst>
-        </pc:spChg>
-        <pc:spChg chg="del">
-          <ac:chgData name="Luiz Break" userId="3ea80d37ed61a017" providerId="LiveId" clId="{1DED6D26-A0FC-4A6D-89EF-A48090D925E2}" dt="2024-04-16T02:10:53.076" v="2496" actId="21"/>
-          <ac:spMkLst>
-            <pc:docMk/>
-            <pc:sldMk cId="322100392" sldId="271"/>
-            <ac:spMk id="46" creationId="{5FB4A2BC-8CC1-2B56-149C-08D7332CC3AF}"/>
-          </ac:spMkLst>
-        </pc:spChg>
-        <pc:spChg chg="del">
-          <ac:chgData name="Luiz Break" userId="3ea80d37ed61a017" providerId="LiveId" clId="{1DED6D26-A0FC-4A6D-89EF-A48090D925E2}" dt="2024-04-16T02:11:09.298" v="2500" actId="21"/>
-          <ac:spMkLst>
-            <pc:docMk/>
-            <pc:sldMk cId="322100392" sldId="271"/>
-            <ac:spMk id="48" creationId="{46DB88C4-6768-039C-F2E1-2D7F773BFD56}"/>
-          </ac:spMkLst>
-        </pc:spChg>
-        <pc:spChg chg="mod">
-          <ac:chgData name="Luiz Break" userId="3ea80d37ed61a017" providerId="LiveId" clId="{1DED6D26-A0FC-4A6D-89EF-A48090D925E2}" dt="2024-04-16T03:03:40.861" v="3526" actId="20577"/>
-          <ac:spMkLst>
-            <pc:docMk/>
-            <pc:sldMk cId="322100392" sldId="271"/>
-            <ac:spMk id="50" creationId="{2406141C-4696-E095-8926-BB06216CF0EB}"/>
-          </ac:spMkLst>
-        </pc:spChg>
-        <pc:spChg chg="add mod">
-          <ac:chgData name="Luiz Break" userId="3ea80d37ed61a017" providerId="LiveId" clId="{1DED6D26-A0FC-4A6D-89EF-A48090D925E2}" dt="2024-04-16T03:08:32.897" v="3648" actId="1076"/>
-          <ac:spMkLst>
-            <pc:docMk/>
-            <pc:sldMk cId="322100392" sldId="271"/>
-            <ac:spMk id="52" creationId="{1FCB7166-77E9-8CC5-AEF6-E72639E3087B}"/>
-          </ac:spMkLst>
-        </pc:spChg>
-        <pc:spChg chg="mod">
-          <ac:chgData name="Luiz Break" userId="3ea80d37ed61a017" providerId="LiveId" clId="{1DED6D26-A0FC-4A6D-89EF-A48090D925E2}" dt="2024-04-16T03:06:28.602" v="3632" actId="1035"/>
-          <ac:spMkLst>
-            <pc:docMk/>
-            <pc:sldMk cId="322100392" sldId="271"/>
-            <ac:spMk id="55" creationId="{2D639D3E-78F6-3B19-1129-28928BBD9CF0}"/>
-          </ac:spMkLst>
-        </pc:spChg>
-        <pc:spChg chg="add mod">
-          <ac:chgData name="Luiz Break" userId="3ea80d37ed61a017" providerId="LiveId" clId="{1DED6D26-A0FC-4A6D-89EF-A48090D925E2}" dt="2024-04-16T02:57:47.202" v="3397" actId="1076"/>
-          <ac:spMkLst>
-            <pc:docMk/>
-            <pc:sldMk cId="322100392" sldId="271"/>
-            <ac:spMk id="58" creationId="{F04677F9-706B-8E11-5149-D483D78A0DA4}"/>
-          </ac:spMkLst>
-        </pc:spChg>
-        <pc:spChg chg="add mod">
-          <ac:chgData name="Luiz Break" userId="3ea80d37ed61a017" providerId="LiveId" clId="{1DED6D26-A0FC-4A6D-89EF-A48090D925E2}" dt="2024-04-17T02:57:54.805" v="5095" actId="14100"/>
-          <ac:spMkLst>
-            <pc:docMk/>
-            <pc:sldMk cId="322100392" sldId="271"/>
-            <ac:spMk id="59" creationId="{92448F7A-356B-6CF6-74BD-8507191B053D}"/>
-          </ac:spMkLst>
-        </pc:spChg>
-        <pc:spChg chg="add mod">
-          <ac:chgData name="Luiz Break" userId="3ea80d37ed61a017" providerId="LiveId" clId="{1DED6D26-A0FC-4A6D-89EF-A48090D925E2}" dt="2024-04-16T02:57:47.202" v="3397" actId="1076"/>
-          <ac:spMkLst>
-            <pc:docMk/>
-            <pc:sldMk cId="322100392" sldId="271"/>
-            <ac:spMk id="60" creationId="{C1DEAA19-BC44-A048-B674-7C708B48CFD1}"/>
-          </ac:spMkLst>
-        </pc:spChg>
-        <pc:spChg chg="add mod">
-          <ac:chgData name="Luiz Break" userId="3ea80d37ed61a017" providerId="LiveId" clId="{1DED6D26-A0FC-4A6D-89EF-A48090D925E2}" dt="2024-04-16T02:57:47.202" v="3397" actId="1076"/>
-          <ac:spMkLst>
-            <pc:docMk/>
-            <pc:sldMk cId="322100392" sldId="271"/>
-            <ac:spMk id="61" creationId="{6687CD62-0E64-2D44-48AC-869AC43CC44C}"/>
-          </ac:spMkLst>
-        </pc:spChg>
-        <pc:spChg chg="add del mod">
-          <ac:chgData name="Luiz Break" userId="3ea80d37ed61a017" providerId="LiveId" clId="{1DED6D26-A0FC-4A6D-89EF-A48090D925E2}" dt="2024-04-16T02:22:13.061" v="2761" actId="21"/>
-          <ac:spMkLst>
-            <pc:docMk/>
-            <pc:sldMk cId="322100392" sldId="271"/>
-            <ac:spMk id="62" creationId="{3F875824-C3E9-F376-63D6-20041753481D}"/>
-          </ac:spMkLst>
-        </pc:spChg>
-        <pc:spChg chg="add mod">
-          <ac:chgData name="Luiz Break" userId="3ea80d37ed61a017" providerId="LiveId" clId="{1DED6D26-A0FC-4A6D-89EF-A48090D925E2}" dt="2024-04-16T02:57:47.202" v="3397" actId="1076"/>
-          <ac:spMkLst>
-            <pc:docMk/>
-            <pc:sldMk cId="322100392" sldId="271"/>
-            <ac:spMk id="63" creationId="{DCBD8C91-C1D1-C9F4-A864-D2AB70634583}"/>
-          </ac:spMkLst>
-        </pc:spChg>
-        <pc:spChg chg="add mod">
-          <ac:chgData name="Luiz Break" userId="3ea80d37ed61a017" providerId="LiveId" clId="{1DED6D26-A0FC-4A6D-89EF-A48090D925E2}" dt="2024-04-16T02:58:13.110" v="3463" actId="1076"/>
-          <ac:spMkLst>
-            <pc:docMk/>
-            <pc:sldMk cId="322100392" sldId="271"/>
-            <ac:spMk id="2051" creationId="{033F4DB6-0A37-8789-186F-B5556AAA8256}"/>
-          </ac:spMkLst>
-        </pc:spChg>
-        <pc:spChg chg="add mod">
-          <ac:chgData name="Luiz Break" userId="3ea80d37ed61a017" providerId="LiveId" clId="{1DED6D26-A0FC-4A6D-89EF-A48090D925E2}" dt="2024-04-16T02:57:47.202" v="3397" actId="1076"/>
-          <ac:spMkLst>
-            <pc:docMk/>
-            <pc:sldMk cId="322100392" sldId="271"/>
-            <ac:spMk id="2055" creationId="{E5A62B66-89FB-7FE1-A978-6CBEECBBA852}"/>
-          </ac:spMkLst>
-        </pc:spChg>
-        <pc:spChg chg="add mod">
-          <ac:chgData name="Luiz Break" userId="3ea80d37ed61a017" providerId="LiveId" clId="{1DED6D26-A0FC-4A6D-89EF-A48090D925E2}" dt="2024-04-16T02:57:47.202" v="3397" actId="1076"/>
-          <ac:spMkLst>
-            <pc:docMk/>
-            <pc:sldMk cId="322100392" sldId="271"/>
-            <ac:spMk id="2056" creationId="{7BD664E9-FAAC-6558-9E7C-18CBCEAFA24A}"/>
-          </ac:spMkLst>
-        </pc:spChg>
-        <pc:spChg chg="add mod">
-          <ac:chgData name="Luiz Break" userId="3ea80d37ed61a017" providerId="LiveId" clId="{1DED6D26-A0FC-4A6D-89EF-A48090D925E2}" dt="2024-04-16T02:57:47.202" v="3397" actId="1076"/>
-          <ac:spMkLst>
-            <pc:docMk/>
-            <pc:sldMk cId="322100392" sldId="271"/>
-            <ac:spMk id="2059" creationId="{50D01AA7-02FE-D766-A7DA-916F49CD73FA}"/>
-          </ac:spMkLst>
-        </pc:spChg>
-        <pc:spChg chg="add mod">
-          <ac:chgData name="Luiz Break" userId="3ea80d37ed61a017" providerId="LiveId" clId="{1DED6D26-A0FC-4A6D-89EF-A48090D925E2}" dt="2024-04-16T02:57:47.202" v="3397" actId="1076"/>
-          <ac:spMkLst>
-            <pc:docMk/>
-            <pc:sldMk cId="322100392" sldId="271"/>
-            <ac:spMk id="2066" creationId="{7467F5D0-F1C7-8B09-224D-27CA30E4FEFB}"/>
-          </ac:spMkLst>
-        </pc:spChg>
-        <pc:spChg chg="add mod">
-          <ac:chgData name="Luiz Break" userId="3ea80d37ed61a017" providerId="LiveId" clId="{1DED6D26-A0FC-4A6D-89EF-A48090D925E2}" dt="2024-04-17T02:57:46.518" v="5093" actId="313"/>
-          <ac:spMkLst>
-            <pc:docMk/>
-            <pc:sldMk cId="322100392" sldId="271"/>
-            <ac:spMk id="2067" creationId="{54AF99F2-105D-EA8E-0FCA-0BD497ABEF7C}"/>
-          </ac:spMkLst>
-        </pc:spChg>
-        <pc:spChg chg="add mod ord">
-          <ac:chgData name="Luiz Break" userId="3ea80d37ed61a017" providerId="LiveId" clId="{1DED6D26-A0FC-4A6D-89EF-A48090D925E2}" dt="2024-04-17T02:56:01.499" v="5060" actId="1076"/>
-          <ac:spMkLst>
-            <pc:docMk/>
-            <pc:sldMk cId="322100392" sldId="271"/>
-            <ac:spMk id="2068" creationId="{CAE93745-27A2-9690-E064-FE092736607F}"/>
-          </ac:spMkLst>
-        </pc:spChg>
-        <pc:spChg chg="add mod ord">
-          <ac:chgData name="Luiz Break" userId="3ea80d37ed61a017" providerId="LiveId" clId="{1DED6D26-A0FC-4A6D-89EF-A48090D925E2}" dt="2024-04-16T03:03:08.924" v="3499" actId="167"/>
-          <ac:spMkLst>
-            <pc:docMk/>
-            <pc:sldMk cId="322100392" sldId="271"/>
-            <ac:spMk id="2069" creationId="{891CE20F-484D-9915-D8EA-479667140315}"/>
-          </ac:spMkLst>
-        </pc:spChg>
-        <pc:spChg chg="add mod">
-          <ac:chgData name="Luiz Break" userId="3ea80d37ed61a017" providerId="LiveId" clId="{1DED6D26-A0FC-4A6D-89EF-A48090D925E2}" dt="2024-04-16T02:57:47.202" v="3397" actId="1076"/>
-          <ac:spMkLst>
-            <pc:docMk/>
-            <pc:sldMk cId="322100392" sldId="271"/>
-            <ac:spMk id="2073" creationId="{3D812507-457B-4069-0C69-C0AC339255CA}"/>
-          </ac:spMkLst>
-        </pc:spChg>
-        <pc:spChg chg="add mod">
-          <ac:chgData name="Luiz Break" userId="3ea80d37ed61a017" providerId="LiveId" clId="{1DED6D26-A0FC-4A6D-89EF-A48090D925E2}" dt="2024-04-16T02:57:47.202" v="3397" actId="1076"/>
-          <ac:spMkLst>
-            <pc:docMk/>
-            <pc:sldMk cId="322100392" sldId="271"/>
-            <ac:spMk id="2074" creationId="{196FA908-EA30-7D1A-9F61-CC48AE915F58}"/>
-          </ac:spMkLst>
-        </pc:spChg>
-        <pc:spChg chg="add del mod">
-          <ac:chgData name="Luiz Break" userId="3ea80d37ed61a017" providerId="LiveId" clId="{1DED6D26-A0FC-4A6D-89EF-A48090D925E2}" dt="2024-04-16T02:54:38.135" v="3256" actId="21"/>
-          <ac:spMkLst>
-            <pc:docMk/>
-            <pc:sldMk cId="322100392" sldId="271"/>
-            <ac:spMk id="2077" creationId="{EC993A4E-52F9-0DCC-26CC-B7B5FFE394E8}"/>
-          </ac:spMkLst>
-        </pc:spChg>
-        <pc:spChg chg="add mod">
-          <ac:chgData name="Luiz Break" userId="3ea80d37ed61a017" providerId="LiveId" clId="{1DED6D26-A0FC-4A6D-89EF-A48090D925E2}" dt="2024-04-16T02:57:47.202" v="3397" actId="1076"/>
-          <ac:spMkLst>
-            <pc:docMk/>
-            <pc:sldMk cId="322100392" sldId="271"/>
-            <ac:spMk id="2078" creationId="{0608EFF4-4861-B1F8-8E57-833A2B01A147}"/>
-          </ac:spMkLst>
-        </pc:spChg>
-        <pc:spChg chg="add mod">
-          <ac:chgData name="Luiz Break" userId="3ea80d37ed61a017" providerId="LiveId" clId="{1DED6D26-A0FC-4A6D-89EF-A48090D925E2}" dt="2024-04-16T02:57:47.202" v="3397" actId="1076"/>
-          <ac:spMkLst>
-            <pc:docMk/>
-            <pc:sldMk cId="322100392" sldId="271"/>
-            <ac:spMk id="2079" creationId="{2D1505C6-6F87-EC82-6E0E-DCD56D3397EA}"/>
-          </ac:spMkLst>
-        </pc:spChg>
-        <pc:picChg chg="add mod">
-          <ac:chgData name="Luiz Break" userId="3ea80d37ed61a017" providerId="LiveId" clId="{1DED6D26-A0FC-4A6D-89EF-A48090D925E2}" dt="2024-04-16T02:57:47.202" v="3397" actId="1076"/>
-          <ac:picMkLst>
-            <pc:docMk/>
-            <pc:sldMk cId="322100392" sldId="271"/>
-            <ac:picMk id="13" creationId="{B58200C1-9AC2-4BC0-42CE-A230A1F27D08}"/>
-          </ac:picMkLst>
-        </pc:picChg>
-        <pc:picChg chg="add mod">
-          <ac:chgData name="Luiz Break" userId="3ea80d37ed61a017" providerId="LiveId" clId="{1DED6D26-A0FC-4A6D-89EF-A48090D925E2}" dt="2024-04-16T02:57:47.202" v="3397" actId="1076"/>
-          <ac:picMkLst>
-            <pc:docMk/>
-            <pc:sldMk cId="322100392" sldId="271"/>
-            <ac:picMk id="20" creationId="{003E02B2-FD40-F1A4-EA3C-AD85B2A0B0A1}"/>
-          </ac:picMkLst>
-        </pc:picChg>
-        <pc:picChg chg="mod">
-          <ac:chgData name="Luiz Break" userId="3ea80d37ed61a017" providerId="LiveId" clId="{1DED6D26-A0FC-4A6D-89EF-A48090D925E2}" dt="2024-04-16T03:06:11.915" v="3591" actId="1076"/>
-          <ac:picMkLst>
-            <pc:docMk/>
-            <pc:sldMk cId="322100392" sldId="271"/>
-            <ac:picMk id="21" creationId="{000271B3-4644-15A3-73CB-94FC6C742924}"/>
-          </ac:picMkLst>
-        </pc:picChg>
-        <pc:picChg chg="add mod">
-          <ac:chgData name="Luiz Break" userId="3ea80d37ed61a017" providerId="LiveId" clId="{1DED6D26-A0FC-4A6D-89EF-A48090D925E2}" dt="2024-04-16T02:14:54.089" v="2619" actId="1076"/>
-          <ac:picMkLst>
-            <pc:docMk/>
-            <pc:sldMk cId="322100392" sldId="271"/>
-            <ac:picMk id="22" creationId="{E9927BB8-6076-2DA5-C6A0-91E1370BB954}"/>
-          </ac:picMkLst>
-        </pc:picChg>
-        <pc:picChg chg="add mod">
-          <ac:chgData name="Luiz Break" userId="3ea80d37ed61a017" providerId="LiveId" clId="{1DED6D26-A0FC-4A6D-89EF-A48090D925E2}" dt="2024-04-16T02:14:53.214" v="2618" actId="1076"/>
-          <ac:picMkLst>
-            <pc:docMk/>
-            <pc:sldMk cId="322100392" sldId="271"/>
-            <ac:picMk id="26" creationId="{09F8301D-5317-97E2-3EDA-9A10D3037636}"/>
-          </ac:picMkLst>
-        </pc:picChg>
-        <pc:picChg chg="add mod">
-          <ac:chgData name="Luiz Break" userId="3ea80d37ed61a017" providerId="LiveId" clId="{1DED6D26-A0FC-4A6D-89EF-A48090D925E2}" dt="2024-04-16T02:57:47.202" v="3397" actId="1076"/>
-          <ac:picMkLst>
-            <pc:docMk/>
-            <pc:sldMk cId="322100392" sldId="271"/>
-            <ac:picMk id="32" creationId="{FB022C75-D2DF-7B13-9C47-8874215DFA33}"/>
-          </ac:picMkLst>
-        </pc:picChg>
-        <pc:picChg chg="del">
-          <ac:chgData name="Luiz Break" userId="3ea80d37ed61a017" providerId="LiveId" clId="{1DED6D26-A0FC-4A6D-89EF-A48090D925E2}" dt="2024-04-16T02:27:49.853" v="2914" actId="21"/>
-          <ac:picMkLst>
-            <pc:docMk/>
-            <pc:sldMk cId="322100392" sldId="271"/>
-            <ac:picMk id="41" creationId="{0AF23CE0-CCFC-327A-AE69-0A5D9E8861D9}"/>
-          </ac:picMkLst>
-        </pc:picChg>
-        <pc:picChg chg="mod">
-          <ac:chgData name="Luiz Break" userId="3ea80d37ed61a017" providerId="LiveId" clId="{1DED6D26-A0FC-4A6D-89EF-A48090D925E2}" dt="2024-04-16T03:03:15.846" v="3522" actId="1036"/>
-          <ac:picMkLst>
-            <pc:docMk/>
-            <pc:sldMk cId="322100392" sldId="271"/>
-            <ac:picMk id="43" creationId="{128D6B60-B874-1D5C-0C81-E1D7BBA5CE6D}"/>
-          </ac:picMkLst>
-        </pc:picChg>
-        <pc:picChg chg="del">
-          <ac:chgData name="Luiz Break" userId="3ea80d37ed61a017" providerId="LiveId" clId="{1DED6D26-A0FC-4A6D-89EF-A48090D925E2}" dt="2024-04-16T02:10:53.076" v="2496" actId="21"/>
-          <ac:picMkLst>
-            <pc:docMk/>
-            <pc:sldMk cId="322100392" sldId="271"/>
-            <ac:picMk id="47" creationId="{430A5348-D02F-1ED5-ACAC-869103254536}"/>
-          </ac:picMkLst>
-        </pc:picChg>
-        <pc:picChg chg="del">
-          <ac:chgData name="Luiz Break" userId="3ea80d37ed61a017" providerId="LiveId" clId="{1DED6D26-A0FC-4A6D-89EF-A48090D925E2}" dt="2024-04-16T02:11:09.298" v="2500" actId="21"/>
-          <ac:picMkLst>
-            <pc:docMk/>
-            <pc:sldMk cId="322100392" sldId="271"/>
-            <ac:picMk id="49" creationId="{BA32E0AB-07A2-1FE4-1F22-36F2D6ED9561}"/>
-          </ac:picMkLst>
-        </pc:picChg>
-        <pc:picChg chg="mod">
-          <ac:chgData name="Luiz Break" userId="3ea80d37ed61a017" providerId="LiveId" clId="{1DED6D26-A0FC-4A6D-89EF-A48090D925E2}" dt="2024-04-16T03:06:20.245" v="3621" actId="1036"/>
-          <ac:picMkLst>
-            <pc:docMk/>
-            <pc:sldMk cId="322100392" sldId="271"/>
-            <ac:picMk id="54" creationId="{B5AA94A0-24D4-A79C-47E3-DB11FED8AA25}"/>
-          </ac:picMkLst>
-        </pc:picChg>
-        <pc:picChg chg="del">
-          <ac:chgData name="Luiz Break" userId="3ea80d37ed61a017" providerId="LiveId" clId="{1DED6D26-A0FC-4A6D-89EF-A48090D925E2}" dt="2024-04-16T02:10:19.402" v="2461" actId="21"/>
-          <ac:picMkLst>
-            <pc:docMk/>
-            <pc:sldMk cId="322100392" sldId="271"/>
-            <ac:picMk id="56" creationId="{6E038C9E-E268-E2BF-E173-F7F7ECE267AA}"/>
-          </ac:picMkLst>
-        </pc:picChg>
-        <pc:picChg chg="mod">
-          <ac:chgData name="Luiz Break" userId="3ea80d37ed61a017" providerId="LiveId" clId="{1DED6D26-A0FC-4A6D-89EF-A48090D925E2}" dt="2024-04-17T02:56:14.437" v="5092" actId="1037"/>
-          <ac:picMkLst>
-            <pc:docMk/>
-            <pc:sldMk cId="322100392" sldId="271"/>
-            <ac:picMk id="57" creationId="{8D801A91-DDB3-A2E7-7E80-3A2F2F19F660}"/>
-          </ac:picMkLst>
-        </pc:picChg>
-        <pc:picChg chg="add mod">
-          <ac:chgData name="Luiz Break" userId="3ea80d37ed61a017" providerId="LiveId" clId="{1DED6D26-A0FC-4A6D-89EF-A48090D925E2}" dt="2024-04-16T02:58:16.314" v="3464" actId="1076"/>
-          <ac:picMkLst>
-            <pc:docMk/>
-            <pc:sldMk cId="322100392" sldId="271"/>
-            <ac:picMk id="2049" creationId="{D0677F8A-2A4D-9FD7-649E-B999F7D8BEF2}"/>
-          </ac:picMkLst>
-        </pc:picChg>
-        <pc:picChg chg="del mod">
-          <ac:chgData name="Luiz Break" userId="3ea80d37ed61a017" providerId="LiveId" clId="{1DED6D26-A0FC-4A6D-89EF-A48090D925E2}" dt="2024-04-16T02:24:37.735" v="2787" actId="21"/>
-          <ac:picMkLst>
-            <pc:docMk/>
-            <pc:sldMk cId="322100392" sldId="271"/>
-            <ac:picMk id="2050" creationId="{C6E45138-9D63-CE96-94AD-D4143DC0D55D}"/>
-          </ac:picMkLst>
-        </pc:picChg>
-        <pc:picChg chg="del mod">
-          <ac:chgData name="Luiz Break" userId="3ea80d37ed61a017" providerId="LiveId" clId="{1DED6D26-A0FC-4A6D-89EF-A48090D925E2}" dt="2024-04-16T02:38:12.410" v="2996" actId="21"/>
-          <ac:picMkLst>
-            <pc:docMk/>
-            <pc:sldMk cId="322100392" sldId="271"/>
-            <ac:picMk id="2052" creationId="{BD35D695-A843-C869-9027-32AFB458F077}"/>
-          </ac:picMkLst>
-        </pc:picChg>
-        <pc:picChg chg="add mod">
-          <ac:chgData name="Luiz Break" userId="3ea80d37ed61a017" providerId="LiveId" clId="{1DED6D26-A0FC-4A6D-89EF-A48090D925E2}" dt="2024-04-16T02:57:47.202" v="3397" actId="1076"/>
-          <ac:picMkLst>
-            <pc:docMk/>
-            <pc:sldMk cId="322100392" sldId="271"/>
-            <ac:picMk id="2054" creationId="{ECFFC436-498D-4E93-8380-F406E5501DE7}"/>
-          </ac:picMkLst>
-        </pc:picChg>
-        <pc:picChg chg="add mod">
-          <ac:chgData name="Luiz Break" userId="3ea80d37ed61a017" providerId="LiveId" clId="{1DED6D26-A0FC-4A6D-89EF-A48090D925E2}" dt="2024-04-16T02:57:47.202" v="3397" actId="1076"/>
-          <ac:picMkLst>
-            <pc:docMk/>
-            <pc:sldMk cId="322100392" sldId="271"/>
-            <ac:picMk id="2057" creationId="{163AC650-1777-C839-E522-5A18A17E0CC5}"/>
-          </ac:picMkLst>
-        </pc:picChg>
-        <pc:picChg chg="add mod">
-          <ac:chgData name="Luiz Break" userId="3ea80d37ed61a017" providerId="LiveId" clId="{1DED6D26-A0FC-4A6D-89EF-A48090D925E2}" dt="2024-04-16T03:07:30.426" v="3646" actId="1035"/>
-          <ac:picMkLst>
-            <pc:docMk/>
-            <pc:sldMk cId="322100392" sldId="271"/>
-            <ac:picMk id="2058" creationId="{AEE09F79-1E25-B706-F63A-A27029EB7D84}"/>
-          </ac:picMkLst>
-        </pc:picChg>
-        <pc:picChg chg="add mod">
-          <ac:chgData name="Luiz Break" userId="3ea80d37ed61a017" providerId="LiveId" clId="{1DED6D26-A0FC-4A6D-89EF-A48090D925E2}" dt="2024-04-16T03:03:23.596" v="3523" actId="1076"/>
-          <ac:picMkLst>
-            <pc:docMk/>
-            <pc:sldMk cId="322100392" sldId="271"/>
-            <ac:picMk id="2063" creationId="{723AE04C-47D8-945A-D1AE-69AEAD01D632}"/>
-          </ac:picMkLst>
-        </pc:picChg>
-        <pc:picChg chg="add del mod">
-          <ac:chgData name="Luiz Break" userId="3ea80d37ed61a017" providerId="LiveId" clId="{1DED6D26-A0FC-4A6D-89EF-A48090D925E2}" dt="2024-04-16T02:51:16.871" v="3239" actId="21"/>
-          <ac:picMkLst>
-            <pc:docMk/>
-            <pc:sldMk cId="322100392" sldId="271"/>
-            <ac:picMk id="2076" creationId="{E526F27F-EE67-192C-1AC4-5F95EFB4B37E}"/>
-          </ac:picMkLst>
-        </pc:picChg>
-        <pc:picChg chg="add del mod">
-          <ac:chgData name="Luiz Break" userId="3ea80d37ed61a017" providerId="LiveId" clId="{1DED6D26-A0FC-4A6D-89EF-A48090D925E2}" dt="2024-04-16T03:01:50.855" v="3490" actId="21"/>
-          <ac:picMkLst>
-            <pc:docMk/>
-            <pc:sldMk cId="322100392" sldId="271"/>
-            <ac:picMk id="2081" creationId="{C8A13DDE-B97A-C3F8-9D62-852454F78BA7}"/>
-          </ac:picMkLst>
-        </pc:picChg>
-        <pc:picChg chg="add del mod">
-          <ac:chgData name="Luiz Break" userId="3ea80d37ed61a017" providerId="LiveId" clId="{1DED6D26-A0FC-4A6D-89EF-A48090D925E2}" dt="2024-04-16T03:00:14.206" v="3473" actId="21"/>
-          <ac:picMkLst>
-            <pc:docMk/>
-            <pc:sldMk cId="322100392" sldId="271"/>
-            <ac:picMk id="2083" creationId="{4E19977D-444E-4BF0-D976-5065806C3758}"/>
-          </ac:picMkLst>
-        </pc:picChg>
-        <pc:picChg chg="add del mod">
-          <ac:chgData name="Luiz Break" userId="3ea80d37ed61a017" providerId="LiveId" clId="{1DED6D26-A0FC-4A6D-89EF-A48090D925E2}" dt="2024-04-16T03:00:31.333" v="3477" actId="21"/>
-          <ac:picMkLst>
-            <pc:docMk/>
-            <pc:sldMk cId="322100392" sldId="271"/>
-            <ac:picMk id="2085" creationId="{2C76905F-F36E-0CBA-E6D5-06C217003EE9}"/>
-          </ac:picMkLst>
-        </pc:picChg>
-        <pc:picChg chg="add del mod">
-          <ac:chgData name="Luiz Break" userId="3ea80d37ed61a017" providerId="LiveId" clId="{1DED6D26-A0FC-4A6D-89EF-A48090D925E2}" dt="2024-04-16T03:00:59.242" v="3481" actId="21"/>
-          <ac:picMkLst>
-            <pc:docMk/>
-            <pc:sldMk cId="322100392" sldId="271"/>
-            <ac:picMk id="2087" creationId="{8AB92BCC-5BB5-3F49-398B-0FA81BCB86D6}"/>
-          </ac:picMkLst>
-        </pc:picChg>
-        <pc:picChg chg="add mod">
-          <ac:chgData name="Luiz Break" userId="3ea80d37ed61a017" providerId="LiveId" clId="{1DED6D26-A0FC-4A6D-89EF-A48090D925E2}" dt="2024-04-16T03:02:20.874" v="3496" actId="1076"/>
-          <ac:picMkLst>
-            <pc:docMk/>
-            <pc:sldMk cId="322100392" sldId="271"/>
-            <ac:picMk id="2089" creationId="{E0054B00-3EC4-FBA5-1957-CA5AE8AD1197}"/>
-          </ac:picMkLst>
-        </pc:picChg>
-        <pc:picChg chg="add mod">
-          <ac:chgData name="Luiz Break" userId="3ea80d37ed61a017" providerId="LiveId" clId="{1DED6D26-A0FC-4A6D-89EF-A48090D925E2}" dt="2024-04-16T03:02:41.781" v="3497" actId="1076"/>
-          <ac:picMkLst>
-            <pc:docMk/>
-            <pc:sldMk cId="322100392" sldId="271"/>
-            <ac:picMk id="2091" creationId="{CAB1DB35-CB65-19B0-038C-EC65E6250522}"/>
-          </ac:picMkLst>
-        </pc:picChg>
-        <pc:cxnChg chg="add mod">
-          <ac:chgData name="Luiz Break" userId="3ea80d37ed61a017" providerId="LiveId" clId="{1DED6D26-A0FC-4A6D-89EF-A48090D925E2}" dt="2024-04-16T03:06:36.587" v="3633" actId="14100"/>
-          <ac:cxnSpMkLst>
-            <pc:docMk/>
-            <pc:sldMk cId="322100392" sldId="271"/>
-            <ac:cxnSpMk id="36" creationId="{1013AF6F-6B0F-EE61-CDA5-6E97A614A129}"/>
-          </ac:cxnSpMkLst>
-        </pc:cxnChg>
-        <pc:cxnChg chg="add mod">
-          <ac:chgData name="Luiz Break" userId="3ea80d37ed61a017" providerId="LiveId" clId="{1DED6D26-A0FC-4A6D-89EF-A48090D925E2}" dt="2024-04-16T02:57:47.202" v="3397" actId="1076"/>
-          <ac:cxnSpMkLst>
-            <pc:docMk/>
-            <pc:sldMk cId="322100392" sldId="271"/>
-            <ac:cxnSpMk id="44" creationId="{C650E006-2CF9-1BC4-023D-C0A35C7DBBC9}"/>
-          </ac:cxnSpMkLst>
-        </pc:cxnChg>
       </pc:sldChg>
       <pc:sldChg chg="addSp delSp modSp mod">
         <pc:chgData name="Luiz Break" userId="3ea80d37ed61a017" providerId="LiveId" clId="{1DED6D26-A0FC-4A6D-89EF-A48090D925E2}" dt="2024-04-17T02:08:53.837" v="4670" actId="1076"/>
@@ -4295,46 +1059,6 @@
           <pc:docMk/>
           <pc:sldMk cId="2230791370" sldId="273"/>
         </pc:sldMkLst>
-        <pc:spChg chg="mod">
-          <ac:chgData name="Luiz Break" userId="3ea80d37ed61a017" providerId="LiveId" clId="{1DED6D26-A0FC-4A6D-89EF-A48090D925E2}" dt="2024-04-17T02:08:53.837" v="4670" actId="1076"/>
-          <ac:spMkLst>
-            <pc:docMk/>
-            <pc:sldMk cId="2230791370" sldId="273"/>
-            <ac:spMk id="9" creationId="{312A354B-B243-EFC7-21BD-E9D586EAC556}"/>
-          </ac:spMkLst>
-        </pc:spChg>
-        <pc:picChg chg="add mod">
-          <ac:chgData name="Luiz Break" userId="3ea80d37ed61a017" providerId="LiveId" clId="{1DED6D26-A0FC-4A6D-89EF-A48090D925E2}" dt="2024-04-16T00:46:52.043" v="2" actId="1076"/>
-          <ac:picMkLst>
-            <pc:docMk/>
-            <pc:sldMk cId="2230791370" sldId="273"/>
-            <ac:picMk id="4" creationId="{A9D00929-C90B-1EAB-5588-06FE7069A85C}"/>
-          </ac:picMkLst>
-        </pc:picChg>
-        <pc:picChg chg="add del mod">
-          <ac:chgData name="Luiz Break" userId="3ea80d37ed61a017" providerId="LiveId" clId="{1DED6D26-A0FC-4A6D-89EF-A48090D925E2}" dt="2024-04-16T00:59:48.137" v="68" actId="21"/>
-          <ac:picMkLst>
-            <pc:docMk/>
-            <pc:sldMk cId="2230791370" sldId="273"/>
-            <ac:picMk id="6" creationId="{E5C10171-8511-96F3-C0F4-E7903A491E74}"/>
-          </ac:picMkLst>
-        </pc:picChg>
-        <pc:picChg chg="del mod">
-          <ac:chgData name="Luiz Break" userId="3ea80d37ed61a017" providerId="LiveId" clId="{1DED6D26-A0FC-4A6D-89EF-A48090D925E2}" dt="2024-04-16T00:58:27.929" v="62" actId="21"/>
-          <ac:picMkLst>
-            <pc:docMk/>
-            <pc:sldMk cId="2230791370" sldId="273"/>
-            <ac:picMk id="8" creationId="{127F824F-9F88-4B87-E693-9F88E99230A4}"/>
-          </ac:picMkLst>
-        </pc:picChg>
-        <pc:picChg chg="add mod">
-          <ac:chgData name="Luiz Break" userId="3ea80d37ed61a017" providerId="LiveId" clId="{1DED6D26-A0FC-4A6D-89EF-A48090D925E2}" dt="2024-04-16T01:00:01.085" v="72" actId="1076"/>
-          <ac:picMkLst>
-            <pc:docMk/>
-            <pc:sldMk cId="2230791370" sldId="273"/>
-            <ac:picMk id="11" creationId="{ECD81CBA-CFD2-B75D-32C2-B8D5A7329648}"/>
-          </ac:picMkLst>
-        </pc:picChg>
       </pc:sldChg>
       <pc:sldChg chg="modSp mod">
         <pc:chgData name="Luiz Break" userId="3ea80d37ed61a017" providerId="LiveId" clId="{1DED6D26-A0FC-4A6D-89EF-A48090D925E2}" dt="2024-04-17T02:00:53.876" v="4660" actId="20577"/>
@@ -4342,14 +1066,6 @@
           <pc:docMk/>
           <pc:sldMk cId="3558443253" sldId="313"/>
         </pc:sldMkLst>
-        <pc:graphicFrameChg chg="modGraphic">
-          <ac:chgData name="Luiz Break" userId="3ea80d37ed61a017" providerId="LiveId" clId="{1DED6D26-A0FC-4A6D-89EF-A48090D925E2}" dt="2024-04-17T02:00:53.876" v="4660" actId="20577"/>
-          <ac:graphicFrameMkLst>
-            <pc:docMk/>
-            <pc:sldMk cId="3558443253" sldId="313"/>
-            <ac:graphicFrameMk id="4" creationId="{65C2629F-4DEB-A2ED-0E6B-BF22A6F0F7B6}"/>
-          </ac:graphicFrameMkLst>
-        </pc:graphicFrameChg>
       </pc:sldChg>
       <pc:sldChg chg="addSp delSp modSp add mod ord">
         <pc:chgData name="Luiz Break" userId="3ea80d37ed61a017" providerId="LiveId" clId="{1DED6D26-A0FC-4A6D-89EF-A48090D925E2}" dt="2024-04-17T03:31:42.974" v="5260" actId="1076"/>
@@ -4357,62 +1073,6 @@
           <pc:docMk/>
           <pc:sldMk cId="3520430217" sldId="314"/>
         </pc:sldMkLst>
-        <pc:spChg chg="mod">
-          <ac:chgData name="Luiz Break" userId="3ea80d37ed61a017" providerId="LiveId" clId="{1DED6D26-A0FC-4A6D-89EF-A48090D925E2}" dt="2024-04-17T02:00:24.445" v="4653" actId="20577"/>
-          <ac:spMkLst>
-            <pc:docMk/>
-            <pc:sldMk cId="3520430217" sldId="314"/>
-            <ac:spMk id="2" creationId="{6D53ED51-CEC4-0E96-064D-91665879BF11}"/>
-          </ac:spMkLst>
-        </pc:spChg>
-        <pc:spChg chg="add del mod">
-          <ac:chgData name="Luiz Break" userId="3ea80d37ed61a017" providerId="LiveId" clId="{1DED6D26-A0FC-4A6D-89EF-A48090D925E2}" dt="2024-04-17T03:31:42.974" v="5260" actId="1076"/>
-          <ac:spMkLst>
-            <pc:docMk/>
-            <pc:sldMk cId="3520430217" sldId="314"/>
-            <ac:spMk id="3" creationId="{C58F08B3-3C4E-E114-2BDA-DC3C7F6D4A30}"/>
-          </ac:spMkLst>
-        </pc:spChg>
-        <pc:spChg chg="add mod">
-          <ac:chgData name="Luiz Break" userId="3ea80d37ed61a017" providerId="LiveId" clId="{1DED6D26-A0FC-4A6D-89EF-A48090D925E2}" dt="2024-04-17T03:31:41.453" v="5259" actId="1076"/>
-          <ac:spMkLst>
-            <pc:docMk/>
-            <pc:sldMk cId="3520430217" sldId="314"/>
-            <ac:spMk id="5" creationId="{2D098F4B-ECB7-226F-EFA2-E5BBB0FAFA4C}"/>
-          </ac:spMkLst>
-        </pc:spChg>
-        <pc:spChg chg="mod">
-          <ac:chgData name="Luiz Break" userId="3ea80d37ed61a017" providerId="LiveId" clId="{1DED6D26-A0FC-4A6D-89EF-A48090D925E2}" dt="2024-04-17T02:00:21.202" v="4652" actId="20577"/>
-          <ac:spMkLst>
-            <pc:docMk/>
-            <pc:sldMk cId="3520430217" sldId="314"/>
-            <ac:spMk id="6" creationId="{8D34942C-C87D-05F6-359F-62BABA1B412C}"/>
-          </ac:spMkLst>
-        </pc:spChg>
-        <pc:spChg chg="add mod">
-          <ac:chgData name="Luiz Break" userId="3ea80d37ed61a017" providerId="LiveId" clId="{1DED6D26-A0FC-4A6D-89EF-A48090D925E2}" dt="2024-04-17T03:30:14.979" v="5247"/>
-          <ac:spMkLst>
-            <pc:docMk/>
-            <pc:sldMk cId="3520430217" sldId="314"/>
-            <ac:spMk id="7" creationId="{36121071-4F00-1DA9-BFB3-1611A48118B4}"/>
-          </ac:spMkLst>
-        </pc:spChg>
-        <pc:spChg chg="add mod ord">
-          <ac:chgData name="Luiz Break" userId="3ea80d37ed61a017" providerId="LiveId" clId="{1DED6D26-A0FC-4A6D-89EF-A48090D925E2}" dt="2024-04-17T03:31:40.379" v="5258" actId="1076"/>
-          <ac:spMkLst>
-            <pc:docMk/>
-            <pc:sldMk cId="3520430217" sldId="314"/>
-            <ac:spMk id="8" creationId="{6A35DEFE-05EF-7CE9-F992-C3AD318BB7BD}"/>
-          </ac:spMkLst>
-        </pc:spChg>
-        <pc:graphicFrameChg chg="mod modGraphic">
-          <ac:chgData name="Luiz Break" userId="3ea80d37ed61a017" providerId="LiveId" clId="{1DED6D26-A0FC-4A6D-89EF-A48090D925E2}" dt="2024-04-17T03:29:05.728" v="5241" actId="20577"/>
-          <ac:graphicFrameMkLst>
-            <pc:docMk/>
-            <pc:sldMk cId="3520430217" sldId="314"/>
-            <ac:graphicFrameMk id="4" creationId="{65C2629F-4DEB-A2ED-0E6B-BF22A6F0F7B6}"/>
-          </ac:graphicFrameMkLst>
-        </pc:graphicFrameChg>
       </pc:sldChg>
       <pc:sldChg chg="addSp delSp modSp add mod">
         <pc:chgData name="Luiz Break" userId="3ea80d37ed61a017" providerId="LiveId" clId="{1DED6D26-A0FC-4A6D-89EF-A48090D925E2}" dt="2024-04-17T01:55:51.715" v="4519" actId="122"/>
@@ -4420,70 +1080,109 @@
           <pc:docMk/>
           <pc:sldMk cId="4243573586" sldId="315"/>
         </pc:sldMkLst>
+      </pc:sldChg>
+    </pc:docChg>
+  </pc:docChgLst>
+  <pc:docChgLst>
+    <pc:chgData name="Luiz Break" userId="3ea80d37ed61a017" providerId="LiveId" clId="{1DE8497F-CD2C-47D3-88F3-3BE8F253C366}"/>
+    <pc:docChg chg="addSld modSld">
+      <pc:chgData name="Luiz Break" userId="3ea80d37ed61a017" providerId="LiveId" clId="{1DE8497F-CD2C-47D3-88F3-3BE8F253C366}" dt="2023-10-18T09:29:04.921" v="0"/>
+      <pc:docMkLst>
+        <pc:docMk/>
+      </pc:docMkLst>
+      <pc:sldChg chg="add">
+        <pc:chgData name="Luiz Break" userId="3ea80d37ed61a017" providerId="LiveId" clId="{1DE8497F-CD2C-47D3-88F3-3BE8F253C366}" dt="2023-10-18T09:29:04.921" v="0"/>
+        <pc:sldMkLst>
+          <pc:docMk/>
+          <pc:sldMk cId="3558443253" sldId="313"/>
+        </pc:sldMkLst>
+      </pc:sldChg>
+    </pc:docChg>
+  </pc:docChgLst>
+  <pc:docChgLst>
+    <pc:chgData name="Luiz Break" userId="3ea80d37ed61a017" providerId="LiveId" clId="{85EB2AF9-9B49-4B10-93B6-269CAB0FABD8}"/>
+    <pc:docChg chg="modSld">
+      <pc:chgData name="Luiz Break" userId="3ea80d37ed61a017" providerId="LiveId" clId="{85EB2AF9-9B49-4B10-93B6-269CAB0FABD8}" dt="2025-01-04T16:26:37.583" v="2" actId="1076"/>
+      <pc:docMkLst>
+        <pc:docMk/>
+      </pc:docMkLst>
+      <pc:sldChg chg="modSp mod">
+        <pc:chgData name="Luiz Break" userId="3ea80d37ed61a017" providerId="LiveId" clId="{85EB2AF9-9B49-4B10-93B6-269CAB0FABD8}" dt="2025-01-04T16:26:37.583" v="2" actId="1076"/>
+        <pc:sldMkLst>
+          <pc:docMk/>
+          <pc:sldMk cId="145788081" sldId="256"/>
+        </pc:sldMkLst>
         <pc:spChg chg="mod">
-          <ac:chgData name="Luiz Break" userId="3ea80d37ed61a017" providerId="LiveId" clId="{1DED6D26-A0FC-4A6D-89EF-A48090D925E2}" dt="2024-04-17T01:48:14.790" v="4447" actId="20577"/>
+          <ac:chgData name="Luiz Break" userId="3ea80d37ed61a017" providerId="LiveId" clId="{85EB2AF9-9B49-4B10-93B6-269CAB0FABD8}" dt="2025-01-04T16:26:37.583" v="2" actId="1076"/>
           <ac:spMkLst>
             <pc:docMk/>
-            <pc:sldMk cId="4243573586" sldId="315"/>
-            <ac:spMk id="2" creationId="{DF7A44F1-68EC-DB8C-7A32-90BAA29E84CA}"/>
+            <pc:sldMk cId="145788081" sldId="256"/>
+            <ac:spMk id="40" creationId="{875B4937-4D32-5867-339A-00267998D675}"/>
+          </ac:spMkLst>
+        </pc:spChg>
+        <pc:cxnChg chg="mod">
+          <ac:chgData name="Luiz Break" userId="3ea80d37ed61a017" providerId="LiveId" clId="{85EB2AF9-9B49-4B10-93B6-269CAB0FABD8}" dt="2025-01-04T16:26:37.583" v="2" actId="1076"/>
+          <ac:cxnSpMkLst>
+            <pc:docMk/>
+            <pc:sldMk cId="145788081" sldId="256"/>
+            <ac:cxnSpMk id="42" creationId="{064C31BA-FD54-ACD4-F471-BE0B444D1028}"/>
+          </ac:cxnSpMkLst>
+        </pc:cxnChg>
+        <pc:cxnChg chg="mod">
+          <ac:chgData name="Luiz Break" userId="3ea80d37ed61a017" providerId="LiveId" clId="{85EB2AF9-9B49-4B10-93B6-269CAB0FABD8}" dt="2025-01-04T16:26:37.583" v="2" actId="1076"/>
+          <ac:cxnSpMkLst>
+            <pc:docMk/>
+            <pc:sldMk cId="145788081" sldId="256"/>
+            <ac:cxnSpMk id="50" creationId="{8FE7D624-21FD-6D9D-4E75-E9A39BF6FD35}"/>
+          </ac:cxnSpMkLst>
+        </pc:cxnChg>
+      </pc:sldChg>
+      <pc:sldChg chg="modSp mod">
+        <pc:chgData name="Luiz Break" userId="3ea80d37ed61a017" providerId="LiveId" clId="{85EB2AF9-9B49-4B10-93B6-269CAB0FABD8}" dt="2025-01-04T16:12:56.256" v="1" actId="1076"/>
+        <pc:sldMkLst>
+          <pc:docMk/>
+          <pc:sldMk cId="262416927" sldId="324"/>
+        </pc:sldMkLst>
+        <pc:spChg chg="mod">
+          <ac:chgData name="Luiz Break" userId="3ea80d37ed61a017" providerId="LiveId" clId="{85EB2AF9-9B49-4B10-93B6-269CAB0FABD8}" dt="2025-01-04T16:12:54.166" v="0" actId="1076"/>
+          <ac:spMkLst>
+            <pc:docMk/>
+            <pc:sldMk cId="262416927" sldId="324"/>
+            <ac:spMk id="27" creationId="{27219F2C-3FBC-2FFD-6467-28657136DE22}"/>
           </ac:spMkLst>
         </pc:spChg>
         <pc:spChg chg="mod">
-          <ac:chgData name="Luiz Break" userId="3ea80d37ed61a017" providerId="LiveId" clId="{1DED6D26-A0FC-4A6D-89EF-A48090D925E2}" dt="2024-04-17T01:49:15.694" v="4505" actId="1076"/>
+          <ac:chgData name="Luiz Break" userId="3ea80d37ed61a017" providerId="LiveId" clId="{85EB2AF9-9B49-4B10-93B6-269CAB0FABD8}" dt="2025-01-04T16:12:56.256" v="1" actId="1076"/>
           <ac:spMkLst>
             <pc:docMk/>
-            <pc:sldMk cId="4243573586" sldId="315"/>
-            <ac:spMk id="4" creationId="{4CC31690-6C8D-7A64-0A0C-DE0A71A6CB97}"/>
+            <pc:sldMk cId="262416927" sldId="324"/>
+            <ac:spMk id="43" creationId="{3AF3D8DE-C5D9-1202-542F-F810F7907D70}"/>
           </ac:spMkLst>
         </pc:spChg>
-        <pc:spChg chg="del">
-          <ac:chgData name="Luiz Break" userId="3ea80d37ed61a017" providerId="LiveId" clId="{1DED6D26-A0FC-4A6D-89EF-A48090D925E2}" dt="2024-04-17T01:45:49.488" v="4389" actId="21"/>
-          <ac:spMkLst>
+        <pc:cxnChg chg="mod">
+          <ac:chgData name="Luiz Break" userId="3ea80d37ed61a017" providerId="LiveId" clId="{85EB2AF9-9B49-4B10-93B6-269CAB0FABD8}" dt="2025-01-04T16:12:54.166" v="0" actId="1076"/>
+          <ac:cxnSpMkLst>
             <pc:docMk/>
-            <pc:sldMk cId="4243573586" sldId="315"/>
-            <ac:spMk id="5" creationId="{3536710E-3CEF-317F-20B0-DDA533970610}"/>
-          </ac:spMkLst>
-        </pc:spChg>
-        <pc:spChg chg="add mod">
-          <ac:chgData name="Luiz Break" userId="3ea80d37ed61a017" providerId="LiveId" clId="{1DED6D26-A0FC-4A6D-89EF-A48090D925E2}" dt="2024-04-17T01:55:51.715" v="4519" actId="122"/>
-          <ac:spMkLst>
+            <pc:sldMk cId="262416927" sldId="324"/>
+            <ac:cxnSpMk id="30" creationId="{4109C58E-48B2-FCC6-2EE7-2EDA6915380C}"/>
+          </ac:cxnSpMkLst>
+        </pc:cxnChg>
+        <pc:cxnChg chg="mod">
+          <ac:chgData name="Luiz Break" userId="3ea80d37ed61a017" providerId="LiveId" clId="{85EB2AF9-9B49-4B10-93B6-269CAB0FABD8}" dt="2025-01-04T16:12:56.256" v="1" actId="1076"/>
+          <ac:cxnSpMkLst>
             <pc:docMk/>
-            <pc:sldMk cId="4243573586" sldId="315"/>
-            <ac:spMk id="6" creationId="{80E52D65-9272-194D-37A8-0D2A18D4BAE2}"/>
-          </ac:spMkLst>
-        </pc:spChg>
-        <pc:spChg chg="del">
-          <ac:chgData name="Luiz Break" userId="3ea80d37ed61a017" providerId="LiveId" clId="{1DED6D26-A0FC-4A6D-89EF-A48090D925E2}" dt="2024-04-17T01:47:09.170" v="4430" actId="21"/>
-          <ac:spMkLst>
+            <pc:sldMk cId="262416927" sldId="324"/>
+            <ac:cxnSpMk id="44" creationId="{267F841D-6926-7995-D536-318056A4DC83}"/>
+          </ac:cxnSpMkLst>
+        </pc:cxnChg>
+        <pc:cxnChg chg="mod">
+          <ac:chgData name="Luiz Break" userId="3ea80d37ed61a017" providerId="LiveId" clId="{85EB2AF9-9B49-4B10-93B6-269CAB0FABD8}" dt="2025-01-04T16:12:56.256" v="1" actId="1076"/>
+          <ac:cxnSpMkLst>
             <pc:docMk/>
-            <pc:sldMk cId="4243573586" sldId="315"/>
-            <ac:spMk id="12" creationId="{FA82DEC8-C490-53DA-F0F1-86BDA736E703}"/>
-          </ac:spMkLst>
-        </pc:spChg>
-        <pc:picChg chg="del">
-          <ac:chgData name="Luiz Break" userId="3ea80d37ed61a017" providerId="LiveId" clId="{1DED6D26-A0FC-4A6D-89EF-A48090D925E2}" dt="2024-04-17T01:47:06.083" v="4429" actId="21"/>
-          <ac:picMkLst>
-            <pc:docMk/>
-            <pc:sldMk cId="4243573586" sldId="315"/>
-            <ac:picMk id="8" creationId="{D5E72A6D-6696-02C2-BB9E-AE8936C599F3}"/>
-          </ac:picMkLst>
-        </pc:picChg>
-        <pc:picChg chg="add del mod">
-          <ac:chgData name="Luiz Break" userId="3ea80d37ed61a017" providerId="LiveId" clId="{1DED6D26-A0FC-4A6D-89EF-A48090D925E2}" dt="2024-04-17T01:48:04.149" v="4439" actId="21"/>
-          <ac:picMkLst>
-            <pc:docMk/>
-            <pc:sldMk cId="4243573586" sldId="315"/>
-            <ac:picMk id="2050" creationId="{D89E0127-B69F-3B24-E724-C617173C7DC5}"/>
-          </ac:picMkLst>
-        </pc:picChg>
-        <pc:picChg chg="add mod">
-          <ac:chgData name="Luiz Break" userId="3ea80d37ed61a017" providerId="LiveId" clId="{1DED6D26-A0FC-4A6D-89EF-A48090D925E2}" dt="2024-04-17T01:49:17.966" v="4506" actId="1076"/>
-          <ac:picMkLst>
-            <pc:docMk/>
-            <pc:sldMk cId="4243573586" sldId="315"/>
-            <ac:picMk id="2052" creationId="{D6A44673-7E91-90C2-E4A3-A23FBA928750}"/>
-          </ac:picMkLst>
-        </pc:picChg>
+            <pc:sldMk cId="262416927" sldId="324"/>
+            <ac:cxnSpMk id="72" creationId="{469FED49-3047-7EFA-368D-F077AE3A497C}"/>
+          </ac:cxnSpMkLst>
+        </pc:cxnChg>
       </pc:sldChg>
     </pc:docChg>
   </pc:docChgLst>
@@ -4507,38 +1206,6 @@
           <pc:docMk/>
           <pc:sldMk cId="2424688824" sldId="267"/>
         </pc:sldMkLst>
-        <pc:spChg chg="mod">
-          <ac:chgData name="Luiz Break" userId="3ea80d37ed61a017" providerId="LiveId" clId="{D3D9F3EF-2886-439A-AD34-431E1952F7A4}" dt="2024-04-17T15:58:56.004" v="833" actId="113"/>
-          <ac:spMkLst>
-            <pc:docMk/>
-            <pc:sldMk cId="2424688824" sldId="267"/>
-            <ac:spMk id="2" creationId="{DF7A44F1-68EC-DB8C-7A32-90BAA29E84CA}"/>
-          </ac:spMkLst>
-        </pc:spChg>
-        <pc:spChg chg="mod">
-          <ac:chgData name="Luiz Break" userId="3ea80d37ed61a017" providerId="LiveId" clId="{D3D9F3EF-2886-439A-AD34-431E1952F7A4}" dt="2024-04-19T14:31:22.767" v="1210" actId="14100"/>
-          <ac:spMkLst>
-            <pc:docMk/>
-            <pc:sldMk cId="2424688824" sldId="267"/>
-            <ac:spMk id="5" creationId="{3536710E-3CEF-317F-20B0-DDA533970610}"/>
-          </ac:spMkLst>
-        </pc:spChg>
-        <pc:spChg chg="mod">
-          <ac:chgData name="Luiz Break" userId="3ea80d37ed61a017" providerId="LiveId" clId="{D3D9F3EF-2886-439A-AD34-431E1952F7A4}" dt="2024-04-17T15:27:30.815" v="212" actId="20577"/>
-          <ac:spMkLst>
-            <pc:docMk/>
-            <pc:sldMk cId="2424688824" sldId="267"/>
-            <ac:spMk id="12" creationId="{FA82DEC8-C490-53DA-F0F1-86BDA736E703}"/>
-          </ac:spMkLst>
-        </pc:spChg>
-        <pc:picChg chg="add del mod">
-          <ac:chgData name="Luiz Break" userId="3ea80d37ed61a017" providerId="LiveId" clId="{D3D9F3EF-2886-439A-AD34-431E1952F7A4}" dt="2024-04-17T15:28:13.077" v="226" actId="21"/>
-          <ac:picMkLst>
-            <pc:docMk/>
-            <pc:sldMk cId="2424688824" sldId="267"/>
-            <ac:picMk id="4" creationId="{43A0F3FE-072C-63B8-EFA3-59046D125C3B}"/>
-          </ac:picMkLst>
-        </pc:picChg>
       </pc:sldChg>
       <pc:sldChg chg="del">
         <pc:chgData name="Luiz Break" userId="3ea80d37ed61a017" providerId="LiveId" clId="{D3D9F3EF-2886-439A-AD34-431E1952F7A4}" dt="2024-04-17T15:49:10.675" v="706" actId="2696"/>
@@ -4553,46 +1220,6 @@
           <pc:docMk/>
           <pc:sldMk cId="2230791370" sldId="273"/>
         </pc:sldMkLst>
-        <pc:spChg chg="mod">
-          <ac:chgData name="Luiz Break" userId="3ea80d37ed61a017" providerId="LiveId" clId="{D3D9F3EF-2886-439A-AD34-431E1952F7A4}" dt="2024-04-17T15:56:08.851" v="742" actId="20577"/>
-          <ac:spMkLst>
-            <pc:docMk/>
-            <pc:sldMk cId="2230791370" sldId="273"/>
-            <ac:spMk id="9" creationId="{312A354B-B243-EFC7-21BD-E9D586EAC556}"/>
-          </ac:spMkLst>
-        </pc:spChg>
-        <pc:picChg chg="add mod">
-          <ac:chgData name="Luiz Break" userId="3ea80d37ed61a017" providerId="LiveId" clId="{D3D9F3EF-2886-439A-AD34-431E1952F7A4}" dt="2024-04-17T15:56:14.397" v="743" actId="1076"/>
-          <ac:picMkLst>
-            <pc:docMk/>
-            <pc:sldMk cId="2230791370" sldId="273"/>
-            <ac:picMk id="4" creationId="{43A0F3FE-072C-63B8-EFA3-59046D125C3B}"/>
-          </ac:picMkLst>
-        </pc:picChg>
-        <pc:picChg chg="del">
-          <ac:chgData name="Luiz Break" userId="3ea80d37ed61a017" providerId="LiveId" clId="{D3D9F3EF-2886-439A-AD34-431E1952F7A4}" dt="2024-04-17T12:57:44.643" v="44" actId="21"/>
-          <ac:picMkLst>
-            <pc:docMk/>
-            <pc:sldMk cId="2230791370" sldId="273"/>
-            <ac:picMk id="4" creationId="{A9D00929-C90B-1EAB-5588-06FE7069A85C}"/>
-          </ac:picMkLst>
-        </pc:picChg>
-        <pc:picChg chg="del">
-          <ac:chgData name="Luiz Break" userId="3ea80d37ed61a017" providerId="LiveId" clId="{D3D9F3EF-2886-439A-AD34-431E1952F7A4}" dt="2024-04-17T15:28:20.485" v="229" actId="21"/>
-          <ac:picMkLst>
-            <pc:docMk/>
-            <pc:sldMk cId="2230791370" sldId="273"/>
-            <ac:picMk id="11" creationId="{ECD81CBA-CFD2-B75D-32C2-B8D5A7329648}"/>
-          </ac:picMkLst>
-        </pc:picChg>
-        <pc:picChg chg="add mod">
-          <ac:chgData name="Luiz Break" userId="3ea80d37ed61a017" providerId="LiveId" clId="{D3D9F3EF-2886-439A-AD34-431E1952F7A4}" dt="2024-04-17T12:58:05.684" v="76" actId="1076"/>
-          <ac:picMkLst>
-            <pc:docMk/>
-            <pc:sldMk cId="2230791370" sldId="273"/>
-            <ac:picMk id="1026" creationId="{FE53077F-0F5B-1625-E00C-4BA1C2630025}"/>
-          </ac:picMkLst>
-        </pc:picChg>
       </pc:sldChg>
       <pc:sldChg chg="del">
         <pc:chgData name="Luiz Break" userId="3ea80d37ed61a017" providerId="LiveId" clId="{D3D9F3EF-2886-439A-AD34-431E1952F7A4}" dt="2024-04-17T15:49:25.597" v="708" actId="2696"/>
@@ -4607,542 +1234,6 @@
           <pc:docMk/>
           <pc:sldMk cId="3695609286" sldId="315"/>
         </pc:sldMkLst>
-        <pc:spChg chg="add del mod">
-          <ac:chgData name="Luiz Break" userId="3ea80d37ed61a017" providerId="LiveId" clId="{D3D9F3EF-2886-439A-AD34-431E1952F7A4}" dt="2024-04-17T15:30:12.570" v="238" actId="21"/>
-          <ac:spMkLst>
-            <pc:docMk/>
-            <pc:sldMk cId="3695609286" sldId="315"/>
-            <ac:spMk id="2" creationId="{9B984100-494A-67AF-8D63-D5B6A3449473}"/>
-          </ac:spMkLst>
-        </pc:spChg>
-        <pc:spChg chg="mod">
-          <ac:chgData name="Luiz Break" userId="3ea80d37ed61a017" providerId="LiveId" clId="{D3D9F3EF-2886-439A-AD34-431E1952F7A4}" dt="2024-04-17T15:58:13.511" v="829" actId="1038"/>
-          <ac:spMkLst>
-            <pc:docMk/>
-            <pc:sldMk cId="3695609286" sldId="315"/>
-            <ac:spMk id="3" creationId="{526E9391-EF3A-C788-301D-F08CB2E85BF5}"/>
-          </ac:spMkLst>
-        </pc:spChg>
-        <pc:spChg chg="mod">
-          <ac:chgData name="Luiz Break" userId="3ea80d37ed61a017" providerId="LiveId" clId="{D3D9F3EF-2886-439A-AD34-431E1952F7A4}" dt="2024-04-17T15:58:22.454" v="830" actId="1076"/>
-          <ac:spMkLst>
-            <pc:docMk/>
-            <pc:sldMk cId="3695609286" sldId="315"/>
-            <ac:spMk id="4" creationId="{C3841673-753D-F25F-3208-E1E8016CCA28}"/>
-          </ac:spMkLst>
-        </pc:spChg>
-        <pc:spChg chg="mod">
-          <ac:chgData name="Luiz Break" userId="3ea80d37ed61a017" providerId="LiveId" clId="{D3D9F3EF-2886-439A-AD34-431E1952F7A4}" dt="2024-04-17T15:58:26.690" v="831" actId="1076"/>
-          <ac:spMkLst>
-            <pc:docMk/>
-            <pc:sldMk cId="3695609286" sldId="315"/>
-            <ac:spMk id="5" creationId="{3343852C-8661-A589-478B-41D50521A0C4}"/>
-          </ac:spMkLst>
-        </pc:spChg>
-        <pc:spChg chg="del">
-          <ac:chgData name="Luiz Break" userId="3ea80d37ed61a017" providerId="LiveId" clId="{D3D9F3EF-2886-439A-AD34-431E1952F7A4}" dt="2024-04-17T15:36:15.018" v="382" actId="21"/>
-          <ac:spMkLst>
-            <pc:docMk/>
-            <pc:sldMk cId="3695609286" sldId="315"/>
-            <ac:spMk id="6" creationId="{636C21E3-B714-C3B4-95C9-CBE3815754AE}"/>
-          </ac:spMkLst>
-        </pc:spChg>
-        <pc:spChg chg="del">
-          <ac:chgData name="Luiz Break" userId="3ea80d37ed61a017" providerId="LiveId" clId="{D3D9F3EF-2886-439A-AD34-431E1952F7A4}" dt="2024-04-17T15:36:15.018" v="382" actId="21"/>
-          <ac:spMkLst>
-            <pc:docMk/>
-            <pc:sldMk cId="3695609286" sldId="315"/>
-            <ac:spMk id="7" creationId="{BDA8036A-D891-41D5-1688-F3ABDA9568AE}"/>
-          </ac:spMkLst>
-        </pc:spChg>
-        <pc:spChg chg="del">
-          <ac:chgData name="Luiz Break" userId="3ea80d37ed61a017" providerId="LiveId" clId="{D3D9F3EF-2886-439A-AD34-431E1952F7A4}" dt="2024-04-17T15:36:15.018" v="382" actId="21"/>
-          <ac:spMkLst>
-            <pc:docMk/>
-            <pc:sldMk cId="3695609286" sldId="315"/>
-            <ac:spMk id="8" creationId="{46E35DDA-8B8C-D646-1315-2D1424F76689}"/>
-          </ac:spMkLst>
-        </pc:spChg>
-        <pc:spChg chg="del">
-          <ac:chgData name="Luiz Break" userId="3ea80d37ed61a017" providerId="LiveId" clId="{D3D9F3EF-2886-439A-AD34-431E1952F7A4}" dt="2024-04-17T15:29:56.304" v="235" actId="21"/>
-          <ac:spMkLst>
-            <pc:docMk/>
-            <pc:sldMk cId="3695609286" sldId="315"/>
-            <ac:spMk id="9" creationId="{64FAA079-A2A0-E3FC-44A6-7CA0BB4BB022}"/>
-          </ac:spMkLst>
-        </pc:spChg>
-        <pc:spChg chg="mod">
-          <ac:chgData name="Luiz Break" userId="3ea80d37ed61a017" providerId="LiveId" clId="{D3D9F3EF-2886-439A-AD34-431E1952F7A4}" dt="2024-04-17T15:43:20.286" v="575" actId="1076"/>
-          <ac:spMkLst>
-            <pc:docMk/>
-            <pc:sldMk cId="3695609286" sldId="315"/>
-            <ac:spMk id="10" creationId="{7420471B-12F8-0F32-7F9F-26072DABCC37}"/>
-          </ac:spMkLst>
-        </pc:spChg>
-        <pc:spChg chg="add del mod">
-          <ac:chgData name="Luiz Break" userId="3ea80d37ed61a017" providerId="LiveId" clId="{D3D9F3EF-2886-439A-AD34-431E1952F7A4}" dt="2024-04-17T15:58:13.511" v="829" actId="1038"/>
-          <ac:spMkLst>
-            <pc:docMk/>
-            <pc:sldMk cId="3695609286" sldId="315"/>
-            <ac:spMk id="11" creationId="{A4AF81E1-0420-3711-EC96-7906C133B252}"/>
-          </ac:spMkLst>
-        </pc:spChg>
-        <pc:spChg chg="del">
-          <ac:chgData name="Luiz Break" userId="3ea80d37ed61a017" providerId="LiveId" clId="{D3D9F3EF-2886-439A-AD34-431E1952F7A4}" dt="2024-04-17T15:39:07.832" v="449" actId="21"/>
-          <ac:spMkLst>
-            <pc:docMk/>
-            <pc:sldMk cId="3695609286" sldId="315"/>
-            <ac:spMk id="12" creationId="{E28321A9-4C1C-889C-0BFF-A03294D90A78}"/>
-          </ac:spMkLst>
-        </pc:spChg>
-        <pc:spChg chg="add mod">
-          <ac:chgData name="Luiz Break" userId="3ea80d37ed61a017" providerId="LiveId" clId="{D3D9F3EF-2886-439A-AD34-431E1952F7A4}" dt="2024-04-17T15:48:16.441" v="702" actId="1076"/>
-          <ac:spMkLst>
-            <pc:docMk/>
-            <pc:sldMk cId="3695609286" sldId="315"/>
-            <ac:spMk id="13" creationId="{C4F39757-AC9E-F5E1-7B1E-9CF902B95434}"/>
-          </ac:spMkLst>
-        </pc:spChg>
-        <pc:spChg chg="mod">
-          <ac:chgData name="Luiz Break" userId="3ea80d37ed61a017" providerId="LiveId" clId="{D3D9F3EF-2886-439A-AD34-431E1952F7A4}" dt="2024-04-17T15:58:13.511" v="829" actId="1038"/>
-          <ac:spMkLst>
-            <pc:docMk/>
-            <pc:sldMk cId="3695609286" sldId="315"/>
-            <ac:spMk id="14" creationId="{7FA0251F-669B-BF8A-C391-23EDA397AFC8}"/>
-          </ac:spMkLst>
-        </pc:spChg>
-        <pc:spChg chg="mod">
-          <ac:chgData name="Luiz Break" userId="3ea80d37ed61a017" providerId="LiveId" clId="{D3D9F3EF-2886-439A-AD34-431E1952F7A4}" dt="2024-04-17T15:58:13.511" v="829" actId="1038"/>
-          <ac:spMkLst>
-            <pc:docMk/>
-            <pc:sldMk cId="3695609286" sldId="315"/>
-            <ac:spMk id="15" creationId="{766416B4-0973-3A8F-0088-5840B887BC77}"/>
-          </ac:spMkLst>
-        </pc:spChg>
-        <pc:spChg chg="mod">
-          <ac:chgData name="Luiz Break" userId="3ea80d37ed61a017" providerId="LiveId" clId="{D3D9F3EF-2886-439A-AD34-431E1952F7A4}" dt="2024-04-17T15:43:20.286" v="575" actId="1076"/>
-          <ac:spMkLst>
-            <pc:docMk/>
-            <pc:sldMk cId="3695609286" sldId="315"/>
-            <ac:spMk id="16" creationId="{533B0ED6-1292-9178-53A8-8062A267549F}"/>
-          </ac:spMkLst>
-        </pc:spChg>
-        <pc:spChg chg="add mod">
-          <ac:chgData name="Luiz Break" userId="3ea80d37ed61a017" providerId="LiveId" clId="{D3D9F3EF-2886-439A-AD34-431E1952F7A4}" dt="2024-04-17T15:48:09.237" v="700" actId="1076"/>
-          <ac:spMkLst>
-            <pc:docMk/>
-            <pc:sldMk cId="3695609286" sldId="315"/>
-            <ac:spMk id="17" creationId="{E3560A87-2812-23F2-16C3-BADB3A5DE355}"/>
-          </ac:spMkLst>
-        </pc:spChg>
-        <pc:spChg chg="del">
-          <ac:chgData name="Luiz Break" userId="3ea80d37ed61a017" providerId="LiveId" clId="{D3D9F3EF-2886-439A-AD34-431E1952F7A4}" dt="2024-04-17T15:29:56.304" v="235" actId="21"/>
-          <ac:spMkLst>
-            <pc:docMk/>
-            <pc:sldMk cId="3695609286" sldId="315"/>
-            <ac:spMk id="23" creationId="{353DB2C1-0166-452F-C2AB-F54420BCC1B5}"/>
-          </ac:spMkLst>
-        </pc:spChg>
-        <pc:spChg chg="mod">
-          <ac:chgData name="Luiz Break" userId="3ea80d37ed61a017" providerId="LiveId" clId="{D3D9F3EF-2886-439A-AD34-431E1952F7A4}" dt="2024-04-17T15:58:13.511" v="829" actId="1038"/>
-          <ac:spMkLst>
-            <pc:docMk/>
-            <pc:sldMk cId="3695609286" sldId="315"/>
-            <ac:spMk id="24" creationId="{5E400C7E-5A7F-89A7-7D6E-F7E068FFCB81}"/>
-          </ac:spMkLst>
-        </pc:spChg>
-        <pc:spChg chg="mod">
-          <ac:chgData name="Luiz Break" userId="3ea80d37ed61a017" providerId="LiveId" clId="{D3D9F3EF-2886-439A-AD34-431E1952F7A4}" dt="2024-04-17T16:04:33.168" v="924" actId="20577"/>
-          <ac:spMkLst>
-            <pc:docMk/>
-            <pc:sldMk cId="3695609286" sldId="315"/>
-            <ac:spMk id="25" creationId="{EDD159AD-AC21-DBE5-8F90-A320826341CE}"/>
-          </ac:spMkLst>
-        </pc:spChg>
-        <pc:spChg chg="add mod">
-          <ac:chgData name="Luiz Break" userId="3ea80d37ed61a017" providerId="LiveId" clId="{D3D9F3EF-2886-439A-AD34-431E1952F7A4}" dt="2024-04-17T15:47:54.144" v="698" actId="1076"/>
-          <ac:spMkLst>
-            <pc:docMk/>
-            <pc:sldMk cId="3695609286" sldId="315"/>
-            <ac:spMk id="26" creationId="{0BCE1F37-5D1F-2151-7D93-05CBE34D640A}"/>
-          </ac:spMkLst>
-        </pc:spChg>
-        <pc:spChg chg="mod">
-          <ac:chgData name="Luiz Break" userId="3ea80d37ed61a017" providerId="LiveId" clId="{D3D9F3EF-2886-439A-AD34-431E1952F7A4}" dt="2024-04-17T15:46:59.456" v="693" actId="20577"/>
-          <ac:spMkLst>
-            <pc:docMk/>
-            <pc:sldMk cId="3695609286" sldId="315"/>
-            <ac:spMk id="27" creationId="{EE6E488D-852A-5535-4BAA-092F79C4B9F3}"/>
-          </ac:spMkLst>
-        </pc:spChg>
-        <pc:spChg chg="del">
-          <ac:chgData name="Luiz Break" userId="3ea80d37ed61a017" providerId="LiveId" clId="{D3D9F3EF-2886-439A-AD34-431E1952F7A4}" dt="2024-04-17T15:29:56.304" v="235" actId="21"/>
-          <ac:spMkLst>
-            <pc:docMk/>
-            <pc:sldMk cId="3695609286" sldId="315"/>
-            <ac:spMk id="28" creationId="{DAE717AA-B399-8113-0509-8CCC291E59FB}"/>
-          </ac:spMkLst>
-        </pc:spChg>
-        <pc:spChg chg="add del mod">
-          <ac:chgData name="Luiz Break" userId="3ea80d37ed61a017" providerId="LiveId" clId="{D3D9F3EF-2886-439A-AD34-431E1952F7A4}" dt="2024-04-17T15:44:20.279" v="583" actId="21"/>
-          <ac:spMkLst>
-            <pc:docMk/>
-            <pc:sldMk cId="3695609286" sldId="315"/>
-            <ac:spMk id="29" creationId="{C612EB6A-71F6-205A-9DC3-6903FB9CEB32}"/>
-          </ac:spMkLst>
-        </pc:spChg>
-        <pc:spChg chg="mod">
-          <ac:chgData name="Luiz Break" userId="3ea80d37ed61a017" providerId="LiveId" clId="{D3D9F3EF-2886-439A-AD34-431E1952F7A4}" dt="2024-04-18T15:05:20.032" v="1207" actId="20577"/>
-          <ac:spMkLst>
-            <pc:docMk/>
-            <pc:sldMk cId="3695609286" sldId="315"/>
-            <ac:spMk id="30" creationId="{D00EC6C9-A1C7-1FFB-35A3-8ADFDBB14600}"/>
-          </ac:spMkLst>
-        </pc:spChg>
-        <pc:spChg chg="mod">
-          <ac:chgData name="Luiz Break" userId="3ea80d37ed61a017" providerId="LiveId" clId="{D3D9F3EF-2886-439A-AD34-431E1952F7A4}" dt="2024-04-17T15:59:25.646" v="874" actId="20577"/>
-          <ac:spMkLst>
-            <pc:docMk/>
-            <pc:sldMk cId="3695609286" sldId="315"/>
-            <ac:spMk id="31" creationId="{5207A10A-DC4D-C770-AADA-0CEF38A783A8}"/>
-          </ac:spMkLst>
-        </pc:spChg>
-        <pc:spChg chg="del mod">
-          <ac:chgData name="Luiz Break" userId="3ea80d37ed61a017" providerId="LiveId" clId="{D3D9F3EF-2886-439A-AD34-431E1952F7A4}" dt="2024-04-17T15:43:39.566" v="578" actId="21"/>
-          <ac:spMkLst>
-            <pc:docMk/>
-            <pc:sldMk cId="3695609286" sldId="315"/>
-            <ac:spMk id="33" creationId="{31959B2E-6F90-DC5A-422A-CCA78FAC2740}"/>
-          </ac:spMkLst>
-        </pc:spChg>
-        <pc:spChg chg="del">
-          <ac:chgData name="Luiz Break" userId="3ea80d37ed61a017" providerId="LiveId" clId="{D3D9F3EF-2886-439A-AD34-431E1952F7A4}" dt="2024-04-17T15:35:31.674" v="377" actId="21"/>
-          <ac:spMkLst>
-            <pc:docMk/>
-            <pc:sldMk cId="3695609286" sldId="315"/>
-            <ac:spMk id="35" creationId="{D83E297C-71BE-3C93-083B-1826F854A4D1}"/>
-          </ac:spMkLst>
-        </pc:spChg>
-        <pc:spChg chg="mod">
-          <ac:chgData name="Luiz Break" userId="3ea80d37ed61a017" providerId="LiveId" clId="{D3D9F3EF-2886-439A-AD34-431E1952F7A4}" dt="2024-04-17T15:58:13.511" v="829" actId="1038"/>
-          <ac:spMkLst>
-            <pc:docMk/>
-            <pc:sldMk cId="3695609286" sldId="315"/>
-            <ac:spMk id="37" creationId="{FDF33519-1556-C356-EE93-27651818F8B5}"/>
-          </ac:spMkLst>
-        </pc:spChg>
-        <pc:spChg chg="mod">
-          <ac:chgData name="Luiz Break" userId="3ea80d37ed61a017" providerId="LiveId" clId="{D3D9F3EF-2886-439A-AD34-431E1952F7A4}" dt="2024-04-17T15:58:13.511" v="829" actId="1038"/>
-          <ac:spMkLst>
-            <pc:docMk/>
-            <pc:sldMk cId="3695609286" sldId="315"/>
-            <ac:spMk id="38" creationId="{8C69DC38-9AEF-41E1-1BC1-DEEDFAF9BAE6}"/>
-          </ac:spMkLst>
-        </pc:spChg>
-        <pc:spChg chg="mod">
-          <ac:chgData name="Luiz Break" userId="3ea80d37ed61a017" providerId="LiveId" clId="{D3D9F3EF-2886-439A-AD34-431E1952F7A4}" dt="2024-04-17T16:06:11.093" v="970" actId="14100"/>
-          <ac:spMkLst>
-            <pc:docMk/>
-            <pc:sldMk cId="3695609286" sldId="315"/>
-            <ac:spMk id="39" creationId="{8C433C50-14E9-CD46-27C1-01C6EAA53A84}"/>
-          </ac:spMkLst>
-        </pc:spChg>
-        <pc:spChg chg="del">
-          <ac:chgData name="Luiz Break" userId="3ea80d37ed61a017" providerId="LiveId" clId="{D3D9F3EF-2886-439A-AD34-431E1952F7A4}" dt="2024-04-17T15:30:07.836" v="236" actId="21"/>
-          <ac:spMkLst>
-            <pc:docMk/>
-            <pc:sldMk cId="3695609286" sldId="315"/>
-            <ac:spMk id="42" creationId="{9B984100-494A-67AF-8D63-D5B6A3449473}"/>
-          </ac:spMkLst>
-        </pc:spChg>
-        <pc:spChg chg="add mod">
-          <ac:chgData name="Luiz Break" userId="3ea80d37ed61a017" providerId="LiveId" clId="{D3D9F3EF-2886-439A-AD34-431E1952F7A4}" dt="2024-04-17T15:43:20.286" v="575" actId="1076"/>
-          <ac:spMkLst>
-            <pc:docMk/>
-            <pc:sldMk cId="3695609286" sldId="315"/>
-            <ac:spMk id="44" creationId="{185C17B2-BE65-8887-C45B-0E48C6D38ECF}"/>
-          </ac:spMkLst>
-        </pc:spChg>
-        <pc:spChg chg="del">
-          <ac:chgData name="Luiz Break" userId="3ea80d37ed61a017" providerId="LiveId" clId="{D3D9F3EF-2886-439A-AD34-431E1952F7A4}" dt="2024-04-17T15:29:56.304" v="235" actId="21"/>
-          <ac:spMkLst>
-            <pc:docMk/>
-            <pc:sldMk cId="3695609286" sldId="315"/>
-            <ac:spMk id="46" creationId="{5FB4A2BC-8CC1-2B56-149C-08D7332CC3AF}"/>
-          </ac:spMkLst>
-        </pc:spChg>
-        <pc:spChg chg="mod">
-          <ac:chgData name="Luiz Break" userId="3ea80d37ed61a017" providerId="LiveId" clId="{D3D9F3EF-2886-439A-AD34-431E1952F7A4}" dt="2024-04-17T15:48:49.284" v="705" actId="20577"/>
-          <ac:spMkLst>
-            <pc:docMk/>
-            <pc:sldMk cId="3695609286" sldId="315"/>
-            <ac:spMk id="48" creationId="{46DB88C4-6768-039C-F2E1-2D7F773BFD56}"/>
-          </ac:spMkLst>
-        </pc:spChg>
-        <pc:spChg chg="mod">
-          <ac:chgData name="Luiz Break" userId="3ea80d37ed61a017" providerId="LiveId" clId="{D3D9F3EF-2886-439A-AD34-431E1952F7A4}" dt="2024-04-17T16:06:22.781" v="974" actId="14100"/>
-          <ac:spMkLst>
-            <pc:docMk/>
-            <pc:sldMk cId="3695609286" sldId="315"/>
-            <ac:spMk id="50" creationId="{2406141C-4696-E095-8926-BB06216CF0EB}"/>
-          </ac:spMkLst>
-        </pc:spChg>
-        <pc:spChg chg="add del mod">
-          <ac:chgData name="Luiz Break" userId="3ea80d37ed61a017" providerId="LiveId" clId="{D3D9F3EF-2886-439A-AD34-431E1952F7A4}" dt="2024-04-17T15:34:20.619" v="361" actId="21"/>
-          <ac:spMkLst>
-            <pc:docMk/>
-            <pc:sldMk cId="3695609286" sldId="315"/>
-            <ac:spMk id="53" creationId="{FE87B58D-41B5-45F6-3E5A-61ABACF03F3D}"/>
-          </ac:spMkLst>
-        </pc:spChg>
-        <pc:spChg chg="del">
-          <ac:chgData name="Luiz Break" userId="3ea80d37ed61a017" providerId="LiveId" clId="{D3D9F3EF-2886-439A-AD34-431E1952F7A4}" dt="2024-04-17T15:35:38.424" v="378" actId="21"/>
-          <ac:spMkLst>
-            <pc:docMk/>
-            <pc:sldMk cId="3695609286" sldId="315"/>
-            <ac:spMk id="55" creationId="{2D639D3E-78F6-3B19-1129-28928BBD9CF0}"/>
-          </ac:spMkLst>
-        </pc:spChg>
-        <pc:spChg chg="add mod">
-          <ac:chgData name="Luiz Break" userId="3ea80d37ed61a017" providerId="LiveId" clId="{D3D9F3EF-2886-439A-AD34-431E1952F7A4}" dt="2024-04-17T16:06:00.718" v="968" actId="255"/>
-          <ac:spMkLst>
-            <pc:docMk/>
-            <pc:sldMk cId="3695609286" sldId="315"/>
-            <ac:spMk id="58" creationId="{2BE95925-31C7-3281-1069-5DFB11B9BC87}"/>
-          </ac:spMkLst>
-        </pc:spChg>
-        <pc:spChg chg="add mod">
-          <ac:chgData name="Luiz Break" userId="3ea80d37ed61a017" providerId="LiveId" clId="{D3D9F3EF-2886-439A-AD34-431E1952F7A4}" dt="2024-04-17T16:05:17.718" v="929" actId="14100"/>
-          <ac:spMkLst>
-            <pc:docMk/>
-            <pc:sldMk cId="3695609286" sldId="315"/>
-            <ac:spMk id="60" creationId="{6EE68B59-C165-8C89-DD23-FF1CC647B7B1}"/>
-          </ac:spMkLst>
-        </pc:spChg>
-        <pc:spChg chg="add mod ord">
-          <ac:chgData name="Luiz Break" userId="3ea80d37ed61a017" providerId="LiveId" clId="{D3D9F3EF-2886-439A-AD34-431E1952F7A4}" dt="2024-04-17T15:47:09.518" v="694" actId="1076"/>
-          <ac:spMkLst>
-            <pc:docMk/>
-            <pc:sldMk cId="3695609286" sldId="315"/>
-            <ac:spMk id="63" creationId="{BDD952F3-9779-FBDF-E9E1-462CADB04A49}"/>
-          </ac:spMkLst>
-        </pc:spChg>
-        <pc:spChg chg="add mod">
-          <ac:chgData name="Luiz Break" userId="3ea80d37ed61a017" providerId="LiveId" clId="{D3D9F3EF-2886-439A-AD34-431E1952F7A4}" dt="2024-04-17T16:04:51.996" v="925" actId="1076"/>
-          <ac:spMkLst>
-            <pc:docMk/>
-            <pc:sldMk cId="3695609286" sldId="315"/>
-            <ac:spMk id="2062" creationId="{B915BC42-F3C7-4EFF-E87E-86F77BC4B447}"/>
-          </ac:spMkLst>
-        </pc:spChg>
-        <pc:spChg chg="add mod">
-          <ac:chgData name="Luiz Break" userId="3ea80d37ed61a017" providerId="LiveId" clId="{D3D9F3EF-2886-439A-AD34-431E1952F7A4}" dt="2024-04-17T15:58:13.511" v="829" actId="1038"/>
-          <ac:spMkLst>
-            <pc:docMk/>
-            <pc:sldMk cId="3695609286" sldId="315"/>
-            <ac:spMk id="2063" creationId="{77E084E4-6697-BED5-CB63-AEE0D4F82F32}"/>
-          </ac:spMkLst>
-        </pc:spChg>
-        <pc:spChg chg="add mod">
-          <ac:chgData name="Luiz Break" userId="3ea80d37ed61a017" providerId="LiveId" clId="{D3D9F3EF-2886-439A-AD34-431E1952F7A4}" dt="2024-04-17T16:04:55.452" v="926" actId="1076"/>
-          <ac:spMkLst>
-            <pc:docMk/>
-            <pc:sldMk cId="3695609286" sldId="315"/>
-            <ac:spMk id="2064" creationId="{39C0AE46-43C7-14FE-E25B-15BEA2E32F90}"/>
-          </ac:spMkLst>
-        </pc:spChg>
-        <pc:spChg chg="add mod">
-          <ac:chgData name="Luiz Break" userId="3ea80d37ed61a017" providerId="LiveId" clId="{D3D9F3EF-2886-439A-AD34-431E1952F7A4}" dt="2024-04-17T15:58:13.511" v="829" actId="1038"/>
-          <ac:spMkLst>
-            <pc:docMk/>
-            <pc:sldMk cId="3695609286" sldId="315"/>
-            <ac:spMk id="2065" creationId="{32DA9EA1-78C5-827D-2BE7-7C8E7D166C4E}"/>
-          </ac:spMkLst>
-        </pc:spChg>
-        <pc:spChg chg="add mod">
-          <ac:chgData name="Luiz Break" userId="3ea80d37ed61a017" providerId="LiveId" clId="{D3D9F3EF-2886-439A-AD34-431E1952F7A4}" dt="2024-04-17T16:05:01.733" v="927" actId="1076"/>
-          <ac:spMkLst>
-            <pc:docMk/>
-            <pc:sldMk cId="3695609286" sldId="315"/>
-            <ac:spMk id="2066" creationId="{851877DB-3BCB-8D29-281E-B6D4FBA8B105}"/>
-          </ac:spMkLst>
-        </pc:spChg>
-        <pc:spChg chg="add mod">
-          <ac:chgData name="Luiz Break" userId="3ea80d37ed61a017" providerId="LiveId" clId="{D3D9F3EF-2886-439A-AD34-431E1952F7A4}" dt="2024-04-17T15:58:13.511" v="829" actId="1038"/>
-          <ac:spMkLst>
-            <pc:docMk/>
-            <pc:sldMk cId="3695609286" sldId="315"/>
-            <ac:spMk id="2067" creationId="{D970551D-DCFA-46B5-9F30-3E63C4E4768A}"/>
-          </ac:spMkLst>
-        </pc:spChg>
-        <pc:spChg chg="add mod">
-          <ac:chgData name="Luiz Break" userId="3ea80d37ed61a017" providerId="LiveId" clId="{D3D9F3EF-2886-439A-AD34-431E1952F7A4}" dt="2024-04-17T16:05:06.343" v="928" actId="1076"/>
-          <ac:spMkLst>
-            <pc:docMk/>
-            <pc:sldMk cId="3695609286" sldId="315"/>
-            <ac:spMk id="2068" creationId="{955F2C58-F6CD-5D67-C106-F76CBE4CF01A}"/>
-          </ac:spMkLst>
-        </pc:spChg>
-        <pc:spChg chg="add mod">
-          <ac:chgData name="Luiz Break" userId="3ea80d37ed61a017" providerId="LiveId" clId="{D3D9F3EF-2886-439A-AD34-431E1952F7A4}" dt="2024-04-17T16:07:17.828" v="1147" actId="14100"/>
-          <ac:spMkLst>
-            <pc:docMk/>
-            <pc:sldMk cId="3695609286" sldId="315"/>
-            <ac:spMk id="2069" creationId="{4587318F-EDDB-1644-888E-540244C3950D}"/>
-          </ac:spMkLst>
-        </pc:spChg>
-        <pc:picChg chg="add del mod">
-          <ac:chgData name="Luiz Break" userId="3ea80d37ed61a017" providerId="LiveId" clId="{D3D9F3EF-2886-439A-AD34-431E1952F7A4}" dt="2024-04-17T15:30:55.867" v="265" actId="21"/>
-          <ac:picMkLst>
-            <pc:docMk/>
-            <pc:sldMk cId="3695609286" sldId="315"/>
-            <ac:picMk id="18" creationId="{C25DD9FE-B2BC-B31F-F0FE-D4801AD2806E}"/>
-          </ac:picMkLst>
-        </pc:picChg>
-        <pc:picChg chg="add del mod">
-          <ac:chgData name="Luiz Break" userId="3ea80d37ed61a017" providerId="LiveId" clId="{D3D9F3EF-2886-439A-AD34-431E1952F7A4}" dt="2024-04-17T15:30:45.148" v="264" actId="21"/>
-          <ac:picMkLst>
-            <pc:docMk/>
-            <pc:sldMk cId="3695609286" sldId="315"/>
-            <ac:picMk id="19" creationId="{01FE3AA2-3596-F9B4-BFDA-2A320C073202}"/>
-          </ac:picMkLst>
-        </pc:picChg>
-        <pc:picChg chg="add mod">
-          <ac:chgData name="Luiz Break" userId="3ea80d37ed61a017" providerId="LiveId" clId="{D3D9F3EF-2886-439A-AD34-431E1952F7A4}" dt="2024-04-17T15:48:26.799" v="703" actId="1076"/>
-          <ac:picMkLst>
-            <pc:docMk/>
-            <pc:sldMk cId="3695609286" sldId="315"/>
-            <ac:picMk id="20" creationId="{236FE60B-8F4F-E43B-195B-41B570E40786}"/>
-          </ac:picMkLst>
-        </pc:picChg>
-        <pc:picChg chg="del">
-          <ac:chgData name="Luiz Break" userId="3ea80d37ed61a017" providerId="LiveId" clId="{D3D9F3EF-2886-439A-AD34-431E1952F7A4}" dt="2024-04-17T15:35:38.424" v="378" actId="21"/>
-          <ac:picMkLst>
-            <pc:docMk/>
-            <pc:sldMk cId="3695609286" sldId="315"/>
-            <ac:picMk id="21" creationId="{000271B3-4644-15A3-73CB-94FC6C742924}"/>
-          </ac:picMkLst>
-        </pc:picChg>
-        <pc:picChg chg="add mod">
-          <ac:chgData name="Luiz Break" userId="3ea80d37ed61a017" providerId="LiveId" clId="{D3D9F3EF-2886-439A-AD34-431E1952F7A4}" dt="2024-04-17T15:48:09.237" v="700" actId="1076"/>
-          <ac:picMkLst>
-            <pc:docMk/>
-            <pc:sldMk cId="3695609286" sldId="315"/>
-            <ac:picMk id="32" creationId="{EEA13134-A718-7DCB-AFC1-4EAEEBFCB57F}"/>
-          </ac:picMkLst>
-        </pc:picChg>
-        <pc:picChg chg="mod">
-          <ac:chgData name="Luiz Break" userId="3ea80d37ed61a017" providerId="LiveId" clId="{D3D9F3EF-2886-439A-AD34-431E1952F7A4}" dt="2024-04-17T15:43:20.286" v="575" actId="1076"/>
-          <ac:picMkLst>
-            <pc:docMk/>
-            <pc:sldMk cId="3695609286" sldId="315"/>
-            <ac:picMk id="41" creationId="{0AF23CE0-CCFC-327A-AE69-0A5D9E8861D9}"/>
-          </ac:picMkLst>
-        </pc:picChg>
-        <pc:picChg chg="del">
-          <ac:chgData name="Luiz Break" userId="3ea80d37ed61a017" providerId="LiveId" clId="{D3D9F3EF-2886-439A-AD34-431E1952F7A4}" dt="2024-04-17T15:29:56.304" v="235" actId="21"/>
-          <ac:picMkLst>
-            <pc:docMk/>
-            <pc:sldMk cId="3695609286" sldId="315"/>
-            <ac:picMk id="43" creationId="{128D6B60-B874-1D5C-0C81-E1D7BBA5CE6D}"/>
-          </ac:picMkLst>
-        </pc:picChg>
-        <pc:picChg chg="del">
-          <ac:chgData name="Luiz Break" userId="3ea80d37ed61a017" providerId="LiveId" clId="{D3D9F3EF-2886-439A-AD34-431E1952F7A4}" dt="2024-04-17T15:29:56.304" v="235" actId="21"/>
-          <ac:picMkLst>
-            <pc:docMk/>
-            <pc:sldMk cId="3695609286" sldId="315"/>
-            <ac:picMk id="47" creationId="{430A5348-D02F-1ED5-ACAC-869103254536}"/>
-          </ac:picMkLst>
-        </pc:picChg>
-        <pc:picChg chg="mod">
-          <ac:chgData name="Luiz Break" userId="3ea80d37ed61a017" providerId="LiveId" clId="{D3D9F3EF-2886-439A-AD34-431E1952F7A4}" dt="2024-04-17T15:43:20.286" v="575" actId="1076"/>
-          <ac:picMkLst>
-            <pc:docMk/>
-            <pc:sldMk cId="3695609286" sldId="315"/>
-            <ac:picMk id="49" creationId="{BA32E0AB-07A2-1FE4-1F22-36F2D6ED9561}"/>
-          </ac:picMkLst>
-        </pc:picChg>
-        <pc:picChg chg="del">
-          <ac:chgData name="Luiz Break" userId="3ea80d37ed61a017" providerId="LiveId" clId="{D3D9F3EF-2886-439A-AD34-431E1952F7A4}" dt="2024-04-17T15:35:38.424" v="378" actId="21"/>
-          <ac:picMkLst>
-            <pc:docMk/>
-            <pc:sldMk cId="3695609286" sldId="315"/>
-            <ac:picMk id="54" creationId="{B5AA94A0-24D4-A79C-47E3-DB11FED8AA25}"/>
-          </ac:picMkLst>
-        </pc:picChg>
-        <pc:picChg chg="del">
-          <ac:chgData name="Luiz Break" userId="3ea80d37ed61a017" providerId="LiveId" clId="{D3D9F3EF-2886-439A-AD34-431E1952F7A4}" dt="2024-04-17T15:29:56.304" v="235" actId="21"/>
-          <ac:picMkLst>
-            <pc:docMk/>
-            <pc:sldMk cId="3695609286" sldId="315"/>
-            <ac:picMk id="56" creationId="{6E038C9E-E268-E2BF-E173-F7F7ECE267AA}"/>
-          </ac:picMkLst>
-        </pc:picChg>
-        <pc:picChg chg="mod">
-          <ac:chgData name="Luiz Break" userId="3ea80d37ed61a017" providerId="LiveId" clId="{D3D9F3EF-2886-439A-AD34-431E1952F7A4}" dt="2024-04-17T15:43:20.286" v="575" actId="1076"/>
-          <ac:picMkLst>
-            <pc:docMk/>
-            <pc:sldMk cId="3695609286" sldId="315"/>
-            <ac:picMk id="57" creationId="{8D801A91-DDB3-A2E7-7E80-3A2F2F19F660}"/>
-          </ac:picMkLst>
-        </pc:picChg>
-        <pc:picChg chg="add mod">
-          <ac:chgData name="Luiz Break" userId="3ea80d37ed61a017" providerId="LiveId" clId="{D3D9F3EF-2886-439A-AD34-431E1952F7A4}" dt="2024-04-17T16:05:29.265" v="966" actId="1036"/>
-          <ac:picMkLst>
-            <pc:docMk/>
-            <pc:sldMk cId="3695609286" sldId="315"/>
-            <ac:picMk id="59" creationId="{68FD3928-FDF5-DB54-6F56-6EE748187448}"/>
-          </ac:picMkLst>
-        </pc:picChg>
-        <pc:picChg chg="add mod">
-          <ac:chgData name="Luiz Break" userId="3ea80d37ed61a017" providerId="LiveId" clId="{D3D9F3EF-2886-439A-AD34-431E1952F7A4}" dt="2024-04-17T15:57:59.719" v="816" actId="1076"/>
-          <ac:picMkLst>
-            <pc:docMk/>
-            <pc:sldMk cId="3695609286" sldId="315"/>
-            <ac:picMk id="62" creationId="{8BD3C1CC-56CB-6390-B5C4-F78636D880A2}"/>
-          </ac:picMkLst>
-        </pc:picChg>
-        <pc:picChg chg="del">
-          <ac:chgData name="Luiz Break" userId="3ea80d37ed61a017" providerId="LiveId" clId="{D3D9F3EF-2886-439A-AD34-431E1952F7A4}" dt="2024-04-17T15:35:38.424" v="378" actId="21"/>
-          <ac:picMkLst>
-            <pc:docMk/>
-            <pc:sldMk cId="3695609286" sldId="315"/>
-            <ac:picMk id="2050" creationId="{C6E45138-9D63-CE96-94AD-D4143DC0D55D}"/>
-          </ac:picMkLst>
-        </pc:picChg>
-        <pc:picChg chg="del">
-          <ac:chgData name="Luiz Break" userId="3ea80d37ed61a017" providerId="LiveId" clId="{D3D9F3EF-2886-439A-AD34-431E1952F7A4}" dt="2024-04-17T15:29:56.304" v="235" actId="21"/>
-          <ac:picMkLst>
-            <pc:docMk/>
-            <pc:sldMk cId="3695609286" sldId="315"/>
-            <ac:picMk id="2052" creationId="{BD35D695-A843-C869-9027-32AFB458F077}"/>
-          </ac:picMkLst>
-        </pc:picChg>
-        <pc:cxnChg chg="add mod">
-          <ac:chgData name="Luiz Break" userId="3ea80d37ed61a017" providerId="LiveId" clId="{D3D9F3EF-2886-439A-AD34-431E1952F7A4}" dt="2024-04-17T15:48:09.237" v="700" actId="1076"/>
-          <ac:cxnSpMkLst>
-            <pc:docMk/>
-            <pc:sldMk cId="3695609286" sldId="315"/>
-            <ac:cxnSpMk id="22" creationId="{071FD0B6-70C7-8A9B-79B7-0CE409E79BC0}"/>
-          </ac:cxnSpMkLst>
-        </pc:cxnChg>
-        <pc:cxnChg chg="add mod">
-          <ac:chgData name="Luiz Break" userId="3ea80d37ed61a017" providerId="LiveId" clId="{D3D9F3EF-2886-439A-AD34-431E1952F7A4}" dt="2024-04-17T15:48:16.441" v="702" actId="1076"/>
-          <ac:cxnSpMkLst>
-            <pc:docMk/>
-            <pc:sldMk cId="3695609286" sldId="315"/>
-            <ac:cxnSpMk id="34" creationId="{013A799E-B8F9-0454-82A5-DBB3E5E887A8}"/>
-          </ac:cxnSpMkLst>
-        </pc:cxnChg>
-        <pc:cxnChg chg="add del mod">
-          <ac:chgData name="Luiz Break" userId="3ea80d37ed61a017" providerId="LiveId" clId="{D3D9F3EF-2886-439A-AD34-431E1952F7A4}" dt="2024-04-17T15:37:22.599" v="393" actId="21"/>
-          <ac:cxnSpMkLst>
-            <pc:docMk/>
-            <pc:sldMk cId="3695609286" sldId="315"/>
-            <ac:cxnSpMk id="45" creationId="{491AF060-338F-F6EB-F47B-94F28310E5C4}"/>
-          </ac:cxnSpMkLst>
-        </pc:cxnChg>
       </pc:sldChg>
       <pc:sldChg chg="del">
         <pc:chgData name="Luiz Break" userId="3ea80d37ed61a017" providerId="LiveId" clId="{D3D9F3EF-2886-439A-AD34-431E1952F7A4}" dt="2024-04-17T15:27:39.528" v="213" actId="2696"/>
@@ -5157,1129 +1248,12 @@
           <pc:docMk/>
           <pc:sldMk cId="4240549405" sldId="316"/>
         </pc:sldMkLst>
-        <pc:spChg chg="add mod">
-          <ac:chgData name="Luiz Break" userId="3ea80d37ed61a017" providerId="LiveId" clId="{D3D9F3EF-2886-439A-AD34-431E1952F7A4}" dt="2024-04-19T14:47:28.201" v="1335" actId="1035"/>
-          <ac:spMkLst>
-            <pc:docMk/>
-            <pc:sldMk cId="4240549405" sldId="316"/>
-            <ac:spMk id="2" creationId="{22466969-6F95-F649-70D4-93D00BAB7BD9}"/>
-          </ac:spMkLst>
-        </pc:spChg>
-        <pc:spChg chg="add del mod">
-          <ac:chgData name="Luiz Break" userId="3ea80d37ed61a017" providerId="LiveId" clId="{D3D9F3EF-2886-439A-AD34-431E1952F7A4}" dt="2024-04-17T15:40:48.832" v="518" actId="21"/>
-          <ac:spMkLst>
-            <pc:docMk/>
-            <pc:sldMk cId="4240549405" sldId="316"/>
-            <ac:spMk id="3" creationId="{711DF43F-EF81-52B0-4CEE-22CBDA6143B9}"/>
-          </ac:spMkLst>
-        </pc:spChg>
-        <pc:spChg chg="mod">
-          <ac:chgData name="Luiz Break" userId="3ea80d37ed61a017" providerId="LiveId" clId="{D3D9F3EF-2886-439A-AD34-431E1952F7A4}" dt="2024-04-19T14:47:32.825" v="1352" actId="1035"/>
-          <ac:spMkLst>
-            <pc:docMk/>
-            <pc:sldMk cId="4240549405" sldId="316"/>
-            <ac:spMk id="4" creationId="{F9486D9B-FA29-B9C7-03A9-D68D64B0E861}"/>
-          </ac:spMkLst>
-        </pc:spChg>
-        <pc:spChg chg="mod">
-          <ac:chgData name="Luiz Break" userId="3ea80d37ed61a017" providerId="LiveId" clId="{D3D9F3EF-2886-439A-AD34-431E1952F7A4}" dt="2024-04-19T14:47:28.201" v="1335" actId="1035"/>
-          <ac:spMkLst>
-            <pc:docMk/>
-            <pc:sldMk cId="4240549405" sldId="316"/>
-            <ac:spMk id="5" creationId="{9E8D00AC-9659-6C72-F814-0C055F1E3881}"/>
-          </ac:spMkLst>
-        </pc:spChg>
-        <pc:spChg chg="del">
-          <ac:chgData name="Luiz Break" userId="3ea80d37ed61a017" providerId="LiveId" clId="{D3D9F3EF-2886-439A-AD34-431E1952F7A4}" dt="2024-04-17T15:41:26.550" v="522" actId="21"/>
-          <ac:spMkLst>
-            <pc:docMk/>
-            <pc:sldMk cId="4240549405" sldId="316"/>
-            <ac:spMk id="6" creationId="{F522F992-9AE7-DCFF-71AC-F9791D044391}"/>
-          </ac:spMkLst>
-        </pc:spChg>
-        <pc:spChg chg="mod">
-          <ac:chgData name="Luiz Break" userId="3ea80d37ed61a017" providerId="LiveId" clId="{D3D9F3EF-2886-439A-AD34-431E1952F7A4}" dt="2024-04-19T14:47:28.201" v="1335" actId="1035"/>
-          <ac:spMkLst>
-            <pc:docMk/>
-            <pc:sldMk cId="4240549405" sldId="316"/>
-            <ac:spMk id="7" creationId="{F32F4D42-5EA7-565C-4E12-A0106BCD603B}"/>
-          </ac:spMkLst>
-        </pc:spChg>
-        <pc:spChg chg="mod">
-          <ac:chgData name="Luiz Break" userId="3ea80d37ed61a017" providerId="LiveId" clId="{D3D9F3EF-2886-439A-AD34-431E1952F7A4}" dt="2024-04-19T14:47:28.201" v="1335" actId="1035"/>
-          <ac:spMkLst>
-            <pc:docMk/>
-            <pc:sldMk cId="4240549405" sldId="316"/>
-            <ac:spMk id="8" creationId="{2F3AC214-B009-B7D4-CF6E-1625C4F9DAF9}"/>
-          </ac:spMkLst>
-        </pc:spChg>
-        <pc:spChg chg="mod">
-          <ac:chgData name="Luiz Break" userId="3ea80d37ed61a017" providerId="LiveId" clId="{D3D9F3EF-2886-439A-AD34-431E1952F7A4}" dt="2024-04-19T14:47:28.201" v="1335" actId="1035"/>
-          <ac:spMkLst>
-            <pc:docMk/>
-            <pc:sldMk cId="4240549405" sldId="316"/>
-            <ac:spMk id="9" creationId="{FB7B2863-9E0A-CC84-AD22-449C88E3F677}"/>
-          </ac:spMkLst>
-        </pc:spChg>
-        <pc:spChg chg="mod">
-          <ac:chgData name="Luiz Break" userId="3ea80d37ed61a017" providerId="LiveId" clId="{D3D9F3EF-2886-439A-AD34-431E1952F7A4}" dt="2024-04-19T14:47:28.201" v="1335" actId="1035"/>
-          <ac:spMkLst>
-            <pc:docMk/>
-            <pc:sldMk cId="4240549405" sldId="316"/>
-            <ac:spMk id="11" creationId="{D51365FF-E933-8EB3-28D4-0F23E9085BDF}"/>
-          </ac:spMkLst>
-        </pc:spChg>
-        <pc:spChg chg="add mod">
-          <ac:chgData name="Luiz Break" userId="3ea80d37ed61a017" providerId="LiveId" clId="{D3D9F3EF-2886-439A-AD34-431E1952F7A4}" dt="2024-04-19T14:47:32.825" v="1352" actId="1035"/>
-          <ac:spMkLst>
-            <pc:docMk/>
-            <pc:sldMk cId="4240549405" sldId="316"/>
-            <ac:spMk id="18" creationId="{DCE290A5-3E42-912F-92C8-98D1F722712A}"/>
-          </ac:spMkLst>
-        </pc:spChg>
-        <pc:spChg chg="add mod">
-          <ac:chgData name="Luiz Break" userId="3ea80d37ed61a017" providerId="LiveId" clId="{D3D9F3EF-2886-439A-AD34-431E1952F7A4}" dt="2024-04-17T16:07:38.109" v="1173" actId="20577"/>
-          <ac:spMkLst>
-            <pc:docMk/>
-            <pc:sldMk cId="4240549405" sldId="316"/>
-            <ac:spMk id="32" creationId="{3BE662EC-D9F9-6E83-C80A-D9D579EE95F9}"/>
-          </ac:spMkLst>
-        </pc:spChg>
-        <pc:spChg chg="mod">
-          <ac:chgData name="Luiz Break" userId="3ea80d37ed61a017" providerId="LiveId" clId="{D3D9F3EF-2886-439A-AD34-431E1952F7A4}" dt="2024-04-19T14:47:28.201" v="1335" actId="1035"/>
-          <ac:spMkLst>
-            <pc:docMk/>
-            <pc:sldMk cId="4240549405" sldId="316"/>
-            <ac:spMk id="47" creationId="{32AA358C-6F85-39F6-422F-199890C2802A}"/>
-          </ac:spMkLst>
-        </pc:spChg>
-        <pc:spChg chg="mod">
-          <ac:chgData name="Luiz Break" userId="3ea80d37ed61a017" providerId="LiveId" clId="{D3D9F3EF-2886-439A-AD34-431E1952F7A4}" dt="2024-04-17T16:02:07.618" v="922" actId="113"/>
-          <ac:spMkLst>
-            <pc:docMk/>
-            <pc:sldMk cId="4240549405" sldId="316"/>
-            <ac:spMk id="55" creationId="{C696C2AF-6E3E-3D62-88CF-F30184B6BD95}"/>
-          </ac:spMkLst>
-        </pc:spChg>
-        <pc:spChg chg="mod">
-          <ac:chgData name="Luiz Break" userId="3ea80d37ed61a017" providerId="LiveId" clId="{D3D9F3EF-2886-439A-AD34-431E1952F7A4}" dt="2024-04-17T15:55:44.195" v="738" actId="20577"/>
-          <ac:spMkLst>
-            <pc:docMk/>
-            <pc:sldMk cId="4240549405" sldId="316"/>
-            <ac:spMk id="56" creationId="{7CE52EA9-D9F4-D636-1671-4458A0519A71}"/>
-          </ac:spMkLst>
-        </pc:spChg>
-        <pc:spChg chg="del mod">
-          <ac:chgData name="Luiz Break" userId="3ea80d37ed61a017" providerId="LiveId" clId="{D3D9F3EF-2886-439A-AD34-431E1952F7A4}" dt="2024-04-17T16:01:16.118" v="891" actId="21"/>
-          <ac:spMkLst>
-            <pc:docMk/>
-            <pc:sldMk cId="4240549405" sldId="316"/>
-            <ac:spMk id="57" creationId="{5DD8C4E7-85B9-F597-8746-40AA9CE19491}"/>
-          </ac:spMkLst>
-        </pc:spChg>
-        <pc:spChg chg="mod">
-          <ac:chgData name="Luiz Break" userId="3ea80d37ed61a017" providerId="LiveId" clId="{D3D9F3EF-2886-439A-AD34-431E1952F7A4}" dt="2024-04-17T15:55:47.867" v="741" actId="20577"/>
-          <ac:spMkLst>
-            <pc:docMk/>
-            <pc:sldMk cId="4240549405" sldId="316"/>
-            <ac:spMk id="58" creationId="{510E4BB4-2331-00D3-11AC-7F1E0C2EE1AA}"/>
-          </ac:spMkLst>
-        </pc:spChg>
-        <pc:spChg chg="del mod">
-          <ac:chgData name="Luiz Break" userId="3ea80d37ed61a017" providerId="LiveId" clId="{D3D9F3EF-2886-439A-AD34-431E1952F7A4}" dt="2024-04-17T16:01:01.009" v="889" actId="21"/>
-          <ac:spMkLst>
-            <pc:docMk/>
-            <pc:sldMk cId="4240549405" sldId="316"/>
-            <ac:spMk id="66" creationId="{16676129-1309-9A3C-D5A2-EC932EC1BD52}"/>
-          </ac:spMkLst>
-        </pc:spChg>
-        <pc:picChg chg="add del">
-          <ac:chgData name="Luiz Break" userId="3ea80d37ed61a017" providerId="LiveId" clId="{D3D9F3EF-2886-439A-AD34-431E1952F7A4}" dt="2024-04-19T16:31:09.571" v="1355" actId="478"/>
-          <ac:picMkLst>
-            <pc:docMk/>
-            <pc:sldMk cId="4240549405" sldId="316"/>
-            <ac:picMk id="10" creationId="{DB0F6C98-B340-12B6-4D39-CFC9242D1EC5}"/>
-          </ac:picMkLst>
-        </pc:picChg>
-        <pc:cxnChg chg="add mod">
-          <ac:chgData name="Luiz Break" userId="3ea80d37ed61a017" providerId="LiveId" clId="{D3D9F3EF-2886-439A-AD34-431E1952F7A4}" dt="2024-04-19T14:47:28.201" v="1335" actId="1035"/>
-          <ac:cxnSpMkLst>
-            <pc:docMk/>
-            <pc:sldMk cId="4240549405" sldId="316"/>
-            <ac:cxnSpMk id="3" creationId="{C9519806-2813-4758-2DCD-797380AB69B7}"/>
-          </ac:cxnSpMkLst>
-        </pc:cxnChg>
-        <pc:cxnChg chg="del mod">
-          <ac:chgData name="Luiz Break" userId="3ea80d37ed61a017" providerId="LiveId" clId="{D3D9F3EF-2886-439A-AD34-431E1952F7A4}" dt="2024-04-17T15:41:29.503" v="523" actId="21"/>
-          <ac:cxnSpMkLst>
-            <pc:docMk/>
-            <pc:sldMk cId="4240549405" sldId="316"/>
-            <ac:cxnSpMk id="15" creationId="{66C656AC-AF93-79DE-4E45-1044FD45C831}"/>
-          </ac:cxnSpMkLst>
-        </pc:cxnChg>
-        <pc:cxnChg chg="mod">
-          <ac:chgData name="Luiz Break" userId="3ea80d37ed61a017" providerId="LiveId" clId="{D3D9F3EF-2886-439A-AD34-431E1952F7A4}" dt="2024-04-19T14:47:28.201" v="1335" actId="1035"/>
-          <ac:cxnSpMkLst>
-            <pc:docMk/>
-            <pc:sldMk cId="4240549405" sldId="316"/>
-            <ac:cxnSpMk id="17" creationId="{A4BFCC77-99A0-6EF6-E869-D31B1B08636D}"/>
-          </ac:cxnSpMkLst>
-        </pc:cxnChg>
-        <pc:cxnChg chg="add mod">
-          <ac:chgData name="Luiz Break" userId="3ea80d37ed61a017" providerId="LiveId" clId="{D3D9F3EF-2886-439A-AD34-431E1952F7A4}" dt="2024-04-19T14:47:32.825" v="1352" actId="1035"/>
-          <ac:cxnSpMkLst>
-            <pc:docMk/>
-            <pc:sldMk cId="4240549405" sldId="316"/>
-            <ac:cxnSpMk id="19" creationId="{6CD52AB7-8D2A-4E8E-FC35-95BEEEAE046D}"/>
-          </ac:cxnSpMkLst>
-        </pc:cxnChg>
-        <pc:cxnChg chg="mod">
-          <ac:chgData name="Luiz Break" userId="3ea80d37ed61a017" providerId="LiveId" clId="{D3D9F3EF-2886-439A-AD34-431E1952F7A4}" dt="2024-04-19T14:47:28.201" v="1335" actId="1035"/>
-          <ac:cxnSpMkLst>
-            <pc:docMk/>
-            <pc:sldMk cId="4240549405" sldId="316"/>
-            <ac:cxnSpMk id="22" creationId="{E2566536-7AF2-82F2-DD8C-AF688382FB0D}"/>
-          </ac:cxnSpMkLst>
-        </pc:cxnChg>
-        <pc:cxnChg chg="del mod">
-          <ac:chgData name="Luiz Break" userId="3ea80d37ed61a017" providerId="LiveId" clId="{D3D9F3EF-2886-439A-AD34-431E1952F7A4}" dt="2024-04-17T15:42:13.316" v="543" actId="21"/>
-          <ac:cxnSpMkLst>
-            <pc:docMk/>
-            <pc:sldMk cId="4240549405" sldId="316"/>
-            <ac:cxnSpMk id="24" creationId="{B2ABEB8A-1BEF-CAEA-3632-74E37A2E5855}"/>
-          </ac:cxnSpMkLst>
-        </pc:cxnChg>
-        <pc:cxnChg chg="mod">
-          <ac:chgData name="Luiz Break" userId="3ea80d37ed61a017" providerId="LiveId" clId="{D3D9F3EF-2886-439A-AD34-431E1952F7A4}" dt="2024-04-19T14:47:28.201" v="1335" actId="1035"/>
-          <ac:cxnSpMkLst>
-            <pc:docMk/>
-            <pc:sldMk cId="4240549405" sldId="316"/>
-            <ac:cxnSpMk id="30" creationId="{AF0DADBD-BF31-F572-1AF2-F1F4711F3BC2}"/>
-          </ac:cxnSpMkLst>
-        </pc:cxnChg>
-        <pc:cxnChg chg="mod">
-          <ac:chgData name="Luiz Break" userId="3ea80d37ed61a017" providerId="LiveId" clId="{D3D9F3EF-2886-439A-AD34-431E1952F7A4}" dt="2024-04-19T14:47:28.201" v="1335" actId="1035"/>
-          <ac:cxnSpMkLst>
-            <pc:docMk/>
-            <pc:sldMk cId="4240549405" sldId="316"/>
-            <ac:cxnSpMk id="33" creationId="{25EBBF45-730D-4934-B782-FAEE70597F7D}"/>
-          </ac:cxnSpMkLst>
-        </pc:cxnChg>
-        <pc:cxnChg chg="mod">
-          <ac:chgData name="Luiz Break" userId="3ea80d37ed61a017" providerId="LiveId" clId="{D3D9F3EF-2886-439A-AD34-431E1952F7A4}" dt="2024-04-19T14:47:28.201" v="1335" actId="1035"/>
-          <ac:cxnSpMkLst>
-            <pc:docMk/>
-            <pc:sldMk cId="4240549405" sldId="316"/>
-            <ac:cxnSpMk id="49" creationId="{5C0D49A7-A8B8-D8E0-2E45-10D5616A02DF}"/>
-          </ac:cxnSpMkLst>
-        </pc:cxnChg>
       </pc:sldChg>
       <pc:sldChg chg="delSp modSp add mod">
         <pc:chgData name="Luiz Break" userId="3ea80d37ed61a017" providerId="LiveId" clId="{D3D9F3EF-2886-439A-AD34-431E1952F7A4}" dt="2024-04-19T16:32:08.854" v="1366" actId="1076"/>
         <pc:sldMkLst>
           <pc:docMk/>
           <pc:sldMk cId="1327391553" sldId="317"/>
-        </pc:sldMkLst>
-        <pc:spChg chg="del">
-          <ac:chgData name="Luiz Break" userId="3ea80d37ed61a017" providerId="LiveId" clId="{D3D9F3EF-2886-439A-AD34-431E1952F7A4}" dt="2024-04-19T16:31:33.087" v="1359" actId="21"/>
-          <ac:spMkLst>
-            <pc:docMk/>
-            <pc:sldMk cId="1327391553" sldId="317"/>
-            <ac:spMk id="2" creationId="{22466969-6F95-F649-70D4-93D00BAB7BD9}"/>
-          </ac:spMkLst>
-        </pc:spChg>
-        <pc:spChg chg="del">
-          <ac:chgData name="Luiz Break" userId="3ea80d37ed61a017" providerId="LiveId" clId="{D3D9F3EF-2886-439A-AD34-431E1952F7A4}" dt="2024-04-19T16:31:30.150" v="1358" actId="21"/>
-          <ac:spMkLst>
-            <pc:docMk/>
-            <pc:sldMk cId="1327391553" sldId="317"/>
-            <ac:spMk id="4" creationId="{F9486D9B-FA29-B9C7-03A9-D68D64B0E861}"/>
-          </ac:spMkLst>
-        </pc:spChg>
-        <pc:spChg chg="del">
-          <ac:chgData name="Luiz Break" userId="3ea80d37ed61a017" providerId="LiveId" clId="{D3D9F3EF-2886-439A-AD34-431E1952F7A4}" dt="2024-04-19T16:31:30.150" v="1358" actId="21"/>
-          <ac:spMkLst>
-            <pc:docMk/>
-            <pc:sldMk cId="1327391553" sldId="317"/>
-            <ac:spMk id="5" creationId="{9E8D00AC-9659-6C72-F814-0C055F1E3881}"/>
-          </ac:spMkLst>
-        </pc:spChg>
-        <pc:spChg chg="del">
-          <ac:chgData name="Luiz Break" userId="3ea80d37ed61a017" providerId="LiveId" clId="{D3D9F3EF-2886-439A-AD34-431E1952F7A4}" dt="2024-04-19T16:31:30.150" v="1358" actId="21"/>
-          <ac:spMkLst>
-            <pc:docMk/>
-            <pc:sldMk cId="1327391553" sldId="317"/>
-            <ac:spMk id="7" creationId="{F32F4D42-5EA7-565C-4E12-A0106BCD603B}"/>
-          </ac:spMkLst>
-        </pc:spChg>
-        <pc:spChg chg="del">
-          <ac:chgData name="Luiz Break" userId="3ea80d37ed61a017" providerId="LiveId" clId="{D3D9F3EF-2886-439A-AD34-431E1952F7A4}" dt="2024-04-19T16:31:30.150" v="1358" actId="21"/>
-          <ac:spMkLst>
-            <pc:docMk/>
-            <pc:sldMk cId="1327391553" sldId="317"/>
-            <ac:spMk id="8" creationId="{2F3AC214-B009-B7D4-CF6E-1625C4F9DAF9}"/>
-          </ac:spMkLst>
-        </pc:spChg>
-        <pc:spChg chg="del">
-          <ac:chgData name="Luiz Break" userId="3ea80d37ed61a017" providerId="LiveId" clId="{D3D9F3EF-2886-439A-AD34-431E1952F7A4}" dt="2024-04-19T16:31:30.150" v="1358" actId="21"/>
-          <ac:spMkLst>
-            <pc:docMk/>
-            <pc:sldMk cId="1327391553" sldId="317"/>
-            <ac:spMk id="9" creationId="{FB7B2863-9E0A-CC84-AD22-449C88E3F677}"/>
-          </ac:spMkLst>
-        </pc:spChg>
-        <pc:spChg chg="del">
-          <ac:chgData name="Luiz Break" userId="3ea80d37ed61a017" providerId="LiveId" clId="{D3D9F3EF-2886-439A-AD34-431E1952F7A4}" dt="2024-04-19T16:31:30.150" v="1358" actId="21"/>
-          <ac:spMkLst>
-            <pc:docMk/>
-            <pc:sldMk cId="1327391553" sldId="317"/>
-            <ac:spMk id="11" creationId="{D51365FF-E933-8EB3-28D4-0F23E9085BDF}"/>
-          </ac:spMkLst>
-        </pc:spChg>
-        <pc:spChg chg="del">
-          <ac:chgData name="Luiz Break" userId="3ea80d37ed61a017" providerId="LiveId" clId="{D3D9F3EF-2886-439A-AD34-431E1952F7A4}" dt="2024-04-19T16:31:30.150" v="1358" actId="21"/>
-          <ac:spMkLst>
-            <pc:docMk/>
-            <pc:sldMk cId="1327391553" sldId="317"/>
-            <ac:spMk id="18" creationId="{DCE290A5-3E42-912F-92C8-98D1F722712A}"/>
-          </ac:spMkLst>
-        </pc:spChg>
-        <pc:spChg chg="del">
-          <ac:chgData name="Luiz Break" userId="3ea80d37ed61a017" providerId="LiveId" clId="{D3D9F3EF-2886-439A-AD34-431E1952F7A4}" dt="2024-04-19T16:31:30.150" v="1358" actId="21"/>
-          <ac:spMkLst>
-            <pc:docMk/>
-            <pc:sldMk cId="1327391553" sldId="317"/>
-            <ac:spMk id="47" creationId="{32AA358C-6F85-39F6-422F-199890C2802A}"/>
-          </ac:spMkLst>
-        </pc:spChg>
-        <pc:spChg chg="del">
-          <ac:chgData name="Luiz Break" userId="3ea80d37ed61a017" providerId="LiveId" clId="{D3D9F3EF-2886-439A-AD34-431E1952F7A4}" dt="2024-04-19T16:31:38.962" v="1361" actId="21"/>
-          <ac:spMkLst>
-            <pc:docMk/>
-            <pc:sldMk cId="1327391553" sldId="317"/>
-            <ac:spMk id="55" creationId="{C696C2AF-6E3E-3D62-88CF-F30184B6BD95}"/>
-          </ac:spMkLst>
-        </pc:spChg>
-        <pc:spChg chg="del">
-          <ac:chgData name="Luiz Break" userId="3ea80d37ed61a017" providerId="LiveId" clId="{D3D9F3EF-2886-439A-AD34-431E1952F7A4}" dt="2024-04-19T16:31:30.150" v="1358" actId="21"/>
-          <ac:spMkLst>
-            <pc:docMk/>
-            <pc:sldMk cId="1327391553" sldId="317"/>
-            <ac:spMk id="56" creationId="{7CE52EA9-D9F4-D636-1671-4458A0519A71}"/>
-          </ac:spMkLst>
-        </pc:spChg>
-        <pc:spChg chg="del">
-          <ac:chgData name="Luiz Break" userId="3ea80d37ed61a017" providerId="LiveId" clId="{D3D9F3EF-2886-439A-AD34-431E1952F7A4}" dt="2024-04-19T16:31:30.150" v="1358" actId="21"/>
-          <ac:spMkLst>
-            <pc:docMk/>
-            <pc:sldMk cId="1327391553" sldId="317"/>
-            <ac:spMk id="58" creationId="{510E4BB4-2331-00D3-11AC-7F1E0C2EE1AA}"/>
-          </ac:spMkLst>
-        </pc:spChg>
-        <pc:picChg chg="mod">
-          <ac:chgData name="Luiz Break" userId="3ea80d37ed61a017" providerId="LiveId" clId="{D3D9F3EF-2886-439A-AD34-431E1952F7A4}" dt="2024-04-19T16:32:08.854" v="1366" actId="1076"/>
-          <ac:picMkLst>
-            <pc:docMk/>
-            <pc:sldMk cId="1327391553" sldId="317"/>
-            <ac:picMk id="10" creationId="{DB0F6C98-B340-12B6-4D39-CFC9242D1EC5}"/>
-          </ac:picMkLst>
-        </pc:picChg>
-        <pc:cxnChg chg="del mod">
-          <ac:chgData name="Luiz Break" userId="3ea80d37ed61a017" providerId="LiveId" clId="{D3D9F3EF-2886-439A-AD34-431E1952F7A4}" dt="2024-04-19T16:31:36.071" v="1360" actId="21"/>
-          <ac:cxnSpMkLst>
-            <pc:docMk/>
-            <pc:sldMk cId="1327391553" sldId="317"/>
-            <ac:cxnSpMk id="3" creationId="{C9519806-2813-4758-2DCD-797380AB69B7}"/>
-          </ac:cxnSpMkLst>
-        </pc:cxnChg>
-        <pc:cxnChg chg="del mod">
-          <ac:chgData name="Luiz Break" userId="3ea80d37ed61a017" providerId="LiveId" clId="{D3D9F3EF-2886-439A-AD34-431E1952F7A4}" dt="2024-04-19T16:31:30.150" v="1358" actId="21"/>
-          <ac:cxnSpMkLst>
-            <pc:docMk/>
-            <pc:sldMk cId="1327391553" sldId="317"/>
-            <ac:cxnSpMk id="17" creationId="{A4BFCC77-99A0-6EF6-E869-D31B1B08636D}"/>
-          </ac:cxnSpMkLst>
-        </pc:cxnChg>
-        <pc:cxnChg chg="del mod">
-          <ac:chgData name="Luiz Break" userId="3ea80d37ed61a017" providerId="LiveId" clId="{D3D9F3EF-2886-439A-AD34-431E1952F7A4}" dt="2024-04-19T16:31:30.150" v="1358" actId="21"/>
-          <ac:cxnSpMkLst>
-            <pc:docMk/>
-            <pc:sldMk cId="1327391553" sldId="317"/>
-            <ac:cxnSpMk id="19" creationId="{6CD52AB7-8D2A-4E8E-FC35-95BEEEAE046D}"/>
-          </ac:cxnSpMkLst>
-        </pc:cxnChg>
-        <pc:cxnChg chg="del mod">
-          <ac:chgData name="Luiz Break" userId="3ea80d37ed61a017" providerId="LiveId" clId="{D3D9F3EF-2886-439A-AD34-431E1952F7A4}" dt="2024-04-19T16:31:30.150" v="1358" actId="21"/>
-          <ac:cxnSpMkLst>
-            <pc:docMk/>
-            <pc:sldMk cId="1327391553" sldId="317"/>
-            <ac:cxnSpMk id="22" creationId="{E2566536-7AF2-82F2-DD8C-AF688382FB0D}"/>
-          </ac:cxnSpMkLst>
-        </pc:cxnChg>
-        <pc:cxnChg chg="del mod">
-          <ac:chgData name="Luiz Break" userId="3ea80d37ed61a017" providerId="LiveId" clId="{D3D9F3EF-2886-439A-AD34-431E1952F7A4}" dt="2024-04-19T16:31:30.150" v="1358" actId="21"/>
-          <ac:cxnSpMkLst>
-            <pc:docMk/>
-            <pc:sldMk cId="1327391553" sldId="317"/>
-            <ac:cxnSpMk id="30" creationId="{AF0DADBD-BF31-F572-1AF2-F1F4711F3BC2}"/>
-          </ac:cxnSpMkLst>
-        </pc:cxnChg>
-        <pc:cxnChg chg="del mod">
-          <ac:chgData name="Luiz Break" userId="3ea80d37ed61a017" providerId="LiveId" clId="{D3D9F3EF-2886-439A-AD34-431E1952F7A4}" dt="2024-04-19T16:31:30.150" v="1358" actId="21"/>
-          <ac:cxnSpMkLst>
-            <pc:docMk/>
-            <pc:sldMk cId="1327391553" sldId="317"/>
-            <ac:cxnSpMk id="33" creationId="{25EBBF45-730D-4934-B782-FAEE70597F7D}"/>
-          </ac:cxnSpMkLst>
-        </pc:cxnChg>
-        <pc:cxnChg chg="del mod">
-          <ac:chgData name="Luiz Break" userId="3ea80d37ed61a017" providerId="LiveId" clId="{D3D9F3EF-2886-439A-AD34-431E1952F7A4}" dt="2024-04-19T16:31:30.150" v="1358" actId="21"/>
-          <ac:cxnSpMkLst>
-            <pc:docMk/>
-            <pc:sldMk cId="1327391553" sldId="317"/>
-            <ac:cxnSpMk id="49" creationId="{5C0D49A7-A8B8-D8E0-2E45-10D5616A02DF}"/>
-          </ac:cxnSpMkLst>
-        </pc:cxnChg>
-      </pc:sldChg>
-    </pc:docChg>
-  </pc:docChgLst>
-  <pc:docChgLst>
-    <pc:chgData name="Luiz Break" userId="3ea80d37ed61a017" providerId="LiveId" clId="{E8B0902E-1540-4631-BB6B-61A6CDB1D5C3}"/>
-    <pc:docChg chg="modSld">
-      <pc:chgData name="Luiz Break" userId="3ea80d37ed61a017" providerId="LiveId" clId="{E8B0902E-1540-4631-BB6B-61A6CDB1D5C3}" dt="2023-09-26T09:11:07.322" v="36" actId="20577"/>
-      <pc:docMkLst>
-        <pc:docMk/>
-      </pc:docMkLst>
-      <pc:sldChg chg="delSp modSp mod">
-        <pc:chgData name="Luiz Break" userId="3ea80d37ed61a017" providerId="LiveId" clId="{E8B0902E-1540-4631-BB6B-61A6CDB1D5C3}" dt="2023-09-26T09:11:07.322" v="36" actId="20577"/>
-        <pc:sldMkLst>
-          <pc:docMk/>
-          <pc:sldMk cId="2230791370" sldId="273"/>
-        </pc:sldMkLst>
-        <pc:spChg chg="mod">
-          <ac:chgData name="Luiz Break" userId="3ea80d37ed61a017" providerId="LiveId" clId="{E8B0902E-1540-4631-BB6B-61A6CDB1D5C3}" dt="2023-09-26T09:11:07.322" v="36" actId="20577"/>
-          <ac:spMkLst>
-            <pc:docMk/>
-            <pc:sldMk cId="2230791370" sldId="273"/>
-            <ac:spMk id="9" creationId="{312A354B-B243-EFC7-21BD-E9D586EAC556}"/>
-          </ac:spMkLst>
-        </pc:spChg>
-        <pc:picChg chg="del">
-          <ac:chgData name="Luiz Break" userId="3ea80d37ed61a017" providerId="LiveId" clId="{E8B0902E-1540-4631-BB6B-61A6CDB1D5C3}" dt="2023-09-26T09:10:48.587" v="0" actId="478"/>
-          <ac:picMkLst>
-            <pc:docMk/>
-            <pc:sldMk cId="2230791370" sldId="273"/>
-            <ac:picMk id="1026" creationId="{9FBCF0AD-665F-1E8A-4F06-1394345BF681}"/>
-          </ac:picMkLst>
-        </pc:picChg>
-      </pc:sldChg>
-    </pc:docChg>
-  </pc:docChgLst>
-  <pc:docChgLst>
-    <pc:chgData name="Luiz Break" userId="3ea80d37ed61a017" providerId="LiveId" clId="{578AF5D2-17EE-47FB-929C-12FE1D857E61}"/>
-    <pc:docChg chg="undo custSel addSld modSld">
-      <pc:chgData name="Luiz Break" userId="3ea80d37ed61a017" providerId="LiveId" clId="{578AF5D2-17EE-47FB-929C-12FE1D857E61}" dt="2023-03-15T23:39:33.469" v="1138" actId="1076"/>
-      <pc:docMkLst>
-        <pc:docMk/>
-      </pc:docMkLst>
-      <pc:sldChg chg="addSp delSp modSp new mod">
-        <pc:chgData name="Luiz Break" userId="3ea80d37ed61a017" providerId="LiveId" clId="{578AF5D2-17EE-47FB-929C-12FE1D857E61}" dt="2023-03-15T23:39:33.469" v="1138" actId="1076"/>
-        <pc:sldMkLst>
-          <pc:docMk/>
-          <pc:sldMk cId="3726453899" sldId="256"/>
-        </pc:sldMkLst>
-        <pc:spChg chg="del">
-          <ac:chgData name="Luiz Break" userId="3ea80d37ed61a017" providerId="LiveId" clId="{578AF5D2-17EE-47FB-929C-12FE1D857E61}" dt="2023-03-15T21:34:26.718" v="1" actId="21"/>
-          <ac:spMkLst>
-            <pc:docMk/>
-            <pc:sldMk cId="3726453899" sldId="256"/>
-            <ac:spMk id="2" creationId="{AE67CD90-B545-F203-31F2-11D8F0AF3500}"/>
-          </ac:spMkLst>
-        </pc:spChg>
-        <pc:spChg chg="del">
-          <ac:chgData name="Luiz Break" userId="3ea80d37ed61a017" providerId="LiveId" clId="{578AF5D2-17EE-47FB-929C-12FE1D857E61}" dt="2023-03-15T21:34:26.718" v="1" actId="21"/>
-          <ac:spMkLst>
-            <pc:docMk/>
-            <pc:sldMk cId="3726453899" sldId="256"/>
-            <ac:spMk id="3" creationId="{16DFCA88-51B9-DA4A-20BD-12C396AFEC61}"/>
-          </ac:spMkLst>
-        </pc:spChg>
-        <pc:spChg chg="add mod">
-          <ac:chgData name="Luiz Break" userId="3ea80d37ed61a017" providerId="LiveId" clId="{578AF5D2-17EE-47FB-929C-12FE1D857E61}" dt="2023-03-15T23:39:18.271" v="1135" actId="1036"/>
-          <ac:spMkLst>
-            <pc:docMk/>
-            <pc:sldMk cId="3726453899" sldId="256"/>
-            <ac:spMk id="4" creationId="{F9486D9B-FA29-B9C7-03A9-D68D64B0E861}"/>
-          </ac:spMkLst>
-        </pc:spChg>
-        <pc:spChg chg="add mod">
-          <ac:chgData name="Luiz Break" userId="3ea80d37ed61a017" providerId="LiveId" clId="{578AF5D2-17EE-47FB-929C-12FE1D857E61}" dt="2023-03-15T23:39:18.271" v="1135" actId="1036"/>
-          <ac:spMkLst>
-            <pc:docMk/>
-            <pc:sldMk cId="3726453899" sldId="256"/>
-            <ac:spMk id="5" creationId="{9E8D00AC-9659-6C72-F814-0C055F1E3881}"/>
-          </ac:spMkLst>
-        </pc:spChg>
-        <pc:spChg chg="add mod">
-          <ac:chgData name="Luiz Break" userId="3ea80d37ed61a017" providerId="LiveId" clId="{578AF5D2-17EE-47FB-929C-12FE1D857E61}" dt="2023-03-15T23:39:18.271" v="1135" actId="1036"/>
-          <ac:spMkLst>
-            <pc:docMk/>
-            <pc:sldMk cId="3726453899" sldId="256"/>
-            <ac:spMk id="6" creationId="{F522F992-9AE7-DCFF-71AC-F9791D044391}"/>
-          </ac:spMkLst>
-        </pc:spChg>
-        <pc:spChg chg="add mod">
-          <ac:chgData name="Luiz Break" userId="3ea80d37ed61a017" providerId="LiveId" clId="{578AF5D2-17EE-47FB-929C-12FE1D857E61}" dt="2023-03-15T23:39:18.271" v="1135" actId="1036"/>
-          <ac:spMkLst>
-            <pc:docMk/>
-            <pc:sldMk cId="3726453899" sldId="256"/>
-            <ac:spMk id="7" creationId="{F32F4D42-5EA7-565C-4E12-A0106BCD603B}"/>
-          </ac:spMkLst>
-        </pc:spChg>
-        <pc:spChg chg="add mod">
-          <ac:chgData name="Luiz Break" userId="3ea80d37ed61a017" providerId="LiveId" clId="{578AF5D2-17EE-47FB-929C-12FE1D857E61}" dt="2023-03-15T23:39:18.271" v="1135" actId="1036"/>
-          <ac:spMkLst>
-            <pc:docMk/>
-            <pc:sldMk cId="3726453899" sldId="256"/>
-            <ac:spMk id="8" creationId="{2F3AC214-B009-B7D4-CF6E-1625C4F9DAF9}"/>
-          </ac:spMkLst>
-        </pc:spChg>
-        <pc:spChg chg="add mod">
-          <ac:chgData name="Luiz Break" userId="3ea80d37ed61a017" providerId="LiveId" clId="{578AF5D2-17EE-47FB-929C-12FE1D857E61}" dt="2023-03-15T23:39:18.271" v="1135" actId="1036"/>
-          <ac:spMkLst>
-            <pc:docMk/>
-            <pc:sldMk cId="3726453899" sldId="256"/>
-            <ac:spMk id="9" creationId="{FB7B2863-9E0A-CC84-AD22-449C88E3F677}"/>
-          </ac:spMkLst>
-        </pc:spChg>
-        <pc:spChg chg="add mod">
-          <ac:chgData name="Luiz Break" userId="3ea80d37ed61a017" providerId="LiveId" clId="{578AF5D2-17EE-47FB-929C-12FE1D857E61}" dt="2023-03-15T23:39:18.271" v="1135" actId="1036"/>
-          <ac:spMkLst>
-            <pc:docMk/>
-            <pc:sldMk cId="3726453899" sldId="256"/>
-            <ac:spMk id="10" creationId="{B8527CDC-25CA-69DA-C719-E8C84C0C5786}"/>
-          </ac:spMkLst>
-        </pc:spChg>
-        <pc:spChg chg="add mod">
-          <ac:chgData name="Luiz Break" userId="3ea80d37ed61a017" providerId="LiveId" clId="{578AF5D2-17EE-47FB-929C-12FE1D857E61}" dt="2023-03-15T23:39:18.271" v="1135" actId="1036"/>
-          <ac:spMkLst>
-            <pc:docMk/>
-            <pc:sldMk cId="3726453899" sldId="256"/>
-            <ac:spMk id="11" creationId="{D51365FF-E933-8EB3-28D4-0F23E9085BDF}"/>
-          </ac:spMkLst>
-        </pc:spChg>
-        <pc:spChg chg="add mod">
-          <ac:chgData name="Luiz Break" userId="3ea80d37ed61a017" providerId="LiveId" clId="{578AF5D2-17EE-47FB-929C-12FE1D857E61}" dt="2023-03-15T23:39:18.271" v="1135" actId="1036"/>
-          <ac:spMkLst>
-            <pc:docMk/>
-            <pc:sldMk cId="3726453899" sldId="256"/>
-            <ac:spMk id="12" creationId="{B259F006-3610-D13A-DE7D-A59F99EE53E5}"/>
-          </ac:spMkLst>
-        </pc:spChg>
-        <pc:spChg chg="add mod">
-          <ac:chgData name="Luiz Break" userId="3ea80d37ed61a017" providerId="LiveId" clId="{578AF5D2-17EE-47FB-929C-12FE1D857E61}" dt="2023-03-15T23:39:18.271" v="1135" actId="1036"/>
-          <ac:spMkLst>
-            <pc:docMk/>
-            <pc:sldMk cId="3726453899" sldId="256"/>
-            <ac:spMk id="13" creationId="{3D392FCC-CC4B-826E-9A20-EDC65908CB84}"/>
-          </ac:spMkLst>
-        </pc:spChg>
-        <pc:spChg chg="add mod">
-          <ac:chgData name="Luiz Break" userId="3ea80d37ed61a017" providerId="LiveId" clId="{578AF5D2-17EE-47FB-929C-12FE1D857E61}" dt="2023-03-15T23:37:30.407" v="1073" actId="20577"/>
-          <ac:spMkLst>
-            <pc:docMk/>
-            <pc:sldMk cId="3726453899" sldId="256"/>
-            <ac:spMk id="55" creationId="{C696C2AF-6E3E-3D62-88CF-F30184B6BD95}"/>
-          </ac:spMkLst>
-        </pc:spChg>
-        <pc:spChg chg="add mod">
-          <ac:chgData name="Luiz Break" userId="3ea80d37ed61a017" providerId="LiveId" clId="{578AF5D2-17EE-47FB-929C-12FE1D857E61}" dt="2023-03-15T23:39:28.792" v="1137" actId="1076"/>
-          <ac:spMkLst>
-            <pc:docMk/>
-            <pc:sldMk cId="3726453899" sldId="256"/>
-            <ac:spMk id="56" creationId="{7CE52EA9-D9F4-D636-1671-4458A0519A71}"/>
-          </ac:spMkLst>
-        </pc:spChg>
-        <pc:spChg chg="add mod">
-          <ac:chgData name="Luiz Break" userId="3ea80d37ed61a017" providerId="LiveId" clId="{578AF5D2-17EE-47FB-929C-12FE1D857E61}" dt="2023-03-15T23:39:18.271" v="1135" actId="1036"/>
-          <ac:spMkLst>
-            <pc:docMk/>
-            <pc:sldMk cId="3726453899" sldId="256"/>
-            <ac:spMk id="57" creationId="{5DD8C4E7-85B9-F597-8746-40AA9CE19491}"/>
-          </ac:spMkLst>
-        </pc:spChg>
-        <pc:spChg chg="add mod">
-          <ac:chgData name="Luiz Break" userId="3ea80d37ed61a017" providerId="LiveId" clId="{578AF5D2-17EE-47FB-929C-12FE1D857E61}" dt="2023-03-15T23:39:33.469" v="1138" actId="1076"/>
-          <ac:spMkLst>
-            <pc:docMk/>
-            <pc:sldMk cId="3726453899" sldId="256"/>
-            <ac:spMk id="58" creationId="{510E4BB4-2331-00D3-11AC-7F1E0C2EE1AA}"/>
-          </ac:spMkLst>
-        </pc:spChg>
-        <pc:cxnChg chg="add mod">
-          <ac:chgData name="Luiz Break" userId="3ea80d37ed61a017" providerId="LiveId" clId="{578AF5D2-17EE-47FB-929C-12FE1D857E61}" dt="2023-03-15T23:39:18.271" v="1135" actId="1036"/>
-          <ac:cxnSpMkLst>
-            <pc:docMk/>
-            <pc:sldMk cId="3726453899" sldId="256"/>
-            <ac:cxnSpMk id="15" creationId="{66C656AC-AF93-79DE-4E45-1044FD45C831}"/>
-          </ac:cxnSpMkLst>
-        </pc:cxnChg>
-        <pc:cxnChg chg="add mod">
-          <ac:chgData name="Luiz Break" userId="3ea80d37ed61a017" providerId="LiveId" clId="{578AF5D2-17EE-47FB-929C-12FE1D857E61}" dt="2023-03-15T23:39:18.271" v="1135" actId="1036"/>
-          <ac:cxnSpMkLst>
-            <pc:docMk/>
-            <pc:sldMk cId="3726453899" sldId="256"/>
-            <ac:cxnSpMk id="18" creationId="{54ECB4A9-0A52-1751-5EE1-A2E859569CF1}"/>
-          </ac:cxnSpMkLst>
-        </pc:cxnChg>
-        <pc:cxnChg chg="add mod">
-          <ac:chgData name="Luiz Break" userId="3ea80d37ed61a017" providerId="LiveId" clId="{578AF5D2-17EE-47FB-929C-12FE1D857E61}" dt="2023-03-15T23:39:18.271" v="1135" actId="1036"/>
-          <ac:cxnSpMkLst>
-            <pc:docMk/>
-            <pc:sldMk cId="3726453899" sldId="256"/>
-            <ac:cxnSpMk id="20" creationId="{F1750346-3D06-BE28-D592-9587DBABC678}"/>
-          </ac:cxnSpMkLst>
-        </pc:cxnChg>
-        <pc:cxnChg chg="add del mod">
-          <ac:chgData name="Luiz Break" userId="3ea80d37ed61a017" providerId="LiveId" clId="{578AF5D2-17EE-47FB-929C-12FE1D857E61}" dt="2023-03-15T21:45:01.097" v="155" actId="11529"/>
-          <ac:cxnSpMkLst>
-            <pc:docMk/>
-            <pc:sldMk cId="3726453899" sldId="256"/>
-            <ac:cxnSpMk id="22" creationId="{9E11AAF3-8D0C-A1FE-1FF9-15B3E9AEA5E5}"/>
-          </ac:cxnSpMkLst>
-        </pc:cxnChg>
-        <pc:cxnChg chg="add mod">
-          <ac:chgData name="Luiz Break" userId="3ea80d37ed61a017" providerId="LiveId" clId="{578AF5D2-17EE-47FB-929C-12FE1D857E61}" dt="2023-03-15T23:39:18.271" v="1135" actId="1036"/>
-          <ac:cxnSpMkLst>
-            <pc:docMk/>
-            <pc:sldMk cId="3726453899" sldId="256"/>
-            <ac:cxnSpMk id="24" creationId="{B2ABEB8A-1BEF-CAEA-3632-74E37A2E5855}"/>
-          </ac:cxnSpMkLst>
-        </pc:cxnChg>
-        <pc:cxnChg chg="add mod">
-          <ac:chgData name="Luiz Break" userId="3ea80d37ed61a017" providerId="LiveId" clId="{578AF5D2-17EE-47FB-929C-12FE1D857E61}" dt="2023-03-15T23:39:18.271" v="1135" actId="1036"/>
-          <ac:cxnSpMkLst>
-            <pc:docMk/>
-            <pc:sldMk cId="3726453899" sldId="256"/>
-            <ac:cxnSpMk id="30" creationId="{AF0DADBD-BF31-F572-1AF2-F1F4711F3BC2}"/>
-          </ac:cxnSpMkLst>
-        </pc:cxnChg>
-        <pc:cxnChg chg="add mod">
-          <ac:chgData name="Luiz Break" userId="3ea80d37ed61a017" providerId="LiveId" clId="{578AF5D2-17EE-47FB-929C-12FE1D857E61}" dt="2023-03-15T23:39:18.271" v="1135" actId="1036"/>
-          <ac:cxnSpMkLst>
-            <pc:docMk/>
-            <pc:sldMk cId="3726453899" sldId="256"/>
-            <ac:cxnSpMk id="33" creationId="{25EBBF45-730D-4934-B782-FAEE70597F7D}"/>
-          </ac:cxnSpMkLst>
-        </pc:cxnChg>
-        <pc:cxnChg chg="add mod">
-          <ac:chgData name="Luiz Break" userId="3ea80d37ed61a017" providerId="LiveId" clId="{578AF5D2-17EE-47FB-929C-12FE1D857E61}" dt="2023-03-15T23:39:18.271" v="1135" actId="1036"/>
-          <ac:cxnSpMkLst>
-            <pc:docMk/>
-            <pc:sldMk cId="3726453899" sldId="256"/>
-            <ac:cxnSpMk id="34" creationId="{40EFE94B-2DB3-F32B-DC39-74D03BEE7F87}"/>
-          </ac:cxnSpMkLst>
-        </pc:cxnChg>
-        <pc:cxnChg chg="add mod">
-          <ac:chgData name="Luiz Break" userId="3ea80d37ed61a017" providerId="LiveId" clId="{578AF5D2-17EE-47FB-929C-12FE1D857E61}" dt="2023-03-15T23:39:18.271" v="1135" actId="1036"/>
-          <ac:cxnSpMkLst>
-            <pc:docMk/>
-            <pc:sldMk cId="3726453899" sldId="256"/>
-            <ac:cxnSpMk id="42" creationId="{848B990D-B306-DC04-E4F1-14FDEF2FCB48}"/>
-          </ac:cxnSpMkLst>
-        </pc:cxnChg>
-        <pc:cxnChg chg="add mod">
-          <ac:chgData name="Luiz Break" userId="3ea80d37ed61a017" providerId="LiveId" clId="{578AF5D2-17EE-47FB-929C-12FE1D857E61}" dt="2023-03-15T23:39:18.271" v="1135" actId="1036"/>
-          <ac:cxnSpMkLst>
-            <pc:docMk/>
-            <pc:sldMk cId="3726453899" sldId="256"/>
-            <ac:cxnSpMk id="46" creationId="{38A5C26F-F308-1A9B-79D9-BDB0105C33A7}"/>
-          </ac:cxnSpMkLst>
-        </pc:cxnChg>
-        <pc:cxnChg chg="add mod">
-          <ac:chgData name="Luiz Break" userId="3ea80d37ed61a017" providerId="LiveId" clId="{578AF5D2-17EE-47FB-929C-12FE1D857E61}" dt="2023-03-15T23:39:18.271" v="1135" actId="1036"/>
-          <ac:cxnSpMkLst>
-            <pc:docMk/>
-            <pc:sldMk cId="3726453899" sldId="256"/>
-            <ac:cxnSpMk id="48" creationId="{6082CA66-540B-C6A3-AFD6-499EE0326007}"/>
-          </ac:cxnSpMkLst>
-        </pc:cxnChg>
-      </pc:sldChg>
-    </pc:docChg>
-  </pc:docChgLst>
-  <pc:docChgLst>
-    <pc:chgData name="Luiz Break" userId="3ea80d37ed61a017" providerId="LiveId" clId="{09BF2E48-CBCD-4ADD-B79E-94E2D7BCFE2D}"/>
-    <pc:docChg chg="undo custSel modSld">
-      <pc:chgData name="Luiz Break" userId="3ea80d37ed61a017" providerId="LiveId" clId="{09BF2E48-CBCD-4ADD-B79E-94E2D7BCFE2D}" dt="2024-05-13T22:28:17.480" v="1080" actId="1076"/>
-      <pc:docMkLst>
-        <pc:docMk/>
-      </pc:docMkLst>
-      <pc:sldChg chg="modSp mod">
-        <pc:chgData name="Luiz Break" userId="3ea80d37ed61a017" providerId="LiveId" clId="{09BF2E48-CBCD-4ADD-B79E-94E2D7BCFE2D}" dt="2024-05-12T11:52:10.708" v="953" actId="20577"/>
-        <pc:sldMkLst>
-          <pc:docMk/>
-          <pc:sldMk cId="2424688824" sldId="267"/>
-        </pc:sldMkLst>
-        <pc:spChg chg="mod">
-          <ac:chgData name="Luiz Break" userId="3ea80d37ed61a017" providerId="LiveId" clId="{09BF2E48-CBCD-4ADD-B79E-94E2D7BCFE2D}" dt="2024-05-12T10:58:52.637" v="26" actId="20577"/>
-          <ac:spMkLst>
-            <pc:docMk/>
-            <pc:sldMk cId="2424688824" sldId="267"/>
-            <ac:spMk id="2" creationId="{DF7A44F1-68EC-DB8C-7A32-90BAA29E84CA}"/>
-          </ac:spMkLst>
-        </pc:spChg>
-        <pc:spChg chg="mod">
-          <ac:chgData name="Luiz Break" userId="3ea80d37ed61a017" providerId="LiveId" clId="{09BF2E48-CBCD-4ADD-B79E-94E2D7BCFE2D}" dt="2024-05-12T11:52:10.708" v="953" actId="20577"/>
-          <ac:spMkLst>
-            <pc:docMk/>
-            <pc:sldMk cId="2424688824" sldId="267"/>
-            <ac:spMk id="5" creationId="{3536710E-3CEF-317F-20B0-DDA533970610}"/>
-          </ac:spMkLst>
-        </pc:spChg>
-        <pc:spChg chg="mod">
-          <ac:chgData name="Luiz Break" userId="3ea80d37ed61a017" providerId="LiveId" clId="{09BF2E48-CBCD-4ADD-B79E-94E2D7BCFE2D}" dt="2024-05-12T11:04:34.139" v="413" actId="20577"/>
-          <ac:spMkLst>
-            <pc:docMk/>
-            <pc:sldMk cId="2424688824" sldId="267"/>
-            <ac:spMk id="12" creationId="{FA82DEC8-C490-53DA-F0F1-86BDA736E703}"/>
-          </ac:spMkLst>
-        </pc:spChg>
-      </pc:sldChg>
-      <pc:sldChg chg="modSp mod">
-        <pc:chgData name="Luiz Break" userId="3ea80d37ed61a017" providerId="LiveId" clId="{09BF2E48-CBCD-4ADD-B79E-94E2D7BCFE2D}" dt="2024-05-12T10:58:44.154" v="16" actId="20577"/>
-        <pc:sldMkLst>
-          <pc:docMk/>
-          <pc:sldMk cId="2230791370" sldId="273"/>
-        </pc:sldMkLst>
-        <pc:spChg chg="mod">
-          <ac:chgData name="Luiz Break" userId="3ea80d37ed61a017" providerId="LiveId" clId="{09BF2E48-CBCD-4ADD-B79E-94E2D7BCFE2D}" dt="2024-05-12T10:58:37.293" v="6" actId="1076"/>
-          <ac:spMkLst>
-            <pc:docMk/>
-            <pc:sldMk cId="2230791370" sldId="273"/>
-            <ac:spMk id="6" creationId="{3E91C9C3-0C7B-9D37-119D-B121AA87F174}"/>
-          </ac:spMkLst>
-        </pc:spChg>
-        <pc:spChg chg="mod">
-          <ac:chgData name="Luiz Break" userId="3ea80d37ed61a017" providerId="LiveId" clId="{09BF2E48-CBCD-4ADD-B79E-94E2D7BCFE2D}" dt="2024-05-12T10:58:44.154" v="16" actId="20577"/>
-          <ac:spMkLst>
-            <pc:docMk/>
-            <pc:sldMk cId="2230791370" sldId="273"/>
-            <ac:spMk id="9" creationId="{312A354B-B243-EFC7-21BD-E9D586EAC556}"/>
-          </ac:spMkLst>
-        </pc:spChg>
-      </pc:sldChg>
-      <pc:sldChg chg="addSp delSp modSp mod">
-        <pc:chgData name="Luiz Break" userId="3ea80d37ed61a017" providerId="LiveId" clId="{09BF2E48-CBCD-4ADD-B79E-94E2D7BCFE2D}" dt="2024-05-13T02:30:34.924" v="980" actId="1035"/>
-        <pc:sldMkLst>
-          <pc:docMk/>
-          <pc:sldMk cId="3695609286" sldId="315"/>
-        </pc:sldMkLst>
-        <pc:spChg chg="add mod">
-          <ac:chgData name="Luiz Break" userId="3ea80d37ed61a017" providerId="LiveId" clId="{09BF2E48-CBCD-4ADD-B79E-94E2D7BCFE2D}" dt="2024-05-12T11:27:32.671" v="876" actId="1038"/>
-          <ac:spMkLst>
-            <pc:docMk/>
-            <pc:sldMk cId="3695609286" sldId="315"/>
-            <ac:spMk id="7" creationId="{AA4EC3C5-1DBD-C67B-0983-734EDB08E057}"/>
-          </ac:spMkLst>
-        </pc:spChg>
-        <pc:spChg chg="mod">
-          <ac:chgData name="Luiz Break" userId="3ea80d37ed61a017" providerId="LiveId" clId="{09BF2E48-CBCD-4ADD-B79E-94E2D7BCFE2D}" dt="2024-05-13T02:30:34.924" v="980" actId="1035"/>
-          <ac:spMkLst>
-            <pc:docMk/>
-            <pc:sldMk cId="3695609286" sldId="315"/>
-            <ac:spMk id="16" creationId="{533B0ED6-1292-9178-53A8-8062A267549F}"/>
-          </ac:spMkLst>
-        </pc:spChg>
-        <pc:spChg chg="mod">
-          <ac:chgData name="Luiz Break" userId="3ea80d37ed61a017" providerId="LiveId" clId="{09BF2E48-CBCD-4ADD-B79E-94E2D7BCFE2D}" dt="2024-05-12T11:27:42.140" v="890" actId="1038"/>
-          <ac:spMkLst>
-            <pc:docMk/>
-            <pc:sldMk cId="3695609286" sldId="315"/>
-            <ac:spMk id="17" creationId="{E3560A87-2812-23F2-16C3-BADB3A5DE355}"/>
-          </ac:spMkLst>
-        </pc:spChg>
-        <pc:spChg chg="add del mod">
-          <ac:chgData name="Luiz Break" userId="3ea80d37ed61a017" providerId="LiveId" clId="{09BF2E48-CBCD-4ADD-B79E-94E2D7BCFE2D}" dt="2024-05-12T11:26:12.093" v="658"/>
-          <ac:spMkLst>
-            <pc:docMk/>
-            <pc:sldMk cId="3695609286" sldId="315"/>
-            <ac:spMk id="26" creationId="{0BCE1F37-5D1F-2151-7D93-05CBE34D640A}"/>
-          </ac:spMkLst>
-        </pc:spChg>
-        <pc:spChg chg="mod">
-          <ac:chgData name="Luiz Break" userId="3ea80d37ed61a017" providerId="LiveId" clId="{09BF2E48-CBCD-4ADD-B79E-94E2D7BCFE2D}" dt="2024-05-13T02:30:34.924" v="980" actId="1035"/>
-          <ac:spMkLst>
-            <pc:docMk/>
-            <pc:sldMk cId="3695609286" sldId="315"/>
-            <ac:spMk id="27" creationId="{EE6E488D-852A-5535-4BAA-092F79C4B9F3}"/>
-          </ac:spMkLst>
-        </pc:spChg>
-        <pc:spChg chg="mod">
-          <ac:chgData name="Luiz Break" userId="3ea80d37ed61a017" providerId="LiveId" clId="{09BF2E48-CBCD-4ADD-B79E-94E2D7BCFE2D}" dt="2024-05-13T02:30:34.924" v="980" actId="1035"/>
-          <ac:spMkLst>
-            <pc:docMk/>
-            <pc:sldMk cId="3695609286" sldId="315"/>
-            <ac:spMk id="30" creationId="{D00EC6C9-A1C7-1FFB-35A3-8ADFDBB14600}"/>
-          </ac:spMkLst>
-        </pc:spChg>
-        <pc:spChg chg="mod">
-          <ac:chgData name="Luiz Break" userId="3ea80d37ed61a017" providerId="LiveId" clId="{09BF2E48-CBCD-4ADD-B79E-94E2D7BCFE2D}" dt="2024-05-13T02:30:34.924" v="980" actId="1035"/>
-          <ac:spMkLst>
-            <pc:docMk/>
-            <pc:sldMk cId="3695609286" sldId="315"/>
-            <ac:spMk id="44" creationId="{185C17B2-BE65-8887-C45B-0E48C6D38ECF}"/>
-          </ac:spMkLst>
-        </pc:spChg>
-        <pc:spChg chg="mod">
-          <ac:chgData name="Luiz Break" userId="3ea80d37ed61a017" providerId="LiveId" clId="{09BF2E48-CBCD-4ADD-B79E-94E2D7BCFE2D}" dt="2024-05-13T02:30:34.924" v="980" actId="1035"/>
-          <ac:spMkLst>
-            <pc:docMk/>
-            <pc:sldMk cId="3695609286" sldId="315"/>
-            <ac:spMk id="48" creationId="{46DB88C4-6768-039C-F2E1-2D7F773BFD56}"/>
-          </ac:spMkLst>
-        </pc:spChg>
-        <pc:spChg chg="mod">
-          <ac:chgData name="Luiz Break" userId="3ea80d37ed61a017" providerId="LiveId" clId="{09BF2E48-CBCD-4ADD-B79E-94E2D7BCFE2D}" dt="2024-05-13T02:30:34.924" v="980" actId="1035"/>
-          <ac:spMkLst>
-            <pc:docMk/>
-            <pc:sldMk cId="3695609286" sldId="315"/>
-            <ac:spMk id="63" creationId="{BDD952F3-9779-FBDF-E9E1-462CADB04A49}"/>
-          </ac:spMkLst>
-        </pc:spChg>
-        <pc:spChg chg="mod">
-          <ac:chgData name="Luiz Break" userId="3ea80d37ed61a017" providerId="LiveId" clId="{09BF2E48-CBCD-4ADD-B79E-94E2D7BCFE2D}" dt="2024-05-12T11:28:07.062" v="900" actId="20577"/>
-          <ac:spMkLst>
-            <pc:docMk/>
-            <pc:sldMk cId="3695609286" sldId="315"/>
-            <ac:spMk id="2062" creationId="{B915BC42-F3C7-4EFF-E87E-86F77BC4B447}"/>
-          </ac:spMkLst>
-        </pc:spChg>
-        <pc:spChg chg="mod">
-          <ac:chgData name="Luiz Break" userId="3ea80d37ed61a017" providerId="LiveId" clId="{09BF2E48-CBCD-4ADD-B79E-94E2D7BCFE2D}" dt="2024-05-12T11:28:17.328" v="908" actId="20577"/>
-          <ac:spMkLst>
-            <pc:docMk/>
-            <pc:sldMk cId="3695609286" sldId="315"/>
-            <ac:spMk id="2064" creationId="{39C0AE46-43C7-14FE-E25B-15BEA2E32F90}"/>
-          </ac:spMkLst>
-        </pc:spChg>
-        <pc:picChg chg="add mod">
-          <ac:chgData name="Luiz Break" userId="3ea80d37ed61a017" providerId="LiveId" clId="{09BF2E48-CBCD-4ADD-B79E-94E2D7BCFE2D}" dt="2024-05-12T11:25:33.518" v="627"/>
-          <ac:picMkLst>
-            <pc:docMk/>
-            <pc:sldMk cId="3695609286" sldId="315"/>
-            <ac:picMk id="6" creationId="{236FE60B-8F4F-E43B-195B-41B570E40786}"/>
-          </ac:picMkLst>
-        </pc:picChg>
-        <pc:picChg chg="del">
-          <ac:chgData name="Luiz Break" userId="3ea80d37ed61a017" providerId="LiveId" clId="{09BF2E48-CBCD-4ADD-B79E-94E2D7BCFE2D}" dt="2024-05-12T11:25:29.588" v="626" actId="21"/>
-          <ac:picMkLst>
-            <pc:docMk/>
-            <pc:sldMk cId="3695609286" sldId="315"/>
-            <ac:picMk id="20" creationId="{236FE60B-8F4F-E43B-195B-41B570E40786}"/>
-          </ac:picMkLst>
-        </pc:picChg>
-        <pc:picChg chg="mod">
-          <ac:chgData name="Luiz Break" userId="3ea80d37ed61a017" providerId="LiveId" clId="{09BF2E48-CBCD-4ADD-B79E-94E2D7BCFE2D}" dt="2024-05-12T11:27:42.140" v="890" actId="1038"/>
-          <ac:picMkLst>
-            <pc:docMk/>
-            <pc:sldMk cId="3695609286" sldId="315"/>
-            <ac:picMk id="32" creationId="{EEA13134-A718-7DCB-AFC1-4EAEEBFCB57F}"/>
-          </ac:picMkLst>
-        </pc:picChg>
-        <pc:picChg chg="mod">
-          <ac:chgData name="Luiz Break" userId="3ea80d37ed61a017" providerId="LiveId" clId="{09BF2E48-CBCD-4ADD-B79E-94E2D7BCFE2D}" dt="2024-05-13T02:30:34.924" v="980" actId="1035"/>
-          <ac:picMkLst>
-            <pc:docMk/>
-            <pc:sldMk cId="3695609286" sldId="315"/>
-            <ac:picMk id="49" creationId="{BA32E0AB-07A2-1FE4-1F22-36F2D6ED9561}"/>
-          </ac:picMkLst>
-        </pc:picChg>
-        <pc:picChg chg="mod">
-          <ac:chgData name="Luiz Break" userId="3ea80d37ed61a017" providerId="LiveId" clId="{09BF2E48-CBCD-4ADD-B79E-94E2D7BCFE2D}" dt="2024-05-13T02:30:34.924" v="980" actId="1035"/>
-          <ac:picMkLst>
-            <pc:docMk/>
-            <pc:sldMk cId="3695609286" sldId="315"/>
-            <ac:picMk id="57" creationId="{8D801A91-DDB3-A2E7-7E80-3A2F2F19F660}"/>
-          </ac:picMkLst>
-        </pc:picChg>
-        <pc:cxnChg chg="del mod">
-          <ac:chgData name="Luiz Break" userId="3ea80d37ed61a017" providerId="LiveId" clId="{09BF2E48-CBCD-4ADD-B79E-94E2D7BCFE2D}" dt="2024-05-12T11:26:47.780" v="706" actId="21"/>
-          <ac:cxnSpMkLst>
-            <pc:docMk/>
-            <pc:sldMk cId="3695609286" sldId="315"/>
-            <ac:cxnSpMk id="22" creationId="{071FD0B6-70C7-8A9B-79B7-0CE409E79BC0}"/>
-          </ac:cxnSpMkLst>
-        </pc:cxnChg>
-        <pc:cxnChg chg="del mod">
-          <ac:chgData name="Luiz Break" userId="3ea80d37ed61a017" providerId="LiveId" clId="{09BF2E48-CBCD-4ADD-B79E-94E2D7BCFE2D}" dt="2024-05-12T11:26:26.686" v="660" actId="21"/>
-          <ac:cxnSpMkLst>
-            <pc:docMk/>
-            <pc:sldMk cId="3695609286" sldId="315"/>
-            <ac:cxnSpMk id="34" creationId="{013A799E-B8F9-0454-82A5-DBB3E5E887A8}"/>
-          </ac:cxnSpMkLst>
-        </pc:cxnChg>
-      </pc:sldChg>
-      <pc:sldChg chg="addSp delSp modSp mod">
-        <pc:chgData name="Luiz Break" userId="3ea80d37ed61a017" providerId="LiveId" clId="{09BF2E48-CBCD-4ADD-B79E-94E2D7BCFE2D}" dt="2024-05-13T22:28:17.480" v="1080" actId="1076"/>
-        <pc:sldMkLst>
-          <pc:docMk/>
-          <pc:sldMk cId="4240549405" sldId="316"/>
-        </pc:sldMkLst>
-        <pc:spChg chg="del">
-          <ac:chgData name="Luiz Break" userId="3ea80d37ed61a017" providerId="LiveId" clId="{09BF2E48-CBCD-4ADD-B79E-94E2D7BCFE2D}" dt="2024-05-13T02:35:12.704" v="1055" actId="21"/>
-          <ac:spMkLst>
-            <pc:docMk/>
-            <pc:sldMk cId="4240549405" sldId="316"/>
-            <ac:spMk id="4" creationId="{F9486D9B-FA29-B9C7-03A9-D68D64B0E861}"/>
-          </ac:spMkLst>
-        </pc:spChg>
-        <pc:spChg chg="del mod">
-          <ac:chgData name="Luiz Break" userId="3ea80d37ed61a017" providerId="LiveId" clId="{09BF2E48-CBCD-4ADD-B79E-94E2D7BCFE2D}" dt="2024-05-13T02:35:12.704" v="1055" actId="21"/>
-          <ac:spMkLst>
-            <pc:docMk/>
-            <pc:sldMk cId="4240549405" sldId="316"/>
-            <ac:spMk id="7" creationId="{F32F4D42-5EA7-565C-4E12-A0106BCD603B}"/>
-          </ac:spMkLst>
-        </pc:spChg>
-        <pc:spChg chg="del mod">
-          <ac:chgData name="Luiz Break" userId="3ea80d37ed61a017" providerId="LiveId" clId="{09BF2E48-CBCD-4ADD-B79E-94E2D7BCFE2D}" dt="2024-05-13T02:35:19.095" v="1056" actId="21"/>
-          <ac:spMkLst>
-            <pc:docMk/>
-            <pc:sldMk cId="4240549405" sldId="316"/>
-            <ac:spMk id="8" creationId="{2F3AC214-B009-B7D4-CF6E-1625C4F9DAF9}"/>
-          </ac:spMkLst>
-        </pc:spChg>
-        <pc:spChg chg="del mod">
-          <ac:chgData name="Luiz Break" userId="3ea80d37ed61a017" providerId="LiveId" clId="{09BF2E48-CBCD-4ADD-B79E-94E2D7BCFE2D}" dt="2024-05-13T02:35:19.095" v="1056" actId="21"/>
-          <ac:spMkLst>
-            <pc:docMk/>
-            <pc:sldMk cId="4240549405" sldId="316"/>
-            <ac:spMk id="9" creationId="{FB7B2863-9E0A-CC84-AD22-449C88E3F677}"/>
-          </ac:spMkLst>
-        </pc:spChg>
-        <pc:spChg chg="add mod">
-          <ac:chgData name="Luiz Break" userId="3ea80d37ed61a017" providerId="LiveId" clId="{09BF2E48-CBCD-4ADD-B79E-94E2D7BCFE2D}" dt="2024-05-13T02:35:38.674" v="1058" actId="1076"/>
-          <ac:spMkLst>
-            <pc:docMk/>
-            <pc:sldMk cId="4240549405" sldId="316"/>
-            <ac:spMk id="10" creationId="{C9FC00D3-2858-3E41-6F11-C5D3D3995508}"/>
-          </ac:spMkLst>
-        </pc:spChg>
-        <pc:spChg chg="del">
-          <ac:chgData name="Luiz Break" userId="3ea80d37ed61a017" providerId="LiveId" clId="{09BF2E48-CBCD-4ADD-B79E-94E2D7BCFE2D}" dt="2024-05-13T02:35:12.704" v="1055" actId="21"/>
-          <ac:spMkLst>
-            <pc:docMk/>
-            <pc:sldMk cId="4240549405" sldId="316"/>
-            <ac:spMk id="11" creationId="{D51365FF-E933-8EB3-28D4-0F23E9085BDF}"/>
-          </ac:spMkLst>
-        </pc:spChg>
-        <pc:spChg chg="add mod">
-          <ac:chgData name="Luiz Break" userId="3ea80d37ed61a017" providerId="LiveId" clId="{09BF2E48-CBCD-4ADD-B79E-94E2D7BCFE2D}" dt="2024-05-13T02:35:38.674" v="1058" actId="1076"/>
-          <ac:spMkLst>
-            <pc:docMk/>
-            <pc:sldMk cId="4240549405" sldId="316"/>
-            <ac:spMk id="12" creationId="{3280FBFC-51C7-014B-248B-76D0B72FE6D3}"/>
-          </ac:spMkLst>
-        </pc:spChg>
-        <pc:spChg chg="add mod">
-          <ac:chgData name="Luiz Break" userId="3ea80d37ed61a017" providerId="LiveId" clId="{09BF2E48-CBCD-4ADD-B79E-94E2D7BCFE2D}" dt="2024-05-13T02:35:38.674" v="1058" actId="1076"/>
-          <ac:spMkLst>
-            <pc:docMk/>
-            <pc:sldMk cId="4240549405" sldId="316"/>
-            <ac:spMk id="13" creationId="{97BDCB5E-E617-83D9-177F-D3C49E8F0D56}"/>
-          </ac:spMkLst>
-        </pc:spChg>
-        <pc:spChg chg="add mod">
-          <ac:chgData name="Luiz Break" userId="3ea80d37ed61a017" providerId="LiveId" clId="{09BF2E48-CBCD-4ADD-B79E-94E2D7BCFE2D}" dt="2024-05-13T22:18:20.946" v="1078" actId="1076"/>
-          <ac:spMkLst>
-            <pc:docMk/>
-            <pc:sldMk cId="4240549405" sldId="316"/>
-            <ac:spMk id="14" creationId="{5D0816BD-6BBD-6724-5FDB-56DA04DD272A}"/>
-          </ac:spMkLst>
-        </pc:spChg>
-        <pc:spChg chg="del">
-          <ac:chgData name="Luiz Break" userId="3ea80d37ed61a017" providerId="LiveId" clId="{09BF2E48-CBCD-4ADD-B79E-94E2D7BCFE2D}" dt="2024-05-13T02:35:12.704" v="1055" actId="21"/>
-          <ac:spMkLst>
-            <pc:docMk/>
-            <pc:sldMk cId="4240549405" sldId="316"/>
-            <ac:spMk id="18" creationId="{DCE290A5-3E42-912F-92C8-98D1F722712A}"/>
-          </ac:spMkLst>
-        </pc:spChg>
-        <pc:spChg chg="add mod">
-          <ac:chgData name="Luiz Break" userId="3ea80d37ed61a017" providerId="LiveId" clId="{09BF2E48-CBCD-4ADD-B79E-94E2D7BCFE2D}" dt="2024-05-13T22:18:25.650" v="1079" actId="1076"/>
-          <ac:spMkLst>
-            <pc:docMk/>
-            <pc:sldMk cId="4240549405" sldId="316"/>
-            <ac:spMk id="21" creationId="{C50D6B8D-9C2B-8DCB-B620-B137C39C6A95}"/>
-          </ac:spMkLst>
-        </pc:spChg>
-        <pc:spChg chg="add mod">
-          <ac:chgData name="Luiz Break" userId="3ea80d37ed61a017" providerId="LiveId" clId="{09BF2E48-CBCD-4ADD-B79E-94E2D7BCFE2D}" dt="2024-05-13T22:18:16.242" v="1077" actId="1076"/>
-          <ac:spMkLst>
-            <pc:docMk/>
-            <pc:sldMk cId="4240549405" sldId="316"/>
-            <ac:spMk id="23" creationId="{6121597A-C578-B67D-A652-15ABCF5E3FA7}"/>
-          </ac:spMkLst>
-        </pc:spChg>
-        <pc:spChg chg="mod">
-          <ac:chgData name="Luiz Break" userId="3ea80d37ed61a017" providerId="LiveId" clId="{09BF2E48-CBCD-4ADD-B79E-94E2D7BCFE2D}" dt="2024-05-13T02:45:09.539" v="1074"/>
-          <ac:spMkLst>
-            <pc:docMk/>
-            <pc:sldMk cId="4240549405" sldId="316"/>
-            <ac:spMk id="32" creationId="{3BE662EC-D9F9-6E83-C80A-D9D579EE95F9}"/>
-          </ac:spMkLst>
-        </pc:spChg>
-        <pc:spChg chg="del">
-          <ac:chgData name="Luiz Break" userId="3ea80d37ed61a017" providerId="LiveId" clId="{09BF2E48-CBCD-4ADD-B79E-94E2D7BCFE2D}" dt="2024-05-13T02:35:02.142" v="1054" actId="21"/>
-          <ac:spMkLst>
-            <pc:docMk/>
-            <pc:sldMk cId="4240549405" sldId="316"/>
-            <ac:spMk id="36" creationId="{9BD8B7BE-C849-F008-5C1C-D218C68E8EE4}"/>
-          </ac:spMkLst>
-        </pc:spChg>
-        <pc:spChg chg="del mod">
-          <ac:chgData name="Luiz Break" userId="3ea80d37ed61a017" providerId="LiveId" clId="{09BF2E48-CBCD-4ADD-B79E-94E2D7BCFE2D}" dt="2024-05-13T02:35:12.704" v="1055" actId="21"/>
-          <ac:spMkLst>
-            <pc:docMk/>
-            <pc:sldMk cId="4240549405" sldId="316"/>
-            <ac:spMk id="47" creationId="{32AA358C-6F85-39F6-422F-199890C2802A}"/>
-          </ac:spMkLst>
-        </pc:spChg>
-        <pc:spChg chg="mod">
-          <ac:chgData name="Luiz Break" userId="3ea80d37ed61a017" providerId="LiveId" clId="{09BF2E48-CBCD-4ADD-B79E-94E2D7BCFE2D}" dt="2024-05-13T02:43:33.241" v="1070" actId="20577"/>
-          <ac:spMkLst>
-            <pc:docMk/>
-            <pc:sldMk cId="4240549405" sldId="316"/>
-            <ac:spMk id="55" creationId="{C696C2AF-6E3E-3D62-88CF-F30184B6BD95}"/>
-          </ac:spMkLst>
-        </pc:spChg>
-        <pc:spChg chg="mod">
-          <ac:chgData name="Luiz Break" userId="3ea80d37ed61a017" providerId="LiveId" clId="{09BF2E48-CBCD-4ADD-B79E-94E2D7BCFE2D}" dt="2024-05-13T02:39:22.820" v="1066" actId="20577"/>
-          <ac:spMkLst>
-            <pc:docMk/>
-            <pc:sldMk cId="4240549405" sldId="316"/>
-            <ac:spMk id="56" creationId="{7CE52EA9-D9F4-D636-1671-4458A0519A71}"/>
-          </ac:spMkLst>
-        </pc:spChg>
-        <pc:picChg chg="add mod">
-          <ac:chgData name="Luiz Break" userId="3ea80d37ed61a017" providerId="LiveId" clId="{09BF2E48-CBCD-4ADD-B79E-94E2D7BCFE2D}" dt="2024-05-13T22:28:17.480" v="1080" actId="1076"/>
-          <ac:picMkLst>
-            <pc:docMk/>
-            <pc:sldMk cId="4240549405" sldId="316"/>
-            <ac:picMk id="27" creationId="{30E1A7F8-B4AF-0E1C-7F4D-8D1B8F743B7C}"/>
-          </ac:picMkLst>
-        </pc:picChg>
-        <pc:cxnChg chg="add mod">
-          <ac:chgData name="Luiz Break" userId="3ea80d37ed61a017" providerId="LiveId" clId="{09BF2E48-CBCD-4ADD-B79E-94E2D7BCFE2D}" dt="2024-05-13T22:18:20.946" v="1078" actId="1076"/>
-          <ac:cxnSpMkLst>
-            <pc:docMk/>
-            <pc:sldMk cId="4240549405" sldId="316"/>
-            <ac:cxnSpMk id="15" creationId="{F5A92609-8C46-E7D2-DE83-2B8014D5C2E0}"/>
-          </ac:cxnSpMkLst>
-        </pc:cxnChg>
-        <pc:cxnChg chg="add mod">
-          <ac:chgData name="Luiz Break" userId="3ea80d37ed61a017" providerId="LiveId" clId="{09BF2E48-CBCD-4ADD-B79E-94E2D7BCFE2D}" dt="2024-05-13T22:18:20.946" v="1078" actId="1076"/>
-          <ac:cxnSpMkLst>
-            <pc:docMk/>
-            <pc:sldMk cId="4240549405" sldId="316"/>
-            <ac:cxnSpMk id="16" creationId="{D0D74367-78E7-BADD-A8F8-557CA70D0E4B}"/>
-          </ac:cxnSpMkLst>
-        </pc:cxnChg>
-        <pc:cxnChg chg="del mod">
-          <ac:chgData name="Luiz Break" userId="3ea80d37ed61a017" providerId="LiveId" clId="{09BF2E48-CBCD-4ADD-B79E-94E2D7BCFE2D}" dt="2024-05-13T02:35:12.704" v="1055" actId="21"/>
-          <ac:cxnSpMkLst>
-            <pc:docMk/>
-            <pc:sldMk cId="4240549405" sldId="316"/>
-            <ac:cxnSpMk id="17" creationId="{A4BFCC77-99A0-6EF6-E869-D31B1B08636D}"/>
-          </ac:cxnSpMkLst>
-        </pc:cxnChg>
-        <pc:cxnChg chg="del mod">
-          <ac:chgData name="Luiz Break" userId="3ea80d37ed61a017" providerId="LiveId" clId="{09BF2E48-CBCD-4ADD-B79E-94E2D7BCFE2D}" dt="2024-05-13T02:35:12.704" v="1055" actId="21"/>
-          <ac:cxnSpMkLst>
-            <pc:docMk/>
-            <pc:sldMk cId="4240549405" sldId="316"/>
-            <ac:cxnSpMk id="19" creationId="{6CD52AB7-8D2A-4E8E-FC35-95BEEEAE046D}"/>
-          </ac:cxnSpMkLst>
-        </pc:cxnChg>
-        <pc:cxnChg chg="add mod">
-          <ac:chgData name="Luiz Break" userId="3ea80d37ed61a017" providerId="LiveId" clId="{09BF2E48-CBCD-4ADD-B79E-94E2D7BCFE2D}" dt="2024-05-13T02:35:38.674" v="1058" actId="1076"/>
-          <ac:cxnSpMkLst>
-            <pc:docMk/>
-            <pc:sldMk cId="4240549405" sldId="316"/>
-            <ac:cxnSpMk id="20" creationId="{9EEAC7ED-ACBE-7AFC-773F-04ECF4E27EDD}"/>
-          </ac:cxnSpMkLst>
-        </pc:cxnChg>
-        <pc:cxnChg chg="del mod">
-          <ac:chgData name="Luiz Break" userId="3ea80d37ed61a017" providerId="LiveId" clId="{09BF2E48-CBCD-4ADD-B79E-94E2D7BCFE2D}" dt="2024-05-13T02:35:19.095" v="1056" actId="21"/>
-          <ac:cxnSpMkLst>
-            <pc:docMk/>
-            <pc:sldMk cId="4240549405" sldId="316"/>
-            <ac:cxnSpMk id="22" creationId="{E2566536-7AF2-82F2-DD8C-AF688382FB0D}"/>
-          </ac:cxnSpMkLst>
-        </pc:cxnChg>
-        <pc:cxnChg chg="add mod">
-          <ac:chgData name="Luiz Break" userId="3ea80d37ed61a017" providerId="LiveId" clId="{09BF2E48-CBCD-4ADD-B79E-94E2D7BCFE2D}" dt="2024-05-13T22:18:16.242" v="1077" actId="1076"/>
-          <ac:cxnSpMkLst>
-            <pc:docMk/>
-            <pc:sldMk cId="4240549405" sldId="316"/>
-            <ac:cxnSpMk id="24" creationId="{03C6ED06-3DE3-0444-B1BB-6DD5B1D03C3A}"/>
-          </ac:cxnSpMkLst>
-        </pc:cxnChg>
-        <pc:cxnChg chg="add mod">
-          <ac:chgData name="Luiz Break" userId="3ea80d37ed61a017" providerId="LiveId" clId="{09BF2E48-CBCD-4ADD-B79E-94E2D7BCFE2D}" dt="2024-05-13T22:18:25.650" v="1079" actId="1076"/>
-          <ac:cxnSpMkLst>
-            <pc:docMk/>
-            <pc:sldMk cId="4240549405" sldId="316"/>
-            <ac:cxnSpMk id="25" creationId="{8D12FD74-5FC4-C6C1-D53B-7CE4D29ADAB7}"/>
-          </ac:cxnSpMkLst>
-        </pc:cxnChg>
-        <pc:cxnChg chg="add mod">
-          <ac:chgData name="Luiz Break" userId="3ea80d37ed61a017" providerId="LiveId" clId="{09BF2E48-CBCD-4ADD-B79E-94E2D7BCFE2D}" dt="2024-05-13T22:18:25.650" v="1079" actId="1076"/>
-          <ac:cxnSpMkLst>
-            <pc:docMk/>
-            <pc:sldMk cId="4240549405" sldId="316"/>
-            <ac:cxnSpMk id="26" creationId="{722A904B-0822-DFC1-AF66-3E58BE5076A5}"/>
-          </ac:cxnSpMkLst>
-        </pc:cxnChg>
-        <pc:cxnChg chg="del mod">
-          <ac:chgData name="Luiz Break" userId="3ea80d37ed61a017" providerId="LiveId" clId="{09BF2E48-CBCD-4ADD-B79E-94E2D7BCFE2D}" dt="2024-05-13T02:35:12.704" v="1055" actId="21"/>
-          <ac:cxnSpMkLst>
-            <pc:docMk/>
-            <pc:sldMk cId="4240549405" sldId="316"/>
-            <ac:cxnSpMk id="33" creationId="{25EBBF45-730D-4934-B782-FAEE70597F7D}"/>
-          </ac:cxnSpMkLst>
-        </pc:cxnChg>
-        <pc:cxnChg chg="del mod">
-          <ac:chgData name="Luiz Break" userId="3ea80d37ed61a017" providerId="LiveId" clId="{09BF2E48-CBCD-4ADD-B79E-94E2D7BCFE2D}" dt="2024-05-13T02:35:12.704" v="1055" actId="21"/>
-          <ac:cxnSpMkLst>
-            <pc:docMk/>
-            <pc:sldMk cId="4240549405" sldId="316"/>
-            <ac:cxnSpMk id="37" creationId="{081D6FA4-BA3C-44D0-72C4-12AAB7A54FDC}"/>
-          </ac:cxnSpMkLst>
-        </pc:cxnChg>
-        <pc:cxnChg chg="del mod">
-          <ac:chgData name="Luiz Break" userId="3ea80d37ed61a017" providerId="LiveId" clId="{09BF2E48-CBCD-4ADD-B79E-94E2D7BCFE2D}" dt="2024-05-13T02:35:12.704" v="1055" actId="21"/>
-          <ac:cxnSpMkLst>
-            <pc:docMk/>
-            <pc:sldMk cId="4240549405" sldId="316"/>
-            <ac:cxnSpMk id="49" creationId="{5C0D49A7-A8B8-D8E0-2E45-10D5616A02DF}"/>
-          </ac:cxnSpMkLst>
-        </pc:cxnChg>
-      </pc:sldChg>
-    </pc:docChg>
-  </pc:docChgLst>
-  <pc:docChgLst>
-    <pc:chgData name="Luiz Break" userId="3ea80d37ed61a017" providerId="LiveId" clId="{1DE8497F-CD2C-47D3-88F3-3BE8F253C366}"/>
-    <pc:docChg chg="addSld modSld">
-      <pc:chgData name="Luiz Break" userId="3ea80d37ed61a017" providerId="LiveId" clId="{1DE8497F-CD2C-47D3-88F3-3BE8F253C366}" dt="2023-10-18T09:29:04.921" v="0"/>
-      <pc:docMkLst>
-        <pc:docMk/>
-      </pc:docMkLst>
-      <pc:sldChg chg="add">
-        <pc:chgData name="Luiz Break" userId="3ea80d37ed61a017" providerId="LiveId" clId="{1DE8497F-CD2C-47D3-88F3-3BE8F253C366}" dt="2023-10-18T09:29:04.921" v="0"/>
-        <pc:sldMkLst>
-          <pc:docMk/>
-          <pc:sldMk cId="3558443253" sldId="313"/>
         </pc:sldMkLst>
       </pc:sldChg>
     </pc:docChg>
@@ -6297,246 +1271,6 @@
           <pc:docMk/>
           <pc:sldMk cId="3726453899" sldId="256"/>
         </pc:sldMkLst>
-        <pc:spChg chg="mod">
-          <ac:chgData name="Luiz Break" userId="3ea80d37ed61a017" providerId="LiveId" clId="{7CCC1809-FCD4-421F-90CF-40F3D1CBE5B7}" dt="2023-03-31T00:54:55.204" v="1649" actId="1036"/>
-          <ac:spMkLst>
-            <pc:docMk/>
-            <pc:sldMk cId="3726453899" sldId="256"/>
-            <ac:spMk id="4" creationId="{F9486D9B-FA29-B9C7-03A9-D68D64B0E861}"/>
-          </ac:spMkLst>
-        </pc:spChg>
-        <pc:spChg chg="mod">
-          <ac:chgData name="Luiz Break" userId="3ea80d37ed61a017" providerId="LiveId" clId="{7CCC1809-FCD4-421F-90CF-40F3D1CBE5B7}" dt="2023-03-31T00:54:55.204" v="1649" actId="1036"/>
-          <ac:spMkLst>
-            <pc:docMk/>
-            <pc:sldMk cId="3726453899" sldId="256"/>
-            <ac:spMk id="5" creationId="{9E8D00AC-9659-6C72-F814-0C055F1E3881}"/>
-          </ac:spMkLst>
-        </pc:spChg>
-        <pc:spChg chg="mod">
-          <ac:chgData name="Luiz Break" userId="3ea80d37ed61a017" providerId="LiveId" clId="{7CCC1809-FCD4-421F-90CF-40F3D1CBE5B7}" dt="2023-03-31T00:54:55.204" v="1649" actId="1036"/>
-          <ac:spMkLst>
-            <pc:docMk/>
-            <pc:sldMk cId="3726453899" sldId="256"/>
-            <ac:spMk id="6" creationId="{F522F992-9AE7-DCFF-71AC-F9791D044391}"/>
-          </ac:spMkLst>
-        </pc:spChg>
-        <pc:spChg chg="mod">
-          <ac:chgData name="Luiz Break" userId="3ea80d37ed61a017" providerId="LiveId" clId="{7CCC1809-FCD4-421F-90CF-40F3D1CBE5B7}" dt="2023-03-31T00:54:55.204" v="1649" actId="1036"/>
-          <ac:spMkLst>
-            <pc:docMk/>
-            <pc:sldMk cId="3726453899" sldId="256"/>
-            <ac:spMk id="7" creationId="{F32F4D42-5EA7-565C-4E12-A0106BCD603B}"/>
-          </ac:spMkLst>
-        </pc:spChg>
-        <pc:spChg chg="mod">
-          <ac:chgData name="Luiz Break" userId="3ea80d37ed61a017" providerId="LiveId" clId="{7CCC1809-FCD4-421F-90CF-40F3D1CBE5B7}" dt="2023-03-31T00:54:55.204" v="1649" actId="1036"/>
-          <ac:spMkLst>
-            <pc:docMk/>
-            <pc:sldMk cId="3726453899" sldId="256"/>
-            <ac:spMk id="8" creationId="{2F3AC214-B009-B7D4-CF6E-1625C4F9DAF9}"/>
-          </ac:spMkLst>
-        </pc:spChg>
-        <pc:spChg chg="mod">
-          <ac:chgData name="Luiz Break" userId="3ea80d37ed61a017" providerId="LiveId" clId="{7CCC1809-FCD4-421F-90CF-40F3D1CBE5B7}" dt="2023-03-31T00:54:55.204" v="1649" actId="1036"/>
-          <ac:spMkLst>
-            <pc:docMk/>
-            <pc:sldMk cId="3726453899" sldId="256"/>
-            <ac:spMk id="9" creationId="{FB7B2863-9E0A-CC84-AD22-449C88E3F677}"/>
-          </ac:spMkLst>
-        </pc:spChg>
-        <pc:spChg chg="del">
-          <ac:chgData name="Luiz Break" userId="3ea80d37ed61a017" providerId="LiveId" clId="{7CCC1809-FCD4-421F-90CF-40F3D1CBE5B7}" dt="2023-03-31T00:46:19.626" v="1409" actId="478"/>
-          <ac:spMkLst>
-            <pc:docMk/>
-            <pc:sldMk cId="3726453899" sldId="256"/>
-            <ac:spMk id="10" creationId="{B8527CDC-25CA-69DA-C719-E8C84C0C5786}"/>
-          </ac:spMkLst>
-        </pc:spChg>
-        <pc:spChg chg="mod">
-          <ac:chgData name="Luiz Break" userId="3ea80d37ed61a017" providerId="LiveId" clId="{7CCC1809-FCD4-421F-90CF-40F3D1CBE5B7}" dt="2023-03-31T00:54:55.204" v="1649" actId="1036"/>
-          <ac:spMkLst>
-            <pc:docMk/>
-            <pc:sldMk cId="3726453899" sldId="256"/>
-            <ac:spMk id="11" creationId="{D51365FF-E933-8EB3-28D4-0F23E9085BDF}"/>
-          </ac:spMkLst>
-        </pc:spChg>
-        <pc:spChg chg="del">
-          <ac:chgData name="Luiz Break" userId="3ea80d37ed61a017" providerId="LiveId" clId="{7CCC1809-FCD4-421F-90CF-40F3D1CBE5B7}" dt="2023-03-31T00:46:57.948" v="1419" actId="478"/>
-          <ac:spMkLst>
-            <pc:docMk/>
-            <pc:sldMk cId="3726453899" sldId="256"/>
-            <ac:spMk id="12" creationId="{B259F006-3610-D13A-DE7D-A59F99EE53E5}"/>
-          </ac:spMkLst>
-        </pc:spChg>
-        <pc:spChg chg="del">
-          <ac:chgData name="Luiz Break" userId="3ea80d37ed61a017" providerId="LiveId" clId="{7CCC1809-FCD4-421F-90CF-40F3D1CBE5B7}" dt="2023-03-31T00:46:57.948" v="1419" actId="478"/>
-          <ac:spMkLst>
-            <pc:docMk/>
-            <pc:sldMk cId="3726453899" sldId="256"/>
-            <ac:spMk id="13" creationId="{3D392FCC-CC4B-826E-9A20-EDC65908CB84}"/>
-          </ac:spMkLst>
-        </pc:spChg>
-        <pc:spChg chg="add del mod">
-          <ac:chgData name="Luiz Break" userId="3ea80d37ed61a017" providerId="LiveId" clId="{7CCC1809-FCD4-421F-90CF-40F3D1CBE5B7}" dt="2023-03-31T00:48:03.588" v="1427"/>
-          <ac:spMkLst>
-            <pc:docMk/>
-            <pc:sldMk cId="3726453899" sldId="256"/>
-            <ac:spMk id="45" creationId="{A042BC02-F53A-BA89-715E-665D51DFDFB6}"/>
-          </ac:spMkLst>
-        </pc:spChg>
-        <pc:spChg chg="add mod">
-          <ac:chgData name="Luiz Break" userId="3ea80d37ed61a017" providerId="LiveId" clId="{7CCC1809-FCD4-421F-90CF-40F3D1CBE5B7}" dt="2023-03-31T00:54:55.204" v="1649" actId="1036"/>
-          <ac:spMkLst>
-            <pc:docMk/>
-            <pc:sldMk cId="3726453899" sldId="256"/>
-            <ac:spMk id="47" creationId="{32AA358C-6F85-39F6-422F-199890C2802A}"/>
-          </ac:spMkLst>
-        </pc:spChg>
-        <pc:spChg chg="mod">
-          <ac:chgData name="Luiz Break" userId="3ea80d37ed61a017" providerId="LiveId" clId="{7CCC1809-FCD4-421F-90CF-40F3D1CBE5B7}" dt="2023-03-31T00:54:09.833" v="1588" actId="20577"/>
-          <ac:spMkLst>
-            <pc:docMk/>
-            <pc:sldMk cId="3726453899" sldId="256"/>
-            <ac:spMk id="55" creationId="{C696C2AF-6E3E-3D62-88CF-F30184B6BD95}"/>
-          </ac:spMkLst>
-        </pc:spChg>
-        <pc:spChg chg="mod">
-          <ac:chgData name="Luiz Break" userId="3ea80d37ed61a017" providerId="LiveId" clId="{7CCC1809-FCD4-421F-90CF-40F3D1CBE5B7}" dt="2023-03-31T01:55:14.821" v="1841" actId="20577"/>
-          <ac:spMkLst>
-            <pc:docMk/>
-            <pc:sldMk cId="3726453899" sldId="256"/>
-            <ac:spMk id="56" creationId="{7CE52EA9-D9F4-D636-1671-4458A0519A71}"/>
-          </ac:spMkLst>
-        </pc:spChg>
-        <pc:spChg chg="mod">
-          <ac:chgData name="Luiz Break" userId="3ea80d37ed61a017" providerId="LiveId" clId="{7CCC1809-FCD4-421F-90CF-40F3D1CBE5B7}" dt="2023-03-31T00:54:55.204" v="1649" actId="1036"/>
-          <ac:spMkLst>
-            <pc:docMk/>
-            <pc:sldMk cId="3726453899" sldId="256"/>
-            <ac:spMk id="57" creationId="{5DD8C4E7-85B9-F597-8746-40AA9CE19491}"/>
-          </ac:spMkLst>
-        </pc:spChg>
-        <pc:spChg chg="mod">
-          <ac:chgData name="Luiz Break" userId="3ea80d37ed61a017" providerId="LiveId" clId="{7CCC1809-FCD4-421F-90CF-40F3D1CBE5B7}" dt="2023-03-31T00:56:21.853" v="1664" actId="1037"/>
-          <ac:spMkLst>
-            <pc:docMk/>
-            <pc:sldMk cId="3726453899" sldId="256"/>
-            <ac:spMk id="58" creationId="{510E4BB4-2331-00D3-11AC-7F1E0C2EE1AA}"/>
-          </ac:spMkLst>
-        </pc:spChg>
-        <pc:spChg chg="add mod">
-          <ac:chgData name="Luiz Break" userId="3ea80d37ed61a017" providerId="LiveId" clId="{7CCC1809-FCD4-421F-90CF-40F3D1CBE5B7}" dt="2023-03-31T00:54:44.879" v="1621" actId="1076"/>
-          <ac:spMkLst>
-            <pc:docMk/>
-            <pc:sldMk cId="3726453899" sldId="256"/>
-            <ac:spMk id="66" creationId="{16676129-1309-9A3C-D5A2-EC932EC1BD52}"/>
-          </ac:spMkLst>
-        </pc:spChg>
-        <pc:cxnChg chg="mod">
-          <ac:chgData name="Luiz Break" userId="3ea80d37ed61a017" providerId="LiveId" clId="{7CCC1809-FCD4-421F-90CF-40F3D1CBE5B7}" dt="2023-03-31T00:54:55.204" v="1649" actId="1036"/>
-          <ac:cxnSpMkLst>
-            <pc:docMk/>
-            <pc:sldMk cId="3726453899" sldId="256"/>
-            <ac:cxnSpMk id="15" creationId="{66C656AC-AF93-79DE-4E45-1044FD45C831}"/>
-          </ac:cxnSpMkLst>
-        </pc:cxnChg>
-        <pc:cxnChg chg="add mod">
-          <ac:chgData name="Luiz Break" userId="3ea80d37ed61a017" providerId="LiveId" clId="{7CCC1809-FCD4-421F-90CF-40F3D1CBE5B7}" dt="2023-03-31T00:54:55.204" v="1649" actId="1036"/>
-          <ac:cxnSpMkLst>
-            <pc:docMk/>
-            <pc:sldMk cId="3726453899" sldId="256"/>
-            <ac:cxnSpMk id="17" creationId="{A4BFCC77-99A0-6EF6-E869-D31B1B08636D}"/>
-          </ac:cxnSpMkLst>
-        </pc:cxnChg>
-        <pc:cxnChg chg="del mod">
-          <ac:chgData name="Luiz Break" userId="3ea80d37ed61a017" providerId="LiveId" clId="{7CCC1809-FCD4-421F-90CF-40F3D1CBE5B7}" dt="2023-03-31T00:46:03.953" v="1403" actId="478"/>
-          <ac:cxnSpMkLst>
-            <pc:docMk/>
-            <pc:sldMk cId="3726453899" sldId="256"/>
-            <ac:cxnSpMk id="18" creationId="{54ECB4A9-0A52-1751-5EE1-A2E859569CF1}"/>
-          </ac:cxnSpMkLst>
-        </pc:cxnChg>
-        <pc:cxnChg chg="del mod">
-          <ac:chgData name="Luiz Break" userId="3ea80d37ed61a017" providerId="LiveId" clId="{7CCC1809-FCD4-421F-90CF-40F3D1CBE5B7}" dt="2023-03-31T00:46:23.077" v="1410" actId="478"/>
-          <ac:cxnSpMkLst>
-            <pc:docMk/>
-            <pc:sldMk cId="3726453899" sldId="256"/>
-            <ac:cxnSpMk id="20" creationId="{F1750346-3D06-BE28-D592-9587DBABC678}"/>
-          </ac:cxnSpMkLst>
-        </pc:cxnChg>
-        <pc:cxnChg chg="add mod">
-          <ac:chgData name="Luiz Break" userId="3ea80d37ed61a017" providerId="LiveId" clId="{7CCC1809-FCD4-421F-90CF-40F3D1CBE5B7}" dt="2023-03-31T00:54:55.204" v="1649" actId="1036"/>
-          <ac:cxnSpMkLst>
-            <pc:docMk/>
-            <pc:sldMk cId="3726453899" sldId="256"/>
-            <ac:cxnSpMk id="22" creationId="{E2566536-7AF2-82F2-DD8C-AF688382FB0D}"/>
-          </ac:cxnSpMkLst>
-        </pc:cxnChg>
-        <pc:cxnChg chg="mod">
-          <ac:chgData name="Luiz Break" userId="3ea80d37ed61a017" providerId="LiveId" clId="{7CCC1809-FCD4-421F-90CF-40F3D1CBE5B7}" dt="2023-03-31T00:54:55.204" v="1649" actId="1036"/>
-          <ac:cxnSpMkLst>
-            <pc:docMk/>
-            <pc:sldMk cId="3726453899" sldId="256"/>
-            <ac:cxnSpMk id="24" creationId="{B2ABEB8A-1BEF-CAEA-3632-74E37A2E5855}"/>
-          </ac:cxnSpMkLst>
-        </pc:cxnChg>
-        <pc:cxnChg chg="mod">
-          <ac:chgData name="Luiz Break" userId="3ea80d37ed61a017" providerId="LiveId" clId="{7CCC1809-FCD4-421F-90CF-40F3D1CBE5B7}" dt="2023-03-31T00:54:55.204" v="1649" actId="1036"/>
-          <ac:cxnSpMkLst>
-            <pc:docMk/>
-            <pc:sldMk cId="3726453899" sldId="256"/>
-            <ac:cxnSpMk id="30" creationId="{AF0DADBD-BF31-F572-1AF2-F1F4711F3BC2}"/>
-          </ac:cxnSpMkLst>
-        </pc:cxnChg>
-        <pc:cxnChg chg="mod">
-          <ac:chgData name="Luiz Break" userId="3ea80d37ed61a017" providerId="LiveId" clId="{7CCC1809-FCD4-421F-90CF-40F3D1CBE5B7}" dt="2023-03-31T00:54:55.204" v="1649" actId="1036"/>
-          <ac:cxnSpMkLst>
-            <pc:docMk/>
-            <pc:sldMk cId="3726453899" sldId="256"/>
-            <ac:cxnSpMk id="33" creationId="{25EBBF45-730D-4934-B782-FAEE70597F7D}"/>
-          </ac:cxnSpMkLst>
-        </pc:cxnChg>
-        <pc:cxnChg chg="del">
-          <ac:chgData name="Luiz Break" userId="3ea80d37ed61a017" providerId="LiveId" clId="{7CCC1809-FCD4-421F-90CF-40F3D1CBE5B7}" dt="2023-03-31T00:47:01.370" v="1420" actId="478"/>
-          <ac:cxnSpMkLst>
-            <pc:docMk/>
-            <pc:sldMk cId="3726453899" sldId="256"/>
-            <ac:cxnSpMk id="34" creationId="{40EFE94B-2DB3-F32B-DC39-74D03BEE7F87}"/>
-          </ac:cxnSpMkLst>
-        </pc:cxnChg>
-        <pc:cxnChg chg="del">
-          <ac:chgData name="Luiz Break" userId="3ea80d37ed61a017" providerId="LiveId" clId="{7CCC1809-FCD4-421F-90CF-40F3D1CBE5B7}" dt="2023-03-31T00:46:57.948" v="1419" actId="478"/>
-          <ac:cxnSpMkLst>
-            <pc:docMk/>
-            <pc:sldMk cId="3726453899" sldId="256"/>
-            <ac:cxnSpMk id="42" creationId="{848B990D-B306-DC04-E4F1-14FDEF2FCB48}"/>
-          </ac:cxnSpMkLst>
-        </pc:cxnChg>
-        <pc:cxnChg chg="del">
-          <ac:chgData name="Luiz Break" userId="3ea80d37ed61a017" providerId="LiveId" clId="{7CCC1809-FCD4-421F-90CF-40F3D1CBE5B7}" dt="2023-03-31T00:41:53.826" v="1389" actId="478"/>
-          <ac:cxnSpMkLst>
-            <pc:docMk/>
-            <pc:sldMk cId="3726453899" sldId="256"/>
-            <ac:cxnSpMk id="46" creationId="{38A5C26F-F308-1A9B-79D9-BDB0105C33A7}"/>
-          </ac:cxnSpMkLst>
-        </pc:cxnChg>
-        <pc:cxnChg chg="del mod">
-          <ac:chgData name="Luiz Break" userId="3ea80d37ed61a017" providerId="LiveId" clId="{7CCC1809-FCD4-421F-90CF-40F3D1CBE5B7}" dt="2023-03-31T00:45:57.733" v="1402" actId="478"/>
-          <ac:cxnSpMkLst>
-            <pc:docMk/>
-            <pc:sldMk cId="3726453899" sldId="256"/>
-            <ac:cxnSpMk id="48" creationId="{6082CA66-540B-C6A3-AFD6-499EE0326007}"/>
-          </ac:cxnSpMkLst>
-        </pc:cxnChg>
-        <pc:cxnChg chg="add mod">
-          <ac:chgData name="Luiz Break" userId="3ea80d37ed61a017" providerId="LiveId" clId="{7CCC1809-FCD4-421F-90CF-40F3D1CBE5B7}" dt="2023-03-31T00:54:55.204" v="1649" actId="1036"/>
-          <ac:cxnSpMkLst>
-            <pc:docMk/>
-            <pc:sldMk cId="3726453899" sldId="256"/>
-            <ac:cxnSpMk id="49" creationId="{5C0D49A7-A8B8-D8E0-2E45-10D5616A02DF}"/>
-          </ac:cxnSpMkLst>
-        </pc:cxnChg>
       </pc:sldChg>
       <pc:sldChg chg="add del ord">
         <pc:chgData name="Luiz Break" userId="3ea80d37ed61a017" providerId="LiveId" clId="{7CCC1809-FCD4-421F-90CF-40F3D1CBE5B7}" dt="2023-03-30T23:47:47.234" v="79" actId="2696"/>
@@ -6558,62 +1292,6 @@
           <pc:docMk/>
           <pc:sldMk cId="2424688824" sldId="267"/>
         </pc:sldMkLst>
-        <pc:spChg chg="add mod">
-          <ac:chgData name="Luiz Break" userId="3ea80d37ed61a017" providerId="LiveId" clId="{7CCC1809-FCD4-421F-90CF-40F3D1CBE5B7}" dt="2023-03-31T00:57:47.471" v="1726" actId="1076"/>
-          <ac:spMkLst>
-            <pc:docMk/>
-            <pc:sldMk cId="2424688824" sldId="267"/>
-            <ac:spMk id="2" creationId="{DF7A44F1-68EC-DB8C-7A32-90BAA29E84CA}"/>
-          </ac:spMkLst>
-        </pc:spChg>
-        <pc:spChg chg="del mod">
-          <ac:chgData name="Luiz Break" userId="3ea80d37ed61a017" providerId="LiveId" clId="{7CCC1809-FCD4-421F-90CF-40F3D1CBE5B7}" dt="2023-03-31T00:27:42.098" v="1259" actId="478"/>
-          <ac:spMkLst>
-            <pc:docMk/>
-            <pc:sldMk cId="2424688824" sldId="267"/>
-            <ac:spMk id="3" creationId="{0AA49421-A8DB-CEB3-86F4-0BE1BB9703E4}"/>
-          </ac:spMkLst>
-        </pc:spChg>
-        <pc:spChg chg="mod">
-          <ac:chgData name="Luiz Break" userId="3ea80d37ed61a017" providerId="LiveId" clId="{7CCC1809-FCD4-421F-90CF-40F3D1CBE5B7}" dt="2023-03-31T01:41:25.450" v="1765" actId="313"/>
-          <ac:spMkLst>
-            <pc:docMk/>
-            <pc:sldMk cId="2424688824" sldId="267"/>
-            <ac:spMk id="5" creationId="{3536710E-3CEF-317F-20B0-DDA533970610}"/>
-          </ac:spMkLst>
-        </pc:spChg>
-        <pc:spChg chg="del">
-          <ac:chgData name="Luiz Break" userId="3ea80d37ed61a017" providerId="LiveId" clId="{7CCC1809-FCD4-421F-90CF-40F3D1CBE5B7}" dt="2023-03-30T23:49:33.519" v="91" actId="478"/>
-          <ac:spMkLst>
-            <pc:docMk/>
-            <pc:sldMk cId="2424688824" sldId="267"/>
-            <ac:spMk id="11" creationId="{8C486D38-E498-848C-19D8-F4BA590E3C9A}"/>
-          </ac:spMkLst>
-        </pc:spChg>
-        <pc:spChg chg="mod">
-          <ac:chgData name="Luiz Break" userId="3ea80d37ed61a017" providerId="LiveId" clId="{7CCC1809-FCD4-421F-90CF-40F3D1CBE5B7}" dt="2023-03-30T23:49:50.460" v="105" actId="1076"/>
-          <ac:spMkLst>
-            <pc:docMk/>
-            <pc:sldMk cId="2424688824" sldId="267"/>
-            <ac:spMk id="12" creationId="{FA82DEC8-C490-53DA-F0F1-86BDA736E703}"/>
-          </ac:spMkLst>
-        </pc:spChg>
-        <pc:spChg chg="del">
-          <ac:chgData name="Luiz Break" userId="3ea80d37ed61a017" providerId="LiveId" clId="{7CCC1809-FCD4-421F-90CF-40F3D1CBE5B7}" dt="2023-03-30T23:49:05.590" v="84" actId="478"/>
-          <ac:spMkLst>
-            <pc:docMk/>
-            <pc:sldMk cId="2424688824" sldId="267"/>
-            <ac:spMk id="15" creationId="{9B139B0C-C5C9-356B-BEC9-74A8818DE9CB}"/>
-          </ac:spMkLst>
-        </pc:spChg>
-        <pc:picChg chg="mod">
-          <ac:chgData name="Luiz Break" userId="3ea80d37ed61a017" providerId="LiveId" clId="{7CCC1809-FCD4-421F-90CF-40F3D1CBE5B7}" dt="2023-03-30T23:49:50.460" v="105" actId="1076"/>
-          <ac:picMkLst>
-            <pc:docMk/>
-            <pc:sldMk cId="2424688824" sldId="267"/>
-            <ac:picMk id="8" creationId="{D5E72A6D-6696-02C2-BB9E-AE8936C599F3}"/>
-          </ac:picMkLst>
-        </pc:picChg>
       </pc:sldChg>
       <pc:sldChg chg="addSp delSp modSp add mod ord">
         <pc:chgData name="Luiz Break" userId="3ea80d37ed61a017" providerId="LiveId" clId="{7CCC1809-FCD4-421F-90CF-40F3D1CBE5B7}" dt="2023-03-31T00:59:27.692" v="1737" actId="20577"/>
@@ -6621,446 +1299,6 @@
           <pc:docMk/>
           <pc:sldMk cId="322100392" sldId="271"/>
         </pc:sldMkLst>
-        <pc:spChg chg="del">
-          <ac:chgData name="Luiz Break" userId="3ea80d37ed61a017" providerId="LiveId" clId="{7CCC1809-FCD4-421F-90CF-40F3D1CBE5B7}" dt="2023-03-30T23:51:10.865" v="113" actId="478"/>
-          <ac:spMkLst>
-            <pc:docMk/>
-            <pc:sldMk cId="322100392" sldId="271"/>
-            <ac:spMk id="2" creationId="{9E680FA8-1C85-F989-4F1F-684E50007FC1}"/>
-          </ac:spMkLst>
-        </pc:spChg>
-        <pc:spChg chg="mod">
-          <ac:chgData name="Luiz Break" userId="3ea80d37ed61a017" providerId="LiveId" clId="{7CCC1809-FCD4-421F-90CF-40F3D1CBE5B7}" dt="2023-03-31T00:09:04.543" v="971" actId="1036"/>
-          <ac:spMkLst>
-            <pc:docMk/>
-            <pc:sldMk cId="322100392" sldId="271"/>
-            <ac:spMk id="3" creationId="{526E9391-EF3A-C788-301D-F08CB2E85BF5}"/>
-          </ac:spMkLst>
-        </pc:spChg>
-        <pc:spChg chg="mod">
-          <ac:chgData name="Luiz Break" userId="3ea80d37ed61a017" providerId="LiveId" clId="{7CCC1809-FCD4-421F-90CF-40F3D1CBE5B7}" dt="2023-03-31T00:09:04.543" v="971" actId="1036"/>
-          <ac:spMkLst>
-            <pc:docMk/>
-            <pc:sldMk cId="322100392" sldId="271"/>
-            <ac:spMk id="4" creationId="{C3841673-753D-F25F-3208-E1E8016CCA28}"/>
-          </ac:spMkLst>
-        </pc:spChg>
-        <pc:spChg chg="mod">
-          <ac:chgData name="Luiz Break" userId="3ea80d37ed61a017" providerId="LiveId" clId="{7CCC1809-FCD4-421F-90CF-40F3D1CBE5B7}" dt="2023-03-31T00:09:04.543" v="971" actId="1036"/>
-          <ac:spMkLst>
-            <pc:docMk/>
-            <pc:sldMk cId="322100392" sldId="271"/>
-            <ac:spMk id="5" creationId="{3343852C-8661-A589-478B-41D50521A0C4}"/>
-          </ac:spMkLst>
-        </pc:spChg>
-        <pc:spChg chg="mod">
-          <ac:chgData name="Luiz Break" userId="3ea80d37ed61a017" providerId="LiveId" clId="{7CCC1809-FCD4-421F-90CF-40F3D1CBE5B7}" dt="2023-03-31T00:09:04.543" v="971" actId="1036"/>
-          <ac:spMkLst>
-            <pc:docMk/>
-            <pc:sldMk cId="322100392" sldId="271"/>
-            <ac:spMk id="6" creationId="{636C21E3-B714-C3B4-95C9-CBE3815754AE}"/>
-          </ac:spMkLst>
-        </pc:spChg>
-        <pc:spChg chg="mod">
-          <ac:chgData name="Luiz Break" userId="3ea80d37ed61a017" providerId="LiveId" clId="{7CCC1809-FCD4-421F-90CF-40F3D1CBE5B7}" dt="2023-03-31T00:09:04.543" v="971" actId="1036"/>
-          <ac:spMkLst>
-            <pc:docMk/>
-            <pc:sldMk cId="322100392" sldId="271"/>
-            <ac:spMk id="7" creationId="{BDA8036A-D891-41D5-1688-F3ABDA9568AE}"/>
-          </ac:spMkLst>
-        </pc:spChg>
-        <pc:spChg chg="mod">
-          <ac:chgData name="Luiz Break" userId="3ea80d37ed61a017" providerId="LiveId" clId="{7CCC1809-FCD4-421F-90CF-40F3D1CBE5B7}" dt="2023-03-31T00:09:04.543" v="971" actId="1036"/>
-          <ac:spMkLst>
-            <pc:docMk/>
-            <pc:sldMk cId="322100392" sldId="271"/>
-            <ac:spMk id="8" creationId="{46E35DDA-8B8C-D646-1315-2D1424F76689}"/>
-          </ac:spMkLst>
-        </pc:spChg>
-        <pc:spChg chg="mod">
-          <ac:chgData name="Luiz Break" userId="3ea80d37ed61a017" providerId="LiveId" clId="{7CCC1809-FCD4-421F-90CF-40F3D1CBE5B7}" dt="2023-03-30T23:58:40.934" v="382" actId="14100"/>
-          <ac:spMkLst>
-            <pc:docMk/>
-            <pc:sldMk cId="322100392" sldId="271"/>
-            <ac:spMk id="9" creationId="{64FAA079-A2A0-E3FC-44A6-7CA0BB4BB022}"/>
-          </ac:spMkLst>
-        </pc:spChg>
-        <pc:spChg chg="mod">
-          <ac:chgData name="Luiz Break" userId="3ea80d37ed61a017" providerId="LiveId" clId="{7CCC1809-FCD4-421F-90CF-40F3D1CBE5B7}" dt="2023-03-31T00:09:04.543" v="971" actId="1036"/>
-          <ac:spMkLst>
-            <pc:docMk/>
-            <pc:sldMk cId="322100392" sldId="271"/>
-            <ac:spMk id="11" creationId="{A4AF81E1-0420-3711-EC96-7906C133B252}"/>
-          </ac:spMkLst>
-        </pc:spChg>
-        <pc:spChg chg="mod">
-          <ac:chgData name="Luiz Break" userId="3ea80d37ed61a017" providerId="LiveId" clId="{7CCC1809-FCD4-421F-90CF-40F3D1CBE5B7}" dt="2023-03-31T00:09:04.543" v="971" actId="1036"/>
-          <ac:spMkLst>
-            <pc:docMk/>
-            <pc:sldMk cId="322100392" sldId="271"/>
-            <ac:spMk id="12" creationId="{E28321A9-4C1C-889C-0BFF-A03294D90A78}"/>
-          </ac:spMkLst>
-        </pc:spChg>
-        <pc:spChg chg="del">
-          <ac:chgData name="Luiz Break" userId="3ea80d37ed61a017" providerId="LiveId" clId="{7CCC1809-FCD4-421F-90CF-40F3D1CBE5B7}" dt="2023-03-30T23:51:13.769" v="114" actId="478"/>
-          <ac:spMkLst>
-            <pc:docMk/>
-            <pc:sldMk cId="322100392" sldId="271"/>
-            <ac:spMk id="13" creationId="{235EA0E9-0489-0B9E-3B9A-53EDAB4E56F1}"/>
-          </ac:spMkLst>
-        </pc:spChg>
-        <pc:spChg chg="mod">
-          <ac:chgData name="Luiz Break" userId="3ea80d37ed61a017" providerId="LiveId" clId="{7CCC1809-FCD4-421F-90CF-40F3D1CBE5B7}" dt="2023-03-31T00:09:04.543" v="971" actId="1036"/>
-          <ac:spMkLst>
-            <pc:docMk/>
-            <pc:sldMk cId="322100392" sldId="271"/>
-            <ac:spMk id="14" creationId="{7FA0251F-669B-BF8A-C391-23EDA397AFC8}"/>
-          </ac:spMkLst>
-        </pc:spChg>
-        <pc:spChg chg="mod">
-          <ac:chgData name="Luiz Break" userId="3ea80d37ed61a017" providerId="LiveId" clId="{7CCC1809-FCD4-421F-90CF-40F3D1CBE5B7}" dt="2023-03-31T00:09:04.543" v="971" actId="1036"/>
-          <ac:spMkLst>
-            <pc:docMk/>
-            <pc:sldMk cId="322100392" sldId="271"/>
-            <ac:spMk id="15" creationId="{766416B4-0973-3A8F-0088-5840B887BC77}"/>
-          </ac:spMkLst>
-        </pc:spChg>
-        <pc:spChg chg="mod">
-          <ac:chgData name="Luiz Break" userId="3ea80d37ed61a017" providerId="LiveId" clId="{7CCC1809-FCD4-421F-90CF-40F3D1CBE5B7}" dt="2023-03-31T00:24:13.950" v="1165" actId="14100"/>
-          <ac:spMkLst>
-            <pc:docMk/>
-            <pc:sldMk cId="322100392" sldId="271"/>
-            <ac:spMk id="16" creationId="{533B0ED6-1292-9178-53A8-8062A267549F}"/>
-          </ac:spMkLst>
-        </pc:spChg>
-        <pc:spChg chg="add del">
-          <ac:chgData name="Luiz Break" userId="3ea80d37ed61a017" providerId="LiveId" clId="{7CCC1809-FCD4-421F-90CF-40F3D1CBE5B7}" dt="2023-03-31T00:01:39.619" v="480" actId="478"/>
-          <ac:spMkLst>
-            <pc:docMk/>
-            <pc:sldMk cId="322100392" sldId="271"/>
-            <ac:spMk id="17" creationId="{22EDC48F-0FB2-8EB3-CD8D-CED1A165945C}"/>
-          </ac:spMkLst>
-        </pc:spChg>
-        <pc:spChg chg="add del mod">
-          <ac:chgData name="Luiz Break" userId="3ea80d37ed61a017" providerId="LiveId" clId="{7CCC1809-FCD4-421F-90CF-40F3D1CBE5B7}" dt="2023-03-31T00:01:41.404" v="481" actId="478"/>
-          <ac:spMkLst>
-            <pc:docMk/>
-            <pc:sldMk cId="322100392" sldId="271"/>
-            <ac:spMk id="19" creationId="{C0DA1553-0BE9-C817-1022-39C47A10087B}"/>
-          </ac:spMkLst>
-        </pc:spChg>
-        <pc:spChg chg="mod">
-          <ac:chgData name="Luiz Break" userId="3ea80d37ed61a017" providerId="LiveId" clId="{7CCC1809-FCD4-421F-90CF-40F3D1CBE5B7}" dt="2023-03-31T00:21:42.770" v="1143" actId="12788"/>
-          <ac:spMkLst>
-            <pc:docMk/>
-            <pc:sldMk cId="322100392" sldId="271"/>
-            <ac:spMk id="23" creationId="{353DB2C1-0166-452F-C2AB-F54420BCC1B5}"/>
-          </ac:spMkLst>
-        </pc:spChg>
-        <pc:spChg chg="add del mod">
-          <ac:chgData name="Luiz Break" userId="3ea80d37ed61a017" providerId="LiveId" clId="{7CCC1809-FCD4-421F-90CF-40F3D1CBE5B7}" dt="2023-03-31T00:18:00.325" v="1103" actId="554"/>
-          <ac:spMkLst>
-            <pc:docMk/>
-            <pc:sldMk cId="322100392" sldId="271"/>
-            <ac:spMk id="24" creationId="{5E400C7E-5A7F-89A7-7D6E-F7E068FFCB81}"/>
-          </ac:spMkLst>
-        </pc:spChg>
-        <pc:spChg chg="mod">
-          <ac:chgData name="Luiz Break" userId="3ea80d37ed61a017" providerId="LiveId" clId="{7CCC1809-FCD4-421F-90CF-40F3D1CBE5B7}" dt="2023-03-31T00:18:08.325" v="1104" actId="554"/>
-          <ac:spMkLst>
-            <pc:docMk/>
-            <pc:sldMk cId="322100392" sldId="271"/>
-            <ac:spMk id="25" creationId="{EDD159AD-AC21-DBE5-8F90-A320826341CE}"/>
-          </ac:spMkLst>
-        </pc:spChg>
-        <pc:spChg chg="mod">
-          <ac:chgData name="Luiz Break" userId="3ea80d37ed61a017" providerId="LiveId" clId="{7CCC1809-FCD4-421F-90CF-40F3D1CBE5B7}" dt="2023-03-30T23:59:50.988" v="418" actId="1076"/>
-          <ac:spMkLst>
-            <pc:docMk/>
-            <pc:sldMk cId="322100392" sldId="271"/>
-            <ac:spMk id="27" creationId="{EE6E488D-852A-5535-4BAA-092F79C4B9F3}"/>
-          </ac:spMkLst>
-        </pc:spChg>
-        <pc:spChg chg="add mod">
-          <ac:chgData name="Luiz Break" userId="3ea80d37ed61a017" providerId="LiveId" clId="{7CCC1809-FCD4-421F-90CF-40F3D1CBE5B7}" dt="2023-03-30T23:58:40.934" v="382" actId="14100"/>
-          <ac:spMkLst>
-            <pc:docMk/>
-            <pc:sldMk cId="322100392" sldId="271"/>
-            <ac:spMk id="28" creationId="{DAE717AA-B399-8113-0509-8CCC291E59FB}"/>
-          </ac:spMkLst>
-        </pc:spChg>
-        <pc:spChg chg="add mod">
-          <ac:chgData name="Luiz Break" userId="3ea80d37ed61a017" providerId="LiveId" clId="{7CCC1809-FCD4-421F-90CF-40F3D1CBE5B7}" dt="2023-03-31T00:26:31.923" v="1254" actId="1036"/>
-          <ac:spMkLst>
-            <pc:docMk/>
-            <pc:sldMk cId="322100392" sldId="271"/>
-            <ac:spMk id="30" creationId="{D00EC6C9-A1C7-1FFB-35A3-8ADFDBB14600}"/>
-          </ac:spMkLst>
-        </pc:spChg>
-        <pc:spChg chg="mod">
-          <ac:chgData name="Luiz Break" userId="3ea80d37ed61a017" providerId="LiveId" clId="{7CCC1809-FCD4-421F-90CF-40F3D1CBE5B7}" dt="2023-03-31T00:57:39.393" v="1725" actId="1037"/>
-          <ac:spMkLst>
-            <pc:docMk/>
-            <pc:sldMk cId="322100392" sldId="271"/>
-            <ac:spMk id="31" creationId="{5207A10A-DC4D-C770-AADA-0CEF38A783A8}"/>
-          </ac:spMkLst>
-        </pc:spChg>
-        <pc:spChg chg="add mod">
-          <ac:chgData name="Luiz Break" userId="3ea80d37ed61a017" providerId="LiveId" clId="{7CCC1809-FCD4-421F-90CF-40F3D1CBE5B7}" dt="2023-03-30T23:58:28.280" v="381" actId="1037"/>
-          <ac:spMkLst>
-            <pc:docMk/>
-            <pc:sldMk cId="322100392" sldId="271"/>
-            <ac:spMk id="33" creationId="{31959B2E-6F90-DC5A-422A-CCA78FAC2740}"/>
-          </ac:spMkLst>
-        </pc:spChg>
-        <pc:spChg chg="mod">
-          <ac:chgData name="Luiz Break" userId="3ea80d37ed61a017" providerId="LiveId" clId="{7CCC1809-FCD4-421F-90CF-40F3D1CBE5B7}" dt="2023-03-31T00:59:27.692" v="1737" actId="20577"/>
-          <ac:spMkLst>
-            <pc:docMk/>
-            <pc:sldMk cId="322100392" sldId="271"/>
-            <ac:spMk id="35" creationId="{D83E297C-71BE-3C93-083B-1826F854A4D1}"/>
-          </ac:spMkLst>
-        </pc:spChg>
-        <pc:spChg chg="del">
-          <ac:chgData name="Luiz Break" userId="3ea80d37ed61a017" providerId="LiveId" clId="{7CCC1809-FCD4-421F-90CF-40F3D1CBE5B7}" dt="2023-03-30T23:51:57.165" v="135" actId="478"/>
-          <ac:spMkLst>
-            <pc:docMk/>
-            <pc:sldMk cId="322100392" sldId="271"/>
-            <ac:spMk id="36" creationId="{F8BAB02E-89A1-98FA-DD06-C6C6CFB9E3F7}"/>
-          </ac:spMkLst>
-        </pc:spChg>
-        <pc:spChg chg="add del mod">
-          <ac:chgData name="Luiz Break" userId="3ea80d37ed61a017" providerId="LiveId" clId="{7CCC1809-FCD4-421F-90CF-40F3D1CBE5B7}" dt="2023-03-31T00:18:00.325" v="1103" actId="554"/>
-          <ac:spMkLst>
-            <pc:docMk/>
-            <pc:sldMk cId="322100392" sldId="271"/>
-            <ac:spMk id="37" creationId="{FDF33519-1556-C356-EE93-27651818F8B5}"/>
-          </ac:spMkLst>
-        </pc:spChg>
-        <pc:spChg chg="add del mod">
-          <ac:chgData name="Luiz Break" userId="3ea80d37ed61a017" providerId="LiveId" clId="{7CCC1809-FCD4-421F-90CF-40F3D1CBE5B7}" dt="2023-03-31T00:18:08.325" v="1104" actId="554"/>
-          <ac:spMkLst>
-            <pc:docMk/>
-            <pc:sldMk cId="322100392" sldId="271"/>
-            <ac:spMk id="38" creationId="{8C69DC38-9AEF-41E1-1BC1-DEEDFAF9BAE6}"/>
-          </ac:spMkLst>
-        </pc:spChg>
-        <pc:spChg chg="mod">
-          <ac:chgData name="Luiz Break" userId="3ea80d37ed61a017" providerId="LiveId" clId="{7CCC1809-FCD4-421F-90CF-40F3D1CBE5B7}" dt="2023-03-31T00:58:10.491" v="1728" actId="313"/>
-          <ac:spMkLst>
-            <pc:docMk/>
-            <pc:sldMk cId="322100392" sldId="271"/>
-            <ac:spMk id="39" creationId="{8C433C50-14E9-CD46-27C1-01C6EAA53A84}"/>
-          </ac:spMkLst>
-        </pc:spChg>
-        <pc:spChg chg="del">
-          <ac:chgData name="Luiz Break" userId="3ea80d37ed61a017" providerId="LiveId" clId="{7CCC1809-FCD4-421F-90CF-40F3D1CBE5B7}" dt="2023-03-31T00:03:31.211" v="596" actId="478"/>
-          <ac:spMkLst>
-            <pc:docMk/>
-            <pc:sldMk cId="322100392" sldId="271"/>
-            <ac:spMk id="40" creationId="{29F5472C-4125-D697-0473-DFF28E725DF9}"/>
-          </ac:spMkLst>
-        </pc:spChg>
-        <pc:spChg chg="add mod">
-          <ac:chgData name="Luiz Break" userId="3ea80d37ed61a017" providerId="LiveId" clId="{7CCC1809-FCD4-421F-90CF-40F3D1CBE5B7}" dt="2023-03-31T00:23:15.724" v="1152" actId="1582"/>
-          <ac:spMkLst>
-            <pc:docMk/>
-            <pc:sldMk cId="322100392" sldId="271"/>
-            <ac:spMk id="42" creationId="{9B984100-494A-67AF-8D63-D5B6A3449473}"/>
-          </ac:spMkLst>
-        </pc:spChg>
-        <pc:spChg chg="add mod">
-          <ac:chgData name="Luiz Break" userId="3ea80d37ed61a017" providerId="LiveId" clId="{7CCC1809-FCD4-421F-90CF-40F3D1CBE5B7}" dt="2023-03-31T00:28:17.222" v="1264" actId="1036"/>
-          <ac:spMkLst>
-            <pc:docMk/>
-            <pc:sldMk cId="322100392" sldId="271"/>
-            <ac:spMk id="46" creationId="{5FB4A2BC-8CC1-2B56-149C-08D7332CC3AF}"/>
-          </ac:spMkLst>
-        </pc:spChg>
-        <pc:spChg chg="add mod">
-          <ac:chgData name="Luiz Break" userId="3ea80d37ed61a017" providerId="LiveId" clId="{7CCC1809-FCD4-421F-90CF-40F3D1CBE5B7}" dt="2023-03-31T00:26:12.083" v="1221" actId="20577"/>
-          <ac:spMkLst>
-            <pc:docMk/>
-            <pc:sldMk cId="322100392" sldId="271"/>
-            <ac:spMk id="48" creationId="{46DB88C4-6768-039C-F2E1-2D7F773BFD56}"/>
-          </ac:spMkLst>
-        </pc:spChg>
-        <pc:spChg chg="add mod">
-          <ac:chgData name="Luiz Break" userId="3ea80d37ed61a017" providerId="LiveId" clId="{7CCC1809-FCD4-421F-90CF-40F3D1CBE5B7}" dt="2023-03-31T00:59:00.362" v="1734" actId="20577"/>
-          <ac:spMkLst>
-            <pc:docMk/>
-            <pc:sldMk cId="322100392" sldId="271"/>
-            <ac:spMk id="50" creationId="{2406141C-4696-E095-8926-BB06216CF0EB}"/>
-          </ac:spMkLst>
-        </pc:spChg>
-        <pc:spChg chg="add mod">
-          <ac:chgData name="Luiz Break" userId="3ea80d37ed61a017" providerId="LiveId" clId="{7CCC1809-FCD4-421F-90CF-40F3D1CBE5B7}" dt="2023-03-31T00:13:04.927" v="1057" actId="1076"/>
-          <ac:spMkLst>
-            <pc:docMk/>
-            <pc:sldMk cId="322100392" sldId="271"/>
-            <ac:spMk id="55" creationId="{2D639D3E-78F6-3B19-1129-28928BBD9CF0}"/>
-          </ac:spMkLst>
-        </pc:spChg>
-        <pc:picChg chg="add del mod">
-          <ac:chgData name="Luiz Break" userId="3ea80d37ed61a017" providerId="LiveId" clId="{7CCC1809-FCD4-421F-90CF-40F3D1CBE5B7}" dt="2023-03-31T00:20:38.284" v="1107" actId="478"/>
-          <ac:picMkLst>
-            <pc:docMk/>
-            <pc:sldMk cId="322100392" sldId="271"/>
-            <ac:picMk id="18" creationId="{3852F39D-8EA5-9D4B-57FC-D21118E53366}"/>
-          </ac:picMkLst>
-        </pc:picChg>
-        <pc:picChg chg="del mod">
-          <ac:chgData name="Luiz Break" userId="3ea80d37ed61a017" providerId="LiveId" clId="{7CCC1809-FCD4-421F-90CF-40F3D1CBE5B7}" dt="2023-03-31T00:08:11.850" v="917" actId="478"/>
-          <ac:picMkLst>
-            <pc:docMk/>
-            <pc:sldMk cId="322100392" sldId="271"/>
-            <ac:picMk id="20" creationId="{9E92F066-73AE-C559-93F6-ECEC091087DF}"/>
-          </ac:picMkLst>
-        </pc:picChg>
-        <pc:picChg chg="mod">
-          <ac:chgData name="Luiz Break" userId="3ea80d37ed61a017" providerId="LiveId" clId="{7CCC1809-FCD4-421F-90CF-40F3D1CBE5B7}" dt="2023-03-31T00:08:21.974" v="919" actId="1076"/>
-          <ac:picMkLst>
-            <pc:docMk/>
-            <pc:sldMk cId="322100392" sldId="271"/>
-            <ac:picMk id="21" creationId="{000271B3-4644-15A3-73CB-94FC6C742924}"/>
-          </ac:picMkLst>
-        </pc:picChg>
-        <pc:picChg chg="add del mod">
-          <ac:chgData name="Luiz Break" userId="3ea80d37ed61a017" providerId="LiveId" clId="{7CCC1809-FCD4-421F-90CF-40F3D1CBE5B7}" dt="2023-03-30T23:57:04.983" v="333" actId="478"/>
-          <ac:picMkLst>
-            <pc:docMk/>
-            <pc:sldMk cId="322100392" sldId="271"/>
-            <ac:picMk id="26" creationId="{D7C59C7E-399C-FF34-3523-82822E290461}"/>
-          </ac:picMkLst>
-        </pc:picChg>
-        <pc:picChg chg="add del mod">
-          <ac:chgData name="Luiz Break" userId="3ea80d37ed61a017" providerId="LiveId" clId="{7CCC1809-FCD4-421F-90CF-40F3D1CBE5B7}" dt="2023-03-31T00:20:49.194" v="1113" actId="478"/>
-          <ac:picMkLst>
-            <pc:docMk/>
-            <pc:sldMk cId="322100392" sldId="271"/>
-            <ac:picMk id="29" creationId="{6922F6B9-D0BD-1CAA-E12A-3B6FFB763C72}"/>
-          </ac:picMkLst>
-        </pc:picChg>
-        <pc:picChg chg="add del mod">
-          <ac:chgData name="Luiz Break" userId="3ea80d37ed61a017" providerId="LiveId" clId="{7CCC1809-FCD4-421F-90CF-40F3D1CBE5B7}" dt="2023-03-31T00:21:03.050" v="1118" actId="478"/>
-          <ac:picMkLst>
-            <pc:docMk/>
-            <pc:sldMk cId="322100392" sldId="271"/>
-            <ac:picMk id="32" creationId="{88AAE7F8-232F-3721-460F-3F9D1BD3EFCC}"/>
-          </ac:picMkLst>
-        </pc:picChg>
-        <pc:picChg chg="del">
-          <ac:chgData name="Luiz Break" userId="3ea80d37ed61a017" providerId="LiveId" clId="{7CCC1809-FCD4-421F-90CF-40F3D1CBE5B7}" dt="2023-03-30T23:51:16.329" v="115" actId="478"/>
-          <ac:picMkLst>
-            <pc:docMk/>
-            <pc:sldMk cId="322100392" sldId="271"/>
-            <ac:picMk id="34" creationId="{75DDEA04-9B85-E607-8C81-65B1E295D8E3}"/>
-          </ac:picMkLst>
-        </pc:picChg>
-        <pc:picChg chg="mod">
-          <ac:chgData name="Luiz Break" userId="3ea80d37ed61a017" providerId="LiveId" clId="{7CCC1809-FCD4-421F-90CF-40F3D1CBE5B7}" dt="2023-03-31T00:23:31.165" v="1164" actId="1037"/>
-          <ac:picMkLst>
-            <pc:docMk/>
-            <pc:sldMk cId="322100392" sldId="271"/>
-            <ac:picMk id="41" creationId="{0AF23CE0-CCFC-327A-AE69-0A5D9E8861D9}"/>
-          </ac:picMkLst>
-        </pc:picChg>
-        <pc:picChg chg="add mod">
-          <ac:chgData name="Luiz Break" userId="3ea80d37ed61a017" providerId="LiveId" clId="{7CCC1809-FCD4-421F-90CF-40F3D1CBE5B7}" dt="2023-03-31T00:24:29.942" v="1170" actId="1037"/>
-          <ac:picMkLst>
-            <pc:docMk/>
-            <pc:sldMk cId="322100392" sldId="271"/>
-            <ac:picMk id="43" creationId="{128D6B60-B874-1D5C-0C81-E1D7BBA5CE6D}"/>
-          </ac:picMkLst>
-        </pc:picChg>
-        <pc:picChg chg="add del mod">
-          <ac:chgData name="Luiz Break" userId="3ea80d37ed61a017" providerId="LiveId" clId="{7CCC1809-FCD4-421F-90CF-40F3D1CBE5B7}" dt="2023-03-31T00:04:56.171" v="806" actId="478"/>
-          <ac:picMkLst>
-            <pc:docMk/>
-            <pc:sldMk cId="322100392" sldId="271"/>
-            <ac:picMk id="44" creationId="{1207CD79-2E42-EC04-C172-C96DDB9692F5}"/>
-          </ac:picMkLst>
-        </pc:picChg>
-        <pc:picChg chg="add del mod">
-          <ac:chgData name="Luiz Break" userId="3ea80d37ed61a017" providerId="LiveId" clId="{7CCC1809-FCD4-421F-90CF-40F3D1CBE5B7}" dt="2023-03-31T00:04:55.275" v="805" actId="478"/>
-          <ac:picMkLst>
-            <pc:docMk/>
-            <pc:sldMk cId="322100392" sldId="271"/>
-            <ac:picMk id="45" creationId="{6FE87D50-F022-B485-9718-0129EFD5A0BB}"/>
-          </ac:picMkLst>
-        </pc:picChg>
-        <pc:picChg chg="add mod">
-          <ac:chgData name="Luiz Break" userId="3ea80d37ed61a017" providerId="LiveId" clId="{7CCC1809-FCD4-421F-90CF-40F3D1CBE5B7}" dt="2023-03-31T00:28:17.222" v="1264" actId="1036"/>
-          <ac:picMkLst>
-            <pc:docMk/>
-            <pc:sldMk cId="322100392" sldId="271"/>
-            <ac:picMk id="47" creationId="{430A5348-D02F-1ED5-ACAC-869103254536}"/>
-          </ac:picMkLst>
-        </pc:picChg>
-        <pc:picChg chg="add mod">
-          <ac:chgData name="Luiz Break" userId="3ea80d37ed61a017" providerId="LiveId" clId="{7CCC1809-FCD4-421F-90CF-40F3D1CBE5B7}" dt="2023-03-31T00:26:21.890" v="1225" actId="1036"/>
-          <ac:picMkLst>
-            <pc:docMk/>
-            <pc:sldMk cId="322100392" sldId="271"/>
-            <ac:picMk id="49" creationId="{BA32E0AB-07A2-1FE4-1F22-36F2D6ED9561}"/>
-          </ac:picMkLst>
-        </pc:picChg>
-        <pc:picChg chg="add mod">
-          <ac:chgData name="Luiz Break" userId="3ea80d37ed61a017" providerId="LiveId" clId="{7CCC1809-FCD4-421F-90CF-40F3D1CBE5B7}" dt="2023-03-31T00:13:00.662" v="1056" actId="1076"/>
-          <ac:picMkLst>
-            <pc:docMk/>
-            <pc:sldMk cId="322100392" sldId="271"/>
-            <ac:picMk id="54" creationId="{B5AA94A0-24D4-A79C-47E3-DB11FED8AA25}"/>
-          </ac:picMkLst>
-        </pc:picChg>
-        <pc:picChg chg="add mod">
-          <ac:chgData name="Luiz Break" userId="3ea80d37ed61a017" providerId="LiveId" clId="{7CCC1809-FCD4-421F-90CF-40F3D1CBE5B7}" dt="2023-03-31T00:21:00.320" v="1117" actId="1076"/>
-          <ac:picMkLst>
-            <pc:docMk/>
-            <pc:sldMk cId="322100392" sldId="271"/>
-            <ac:picMk id="56" creationId="{6E038C9E-E268-E2BF-E173-F7F7ECE267AA}"/>
-          </ac:picMkLst>
-        </pc:picChg>
-        <pc:picChg chg="add mod">
-          <ac:chgData name="Luiz Break" userId="3ea80d37ed61a017" providerId="LiveId" clId="{7CCC1809-FCD4-421F-90CF-40F3D1CBE5B7}" dt="2023-03-31T00:26:31.923" v="1254" actId="1036"/>
-          <ac:picMkLst>
-            <pc:docMk/>
-            <pc:sldMk cId="322100392" sldId="271"/>
-            <ac:picMk id="57" creationId="{8D801A91-DDB3-A2E7-7E80-3A2F2F19F660}"/>
-          </ac:picMkLst>
-        </pc:picChg>
-        <pc:picChg chg="add mod">
-          <ac:chgData name="Luiz Break" userId="3ea80d37ed61a017" providerId="LiveId" clId="{7CCC1809-FCD4-421F-90CF-40F3D1CBE5B7}" dt="2023-03-31T00:25:14.685" v="1171" actId="1440"/>
-          <ac:picMkLst>
-            <pc:docMk/>
-            <pc:sldMk cId="322100392" sldId="271"/>
-            <ac:picMk id="2050" creationId="{C6E45138-9D63-CE96-94AD-D4143DC0D55D}"/>
-          </ac:picMkLst>
-        </pc:picChg>
-        <pc:picChg chg="add mod">
-          <ac:chgData name="Luiz Break" userId="3ea80d37ed61a017" providerId="LiveId" clId="{7CCC1809-FCD4-421F-90CF-40F3D1CBE5B7}" dt="2023-03-31T00:20:47.550" v="1112" actId="1076"/>
-          <ac:picMkLst>
-            <pc:docMk/>
-            <pc:sldMk cId="322100392" sldId="271"/>
-            <ac:picMk id="2052" creationId="{BD35D695-A843-C869-9027-32AFB458F077}"/>
-          </ac:picMkLst>
-        </pc:picChg>
-        <pc:picChg chg="add del">
-          <ac:chgData name="Luiz Break" userId="3ea80d37ed61a017" providerId="LiveId" clId="{7CCC1809-FCD4-421F-90CF-40F3D1CBE5B7}" dt="2023-03-31T00:20:53.897" v="1115" actId="478"/>
-          <ac:picMkLst>
-            <pc:docMk/>
-            <pc:sldMk cId="322100392" sldId="271"/>
-            <ac:picMk id="2054" creationId="{212DC29E-5EF7-0052-42E1-CF1E53CEEFC4}"/>
-          </ac:picMkLst>
-        </pc:picChg>
-        <pc:cxnChg chg="del mod">
-          <ac:chgData name="Luiz Break" userId="3ea80d37ed61a017" providerId="LiveId" clId="{7CCC1809-FCD4-421F-90CF-40F3D1CBE5B7}" dt="2023-03-31T00:08:14.793" v="918" actId="478"/>
-          <ac:cxnSpMkLst>
-            <pc:docMk/>
-            <pc:sldMk cId="322100392" sldId="271"/>
-            <ac:cxnSpMk id="22" creationId="{3DCA9209-6078-9F34-D4CA-FDE6DAF315EC}"/>
-          </ac:cxnSpMkLst>
-        </pc:cxnChg>
       </pc:sldChg>
       <pc:sldChg chg="addSp delSp modSp add mod ord">
         <pc:chgData name="Luiz Break" userId="3ea80d37ed61a017" providerId="LiveId" clId="{7CCC1809-FCD4-421F-90CF-40F3D1CBE5B7}" dt="2023-03-31T01:45:24.154" v="1838" actId="114"/>
@@ -7068,70 +1306,6 @@
           <pc:docMk/>
           <pc:sldMk cId="2230791370" sldId="273"/>
         </pc:sldMkLst>
-        <pc:spChg chg="add mod">
-          <ac:chgData name="Luiz Break" userId="3ea80d37ed61a017" providerId="LiveId" clId="{7CCC1809-FCD4-421F-90CF-40F3D1CBE5B7}" dt="2023-03-31T01:45:24.154" v="1838" actId="114"/>
-          <ac:spMkLst>
-            <pc:docMk/>
-            <pc:sldMk cId="2230791370" sldId="273"/>
-            <ac:spMk id="3" creationId="{F495BEB5-4D1B-87E0-D7F2-9FFC4D2A503A}"/>
-          </ac:spMkLst>
-        </pc:spChg>
-        <pc:spChg chg="add mod">
-          <ac:chgData name="Luiz Break" userId="3ea80d37ed61a017" providerId="LiveId" clId="{7CCC1809-FCD4-421F-90CF-40F3D1CBE5B7}" dt="2023-03-31T00:26:42.548" v="1255" actId="313"/>
-          <ac:spMkLst>
-            <pc:docMk/>
-            <pc:sldMk cId="2230791370" sldId="273"/>
-            <ac:spMk id="9" creationId="{312A354B-B243-EFC7-21BD-E9D586EAC556}"/>
-          </ac:spMkLst>
-        </pc:spChg>
-        <pc:spChg chg="add mod">
-          <ac:chgData name="Luiz Break" userId="3ea80d37ed61a017" providerId="LiveId" clId="{7CCC1809-FCD4-421F-90CF-40F3D1CBE5B7}" dt="2023-03-31T01:41:00.273" v="1763" actId="114"/>
-          <ac:spMkLst>
-            <pc:docMk/>
-            <pc:sldMk cId="2230791370" sldId="273"/>
-            <ac:spMk id="10" creationId="{C7EAA1C1-CF98-9490-0A56-B982C2D6FC5D}"/>
-          </ac:spMkLst>
-        </pc:spChg>
-        <pc:grpChg chg="del">
-          <ac:chgData name="Luiz Break" userId="3ea80d37ed61a017" providerId="LiveId" clId="{7CCC1809-FCD4-421F-90CF-40F3D1CBE5B7}" dt="2023-03-30T23:43:52.494" v="8" actId="21"/>
-          <ac:grpSpMkLst>
-            <pc:docMk/>
-            <pc:sldMk cId="2230791370" sldId="273"/>
-            <ac:grpSpMk id="5" creationId="{E6E73EAF-9876-C4EE-3398-BB1AB8F120C9}"/>
-          </ac:grpSpMkLst>
-        </pc:grpChg>
-        <pc:grpChg chg="del mod">
-          <ac:chgData name="Luiz Break" userId="3ea80d37ed61a017" providerId="LiveId" clId="{7CCC1809-FCD4-421F-90CF-40F3D1CBE5B7}" dt="2023-03-30T23:44:39.788" v="15" actId="478"/>
-          <ac:grpSpMkLst>
-            <pc:docMk/>
-            <pc:sldMk cId="2230791370" sldId="273"/>
-            <ac:grpSpMk id="7" creationId="{4AEC5065-867E-0610-5121-6677F23FB2BA}"/>
-          </ac:grpSpMkLst>
-        </pc:grpChg>
-        <pc:picChg chg="add mod">
-          <ac:chgData name="Luiz Break" userId="3ea80d37ed61a017" providerId="LiveId" clId="{7CCC1809-FCD4-421F-90CF-40F3D1CBE5B7}" dt="2023-03-30T23:46:21.972" v="68" actId="1035"/>
-          <ac:picMkLst>
-            <pc:docMk/>
-            <pc:sldMk cId="2230791370" sldId="273"/>
-            <ac:picMk id="8" creationId="{127F824F-9F88-4B87-E693-9F88E99230A4}"/>
-          </ac:picMkLst>
-        </pc:picChg>
-        <pc:picChg chg="add mod">
-          <ac:chgData name="Luiz Break" userId="3ea80d37ed61a017" providerId="LiveId" clId="{7CCC1809-FCD4-421F-90CF-40F3D1CBE5B7}" dt="2023-03-30T23:43:59.718" v="11" actId="1076"/>
-          <ac:picMkLst>
-            <pc:docMk/>
-            <pc:sldMk cId="2230791370" sldId="273"/>
-            <ac:picMk id="1026" creationId="{9FBCF0AD-665F-1E8A-4F06-1394345BF681}"/>
-          </ac:picMkLst>
-        </pc:picChg>
-        <pc:picChg chg="add mod">
-          <ac:chgData name="Luiz Break" userId="3ea80d37ed61a017" providerId="LiveId" clId="{7CCC1809-FCD4-421F-90CF-40F3D1CBE5B7}" dt="2023-03-31T01:40:02.071" v="1742" actId="1076"/>
-          <ac:picMkLst>
-            <pc:docMk/>
-            <pc:sldMk cId="2230791370" sldId="273"/>
-            <ac:picMk id="1028" creationId="{3C56B634-7D4B-B96B-F6C7-A7D1B0789CDB}"/>
-          </ac:picMkLst>
-        </pc:picChg>
       </pc:sldChg>
       <pc:sldChg chg="modSp add mod">
         <pc:chgData name="Luiz Break" userId="3ea80d37ed61a017" providerId="LiveId" clId="{7CCC1809-FCD4-421F-90CF-40F3D1CBE5B7}" dt="2023-03-31T01:42:10.205" v="1821" actId="20577"/>
@@ -7139,30 +1313,6 @@
           <pc:docMk/>
           <pc:sldMk cId="1307118117" sldId="274"/>
         </pc:sldMkLst>
-        <pc:spChg chg="mod">
-          <ac:chgData name="Luiz Break" userId="3ea80d37ed61a017" providerId="LiveId" clId="{7CCC1809-FCD4-421F-90CF-40F3D1CBE5B7}" dt="2023-03-31T01:41:52.325" v="1774" actId="20577"/>
-          <ac:spMkLst>
-            <pc:docMk/>
-            <pc:sldMk cId="1307118117" sldId="274"/>
-            <ac:spMk id="2" creationId="{6D53ED51-CEC4-0E96-064D-91665879BF11}"/>
-          </ac:spMkLst>
-        </pc:spChg>
-        <pc:spChg chg="mod">
-          <ac:chgData name="Luiz Break" userId="3ea80d37ed61a017" providerId="LiveId" clId="{7CCC1809-FCD4-421F-90CF-40F3D1CBE5B7}" dt="2023-03-31T01:42:10.205" v="1821" actId="20577"/>
-          <ac:spMkLst>
-            <pc:docMk/>
-            <pc:sldMk cId="1307118117" sldId="274"/>
-            <ac:spMk id="6" creationId="{8D34942C-C87D-05F6-359F-62BABA1B412C}"/>
-          </ac:spMkLst>
-        </pc:spChg>
-        <pc:graphicFrameChg chg="modGraphic">
-          <ac:chgData name="Luiz Break" userId="3ea80d37ed61a017" providerId="LiveId" clId="{7CCC1809-FCD4-421F-90CF-40F3D1CBE5B7}" dt="2023-03-31T00:28:56.958" v="1277"/>
-          <ac:graphicFrameMkLst>
-            <pc:docMk/>
-            <pc:sldMk cId="1307118117" sldId="274"/>
-            <ac:graphicFrameMk id="4" creationId="{65C2629F-4DEB-A2ED-0E6B-BF22A6F0F7B6}"/>
-          </ac:graphicFrameMkLst>
-        </pc:graphicFrameChg>
       </pc:sldChg>
     </pc:docChg>
   </pc:docChgLst>
@@ -7179,676 +1329,21 @@
           <pc:docMk/>
           <pc:sldMk cId="1307118117" sldId="274"/>
         </pc:sldMkLst>
-        <pc:graphicFrameChg chg="mod modGraphic">
-          <ac:chgData name="Luiz Break" userId="3ea80d37ed61a017" providerId="LiveId" clId="{227EFB2F-E61F-4805-8AF6-91D52C5EEF58}" dt="2024-07-25T03:17:39.027" v="82" actId="20577"/>
-          <ac:graphicFrameMkLst>
-            <pc:docMk/>
-            <pc:sldMk cId="1307118117" sldId="274"/>
-            <ac:graphicFrameMk id="4" creationId="{65C2629F-4DEB-A2ED-0E6B-BF22A6F0F7B6}"/>
-          </ac:graphicFrameMkLst>
-        </pc:graphicFrameChg>
       </pc:sldChg>
     </pc:docChg>
   </pc:docChgLst>
   <pc:docChgLst>
-    <pc:chgData name="Luiz Break" userId="3ea80d37ed61a017" providerId="LiveId" clId="{D1E54373-7D85-471D-9816-E251D3F6DCC9}"/>
-    <pc:docChg chg="addSld delSld modSld">
-      <pc:chgData name="Luiz Break" userId="3ea80d37ed61a017" providerId="LiveId" clId="{D1E54373-7D85-471D-9816-E251D3F6DCC9}" dt="2023-07-20T20:47:19.436" v="31" actId="2696"/>
+    <pc:chgData name="Luiz Break" userId="3ea80d37ed61a017" providerId="LiveId" clId="{453B2BD5-5E7F-465E-BBD1-E46973D10CAE}"/>
+    <pc:docChg chg="addSld modSld">
+      <pc:chgData name="Luiz Break" userId="3ea80d37ed61a017" providerId="LiveId" clId="{453B2BD5-5E7F-465E-BBD1-E46973D10CAE}" dt="2024-07-29T21:03:27.725" v="2" actId="14100"/>
       <pc:docMkLst>
         <pc:docMk/>
       </pc:docMkLst>
-      <pc:sldChg chg="modSp mod">
-        <pc:chgData name="Luiz Break" userId="3ea80d37ed61a017" providerId="LiveId" clId="{D1E54373-7D85-471D-9816-E251D3F6DCC9}" dt="2023-07-09T09:49:24.799" v="26" actId="20577"/>
+      <pc:sldChg chg="modSp add mod">
+        <pc:chgData name="Luiz Break" userId="3ea80d37ed61a017" providerId="LiveId" clId="{453B2BD5-5E7F-465E-BBD1-E46973D10CAE}" dt="2024-07-29T21:03:27.725" v="2" actId="14100"/>
         <pc:sldMkLst>
           <pc:docMk/>
-          <pc:sldMk cId="1307118117" sldId="274"/>
-        </pc:sldMkLst>
-        <pc:spChg chg="mod">
-          <ac:chgData name="Luiz Break" userId="3ea80d37ed61a017" providerId="LiveId" clId="{D1E54373-7D85-471D-9816-E251D3F6DCC9}" dt="2023-07-09T09:49:24.799" v="26" actId="20577"/>
-          <ac:spMkLst>
-            <pc:docMk/>
-            <pc:sldMk cId="1307118117" sldId="274"/>
-            <ac:spMk id="6" creationId="{8D34942C-C87D-05F6-359F-62BABA1B412C}"/>
-          </ac:spMkLst>
-        </pc:spChg>
-      </pc:sldChg>
-      <pc:sldChg chg="del">
-        <pc:chgData name="Luiz Break" userId="3ea80d37ed61a017" providerId="LiveId" clId="{D1E54373-7D85-471D-9816-E251D3F6DCC9}" dt="2023-07-20T20:47:19.436" v="31" actId="2696"/>
-        <pc:sldMkLst>
-          <pc:docMk/>
-          <pc:sldMk cId="1549090167" sldId="275"/>
-        </pc:sldMkLst>
-      </pc:sldChg>
-      <pc:sldChg chg="add">
-        <pc:chgData name="Luiz Break" userId="3ea80d37ed61a017" providerId="LiveId" clId="{D1E54373-7D85-471D-9816-E251D3F6DCC9}" dt="2023-07-09T09:49:58.504" v="27"/>
-        <pc:sldMkLst>
-          <pc:docMk/>
-          <pc:sldMk cId="87326837" sldId="276"/>
-        </pc:sldMkLst>
-      </pc:sldChg>
-      <pc:sldChg chg="add">
-        <pc:chgData name="Luiz Break" userId="3ea80d37ed61a017" providerId="LiveId" clId="{D1E54373-7D85-471D-9816-E251D3F6DCC9}" dt="2023-07-20T20:47:11.202" v="29"/>
-        <pc:sldMkLst>
-          <pc:docMk/>
-          <pc:sldMk cId="0" sldId="310"/>
-        </pc:sldMkLst>
-      </pc:sldChg>
-      <pc:sldChg chg="modSp add mod">
-        <pc:chgData name="Luiz Break" userId="3ea80d37ed61a017" providerId="LiveId" clId="{D1E54373-7D85-471D-9816-E251D3F6DCC9}" dt="2023-07-09T09:31:53.912" v="2" actId="2164"/>
-        <pc:sldMkLst>
-          <pc:docMk/>
-          <pc:sldMk cId="4130972659" sldId="312"/>
-        </pc:sldMkLst>
-        <pc:graphicFrameChg chg="modGraphic">
-          <ac:chgData name="Luiz Break" userId="3ea80d37ed61a017" providerId="LiveId" clId="{D1E54373-7D85-471D-9816-E251D3F6DCC9}" dt="2023-07-09T09:31:53.912" v="2" actId="2164"/>
-          <ac:graphicFrameMkLst>
-            <pc:docMk/>
-            <pc:sldMk cId="4130972659" sldId="312"/>
-            <ac:graphicFrameMk id="4" creationId="{65C2629F-4DEB-A2ED-0E6B-BF22A6F0F7B6}"/>
-          </ac:graphicFrameMkLst>
-        </pc:graphicFrameChg>
-      </pc:sldChg>
-      <pc:sldChg chg="add del">
-        <pc:chgData name="Luiz Break" userId="3ea80d37ed61a017" providerId="LiveId" clId="{D1E54373-7D85-471D-9816-E251D3F6DCC9}" dt="2023-07-20T20:47:13.992" v="30" actId="2696"/>
-        <pc:sldMkLst>
-          <pc:docMk/>
-          <pc:sldMk cId="117679202" sldId="313"/>
-        </pc:sldMkLst>
-      </pc:sldChg>
-    </pc:docChg>
-  </pc:docChgLst>
-  <pc:docChgLst>
-    <pc:chgData name="Luiz Break" userId="3ea80d37ed61a017" providerId="LiveId" clId="{56B9750D-39E6-4829-AA8F-397063E359AF}"/>
-    <pc:docChg chg="custSel delSld modSld">
-      <pc:chgData name="Luiz Break" userId="3ea80d37ed61a017" providerId="LiveId" clId="{56B9750D-39E6-4829-AA8F-397063E359AF}" dt="2024-04-29T12:32:07.968" v="794" actId="20577"/>
-      <pc:docMkLst>
-        <pc:docMk/>
-      </pc:docMkLst>
-      <pc:sldChg chg="modSp mod">
-        <pc:chgData name="Luiz Break" userId="3ea80d37ed61a017" providerId="LiveId" clId="{56B9750D-39E6-4829-AA8F-397063E359AF}" dt="2024-04-29T12:32:07.968" v="794" actId="20577"/>
-        <pc:sldMkLst>
-          <pc:docMk/>
-          <pc:sldMk cId="2424688824" sldId="267"/>
-        </pc:sldMkLst>
-        <pc:spChg chg="mod">
-          <ac:chgData name="Luiz Break" userId="3ea80d37ed61a017" providerId="LiveId" clId="{56B9750D-39E6-4829-AA8F-397063E359AF}" dt="2024-04-29T11:41:59.249" v="71" actId="20577"/>
-          <ac:spMkLst>
-            <pc:docMk/>
-            <pc:sldMk cId="2424688824" sldId="267"/>
-            <ac:spMk id="2" creationId="{DF7A44F1-68EC-DB8C-7A32-90BAA29E84CA}"/>
-          </ac:spMkLst>
-        </pc:spChg>
-        <pc:spChg chg="mod">
-          <ac:chgData name="Luiz Break" userId="3ea80d37ed61a017" providerId="LiveId" clId="{56B9750D-39E6-4829-AA8F-397063E359AF}" dt="2024-04-29T12:32:07.968" v="794" actId="20577"/>
-          <ac:spMkLst>
-            <pc:docMk/>
-            <pc:sldMk cId="2424688824" sldId="267"/>
-            <ac:spMk id="5" creationId="{3536710E-3CEF-317F-20B0-DDA533970610}"/>
-          </ac:spMkLst>
-        </pc:spChg>
-        <pc:spChg chg="mod">
-          <ac:chgData name="Luiz Break" userId="3ea80d37ed61a017" providerId="LiveId" clId="{56B9750D-39E6-4829-AA8F-397063E359AF}" dt="2024-04-29T11:42:04.584" v="76" actId="20577"/>
-          <ac:spMkLst>
-            <pc:docMk/>
-            <pc:sldMk cId="2424688824" sldId="267"/>
-            <ac:spMk id="12" creationId="{FA82DEC8-C490-53DA-F0F1-86BDA736E703}"/>
-          </ac:spMkLst>
-        </pc:spChg>
-      </pc:sldChg>
-      <pc:sldChg chg="addSp delSp modSp mod">
-        <pc:chgData name="Luiz Break" userId="3ea80d37ed61a017" providerId="LiveId" clId="{56B9750D-39E6-4829-AA8F-397063E359AF}" dt="2024-04-29T12:30:42.013" v="752" actId="1076"/>
-        <pc:sldMkLst>
-          <pc:docMk/>
-          <pc:sldMk cId="2230791370" sldId="273"/>
-        </pc:sldMkLst>
-        <pc:spChg chg="add del mod">
-          <ac:chgData name="Luiz Break" userId="3ea80d37ed61a017" providerId="LiveId" clId="{56B9750D-39E6-4829-AA8F-397063E359AF}" dt="2024-04-29T11:40:12.323" v="13" actId="21"/>
-          <ac:spMkLst>
-            <pc:docMk/>
-            <pc:sldMk cId="2230791370" sldId="273"/>
-            <ac:spMk id="5" creationId="{C34F9713-3570-767C-B0B8-1E99ADB4213A}"/>
-          </ac:spMkLst>
-        </pc:spChg>
-        <pc:spChg chg="add mod">
-          <ac:chgData name="Luiz Break" userId="3ea80d37ed61a017" providerId="LiveId" clId="{56B9750D-39E6-4829-AA8F-397063E359AF}" dt="2024-04-29T11:41:13.654" v="28" actId="1076"/>
-          <ac:spMkLst>
-            <pc:docMk/>
-            <pc:sldMk cId="2230791370" sldId="273"/>
-            <ac:spMk id="6" creationId="{3E91C9C3-0C7B-9D37-119D-B121AA87F174}"/>
-          </ac:spMkLst>
-        </pc:spChg>
-        <pc:spChg chg="mod">
-          <ac:chgData name="Luiz Break" userId="3ea80d37ed61a017" providerId="LiveId" clId="{56B9750D-39E6-4829-AA8F-397063E359AF}" dt="2024-04-29T11:41:37.406" v="47" actId="20577"/>
-          <ac:spMkLst>
-            <pc:docMk/>
-            <pc:sldMk cId="2230791370" sldId="273"/>
-            <ac:spMk id="9" creationId="{312A354B-B243-EFC7-21BD-E9D586EAC556}"/>
-          </ac:spMkLst>
-        </pc:spChg>
-        <pc:picChg chg="del">
-          <ac:chgData name="Luiz Break" userId="3ea80d37ed61a017" providerId="LiveId" clId="{56B9750D-39E6-4829-AA8F-397063E359AF}" dt="2024-04-29T12:30:35.919" v="751" actId="21"/>
-          <ac:picMkLst>
-            <pc:docMk/>
-            <pc:sldMk cId="2230791370" sldId="273"/>
-            <ac:picMk id="4" creationId="{43A0F3FE-072C-63B8-EFA3-59046D125C3B}"/>
-          </ac:picMkLst>
-        </pc:picChg>
-        <pc:picChg chg="add mod">
-          <ac:chgData name="Luiz Break" userId="3ea80d37ed61a017" providerId="LiveId" clId="{56B9750D-39E6-4829-AA8F-397063E359AF}" dt="2024-04-29T12:30:42.013" v="752" actId="1076"/>
-          <ac:picMkLst>
-            <pc:docMk/>
-            <pc:sldMk cId="2230791370" sldId="273"/>
-            <ac:picMk id="8" creationId="{2FFCAAEA-9D4D-781A-F5FC-2874B8AAB8B1}"/>
-          </ac:picMkLst>
-        </pc:picChg>
-        <pc:picChg chg="del">
-          <ac:chgData name="Luiz Break" userId="3ea80d37ed61a017" providerId="LiveId" clId="{56B9750D-39E6-4829-AA8F-397063E359AF}" dt="2024-04-29T11:37:06.278" v="0" actId="478"/>
-          <ac:picMkLst>
-            <pc:docMk/>
-            <pc:sldMk cId="2230791370" sldId="273"/>
-            <ac:picMk id="1026" creationId="{FE53077F-0F5B-1625-E00C-4BA1C2630025}"/>
-          </ac:picMkLst>
-        </pc:picChg>
-      </pc:sldChg>
-      <pc:sldChg chg="delSp modSp mod">
-        <pc:chgData name="Luiz Break" userId="3ea80d37ed61a017" providerId="LiveId" clId="{56B9750D-39E6-4829-AA8F-397063E359AF}" dt="2024-04-29T12:26:10.718" v="611" actId="1038"/>
-        <pc:sldMkLst>
-          <pc:docMk/>
-          <pc:sldMk cId="3695609286" sldId="315"/>
-        </pc:sldMkLst>
-        <pc:spChg chg="mod">
-          <ac:chgData name="Luiz Break" userId="3ea80d37ed61a017" providerId="LiveId" clId="{56B9750D-39E6-4829-AA8F-397063E359AF}" dt="2024-04-29T12:26:10.718" v="611" actId="1038"/>
-          <ac:spMkLst>
-            <pc:docMk/>
-            <pc:sldMk cId="3695609286" sldId="315"/>
-            <ac:spMk id="3" creationId="{526E9391-EF3A-C788-301D-F08CB2E85BF5}"/>
-          </ac:spMkLst>
-        </pc:spChg>
-        <pc:spChg chg="mod">
-          <ac:chgData name="Luiz Break" userId="3ea80d37ed61a017" providerId="LiveId" clId="{56B9750D-39E6-4829-AA8F-397063E359AF}" dt="2024-04-29T12:26:10.718" v="611" actId="1038"/>
-          <ac:spMkLst>
-            <pc:docMk/>
-            <pc:sldMk cId="3695609286" sldId="315"/>
-            <ac:spMk id="4" creationId="{C3841673-753D-F25F-3208-E1E8016CCA28}"/>
-          </ac:spMkLst>
-        </pc:spChg>
-        <pc:spChg chg="mod">
-          <ac:chgData name="Luiz Break" userId="3ea80d37ed61a017" providerId="LiveId" clId="{56B9750D-39E6-4829-AA8F-397063E359AF}" dt="2024-04-29T12:26:10.718" v="611" actId="1038"/>
-          <ac:spMkLst>
-            <pc:docMk/>
-            <pc:sldMk cId="3695609286" sldId="315"/>
-            <ac:spMk id="5" creationId="{3343852C-8661-A589-478B-41D50521A0C4}"/>
-          </ac:spMkLst>
-        </pc:spChg>
-        <pc:spChg chg="mod">
-          <ac:chgData name="Luiz Break" userId="3ea80d37ed61a017" providerId="LiveId" clId="{56B9750D-39E6-4829-AA8F-397063E359AF}" dt="2024-04-29T12:26:10.718" v="611" actId="1038"/>
-          <ac:spMkLst>
-            <pc:docMk/>
-            <pc:sldMk cId="3695609286" sldId="315"/>
-            <ac:spMk id="10" creationId="{7420471B-12F8-0F32-7F9F-26072DABCC37}"/>
-          </ac:spMkLst>
-        </pc:spChg>
-        <pc:spChg chg="mod">
-          <ac:chgData name="Luiz Break" userId="3ea80d37ed61a017" providerId="LiveId" clId="{56B9750D-39E6-4829-AA8F-397063E359AF}" dt="2024-04-29T12:26:10.718" v="611" actId="1038"/>
-          <ac:spMkLst>
-            <pc:docMk/>
-            <pc:sldMk cId="3695609286" sldId="315"/>
-            <ac:spMk id="11" creationId="{A4AF81E1-0420-3711-EC96-7906C133B252}"/>
-          </ac:spMkLst>
-        </pc:spChg>
-        <pc:spChg chg="mod">
-          <ac:chgData name="Luiz Break" userId="3ea80d37ed61a017" providerId="LiveId" clId="{56B9750D-39E6-4829-AA8F-397063E359AF}" dt="2024-04-29T12:26:10.718" v="611" actId="1038"/>
-          <ac:spMkLst>
-            <pc:docMk/>
-            <pc:sldMk cId="3695609286" sldId="315"/>
-            <ac:spMk id="13" creationId="{C4F39757-AC9E-F5E1-7B1E-9CF902B95434}"/>
-          </ac:spMkLst>
-        </pc:spChg>
-        <pc:spChg chg="mod">
-          <ac:chgData name="Luiz Break" userId="3ea80d37ed61a017" providerId="LiveId" clId="{56B9750D-39E6-4829-AA8F-397063E359AF}" dt="2024-04-29T12:26:10.718" v="611" actId="1038"/>
-          <ac:spMkLst>
-            <pc:docMk/>
-            <pc:sldMk cId="3695609286" sldId="315"/>
-            <ac:spMk id="14" creationId="{7FA0251F-669B-BF8A-C391-23EDA397AFC8}"/>
-          </ac:spMkLst>
-        </pc:spChg>
-        <pc:spChg chg="mod">
-          <ac:chgData name="Luiz Break" userId="3ea80d37ed61a017" providerId="LiveId" clId="{56B9750D-39E6-4829-AA8F-397063E359AF}" dt="2024-04-29T12:26:10.718" v="611" actId="1038"/>
-          <ac:spMkLst>
-            <pc:docMk/>
-            <pc:sldMk cId="3695609286" sldId="315"/>
-            <ac:spMk id="15" creationId="{766416B4-0973-3A8F-0088-5840B887BC77}"/>
-          </ac:spMkLst>
-        </pc:spChg>
-        <pc:spChg chg="mod">
-          <ac:chgData name="Luiz Break" userId="3ea80d37ed61a017" providerId="LiveId" clId="{56B9750D-39E6-4829-AA8F-397063E359AF}" dt="2024-04-29T12:26:10.718" v="611" actId="1038"/>
-          <ac:spMkLst>
-            <pc:docMk/>
-            <pc:sldMk cId="3695609286" sldId="315"/>
-            <ac:spMk id="16" creationId="{533B0ED6-1292-9178-53A8-8062A267549F}"/>
-          </ac:spMkLst>
-        </pc:spChg>
-        <pc:spChg chg="mod">
-          <ac:chgData name="Luiz Break" userId="3ea80d37ed61a017" providerId="LiveId" clId="{56B9750D-39E6-4829-AA8F-397063E359AF}" dt="2024-04-29T12:26:10.718" v="611" actId="1038"/>
-          <ac:spMkLst>
-            <pc:docMk/>
-            <pc:sldMk cId="3695609286" sldId="315"/>
-            <ac:spMk id="17" creationId="{E3560A87-2812-23F2-16C3-BADB3A5DE355}"/>
-          </ac:spMkLst>
-        </pc:spChg>
-        <pc:spChg chg="mod">
-          <ac:chgData name="Luiz Break" userId="3ea80d37ed61a017" providerId="LiveId" clId="{56B9750D-39E6-4829-AA8F-397063E359AF}" dt="2024-04-29T12:26:10.718" v="611" actId="1038"/>
-          <ac:spMkLst>
-            <pc:docMk/>
-            <pc:sldMk cId="3695609286" sldId="315"/>
-            <ac:spMk id="24" creationId="{5E400C7E-5A7F-89A7-7D6E-F7E068FFCB81}"/>
-          </ac:spMkLst>
-        </pc:spChg>
-        <pc:spChg chg="mod">
-          <ac:chgData name="Luiz Break" userId="3ea80d37ed61a017" providerId="LiveId" clId="{56B9750D-39E6-4829-AA8F-397063E359AF}" dt="2024-04-29T12:26:10.718" v="611" actId="1038"/>
-          <ac:spMkLst>
-            <pc:docMk/>
-            <pc:sldMk cId="3695609286" sldId="315"/>
-            <ac:spMk id="25" creationId="{EDD159AD-AC21-DBE5-8F90-A320826341CE}"/>
-          </ac:spMkLst>
-        </pc:spChg>
-        <pc:spChg chg="mod">
-          <ac:chgData name="Luiz Break" userId="3ea80d37ed61a017" providerId="LiveId" clId="{56B9750D-39E6-4829-AA8F-397063E359AF}" dt="2024-04-29T12:26:10.718" v="611" actId="1038"/>
-          <ac:spMkLst>
-            <pc:docMk/>
-            <pc:sldMk cId="3695609286" sldId="315"/>
-            <ac:spMk id="26" creationId="{0BCE1F37-5D1F-2151-7D93-05CBE34D640A}"/>
-          </ac:spMkLst>
-        </pc:spChg>
-        <pc:spChg chg="mod">
-          <ac:chgData name="Luiz Break" userId="3ea80d37ed61a017" providerId="LiveId" clId="{56B9750D-39E6-4829-AA8F-397063E359AF}" dt="2024-04-29T12:26:10.718" v="611" actId="1038"/>
-          <ac:spMkLst>
-            <pc:docMk/>
-            <pc:sldMk cId="3695609286" sldId="315"/>
-            <ac:spMk id="27" creationId="{EE6E488D-852A-5535-4BAA-092F79C4B9F3}"/>
-          </ac:spMkLst>
-        </pc:spChg>
-        <pc:spChg chg="mod">
-          <ac:chgData name="Luiz Break" userId="3ea80d37ed61a017" providerId="LiveId" clId="{56B9750D-39E6-4829-AA8F-397063E359AF}" dt="2024-04-29T12:26:10.718" v="611" actId="1038"/>
-          <ac:spMkLst>
-            <pc:docMk/>
-            <pc:sldMk cId="3695609286" sldId="315"/>
-            <ac:spMk id="30" creationId="{D00EC6C9-A1C7-1FFB-35A3-8ADFDBB14600}"/>
-          </ac:spMkLst>
-        </pc:spChg>
-        <pc:spChg chg="mod">
-          <ac:chgData name="Luiz Break" userId="3ea80d37ed61a017" providerId="LiveId" clId="{56B9750D-39E6-4829-AA8F-397063E359AF}" dt="2024-04-29T12:25:44.367" v="568" actId="20577"/>
-          <ac:spMkLst>
-            <pc:docMk/>
-            <pc:sldMk cId="3695609286" sldId="315"/>
-            <ac:spMk id="31" creationId="{5207A10A-DC4D-C770-AADA-0CEF38A783A8}"/>
-          </ac:spMkLst>
-        </pc:spChg>
-        <pc:spChg chg="mod">
-          <ac:chgData name="Luiz Break" userId="3ea80d37ed61a017" providerId="LiveId" clId="{56B9750D-39E6-4829-AA8F-397063E359AF}" dt="2024-04-29T12:26:10.718" v="611" actId="1038"/>
-          <ac:spMkLst>
-            <pc:docMk/>
-            <pc:sldMk cId="3695609286" sldId="315"/>
-            <ac:spMk id="37" creationId="{FDF33519-1556-C356-EE93-27651818F8B5}"/>
-          </ac:spMkLst>
-        </pc:spChg>
-        <pc:spChg chg="mod">
-          <ac:chgData name="Luiz Break" userId="3ea80d37ed61a017" providerId="LiveId" clId="{56B9750D-39E6-4829-AA8F-397063E359AF}" dt="2024-04-29T12:26:10.718" v="611" actId="1038"/>
-          <ac:spMkLst>
-            <pc:docMk/>
-            <pc:sldMk cId="3695609286" sldId="315"/>
-            <ac:spMk id="38" creationId="{8C69DC38-9AEF-41E1-1BC1-DEEDFAF9BAE6}"/>
-          </ac:spMkLst>
-        </pc:spChg>
-        <pc:spChg chg="mod">
-          <ac:chgData name="Luiz Break" userId="3ea80d37ed61a017" providerId="LiveId" clId="{56B9750D-39E6-4829-AA8F-397063E359AF}" dt="2024-04-29T12:26:10.718" v="611" actId="1038"/>
-          <ac:spMkLst>
-            <pc:docMk/>
-            <pc:sldMk cId="3695609286" sldId="315"/>
-            <ac:spMk id="39" creationId="{8C433C50-14E9-CD46-27C1-01C6EAA53A84}"/>
-          </ac:spMkLst>
-        </pc:spChg>
-        <pc:spChg chg="mod">
-          <ac:chgData name="Luiz Break" userId="3ea80d37ed61a017" providerId="LiveId" clId="{56B9750D-39E6-4829-AA8F-397063E359AF}" dt="2024-04-29T12:26:10.718" v="611" actId="1038"/>
-          <ac:spMkLst>
-            <pc:docMk/>
-            <pc:sldMk cId="3695609286" sldId="315"/>
-            <ac:spMk id="44" creationId="{185C17B2-BE65-8887-C45B-0E48C6D38ECF}"/>
-          </ac:spMkLst>
-        </pc:spChg>
-        <pc:spChg chg="mod">
-          <ac:chgData name="Luiz Break" userId="3ea80d37ed61a017" providerId="LiveId" clId="{56B9750D-39E6-4829-AA8F-397063E359AF}" dt="2024-04-29T12:26:10.718" v="611" actId="1038"/>
-          <ac:spMkLst>
-            <pc:docMk/>
-            <pc:sldMk cId="3695609286" sldId="315"/>
-            <ac:spMk id="48" creationId="{46DB88C4-6768-039C-F2E1-2D7F773BFD56}"/>
-          </ac:spMkLst>
-        </pc:spChg>
-        <pc:spChg chg="mod">
-          <ac:chgData name="Luiz Break" userId="3ea80d37ed61a017" providerId="LiveId" clId="{56B9750D-39E6-4829-AA8F-397063E359AF}" dt="2024-04-29T12:26:10.718" v="611" actId="1038"/>
-          <ac:spMkLst>
-            <pc:docMk/>
-            <pc:sldMk cId="3695609286" sldId="315"/>
-            <ac:spMk id="50" creationId="{2406141C-4696-E095-8926-BB06216CF0EB}"/>
-          </ac:spMkLst>
-        </pc:spChg>
-        <pc:spChg chg="del">
-          <ac:chgData name="Luiz Break" userId="3ea80d37ed61a017" providerId="LiveId" clId="{56B9750D-39E6-4829-AA8F-397063E359AF}" dt="2024-04-29T12:25:52.711" v="569" actId="21"/>
-          <ac:spMkLst>
-            <pc:docMk/>
-            <pc:sldMk cId="3695609286" sldId="315"/>
-            <ac:spMk id="58" creationId="{2BE95925-31C7-3281-1069-5DFB11B9BC87}"/>
-          </ac:spMkLst>
-        </pc:spChg>
-        <pc:spChg chg="del">
-          <ac:chgData name="Luiz Break" userId="3ea80d37ed61a017" providerId="LiveId" clId="{56B9750D-39E6-4829-AA8F-397063E359AF}" dt="2024-04-29T12:25:55.415" v="570" actId="21"/>
-          <ac:spMkLst>
-            <pc:docMk/>
-            <pc:sldMk cId="3695609286" sldId="315"/>
-            <ac:spMk id="60" creationId="{6EE68B59-C165-8C89-DD23-FF1CC647B7B1}"/>
-          </ac:spMkLst>
-        </pc:spChg>
-        <pc:spChg chg="mod">
-          <ac:chgData name="Luiz Break" userId="3ea80d37ed61a017" providerId="LiveId" clId="{56B9750D-39E6-4829-AA8F-397063E359AF}" dt="2024-04-29T12:26:10.718" v="611" actId="1038"/>
-          <ac:spMkLst>
-            <pc:docMk/>
-            <pc:sldMk cId="3695609286" sldId="315"/>
-            <ac:spMk id="63" creationId="{BDD952F3-9779-FBDF-E9E1-462CADB04A49}"/>
-          </ac:spMkLst>
-        </pc:spChg>
-        <pc:spChg chg="mod">
-          <ac:chgData name="Luiz Break" userId="3ea80d37ed61a017" providerId="LiveId" clId="{56B9750D-39E6-4829-AA8F-397063E359AF}" dt="2024-04-29T12:26:10.718" v="611" actId="1038"/>
-          <ac:spMkLst>
-            <pc:docMk/>
-            <pc:sldMk cId="3695609286" sldId="315"/>
-            <ac:spMk id="2062" creationId="{B915BC42-F3C7-4EFF-E87E-86F77BC4B447}"/>
-          </ac:spMkLst>
-        </pc:spChg>
-        <pc:spChg chg="mod">
-          <ac:chgData name="Luiz Break" userId="3ea80d37ed61a017" providerId="LiveId" clId="{56B9750D-39E6-4829-AA8F-397063E359AF}" dt="2024-04-29T12:26:10.718" v="611" actId="1038"/>
-          <ac:spMkLst>
-            <pc:docMk/>
-            <pc:sldMk cId="3695609286" sldId="315"/>
-            <ac:spMk id="2063" creationId="{77E084E4-6697-BED5-CB63-AEE0D4F82F32}"/>
-          </ac:spMkLst>
-        </pc:spChg>
-        <pc:spChg chg="mod">
-          <ac:chgData name="Luiz Break" userId="3ea80d37ed61a017" providerId="LiveId" clId="{56B9750D-39E6-4829-AA8F-397063E359AF}" dt="2024-04-29T12:26:10.718" v="611" actId="1038"/>
-          <ac:spMkLst>
-            <pc:docMk/>
-            <pc:sldMk cId="3695609286" sldId="315"/>
-            <ac:spMk id="2064" creationId="{39C0AE46-43C7-14FE-E25B-15BEA2E32F90}"/>
-          </ac:spMkLst>
-        </pc:spChg>
-        <pc:spChg chg="mod">
-          <ac:chgData name="Luiz Break" userId="3ea80d37ed61a017" providerId="LiveId" clId="{56B9750D-39E6-4829-AA8F-397063E359AF}" dt="2024-04-29T12:26:10.718" v="611" actId="1038"/>
-          <ac:spMkLst>
-            <pc:docMk/>
-            <pc:sldMk cId="3695609286" sldId="315"/>
-            <ac:spMk id="2065" creationId="{32DA9EA1-78C5-827D-2BE7-7C8E7D166C4E}"/>
-          </ac:spMkLst>
-        </pc:spChg>
-        <pc:spChg chg="mod">
-          <ac:chgData name="Luiz Break" userId="3ea80d37ed61a017" providerId="LiveId" clId="{56B9750D-39E6-4829-AA8F-397063E359AF}" dt="2024-04-29T12:26:10.718" v="611" actId="1038"/>
-          <ac:spMkLst>
-            <pc:docMk/>
-            <pc:sldMk cId="3695609286" sldId="315"/>
-            <ac:spMk id="2066" creationId="{851877DB-3BCB-8D29-281E-B6D4FBA8B105}"/>
-          </ac:spMkLst>
-        </pc:spChg>
-        <pc:spChg chg="mod">
-          <ac:chgData name="Luiz Break" userId="3ea80d37ed61a017" providerId="LiveId" clId="{56B9750D-39E6-4829-AA8F-397063E359AF}" dt="2024-04-29T12:26:10.718" v="611" actId="1038"/>
-          <ac:spMkLst>
-            <pc:docMk/>
-            <pc:sldMk cId="3695609286" sldId="315"/>
-            <ac:spMk id="2067" creationId="{D970551D-DCFA-46B5-9F30-3E63C4E4768A}"/>
-          </ac:spMkLst>
-        </pc:spChg>
-        <pc:spChg chg="mod">
-          <ac:chgData name="Luiz Break" userId="3ea80d37ed61a017" providerId="LiveId" clId="{56B9750D-39E6-4829-AA8F-397063E359AF}" dt="2024-04-29T12:26:10.718" v="611" actId="1038"/>
-          <ac:spMkLst>
-            <pc:docMk/>
-            <pc:sldMk cId="3695609286" sldId="315"/>
-            <ac:spMk id="2068" creationId="{955F2C58-F6CD-5D67-C106-F76CBE4CF01A}"/>
-          </ac:spMkLst>
-        </pc:spChg>
-        <pc:spChg chg="del">
-          <ac:chgData name="Luiz Break" userId="3ea80d37ed61a017" providerId="LiveId" clId="{56B9750D-39E6-4829-AA8F-397063E359AF}" dt="2024-04-29T12:25:52.711" v="569" actId="21"/>
-          <ac:spMkLst>
-            <pc:docMk/>
-            <pc:sldMk cId="3695609286" sldId="315"/>
-            <ac:spMk id="2069" creationId="{4587318F-EDDB-1644-888E-540244C3950D}"/>
-          </ac:spMkLst>
-        </pc:spChg>
-        <pc:picChg chg="mod">
-          <ac:chgData name="Luiz Break" userId="3ea80d37ed61a017" providerId="LiveId" clId="{56B9750D-39E6-4829-AA8F-397063E359AF}" dt="2024-04-29T12:26:10.718" v="611" actId="1038"/>
-          <ac:picMkLst>
-            <pc:docMk/>
-            <pc:sldMk cId="3695609286" sldId="315"/>
-            <ac:picMk id="20" creationId="{236FE60B-8F4F-E43B-195B-41B570E40786}"/>
-          </ac:picMkLst>
-        </pc:picChg>
-        <pc:picChg chg="mod">
-          <ac:chgData name="Luiz Break" userId="3ea80d37ed61a017" providerId="LiveId" clId="{56B9750D-39E6-4829-AA8F-397063E359AF}" dt="2024-04-29T12:26:10.718" v="611" actId="1038"/>
-          <ac:picMkLst>
-            <pc:docMk/>
-            <pc:sldMk cId="3695609286" sldId="315"/>
-            <ac:picMk id="32" creationId="{EEA13134-A718-7DCB-AFC1-4EAEEBFCB57F}"/>
-          </ac:picMkLst>
-        </pc:picChg>
-        <pc:picChg chg="mod">
-          <ac:chgData name="Luiz Break" userId="3ea80d37ed61a017" providerId="LiveId" clId="{56B9750D-39E6-4829-AA8F-397063E359AF}" dt="2024-04-29T12:26:10.718" v="611" actId="1038"/>
-          <ac:picMkLst>
-            <pc:docMk/>
-            <pc:sldMk cId="3695609286" sldId="315"/>
-            <ac:picMk id="41" creationId="{0AF23CE0-CCFC-327A-AE69-0A5D9E8861D9}"/>
-          </ac:picMkLst>
-        </pc:picChg>
-        <pc:picChg chg="mod">
-          <ac:chgData name="Luiz Break" userId="3ea80d37ed61a017" providerId="LiveId" clId="{56B9750D-39E6-4829-AA8F-397063E359AF}" dt="2024-04-29T12:26:10.718" v="611" actId="1038"/>
-          <ac:picMkLst>
-            <pc:docMk/>
-            <pc:sldMk cId="3695609286" sldId="315"/>
-            <ac:picMk id="49" creationId="{BA32E0AB-07A2-1FE4-1F22-36F2D6ED9561}"/>
-          </ac:picMkLst>
-        </pc:picChg>
-        <pc:picChg chg="mod">
-          <ac:chgData name="Luiz Break" userId="3ea80d37ed61a017" providerId="LiveId" clId="{56B9750D-39E6-4829-AA8F-397063E359AF}" dt="2024-04-29T12:26:10.718" v="611" actId="1038"/>
-          <ac:picMkLst>
-            <pc:docMk/>
-            <pc:sldMk cId="3695609286" sldId="315"/>
-            <ac:picMk id="57" creationId="{8D801A91-DDB3-A2E7-7E80-3A2F2F19F660}"/>
-          </ac:picMkLst>
-        </pc:picChg>
-        <pc:picChg chg="del">
-          <ac:chgData name="Luiz Break" userId="3ea80d37ed61a017" providerId="LiveId" clId="{56B9750D-39E6-4829-AA8F-397063E359AF}" dt="2024-04-29T12:25:52.711" v="569" actId="21"/>
-          <ac:picMkLst>
-            <pc:docMk/>
-            <pc:sldMk cId="3695609286" sldId="315"/>
-            <ac:picMk id="59" creationId="{68FD3928-FDF5-DB54-6F56-6EE748187448}"/>
-          </ac:picMkLst>
-        </pc:picChg>
-        <pc:picChg chg="del">
-          <ac:chgData name="Luiz Break" userId="3ea80d37ed61a017" providerId="LiveId" clId="{56B9750D-39E6-4829-AA8F-397063E359AF}" dt="2024-04-29T12:25:57.884" v="571" actId="21"/>
-          <ac:picMkLst>
-            <pc:docMk/>
-            <pc:sldMk cId="3695609286" sldId="315"/>
-            <ac:picMk id="62" creationId="{8BD3C1CC-56CB-6390-B5C4-F78636D880A2}"/>
-          </ac:picMkLst>
-        </pc:picChg>
-        <pc:cxnChg chg="mod">
-          <ac:chgData name="Luiz Break" userId="3ea80d37ed61a017" providerId="LiveId" clId="{56B9750D-39E6-4829-AA8F-397063E359AF}" dt="2024-04-29T12:26:10.718" v="611" actId="1038"/>
-          <ac:cxnSpMkLst>
-            <pc:docMk/>
-            <pc:sldMk cId="3695609286" sldId="315"/>
-            <ac:cxnSpMk id="22" creationId="{071FD0B6-70C7-8A9B-79B7-0CE409E79BC0}"/>
-          </ac:cxnSpMkLst>
-        </pc:cxnChg>
-        <pc:cxnChg chg="mod">
-          <ac:chgData name="Luiz Break" userId="3ea80d37ed61a017" providerId="LiveId" clId="{56B9750D-39E6-4829-AA8F-397063E359AF}" dt="2024-04-29T12:26:10.718" v="611" actId="1038"/>
-          <ac:cxnSpMkLst>
-            <pc:docMk/>
-            <pc:sldMk cId="3695609286" sldId="315"/>
-            <ac:cxnSpMk id="34" creationId="{013A799E-B8F9-0454-82A5-DBB3E5E887A8}"/>
-          </ac:cxnSpMkLst>
-        </pc:cxnChg>
-      </pc:sldChg>
-      <pc:sldChg chg="addSp delSp modSp mod">
-        <pc:chgData name="Luiz Break" userId="3ea80d37ed61a017" providerId="LiveId" clId="{56B9750D-39E6-4829-AA8F-397063E359AF}" dt="2024-04-29T12:31:47.747" v="772" actId="20577"/>
-        <pc:sldMkLst>
-          <pc:docMk/>
-          <pc:sldMk cId="4240549405" sldId="316"/>
-        </pc:sldMkLst>
-        <pc:spChg chg="del mod">
-          <ac:chgData name="Luiz Break" userId="3ea80d37ed61a017" providerId="LiveId" clId="{56B9750D-39E6-4829-AA8F-397063E359AF}" dt="2024-04-29T12:27:42.660" v="680" actId="21"/>
-          <ac:spMkLst>
-            <pc:docMk/>
-            <pc:sldMk cId="4240549405" sldId="316"/>
-            <ac:spMk id="2" creationId="{22466969-6F95-F649-70D4-93D00BAB7BD9}"/>
-          </ac:spMkLst>
-        </pc:spChg>
-        <pc:spChg chg="del">
-          <ac:chgData name="Luiz Break" userId="3ea80d37ed61a017" providerId="LiveId" clId="{56B9750D-39E6-4829-AA8F-397063E359AF}" dt="2024-04-29T12:27:08.557" v="672" actId="21"/>
-          <ac:spMkLst>
-            <pc:docMk/>
-            <pc:sldMk cId="4240549405" sldId="316"/>
-            <ac:spMk id="5" creationId="{9E8D00AC-9659-6C72-F814-0C055F1E3881}"/>
-          </ac:spMkLst>
-        </pc:spChg>
-        <pc:spChg chg="mod">
-          <ac:chgData name="Luiz Break" userId="3ea80d37ed61a017" providerId="LiveId" clId="{56B9750D-39E6-4829-AA8F-397063E359AF}" dt="2024-04-29T12:27:34.589" v="678" actId="1076"/>
-          <ac:spMkLst>
-            <pc:docMk/>
-            <pc:sldMk cId="4240549405" sldId="316"/>
-            <ac:spMk id="7" creationId="{F32F4D42-5EA7-565C-4E12-A0106BCD603B}"/>
-          </ac:spMkLst>
-        </pc:spChg>
-        <pc:spChg chg="mod">
-          <ac:chgData name="Luiz Break" userId="3ea80d37ed61a017" providerId="LiveId" clId="{56B9750D-39E6-4829-AA8F-397063E359AF}" dt="2024-04-29T12:27:21.964" v="674" actId="1076"/>
-          <ac:spMkLst>
-            <pc:docMk/>
-            <pc:sldMk cId="4240549405" sldId="316"/>
-            <ac:spMk id="8" creationId="{2F3AC214-B009-B7D4-CF6E-1625C4F9DAF9}"/>
-          </ac:spMkLst>
-        </pc:spChg>
-        <pc:spChg chg="mod">
-          <ac:chgData name="Luiz Break" userId="3ea80d37ed61a017" providerId="LiveId" clId="{56B9750D-39E6-4829-AA8F-397063E359AF}" dt="2024-04-29T12:28:18.852" v="699" actId="14100"/>
-          <ac:spMkLst>
-            <pc:docMk/>
-            <pc:sldMk cId="4240549405" sldId="316"/>
-            <ac:spMk id="9" creationId="{FB7B2863-9E0A-CC84-AD22-449C88E3F677}"/>
-          </ac:spMkLst>
-        </pc:spChg>
-        <pc:spChg chg="mod">
-          <ac:chgData name="Luiz Break" userId="3ea80d37ed61a017" providerId="LiveId" clId="{56B9750D-39E6-4829-AA8F-397063E359AF}" dt="2024-04-29T12:28:45.555" v="706" actId="1037"/>
-          <ac:spMkLst>
-            <pc:docMk/>
-            <pc:sldMk cId="4240549405" sldId="316"/>
-            <ac:spMk id="11" creationId="{D51365FF-E933-8EB3-28D4-0F23E9085BDF}"/>
-          </ac:spMkLst>
-        </pc:spChg>
-        <pc:spChg chg="add mod">
-          <ac:chgData name="Luiz Break" userId="3ea80d37ed61a017" providerId="LiveId" clId="{56B9750D-39E6-4829-AA8F-397063E359AF}" dt="2024-04-29T12:31:16.383" v="761" actId="20577"/>
-          <ac:spMkLst>
-            <pc:docMk/>
-            <pc:sldMk cId="4240549405" sldId="316"/>
-            <ac:spMk id="36" creationId="{9BD8B7BE-C849-F008-5C1C-D218C68E8EE4}"/>
-          </ac:spMkLst>
-        </pc:spChg>
-        <pc:spChg chg="mod">
-          <ac:chgData name="Luiz Break" userId="3ea80d37ed61a017" providerId="LiveId" clId="{56B9750D-39E6-4829-AA8F-397063E359AF}" dt="2024-04-29T12:28:39.212" v="701" actId="20577"/>
-          <ac:spMkLst>
-            <pc:docMk/>
-            <pc:sldMk cId="4240549405" sldId="316"/>
-            <ac:spMk id="47" creationId="{32AA358C-6F85-39F6-422F-199890C2802A}"/>
-          </ac:spMkLst>
-        </pc:spChg>
-        <pc:spChg chg="mod">
-          <ac:chgData name="Luiz Break" userId="3ea80d37ed61a017" providerId="LiveId" clId="{56B9750D-39E6-4829-AA8F-397063E359AF}" dt="2024-04-29T12:29:25.164" v="745" actId="113"/>
-          <ac:spMkLst>
-            <pc:docMk/>
-            <pc:sldMk cId="4240549405" sldId="316"/>
-            <ac:spMk id="55" creationId="{C696C2AF-6E3E-3D62-88CF-F30184B6BD95}"/>
-          </ac:spMkLst>
-        </pc:spChg>
-        <pc:spChg chg="mod">
-          <ac:chgData name="Luiz Break" userId="3ea80d37ed61a017" providerId="LiveId" clId="{56B9750D-39E6-4829-AA8F-397063E359AF}" dt="2024-04-29T12:31:44.936" v="770" actId="20577"/>
-          <ac:spMkLst>
-            <pc:docMk/>
-            <pc:sldMk cId="4240549405" sldId="316"/>
-            <ac:spMk id="56" creationId="{7CE52EA9-D9F4-D636-1671-4458A0519A71}"/>
-          </ac:spMkLst>
-        </pc:spChg>
-        <pc:spChg chg="mod">
-          <ac:chgData name="Luiz Break" userId="3ea80d37ed61a017" providerId="LiveId" clId="{56B9750D-39E6-4829-AA8F-397063E359AF}" dt="2024-04-29T12:31:47.747" v="772" actId="20577"/>
-          <ac:spMkLst>
-            <pc:docMk/>
-            <pc:sldMk cId="4240549405" sldId="316"/>
-            <ac:spMk id="58" creationId="{510E4BB4-2331-00D3-11AC-7F1E0C2EE1AA}"/>
-          </ac:spMkLst>
-        </pc:spChg>
-        <pc:cxnChg chg="del mod">
-          <ac:chgData name="Luiz Break" userId="3ea80d37ed61a017" providerId="LiveId" clId="{56B9750D-39E6-4829-AA8F-397063E359AF}" dt="2024-04-29T12:28:32.540" v="700" actId="21"/>
-          <ac:cxnSpMkLst>
-            <pc:docMk/>
-            <pc:sldMk cId="4240549405" sldId="316"/>
-            <ac:cxnSpMk id="3" creationId="{C9519806-2813-4758-2DCD-797380AB69B7}"/>
-          </ac:cxnSpMkLst>
-        </pc:cxnChg>
-        <pc:cxnChg chg="mod">
-          <ac:chgData name="Luiz Break" userId="3ea80d37ed61a017" providerId="LiveId" clId="{56B9750D-39E6-4829-AA8F-397063E359AF}" dt="2024-04-29T12:28:45.555" v="706" actId="1037"/>
-          <ac:cxnSpMkLst>
-            <pc:docMk/>
-            <pc:sldMk cId="4240549405" sldId="316"/>
-            <ac:cxnSpMk id="17" creationId="{A4BFCC77-99A0-6EF6-E869-D31B1B08636D}"/>
-          </ac:cxnSpMkLst>
-        </pc:cxnChg>
-        <pc:cxnChg chg="mod">
-          <ac:chgData name="Luiz Break" userId="3ea80d37ed61a017" providerId="LiveId" clId="{56B9750D-39E6-4829-AA8F-397063E359AF}" dt="2024-04-29T12:27:34.589" v="678" actId="1076"/>
-          <ac:cxnSpMkLst>
-            <pc:docMk/>
-            <pc:sldMk cId="4240549405" sldId="316"/>
-            <ac:cxnSpMk id="22" creationId="{E2566536-7AF2-82F2-DD8C-AF688382FB0D}"/>
-          </ac:cxnSpMkLst>
-        </pc:cxnChg>
-        <pc:cxnChg chg="del mod">
-          <ac:chgData name="Luiz Break" userId="3ea80d37ed61a017" providerId="LiveId" clId="{56B9750D-39E6-4829-AA8F-397063E359AF}" dt="2024-04-29T12:27:12.100" v="673" actId="21"/>
-          <ac:cxnSpMkLst>
-            <pc:docMk/>
-            <pc:sldMk cId="4240549405" sldId="316"/>
-            <ac:cxnSpMk id="30" creationId="{AF0DADBD-BF31-F572-1AF2-F1F4711F3BC2}"/>
-          </ac:cxnSpMkLst>
-        </pc:cxnChg>
-        <pc:cxnChg chg="mod">
-          <ac:chgData name="Luiz Break" userId="3ea80d37ed61a017" providerId="LiveId" clId="{56B9750D-39E6-4829-AA8F-397063E359AF}" dt="2024-04-29T12:28:18.852" v="699" actId="14100"/>
-          <ac:cxnSpMkLst>
-            <pc:docMk/>
-            <pc:sldMk cId="4240549405" sldId="316"/>
-            <ac:cxnSpMk id="33" creationId="{25EBBF45-730D-4934-B782-FAEE70597F7D}"/>
-          </ac:cxnSpMkLst>
-        </pc:cxnChg>
-        <pc:cxnChg chg="add mod">
-          <ac:chgData name="Luiz Break" userId="3ea80d37ed61a017" providerId="LiveId" clId="{56B9750D-39E6-4829-AA8F-397063E359AF}" dt="2024-04-29T12:31:24.494" v="764" actId="14100"/>
-          <ac:cxnSpMkLst>
-            <pc:docMk/>
-            <pc:sldMk cId="4240549405" sldId="316"/>
-            <ac:cxnSpMk id="37" creationId="{081D6FA4-BA3C-44D0-72C4-12AAB7A54FDC}"/>
-          </ac:cxnSpMkLst>
-        </pc:cxnChg>
-        <pc:cxnChg chg="mod">
-          <ac:chgData name="Luiz Break" userId="3ea80d37ed61a017" providerId="LiveId" clId="{56B9750D-39E6-4829-AA8F-397063E359AF}" dt="2024-04-29T12:28:18.852" v="699" actId="14100"/>
-          <ac:cxnSpMkLst>
-            <pc:docMk/>
-            <pc:sldMk cId="4240549405" sldId="316"/>
-            <ac:cxnSpMk id="49" creationId="{5C0D49A7-A8B8-D8E0-2E45-10D5616A02DF}"/>
-          </ac:cxnSpMkLst>
-        </pc:cxnChg>
-      </pc:sldChg>
-      <pc:sldChg chg="del">
-        <pc:chgData name="Luiz Break" userId="3ea80d37ed61a017" providerId="LiveId" clId="{56B9750D-39E6-4829-AA8F-397063E359AF}" dt="2024-04-29T12:29:43.539" v="746" actId="2696"/>
-        <pc:sldMkLst>
-          <pc:docMk/>
-          <pc:sldMk cId="1327391553" sldId="317"/>
+          <pc:sldMk cId="453411335" sldId="320"/>
         </pc:sldMkLst>
       </pc:sldChg>
     </pc:docChg>
@@ -8046,7 +1541,7 @@
           <a:p>
             <a:fld id="{4B97C09A-2347-409D-9A31-A496097CEE40}" type="datetimeFigureOut">
               <a:rPr lang="en-US" smtClean="0"/>
-              <a:t>11/11/2024</a:t>
+              <a:t>1/4/2025</a:t>
             </a:fld>
             <a:endParaRPr lang="en-US"/>
           </a:p>
@@ -8957,7 +2452,7 @@
           <a:p>
             <a:fld id="{30DA992D-B031-451B-91EA-A22FE9180760}" type="datetimeFigureOut">
               <a:rPr lang="en-US" smtClean="0"/>
-              <a:t>11/11/2024</a:t>
+              <a:t>1/4/2025</a:t>
             </a:fld>
             <a:endParaRPr lang="en-US"/>
           </a:p>
@@ -9155,7 +2650,7 @@
           <a:p>
             <a:fld id="{30DA992D-B031-451B-91EA-A22FE9180760}" type="datetimeFigureOut">
               <a:rPr lang="en-US" smtClean="0"/>
-              <a:t>11/11/2024</a:t>
+              <a:t>1/4/2025</a:t>
             </a:fld>
             <a:endParaRPr lang="en-US"/>
           </a:p>
@@ -9363,7 +2858,7 @@
           <a:p>
             <a:fld id="{30DA992D-B031-451B-91EA-A22FE9180760}" type="datetimeFigureOut">
               <a:rPr lang="en-US" smtClean="0"/>
-              <a:t>11/11/2024</a:t>
+              <a:t>1/4/2025</a:t>
             </a:fld>
             <a:endParaRPr lang="en-US"/>
           </a:p>
@@ -9561,7 +3056,7 @@
           <a:p>
             <a:fld id="{30DA992D-B031-451B-91EA-A22FE9180760}" type="datetimeFigureOut">
               <a:rPr lang="en-US" smtClean="0"/>
-              <a:t>11/11/2024</a:t>
+              <a:t>1/4/2025</a:t>
             </a:fld>
             <a:endParaRPr lang="en-US"/>
           </a:p>
@@ -9836,7 +3331,7 @@
           <a:p>
             <a:fld id="{30DA992D-B031-451B-91EA-A22FE9180760}" type="datetimeFigureOut">
               <a:rPr lang="en-US" smtClean="0"/>
-              <a:t>11/11/2024</a:t>
+              <a:t>1/4/2025</a:t>
             </a:fld>
             <a:endParaRPr lang="en-US"/>
           </a:p>
@@ -10101,7 +3596,7 @@
           <a:p>
             <a:fld id="{30DA992D-B031-451B-91EA-A22FE9180760}" type="datetimeFigureOut">
               <a:rPr lang="en-US" smtClean="0"/>
-              <a:t>11/11/2024</a:t>
+              <a:t>1/4/2025</a:t>
             </a:fld>
             <a:endParaRPr lang="en-US"/>
           </a:p>
@@ -10513,7 +4008,7 @@
           <a:p>
             <a:fld id="{30DA992D-B031-451B-91EA-A22FE9180760}" type="datetimeFigureOut">
               <a:rPr lang="en-US" smtClean="0"/>
-              <a:t>11/11/2024</a:t>
+              <a:t>1/4/2025</a:t>
             </a:fld>
             <a:endParaRPr lang="en-US"/>
           </a:p>
@@ -10654,7 +4149,7 @@
           <a:p>
             <a:fld id="{30DA992D-B031-451B-91EA-A22FE9180760}" type="datetimeFigureOut">
               <a:rPr lang="en-US" smtClean="0"/>
-              <a:t>11/11/2024</a:t>
+              <a:t>1/4/2025</a:t>
             </a:fld>
             <a:endParaRPr lang="en-US"/>
           </a:p>
@@ -10767,7 +4262,7 @@
           <a:p>
             <a:fld id="{30DA992D-B031-451B-91EA-A22FE9180760}" type="datetimeFigureOut">
               <a:rPr lang="en-US" smtClean="0"/>
-              <a:t>11/11/2024</a:t>
+              <a:t>1/4/2025</a:t>
             </a:fld>
             <a:endParaRPr lang="en-US"/>
           </a:p>
@@ -11078,7 +4573,7 @@
           <a:p>
             <a:fld id="{30DA992D-B031-451B-91EA-A22FE9180760}" type="datetimeFigureOut">
               <a:rPr lang="en-US" smtClean="0"/>
-              <a:t>11/11/2024</a:t>
+              <a:t>1/4/2025</a:t>
             </a:fld>
             <a:endParaRPr lang="en-US"/>
           </a:p>
@@ -11366,7 +4861,7 @@
           <a:p>
             <a:fld id="{30DA992D-B031-451B-91EA-A22FE9180760}" type="datetimeFigureOut">
               <a:rPr lang="en-US" smtClean="0"/>
-              <a:t>11/11/2024</a:t>
+              <a:t>1/4/2025</a:t>
             </a:fld>
             <a:endParaRPr lang="en-US"/>
           </a:p>
@@ -11607,7 +5102,7 @@
           <a:p>
             <a:fld id="{30DA992D-B031-451B-91EA-A22FE9180760}" type="datetimeFigureOut">
               <a:rPr lang="en-US" smtClean="0"/>
-              <a:t>11/11/2024</a:t>
+              <a:t>1/4/2025</a:t>
             </a:fld>
             <a:endParaRPr lang="en-US"/>
           </a:p>
@@ -14794,7 +8289,7 @@
           <a:p>
             <a:pPr algn="ctr"/>
             <a:r>
-              <a:rPr lang="en-CA"/>
+              <a:rPr lang="en-CA" dirty="0"/>
               <a:t>Ticket Distribution</a:t>
             </a:r>
             <a:endParaRPr lang="en-US" dirty="0"/>
@@ -15685,7 +9180,7 @@
         </p:nvSpPr>
         <p:spPr>
           <a:xfrm>
-            <a:off x="7087722" y="4448644"/>
+            <a:off x="7188366" y="4401126"/>
             <a:ext cx="1872000" cy="685590"/>
           </a:xfrm>
           <a:prstGeom prst="roundRect">
@@ -15744,8 +9239,8 @@
         </p:nvCxnSpPr>
         <p:spPr>
           <a:xfrm rot="16200000" flipV="1">
-            <a:off x="7001692" y="3426614"/>
-            <a:ext cx="886927" cy="1157134"/>
+            <a:off x="7075773" y="3352533"/>
+            <a:ext cx="839409" cy="1257778"/>
           </a:xfrm>
           <a:prstGeom prst="bentConnector3">
             <a:avLst>
@@ -15790,7 +9285,7 @@
         </p:nvSpPr>
         <p:spPr>
           <a:xfrm>
-            <a:off x="9317054" y="3979187"/>
+            <a:off x="9311154" y="3979187"/>
             <a:ext cx="2258421" cy="685590"/>
           </a:xfrm>
           <a:prstGeom prst="roundRect">
@@ -15849,8 +9344,8 @@
         </p:nvCxnSpPr>
         <p:spPr>
           <a:xfrm rot="5400000">
-            <a:off x="9639663" y="3984837"/>
-            <a:ext cx="126662" cy="1486543"/>
+            <a:off x="9710794" y="4014350"/>
+            <a:ext cx="79144" cy="1379999"/>
           </a:xfrm>
           <a:prstGeom prst="bentConnector2">
             <a:avLst/>
@@ -15897,8 +9392,8 @@
         </p:nvCxnSpPr>
         <p:spPr>
           <a:xfrm rot="16200000" flipV="1">
-            <a:off x="9841561" y="3374483"/>
-            <a:ext cx="723471" cy="485938"/>
+            <a:off x="9838611" y="3377433"/>
+            <a:ext cx="723471" cy="480038"/>
           </a:xfrm>
           <a:prstGeom prst="bentConnector2">
             <a:avLst/>
@@ -28842,7 +22337,7 @@
         </p:nvSpPr>
         <p:spPr>
           <a:xfrm>
-            <a:off x="7959202" y="5602487"/>
+            <a:off x="7941533" y="5601280"/>
             <a:ext cx="1592132" cy="892885"/>
           </a:xfrm>
           <a:prstGeom prst="rect">
@@ -28895,9 +22390,9 @@
           <p:nvPr/>
         </p:nvCxnSpPr>
         <p:spPr>
-          <a:xfrm flipH="1" flipV="1">
+          <a:xfrm flipV="1">
             <a:off x="8737599" y="5144397"/>
-            <a:ext cx="17669" cy="458090"/>
+            <a:ext cx="0" cy="456883"/>
           </a:xfrm>
           <a:prstGeom prst="straightConnector1">
             <a:avLst/>
@@ -28940,7 +22435,7 @@
         <p:spPr>
           <a:xfrm>
             <a:off x="1757785" y="3429000"/>
-            <a:ext cx="6997483" cy="2173487"/>
+            <a:ext cx="6979814" cy="2172280"/>
           </a:xfrm>
           <a:prstGeom prst="straightConnector1">
             <a:avLst/>
